--- a/docs/diagrams.pptx
+++ b/docs/diagrams.pptx
@@ -5,15 +5,22 @@
     <p:sldMasterId id="2147483648" r:id="rId1"/>
   </p:sldMasterIdLst>
   <p:notesMasterIdLst>
-    <p:notesMasterId r:id="rId8"/>
+    <p:notesMasterId r:id="rId15"/>
   </p:notesMasterIdLst>
   <p:sldIdLst>
     <p:sldId id="256" r:id="rId2"/>
-    <p:sldId id="257" r:id="rId3"/>
-    <p:sldId id="258" r:id="rId4"/>
-    <p:sldId id="259" r:id="rId5"/>
-    <p:sldId id="260" r:id="rId6"/>
-    <p:sldId id="261" r:id="rId7"/>
+    <p:sldId id="267" r:id="rId3"/>
+    <p:sldId id="268" r:id="rId4"/>
+    <p:sldId id="257" r:id="rId5"/>
+    <p:sldId id="258" r:id="rId6"/>
+    <p:sldId id="259" r:id="rId7"/>
+    <p:sldId id="260" r:id="rId8"/>
+    <p:sldId id="261" r:id="rId9"/>
+    <p:sldId id="262" r:id="rId10"/>
+    <p:sldId id="263" r:id="rId11"/>
+    <p:sldId id="264" r:id="rId12"/>
+    <p:sldId id="265" r:id="rId13"/>
+    <p:sldId id="266" r:id="rId14"/>
   </p:sldIdLst>
   <p:sldSz cx="9144000" cy="6858000" type="screen4x3"/>
   <p:notesSz cx="6858000" cy="9144000"/>
@@ -530,7 +537,7 @@
           <a:p>
             <a:fld id="{FA9BF6FF-CE15-5447-8C3D-CF36A841EDF2}" type="slidenum">
               <a:rPr lang="en-US" smtClean="0"/>
-              <a:t>2</a:t>
+              <a:t>4</a:t>
             </a:fld>
             <a:endParaRPr lang="en-US"/>
           </a:p>
@@ -3595,6 +3602,3218 @@
 </p:sld>
 </file>
 
+<file path=ppt/slides/slide10.xml><?xml version="1.0" encoding="utf-8"?>
+<p:sld xmlns:a="http://schemas.openxmlformats.org/drawingml/2006/main" xmlns:r="http://schemas.openxmlformats.org/officeDocument/2006/relationships" xmlns:p="http://schemas.openxmlformats.org/presentationml/2006/main">
+  <p:cSld>
+    <p:spTree>
+      <p:nvGrpSpPr>
+        <p:cNvPr id="1" name=""/>
+        <p:cNvGrpSpPr/>
+        <p:nvPr/>
+      </p:nvGrpSpPr>
+      <p:grpSpPr>
+        <a:xfrm>
+          <a:off x="0" y="0"/>
+          <a:ext cx="0" cy="0"/>
+          <a:chOff x="0" y="0"/>
+          <a:chExt cx="0" cy="0"/>
+        </a:xfrm>
+      </p:grpSpPr>
+      <p:sp>
+        <p:nvSpPr>
+          <p:cNvPr id="2" name="Rounded Rectangle 1"/>
+          <p:cNvSpPr/>
+          <p:nvPr/>
+        </p:nvSpPr>
+        <p:spPr>
+          <a:xfrm>
+            <a:off x="2075443" y="4420071"/>
+            <a:ext cx="1869662" cy="670220"/>
+          </a:xfrm>
+          <a:prstGeom prst="roundRect">
+            <a:avLst/>
+          </a:prstGeom>
+        </p:spPr>
+        <p:style>
+          <a:lnRef idx="1">
+            <a:schemeClr val="accent1"/>
+          </a:lnRef>
+          <a:fillRef idx="3">
+            <a:schemeClr val="accent1"/>
+          </a:fillRef>
+          <a:effectRef idx="2">
+            <a:schemeClr val="accent1"/>
+          </a:effectRef>
+          <a:fontRef idx="minor">
+            <a:schemeClr val="lt1"/>
+          </a:fontRef>
+        </p:style>
+        <p:txBody>
+          <a:bodyPr rtlCol="0" anchor="ctr"/>
+          <a:lstStyle/>
+          <a:p>
+            <a:pPr algn="ctr"/>
+            <a:r>
+              <a:rPr lang="en-US" dirty="0" err="1" smtClean="0"/>
+              <a:t>Backbone.Model</a:t>
+            </a:r>
+            <a:endParaRPr lang="en-US" dirty="0"/>
+          </a:p>
+        </p:txBody>
+      </p:sp>
+      <p:sp>
+        <p:nvSpPr>
+          <p:cNvPr id="3" name="Rounded Rectangle 2"/>
+          <p:cNvSpPr/>
+          <p:nvPr/>
+        </p:nvSpPr>
+        <p:spPr>
+          <a:xfrm>
+            <a:off x="2075443" y="2503477"/>
+            <a:ext cx="1869662" cy="670220"/>
+          </a:xfrm>
+          <a:prstGeom prst="roundRect">
+            <a:avLst/>
+          </a:prstGeom>
+        </p:spPr>
+        <p:style>
+          <a:lnRef idx="1">
+            <a:schemeClr val="accent1"/>
+          </a:lnRef>
+          <a:fillRef idx="3">
+            <a:schemeClr val="accent1"/>
+          </a:fillRef>
+          <a:effectRef idx="2">
+            <a:schemeClr val="accent1"/>
+          </a:effectRef>
+          <a:fontRef idx="minor">
+            <a:schemeClr val="lt1"/>
+          </a:fontRef>
+        </p:style>
+        <p:txBody>
+          <a:bodyPr rtlCol="0" anchor="ctr"/>
+          <a:lstStyle/>
+          <a:p>
+            <a:pPr algn="ctr"/>
+            <a:r>
+              <a:rPr lang="en-US" dirty="0" err="1" smtClean="0"/>
+              <a:t>Backbone.View</a:t>
+            </a:r>
+            <a:endParaRPr lang="en-US" dirty="0"/>
+          </a:p>
+        </p:txBody>
+      </p:sp>
+      <p:sp>
+        <p:nvSpPr>
+          <p:cNvPr id="4" name="Document 3"/>
+          <p:cNvSpPr/>
+          <p:nvPr/>
+        </p:nvSpPr>
+        <p:spPr>
+          <a:xfrm>
+            <a:off x="5903534" y="3079631"/>
+            <a:ext cx="1398731" cy="2010660"/>
+          </a:xfrm>
+          <a:prstGeom prst="flowChartDocument">
+            <a:avLst/>
+          </a:prstGeom>
+        </p:spPr>
+        <p:style>
+          <a:lnRef idx="2">
+            <a:schemeClr val="dk1"/>
+          </a:lnRef>
+          <a:fillRef idx="1">
+            <a:schemeClr val="lt1"/>
+          </a:fillRef>
+          <a:effectRef idx="0">
+            <a:schemeClr val="dk1"/>
+          </a:effectRef>
+          <a:fontRef idx="minor">
+            <a:schemeClr val="dk1"/>
+          </a:fontRef>
+        </p:style>
+        <p:txBody>
+          <a:bodyPr rtlCol="0" anchor="t"/>
+          <a:lstStyle/>
+          <a:p>
+            <a:pPr algn="ctr"/>
+            <a:r>
+              <a:rPr lang="en-US" dirty="0" smtClean="0"/>
+              <a:t>DOM</a:t>
+            </a:r>
+            <a:endParaRPr lang="en-US" dirty="0"/>
+          </a:p>
+        </p:txBody>
+      </p:sp>
+      <p:sp>
+        <p:nvSpPr>
+          <p:cNvPr id="5" name="TextBox 4"/>
+          <p:cNvSpPr txBox="1"/>
+          <p:nvPr/>
+        </p:nvSpPr>
+        <p:spPr>
+          <a:xfrm>
+            <a:off x="6009365" y="3481517"/>
+            <a:ext cx="1292900" cy="1169551"/>
+          </a:xfrm>
+          <a:prstGeom prst="rect">
+            <a:avLst/>
+          </a:prstGeom>
+          <a:noFill/>
+        </p:spPr>
+        <p:txBody>
+          <a:bodyPr wrap="square" rtlCol="0">
+            <a:spAutoFit/>
+          </a:bodyPr>
+          <a:lstStyle/>
+          <a:p>
+            <a:r>
+              <a:rPr lang="en-US" sz="1400" dirty="0" smtClean="0"/>
+              <a:t>…</a:t>
+            </a:r>
+          </a:p>
+          <a:p>
+            <a:r>
+              <a:rPr lang="en-US" sz="1400" dirty="0" smtClean="0"/>
+              <a:t>&lt;div id=“list”&gt;</a:t>
+            </a:r>
+          </a:p>
+          <a:p>
+            <a:r>
+              <a:rPr lang="en-US" sz="1400" dirty="0"/>
+              <a:t> </a:t>
+            </a:r>
+            <a:r>
+              <a:rPr lang="en-US" sz="1400" dirty="0" smtClean="0"/>
+              <a:t>   Hello</a:t>
+            </a:r>
+          </a:p>
+          <a:p>
+            <a:r>
+              <a:rPr lang="en-US" sz="1400" dirty="0" smtClean="0"/>
+              <a:t>&lt;/div&gt;</a:t>
+            </a:r>
+          </a:p>
+          <a:p>
+            <a:r>
+              <a:rPr lang="en-US" sz="1400" dirty="0" smtClean="0"/>
+              <a:t>…</a:t>
+            </a:r>
+            <a:endParaRPr lang="en-US" sz="1400" dirty="0"/>
+          </a:p>
+        </p:txBody>
+      </p:sp>
+      <p:cxnSp>
+        <p:nvCxnSpPr>
+          <p:cNvPr id="7" name="Straight Arrow Connector 6"/>
+          <p:cNvCxnSpPr>
+            <a:stCxn id="3" idx="3"/>
+            <a:endCxn id="5" idx="1"/>
+          </p:cNvCxnSpPr>
+          <p:nvPr/>
+        </p:nvCxnSpPr>
+        <p:spPr>
+          <a:xfrm>
+            <a:off x="3945105" y="2838587"/>
+            <a:ext cx="2064260" cy="1227706"/>
+          </a:xfrm>
+          <a:prstGeom prst="straightConnector1">
+            <a:avLst/>
+          </a:prstGeom>
+          <a:ln>
+            <a:tailEnd type="arrow"/>
+          </a:ln>
+        </p:spPr>
+        <p:style>
+          <a:lnRef idx="2">
+            <a:schemeClr val="dk1"/>
+          </a:lnRef>
+          <a:fillRef idx="0">
+            <a:schemeClr val="dk1"/>
+          </a:fillRef>
+          <a:effectRef idx="1">
+            <a:schemeClr val="dk1"/>
+          </a:effectRef>
+          <a:fontRef idx="minor">
+            <a:schemeClr val="tx1"/>
+          </a:fontRef>
+        </p:style>
+      </p:cxnSp>
+      <p:sp>
+        <p:nvSpPr>
+          <p:cNvPr id="8" name="TextBox 7"/>
+          <p:cNvSpPr txBox="1"/>
+          <p:nvPr/>
+        </p:nvSpPr>
+        <p:spPr>
+          <a:xfrm>
+            <a:off x="4585964" y="3481517"/>
+            <a:ext cx="703926" cy="369332"/>
+          </a:xfrm>
+          <a:prstGeom prst="rect">
+            <a:avLst/>
+          </a:prstGeom>
+          <a:noFill/>
+        </p:spPr>
+        <p:txBody>
+          <a:bodyPr wrap="none" rtlCol="0">
+            <a:spAutoFit/>
+          </a:bodyPr>
+          <a:lstStyle/>
+          <a:p>
+            <a:r>
+              <a:rPr lang="en-US" dirty="0" smtClean="0"/>
+              <a:t>inject</a:t>
+            </a:r>
+            <a:endParaRPr lang="en-US" dirty="0"/>
+          </a:p>
+        </p:txBody>
+      </p:sp>
+      <p:sp>
+        <p:nvSpPr>
+          <p:cNvPr id="9" name="TextBox 8"/>
+          <p:cNvSpPr txBox="1"/>
+          <p:nvPr/>
+        </p:nvSpPr>
+        <p:spPr>
+          <a:xfrm>
+            <a:off x="4691794" y="2989031"/>
+            <a:ext cx="851240" cy="369332"/>
+          </a:xfrm>
+          <a:prstGeom prst="rect">
+            <a:avLst/>
+          </a:prstGeom>
+          <a:noFill/>
+        </p:spPr>
+        <p:txBody>
+          <a:bodyPr wrap="none" rtlCol="0">
+            <a:spAutoFit/>
+          </a:bodyPr>
+          <a:lstStyle/>
+          <a:p>
+            <a:r>
+              <a:rPr lang="en-US" dirty="0" smtClean="0"/>
+              <a:t>update</a:t>
+            </a:r>
+            <a:endParaRPr lang="en-US" dirty="0"/>
+          </a:p>
+        </p:txBody>
+      </p:sp>
+      <p:pic>
+        <p:nvPicPr>
+          <p:cNvPr id="11" name="Picture 10"/>
+          <p:cNvPicPr>
+            <a:picLocks noChangeAspect="1"/>
+          </p:cNvPicPr>
+          <p:nvPr/>
+        </p:nvPicPr>
+        <p:blipFill>
+          <a:blip r:embed="rId2"/>
+          <a:stretch>
+            <a:fillRect/>
+          </a:stretch>
+        </p:blipFill>
+        <p:spPr>
+          <a:xfrm>
+            <a:off x="5772005" y="740017"/>
+            <a:ext cx="2351280" cy="1763460"/>
+          </a:xfrm>
+          <a:prstGeom prst="rect">
+            <a:avLst/>
+          </a:prstGeom>
+        </p:spPr>
+      </p:pic>
+      <p:cxnSp>
+        <p:nvCxnSpPr>
+          <p:cNvPr id="12" name="Straight Arrow Connector 11"/>
+          <p:cNvCxnSpPr>
+            <a:stCxn id="11" idx="1"/>
+            <a:endCxn id="3" idx="3"/>
+          </p:cNvCxnSpPr>
+          <p:nvPr/>
+        </p:nvCxnSpPr>
+        <p:spPr>
+          <a:xfrm flipH="1">
+            <a:off x="3945105" y="1621747"/>
+            <a:ext cx="1826900" cy="1216840"/>
+          </a:xfrm>
+          <a:prstGeom prst="straightConnector1">
+            <a:avLst/>
+          </a:prstGeom>
+          <a:ln>
+            <a:tailEnd type="arrow"/>
+          </a:ln>
+        </p:spPr>
+        <p:style>
+          <a:lnRef idx="2">
+            <a:schemeClr val="dk1"/>
+          </a:lnRef>
+          <a:fillRef idx="0">
+            <a:schemeClr val="dk1"/>
+          </a:fillRef>
+          <a:effectRef idx="1">
+            <a:schemeClr val="dk1"/>
+          </a:effectRef>
+          <a:fontRef idx="minor">
+            <a:schemeClr val="tx1"/>
+          </a:fontRef>
+        </p:style>
+      </p:cxnSp>
+      <p:sp>
+        <p:nvSpPr>
+          <p:cNvPr id="17" name="TextBox 16"/>
+          <p:cNvSpPr txBox="1"/>
+          <p:nvPr/>
+        </p:nvSpPr>
+        <p:spPr>
+          <a:xfrm>
+            <a:off x="3945105" y="1298581"/>
+            <a:ext cx="1819510" cy="646331"/>
+          </a:xfrm>
+          <a:prstGeom prst="rect">
+            <a:avLst/>
+          </a:prstGeom>
+          <a:noFill/>
+        </p:spPr>
+        <p:txBody>
+          <a:bodyPr wrap="square" rtlCol="0">
+            <a:spAutoFit/>
+          </a:bodyPr>
+          <a:lstStyle/>
+          <a:p>
+            <a:r>
+              <a:rPr lang="en-US" dirty="0" smtClean="0"/>
+              <a:t>Events: update, click, input </a:t>
+            </a:r>
+            <a:endParaRPr lang="en-US" dirty="0"/>
+          </a:p>
+        </p:txBody>
+      </p:sp>
+      <p:cxnSp>
+        <p:nvCxnSpPr>
+          <p:cNvPr id="19" name="Curved Connector 18"/>
+          <p:cNvCxnSpPr>
+            <a:stCxn id="3" idx="1"/>
+            <a:endCxn id="3" idx="0"/>
+          </p:cNvCxnSpPr>
+          <p:nvPr/>
+        </p:nvCxnSpPr>
+        <p:spPr>
+          <a:xfrm rot="10800000" flipH="1">
+            <a:off x="2075442" y="2503477"/>
+            <a:ext cx="934831" cy="335110"/>
+          </a:xfrm>
+          <a:prstGeom prst="curvedConnector4">
+            <a:avLst>
+              <a:gd name="adj1" fmla="val -60932"/>
+              <a:gd name="adj2" fmla="val 269970"/>
+            </a:avLst>
+          </a:prstGeom>
+          <a:ln>
+            <a:tailEnd type="arrow"/>
+          </a:ln>
+        </p:spPr>
+        <p:style>
+          <a:lnRef idx="2">
+            <a:schemeClr val="dk1"/>
+          </a:lnRef>
+          <a:fillRef idx="0">
+            <a:schemeClr val="dk1"/>
+          </a:fillRef>
+          <a:effectRef idx="1">
+            <a:schemeClr val="dk1"/>
+          </a:effectRef>
+          <a:fontRef idx="minor">
+            <a:schemeClr val="tx1"/>
+          </a:fontRef>
+        </p:style>
+      </p:cxnSp>
+      <p:sp>
+        <p:nvSpPr>
+          <p:cNvPr id="22" name="TextBox 21"/>
+          <p:cNvSpPr txBox="1"/>
+          <p:nvPr/>
+        </p:nvSpPr>
+        <p:spPr>
+          <a:xfrm>
+            <a:off x="1032016" y="1621747"/>
+            <a:ext cx="817877" cy="369332"/>
+          </a:xfrm>
+          <a:prstGeom prst="rect">
+            <a:avLst/>
+          </a:prstGeom>
+          <a:noFill/>
+        </p:spPr>
+        <p:txBody>
+          <a:bodyPr wrap="none" rtlCol="0">
+            <a:spAutoFit/>
+          </a:bodyPr>
+          <a:lstStyle/>
+          <a:p>
+            <a:r>
+              <a:rPr lang="en-US" dirty="0" smtClean="0"/>
+              <a:t>render</a:t>
+            </a:r>
+            <a:endParaRPr lang="en-US" dirty="0"/>
+          </a:p>
+        </p:txBody>
+      </p:sp>
+      <p:cxnSp>
+        <p:nvCxnSpPr>
+          <p:cNvPr id="23" name="Straight Arrow Connector 22"/>
+          <p:cNvCxnSpPr/>
+          <p:nvPr/>
+        </p:nvCxnSpPr>
+        <p:spPr>
+          <a:xfrm>
+            <a:off x="2631918" y="3203231"/>
+            <a:ext cx="0" cy="1216840"/>
+          </a:xfrm>
+          <a:prstGeom prst="straightConnector1">
+            <a:avLst/>
+          </a:prstGeom>
+          <a:ln>
+            <a:tailEnd type="arrow"/>
+          </a:ln>
+        </p:spPr>
+        <p:style>
+          <a:lnRef idx="2">
+            <a:schemeClr val="dk1"/>
+          </a:lnRef>
+          <a:fillRef idx="0">
+            <a:schemeClr val="dk1"/>
+          </a:fillRef>
+          <a:effectRef idx="1">
+            <a:schemeClr val="dk1"/>
+          </a:effectRef>
+          <a:fontRef idx="minor">
+            <a:schemeClr val="tx1"/>
+          </a:fontRef>
+        </p:style>
+      </p:cxnSp>
+      <p:cxnSp>
+        <p:nvCxnSpPr>
+          <p:cNvPr id="26" name="Straight Arrow Connector 25"/>
+          <p:cNvCxnSpPr/>
+          <p:nvPr/>
+        </p:nvCxnSpPr>
+        <p:spPr>
+          <a:xfrm flipV="1">
+            <a:off x="3462525" y="3173697"/>
+            <a:ext cx="0" cy="1246374"/>
+          </a:xfrm>
+          <a:prstGeom prst="straightConnector1">
+            <a:avLst/>
+          </a:prstGeom>
+          <a:ln>
+            <a:tailEnd type="arrow"/>
+          </a:ln>
+        </p:spPr>
+        <p:style>
+          <a:lnRef idx="2">
+            <a:schemeClr val="dk1"/>
+          </a:lnRef>
+          <a:fillRef idx="0">
+            <a:schemeClr val="dk1"/>
+          </a:fillRef>
+          <a:effectRef idx="1">
+            <a:schemeClr val="dk1"/>
+          </a:effectRef>
+          <a:fontRef idx="minor">
+            <a:schemeClr val="tx1"/>
+          </a:fontRef>
+        </p:style>
+      </p:cxnSp>
+      <p:sp>
+        <p:nvSpPr>
+          <p:cNvPr id="28" name="TextBox 27"/>
+          <p:cNvSpPr txBox="1"/>
+          <p:nvPr/>
+        </p:nvSpPr>
+        <p:spPr>
+          <a:xfrm>
+            <a:off x="1649823" y="3262768"/>
+            <a:ext cx="851240" cy="369332"/>
+          </a:xfrm>
+          <a:prstGeom prst="rect">
+            <a:avLst/>
+          </a:prstGeom>
+          <a:noFill/>
+        </p:spPr>
+        <p:txBody>
+          <a:bodyPr wrap="none" rtlCol="0">
+            <a:spAutoFit/>
+          </a:bodyPr>
+          <a:lstStyle/>
+          <a:p>
+            <a:r>
+              <a:rPr lang="en-US" dirty="0" smtClean="0"/>
+              <a:t>update</a:t>
+            </a:r>
+            <a:endParaRPr lang="en-US" dirty="0"/>
+          </a:p>
+        </p:txBody>
+      </p:sp>
+      <p:sp>
+        <p:nvSpPr>
+          <p:cNvPr id="29" name="TextBox 28"/>
+          <p:cNvSpPr txBox="1"/>
+          <p:nvPr/>
+        </p:nvSpPr>
+        <p:spPr>
+          <a:xfrm>
+            <a:off x="3487788" y="4001432"/>
+            <a:ext cx="731202" cy="369332"/>
+          </a:xfrm>
+          <a:prstGeom prst="rect">
+            <a:avLst/>
+          </a:prstGeom>
+          <a:noFill/>
+        </p:spPr>
+        <p:txBody>
+          <a:bodyPr wrap="none" rtlCol="0">
+            <a:spAutoFit/>
+          </a:bodyPr>
+          <a:lstStyle/>
+          <a:p>
+            <a:r>
+              <a:rPr lang="en-US" dirty="0" smtClean="0"/>
+              <a:t>notify</a:t>
+            </a:r>
+            <a:endParaRPr lang="en-US" dirty="0"/>
+          </a:p>
+        </p:txBody>
+      </p:sp>
+    </p:spTree>
+    <p:extLst>
+      <p:ext uri="{BB962C8B-B14F-4D97-AF65-F5344CB8AC3E}">
+        <p14:creationId xmlns:p14="http://schemas.microsoft.com/office/powerpoint/2010/main" val="3945088569"/>
+      </p:ext>
+    </p:extLst>
+  </p:cSld>
+  <p:clrMapOvr>
+    <a:masterClrMapping/>
+  </p:clrMapOvr>
+</p:sld>
+</file>
+
+<file path=ppt/slides/slide11.xml><?xml version="1.0" encoding="utf-8"?>
+<p:sld xmlns:a="http://schemas.openxmlformats.org/drawingml/2006/main" xmlns:r="http://schemas.openxmlformats.org/officeDocument/2006/relationships" xmlns:p="http://schemas.openxmlformats.org/presentationml/2006/main">
+  <p:cSld>
+    <p:spTree>
+      <p:nvGrpSpPr>
+        <p:cNvPr id="1" name=""/>
+        <p:cNvGrpSpPr/>
+        <p:nvPr/>
+      </p:nvGrpSpPr>
+      <p:grpSpPr>
+        <a:xfrm>
+          <a:off x="0" y="0"/>
+          <a:ext cx="0" cy="0"/>
+          <a:chOff x="0" y="0"/>
+          <a:chExt cx="0" cy="0"/>
+        </a:xfrm>
+      </p:grpSpPr>
+      <p:sp>
+        <p:nvSpPr>
+          <p:cNvPr id="2" name="Rounded Rectangle 1"/>
+          <p:cNvSpPr/>
+          <p:nvPr/>
+        </p:nvSpPr>
+        <p:spPr>
+          <a:xfrm>
+            <a:off x="1420063" y="4420071"/>
+            <a:ext cx="1519661" cy="670220"/>
+          </a:xfrm>
+          <a:prstGeom prst="roundRect">
+            <a:avLst/>
+          </a:prstGeom>
+        </p:spPr>
+        <p:style>
+          <a:lnRef idx="1">
+            <a:schemeClr val="accent1"/>
+          </a:lnRef>
+          <a:fillRef idx="3">
+            <a:schemeClr val="accent1"/>
+          </a:fillRef>
+          <a:effectRef idx="2">
+            <a:schemeClr val="accent1"/>
+          </a:effectRef>
+          <a:fontRef idx="minor">
+            <a:schemeClr val="lt1"/>
+          </a:fontRef>
+        </p:style>
+        <p:txBody>
+          <a:bodyPr rtlCol="0" anchor="ctr"/>
+          <a:lstStyle/>
+          <a:p>
+            <a:pPr algn="ctr"/>
+            <a:r>
+              <a:rPr lang="en-US" dirty="0" smtClean="0"/>
+              <a:t>Model</a:t>
+            </a:r>
+            <a:endParaRPr lang="en-US" dirty="0"/>
+          </a:p>
+        </p:txBody>
+      </p:sp>
+      <p:sp>
+        <p:nvSpPr>
+          <p:cNvPr id="3" name="Rounded Rectangle 2"/>
+          <p:cNvSpPr/>
+          <p:nvPr/>
+        </p:nvSpPr>
+        <p:spPr>
+          <a:xfrm>
+            <a:off x="2463490" y="2503477"/>
+            <a:ext cx="1412345" cy="670220"/>
+          </a:xfrm>
+          <a:prstGeom prst="roundRect">
+            <a:avLst/>
+          </a:prstGeom>
+        </p:spPr>
+        <p:style>
+          <a:lnRef idx="1">
+            <a:schemeClr val="accent1"/>
+          </a:lnRef>
+          <a:fillRef idx="3">
+            <a:schemeClr val="accent1"/>
+          </a:fillRef>
+          <a:effectRef idx="2">
+            <a:schemeClr val="accent1"/>
+          </a:effectRef>
+          <a:fontRef idx="minor">
+            <a:schemeClr val="lt1"/>
+          </a:fontRef>
+        </p:style>
+        <p:txBody>
+          <a:bodyPr rtlCol="0" anchor="ctr"/>
+          <a:lstStyle/>
+          <a:p>
+            <a:pPr algn="ctr"/>
+            <a:r>
+              <a:rPr lang="en-US" dirty="0" smtClean="0"/>
+              <a:t>View2</a:t>
+            </a:r>
+            <a:endParaRPr lang="en-US" dirty="0"/>
+          </a:p>
+        </p:txBody>
+      </p:sp>
+      <p:cxnSp>
+        <p:nvCxnSpPr>
+          <p:cNvPr id="6" name="Straight Arrow Connector 5"/>
+          <p:cNvCxnSpPr>
+            <a:stCxn id="2" idx="0"/>
+            <a:endCxn id="18" idx="2"/>
+          </p:cNvCxnSpPr>
+          <p:nvPr/>
+        </p:nvCxnSpPr>
+        <p:spPr>
+          <a:xfrm flipH="1" flipV="1">
+            <a:off x="1317813" y="3213501"/>
+            <a:ext cx="862081" cy="1206570"/>
+          </a:xfrm>
+          <a:prstGeom prst="straightConnector1">
+            <a:avLst/>
+          </a:prstGeom>
+          <a:ln>
+            <a:tailEnd type="arrow"/>
+          </a:ln>
+        </p:spPr>
+        <p:style>
+          <a:lnRef idx="2">
+            <a:schemeClr val="dk1"/>
+          </a:lnRef>
+          <a:fillRef idx="0">
+            <a:schemeClr val="dk1"/>
+          </a:fillRef>
+          <a:effectRef idx="1">
+            <a:schemeClr val="dk1"/>
+          </a:effectRef>
+          <a:fontRef idx="minor">
+            <a:schemeClr val="tx1"/>
+          </a:fontRef>
+        </p:style>
+      </p:cxnSp>
+      <p:cxnSp>
+        <p:nvCxnSpPr>
+          <p:cNvPr id="10" name="Straight Arrow Connector 9"/>
+          <p:cNvCxnSpPr>
+            <a:endCxn id="3" idx="3"/>
+          </p:cNvCxnSpPr>
+          <p:nvPr/>
+        </p:nvCxnSpPr>
+        <p:spPr>
+          <a:xfrm flipH="1">
+            <a:off x="3875835" y="2163518"/>
+            <a:ext cx="1308557" cy="675069"/>
+          </a:xfrm>
+          <a:prstGeom prst="straightConnector1">
+            <a:avLst/>
+          </a:prstGeom>
+          <a:ln>
+            <a:tailEnd type="arrow"/>
+          </a:ln>
+        </p:spPr>
+        <p:style>
+          <a:lnRef idx="2">
+            <a:schemeClr val="dk1"/>
+          </a:lnRef>
+          <a:fillRef idx="0">
+            <a:schemeClr val="dk1"/>
+          </a:fillRef>
+          <a:effectRef idx="1">
+            <a:schemeClr val="dk1"/>
+          </a:effectRef>
+          <a:fontRef idx="minor">
+            <a:schemeClr val="tx1"/>
+          </a:fontRef>
+        </p:style>
+      </p:cxnSp>
+      <p:sp>
+        <p:nvSpPr>
+          <p:cNvPr id="11" name="TextBox 10"/>
+          <p:cNvSpPr txBox="1"/>
+          <p:nvPr/>
+        </p:nvSpPr>
+        <p:spPr>
+          <a:xfrm>
+            <a:off x="4274637" y="1517187"/>
+            <a:ext cx="1819510" cy="646331"/>
+          </a:xfrm>
+          <a:prstGeom prst="rect">
+            <a:avLst/>
+          </a:prstGeom>
+          <a:noFill/>
+        </p:spPr>
+        <p:txBody>
+          <a:bodyPr wrap="square" rtlCol="0">
+            <a:spAutoFit/>
+          </a:bodyPr>
+          <a:lstStyle/>
+          <a:p>
+            <a:r>
+              <a:rPr lang="en-US" dirty="0" smtClean="0"/>
+              <a:t>Events: update, click, input </a:t>
+            </a:r>
+            <a:endParaRPr lang="en-US" dirty="0"/>
+          </a:p>
+        </p:txBody>
+      </p:sp>
+      <p:cxnSp>
+        <p:nvCxnSpPr>
+          <p:cNvPr id="12" name="Curved Connector 11"/>
+          <p:cNvCxnSpPr>
+            <a:stCxn id="3" idx="1"/>
+            <a:endCxn id="3" idx="0"/>
+          </p:cNvCxnSpPr>
+          <p:nvPr/>
+        </p:nvCxnSpPr>
+        <p:spPr>
+          <a:xfrm rot="10800000" flipH="1">
+            <a:off x="2463489" y="2503477"/>
+            <a:ext cx="706173" cy="335110"/>
+          </a:xfrm>
+          <a:prstGeom prst="curvedConnector4">
+            <a:avLst>
+              <a:gd name="adj1" fmla="val -32372"/>
+              <a:gd name="adj2" fmla="val 168216"/>
+            </a:avLst>
+          </a:prstGeom>
+          <a:ln>
+            <a:tailEnd type="arrow"/>
+          </a:ln>
+        </p:spPr>
+        <p:style>
+          <a:lnRef idx="2">
+            <a:schemeClr val="dk1"/>
+          </a:lnRef>
+          <a:fillRef idx="0">
+            <a:schemeClr val="dk1"/>
+          </a:fillRef>
+          <a:effectRef idx="1">
+            <a:schemeClr val="dk1"/>
+          </a:effectRef>
+          <a:fontRef idx="minor">
+            <a:schemeClr val="tx1"/>
+          </a:fontRef>
+        </p:style>
+      </p:cxnSp>
+      <p:sp>
+        <p:nvSpPr>
+          <p:cNvPr id="13" name="TextBox 12"/>
+          <p:cNvSpPr txBox="1"/>
+          <p:nvPr/>
+        </p:nvSpPr>
+        <p:spPr>
+          <a:xfrm>
+            <a:off x="2087385" y="1937088"/>
+            <a:ext cx="817877" cy="369332"/>
+          </a:xfrm>
+          <a:prstGeom prst="rect">
+            <a:avLst/>
+          </a:prstGeom>
+          <a:noFill/>
+        </p:spPr>
+        <p:txBody>
+          <a:bodyPr wrap="none" rtlCol="0">
+            <a:spAutoFit/>
+          </a:bodyPr>
+          <a:lstStyle/>
+          <a:p>
+            <a:r>
+              <a:rPr lang="en-US" dirty="0" smtClean="0"/>
+              <a:t>render</a:t>
+            </a:r>
+            <a:endParaRPr lang="en-US" dirty="0"/>
+          </a:p>
+        </p:txBody>
+      </p:sp>
+      <p:cxnSp>
+        <p:nvCxnSpPr>
+          <p:cNvPr id="15" name="Straight Arrow Connector 14"/>
+          <p:cNvCxnSpPr>
+            <a:stCxn id="2" idx="0"/>
+            <a:endCxn id="3" idx="2"/>
+          </p:cNvCxnSpPr>
+          <p:nvPr/>
+        </p:nvCxnSpPr>
+        <p:spPr>
+          <a:xfrm flipV="1">
+            <a:off x="2179894" y="3173697"/>
+            <a:ext cx="989769" cy="1246374"/>
+          </a:xfrm>
+          <a:prstGeom prst="straightConnector1">
+            <a:avLst/>
+          </a:prstGeom>
+          <a:ln>
+            <a:tailEnd type="arrow"/>
+          </a:ln>
+        </p:spPr>
+        <p:style>
+          <a:lnRef idx="2">
+            <a:schemeClr val="dk1"/>
+          </a:lnRef>
+          <a:fillRef idx="0">
+            <a:schemeClr val="dk1"/>
+          </a:fillRef>
+          <a:effectRef idx="1">
+            <a:schemeClr val="dk1"/>
+          </a:effectRef>
+          <a:fontRef idx="minor">
+            <a:schemeClr val="tx1"/>
+          </a:fontRef>
+        </p:style>
+      </p:cxnSp>
+      <p:sp>
+        <p:nvSpPr>
+          <p:cNvPr id="16" name="TextBox 15"/>
+          <p:cNvSpPr txBox="1"/>
+          <p:nvPr/>
+        </p:nvSpPr>
+        <p:spPr>
+          <a:xfrm>
+            <a:off x="3423397" y="3666175"/>
+            <a:ext cx="851240" cy="369332"/>
+          </a:xfrm>
+          <a:prstGeom prst="rect">
+            <a:avLst/>
+          </a:prstGeom>
+          <a:noFill/>
+        </p:spPr>
+        <p:txBody>
+          <a:bodyPr wrap="none" rtlCol="0">
+            <a:spAutoFit/>
+          </a:bodyPr>
+          <a:lstStyle/>
+          <a:p>
+            <a:r>
+              <a:rPr lang="en-US" dirty="0" smtClean="0"/>
+              <a:t>update</a:t>
+            </a:r>
+            <a:endParaRPr lang="en-US" dirty="0"/>
+          </a:p>
+        </p:txBody>
+      </p:sp>
+      <p:sp>
+        <p:nvSpPr>
+          <p:cNvPr id="17" name="TextBox 16"/>
+          <p:cNvSpPr txBox="1"/>
+          <p:nvPr/>
+        </p:nvSpPr>
+        <p:spPr>
+          <a:xfrm>
+            <a:off x="1814293" y="3481509"/>
+            <a:ext cx="731202" cy="369332"/>
+          </a:xfrm>
+          <a:prstGeom prst="rect">
+            <a:avLst/>
+          </a:prstGeom>
+          <a:noFill/>
+        </p:spPr>
+        <p:txBody>
+          <a:bodyPr wrap="none" rtlCol="0">
+            <a:spAutoFit/>
+          </a:bodyPr>
+          <a:lstStyle/>
+          <a:p>
+            <a:r>
+              <a:rPr lang="en-US" dirty="0" smtClean="0"/>
+              <a:t>notify</a:t>
+            </a:r>
+            <a:endParaRPr lang="en-US" dirty="0"/>
+          </a:p>
+        </p:txBody>
+      </p:sp>
+      <p:sp>
+        <p:nvSpPr>
+          <p:cNvPr id="18" name="Rounded Rectangle 17"/>
+          <p:cNvSpPr/>
+          <p:nvPr/>
+        </p:nvSpPr>
+        <p:spPr>
+          <a:xfrm>
+            <a:off x="647557" y="2543281"/>
+            <a:ext cx="1340512" cy="670220"/>
+          </a:xfrm>
+          <a:prstGeom prst="roundRect">
+            <a:avLst/>
+          </a:prstGeom>
+        </p:spPr>
+        <p:style>
+          <a:lnRef idx="1">
+            <a:schemeClr val="accent1"/>
+          </a:lnRef>
+          <a:fillRef idx="3">
+            <a:schemeClr val="accent1"/>
+          </a:fillRef>
+          <a:effectRef idx="2">
+            <a:schemeClr val="accent1"/>
+          </a:effectRef>
+          <a:fontRef idx="minor">
+            <a:schemeClr val="lt1"/>
+          </a:fontRef>
+        </p:style>
+        <p:txBody>
+          <a:bodyPr rtlCol="0" anchor="ctr"/>
+          <a:lstStyle/>
+          <a:p>
+            <a:pPr algn="ctr"/>
+            <a:r>
+              <a:rPr lang="en-US" dirty="0" smtClean="0"/>
+              <a:t>View1</a:t>
+            </a:r>
+            <a:endParaRPr lang="en-US" dirty="0"/>
+          </a:p>
+        </p:txBody>
+      </p:sp>
+      <p:cxnSp>
+        <p:nvCxnSpPr>
+          <p:cNvPr id="28" name="Curved Connector 27"/>
+          <p:cNvCxnSpPr>
+            <a:stCxn id="18" idx="1"/>
+            <a:endCxn id="18" idx="0"/>
+          </p:cNvCxnSpPr>
+          <p:nvPr/>
+        </p:nvCxnSpPr>
+        <p:spPr>
+          <a:xfrm rot="10800000" flipH="1">
+            <a:off x="647557" y="2543281"/>
+            <a:ext cx="670256" cy="335110"/>
+          </a:xfrm>
+          <a:prstGeom prst="curvedConnector4">
+            <a:avLst>
+              <a:gd name="adj1" fmla="val -34106"/>
+              <a:gd name="adj2" fmla="val 168216"/>
+            </a:avLst>
+          </a:prstGeom>
+          <a:ln>
+            <a:tailEnd type="arrow"/>
+          </a:ln>
+        </p:spPr>
+        <p:style>
+          <a:lnRef idx="2">
+            <a:schemeClr val="dk1"/>
+          </a:lnRef>
+          <a:fillRef idx="0">
+            <a:schemeClr val="dk1"/>
+          </a:fillRef>
+          <a:effectRef idx="1">
+            <a:schemeClr val="dk1"/>
+          </a:effectRef>
+          <a:fontRef idx="minor">
+            <a:schemeClr val="tx1"/>
+          </a:fontRef>
+        </p:style>
+      </p:cxnSp>
+      <p:sp>
+        <p:nvSpPr>
+          <p:cNvPr id="31" name="TextBox 30"/>
+          <p:cNvSpPr txBox="1"/>
+          <p:nvPr/>
+        </p:nvSpPr>
+        <p:spPr>
+          <a:xfrm>
+            <a:off x="380785" y="1944912"/>
+            <a:ext cx="817877" cy="369332"/>
+          </a:xfrm>
+          <a:prstGeom prst="rect">
+            <a:avLst/>
+          </a:prstGeom>
+          <a:noFill/>
+        </p:spPr>
+        <p:txBody>
+          <a:bodyPr wrap="none" rtlCol="0">
+            <a:spAutoFit/>
+          </a:bodyPr>
+          <a:lstStyle/>
+          <a:p>
+            <a:r>
+              <a:rPr lang="en-US" dirty="0" smtClean="0"/>
+              <a:t>render</a:t>
+            </a:r>
+            <a:endParaRPr lang="en-US" dirty="0"/>
+          </a:p>
+        </p:txBody>
+      </p:sp>
+      <p:cxnSp>
+        <p:nvCxnSpPr>
+          <p:cNvPr id="38" name="Curved Connector 37"/>
+          <p:cNvCxnSpPr/>
+          <p:nvPr/>
+        </p:nvCxnSpPr>
+        <p:spPr>
+          <a:xfrm rot="5400000">
+            <a:off x="2586992" y="3385324"/>
+            <a:ext cx="1246375" cy="823122"/>
+          </a:xfrm>
+          <a:prstGeom prst="curvedConnector3">
+            <a:avLst>
+              <a:gd name="adj1" fmla="val 58491"/>
+            </a:avLst>
+          </a:prstGeom>
+          <a:ln>
+            <a:tailEnd type="arrow"/>
+          </a:ln>
+        </p:spPr>
+        <p:style>
+          <a:lnRef idx="2">
+            <a:schemeClr val="dk1"/>
+          </a:lnRef>
+          <a:fillRef idx="0">
+            <a:schemeClr val="dk1"/>
+          </a:fillRef>
+          <a:effectRef idx="1">
+            <a:schemeClr val="dk1"/>
+          </a:effectRef>
+          <a:fontRef idx="minor">
+            <a:schemeClr val="tx1"/>
+          </a:fontRef>
+        </p:style>
+      </p:cxnSp>
+      <p:sp>
+        <p:nvSpPr>
+          <p:cNvPr id="41" name="Rounded Rectangle 40"/>
+          <p:cNvSpPr/>
+          <p:nvPr/>
+        </p:nvSpPr>
+        <p:spPr>
+          <a:xfrm>
+            <a:off x="4274637" y="4420073"/>
+            <a:ext cx="1519661" cy="670220"/>
+          </a:xfrm>
+          <a:prstGeom prst="roundRect">
+            <a:avLst/>
+          </a:prstGeom>
+        </p:spPr>
+        <p:style>
+          <a:lnRef idx="1">
+            <a:schemeClr val="accent1"/>
+          </a:lnRef>
+          <a:fillRef idx="3">
+            <a:schemeClr val="accent1"/>
+          </a:fillRef>
+          <a:effectRef idx="2">
+            <a:schemeClr val="accent1"/>
+          </a:effectRef>
+          <a:fontRef idx="minor">
+            <a:schemeClr val="lt1"/>
+          </a:fontRef>
+        </p:style>
+        <p:txBody>
+          <a:bodyPr rtlCol="0" anchor="ctr"/>
+          <a:lstStyle/>
+          <a:p>
+            <a:pPr algn="ctr"/>
+            <a:r>
+              <a:rPr lang="en-US" dirty="0" smtClean="0"/>
+              <a:t>Server</a:t>
+            </a:r>
+            <a:endParaRPr lang="en-US" dirty="0"/>
+          </a:p>
+        </p:txBody>
+      </p:sp>
+      <p:cxnSp>
+        <p:nvCxnSpPr>
+          <p:cNvPr id="42" name="Straight Arrow Connector 41"/>
+          <p:cNvCxnSpPr>
+            <a:stCxn id="2" idx="3"/>
+            <a:endCxn id="41" idx="1"/>
+          </p:cNvCxnSpPr>
+          <p:nvPr/>
+        </p:nvCxnSpPr>
+        <p:spPr>
+          <a:xfrm>
+            <a:off x="2939724" y="4755181"/>
+            <a:ext cx="1334913" cy="2"/>
+          </a:xfrm>
+          <a:prstGeom prst="straightConnector1">
+            <a:avLst/>
+          </a:prstGeom>
+          <a:ln>
+            <a:tailEnd type="arrow"/>
+          </a:ln>
+        </p:spPr>
+        <p:style>
+          <a:lnRef idx="2">
+            <a:schemeClr val="dk1"/>
+          </a:lnRef>
+          <a:fillRef idx="0">
+            <a:schemeClr val="dk1"/>
+          </a:fillRef>
+          <a:effectRef idx="1">
+            <a:schemeClr val="dk1"/>
+          </a:effectRef>
+          <a:fontRef idx="minor">
+            <a:schemeClr val="tx1"/>
+          </a:fontRef>
+        </p:style>
+      </p:cxnSp>
+      <p:sp>
+        <p:nvSpPr>
+          <p:cNvPr id="46" name="TextBox 45"/>
+          <p:cNvSpPr txBox="1"/>
+          <p:nvPr/>
+        </p:nvSpPr>
+        <p:spPr>
+          <a:xfrm>
+            <a:off x="3196121" y="4804184"/>
+            <a:ext cx="851240" cy="369332"/>
+          </a:xfrm>
+          <a:prstGeom prst="rect">
+            <a:avLst/>
+          </a:prstGeom>
+          <a:noFill/>
+        </p:spPr>
+        <p:txBody>
+          <a:bodyPr wrap="none" rtlCol="0">
+            <a:spAutoFit/>
+          </a:bodyPr>
+          <a:lstStyle/>
+          <a:p>
+            <a:r>
+              <a:rPr lang="en-US" dirty="0" smtClean="0"/>
+              <a:t>update</a:t>
+            </a:r>
+            <a:endParaRPr lang="en-US" dirty="0"/>
+          </a:p>
+        </p:txBody>
+      </p:sp>
+    </p:spTree>
+    <p:extLst>
+      <p:ext uri="{BB962C8B-B14F-4D97-AF65-F5344CB8AC3E}">
+        <p14:creationId xmlns:p14="http://schemas.microsoft.com/office/powerpoint/2010/main" val="931824635"/>
+      </p:ext>
+    </p:extLst>
+  </p:cSld>
+  <p:clrMapOvr>
+    <a:masterClrMapping/>
+  </p:clrMapOvr>
+</p:sld>
+</file>
+
+<file path=ppt/slides/slide12.xml><?xml version="1.0" encoding="utf-8"?>
+<p:sld xmlns:a="http://schemas.openxmlformats.org/drawingml/2006/main" xmlns:r="http://schemas.openxmlformats.org/officeDocument/2006/relationships" xmlns:p="http://schemas.openxmlformats.org/presentationml/2006/main">
+  <p:cSld>
+    <p:spTree>
+      <p:nvGrpSpPr>
+        <p:cNvPr id="1" name=""/>
+        <p:cNvGrpSpPr/>
+        <p:nvPr/>
+      </p:nvGrpSpPr>
+      <p:grpSpPr>
+        <a:xfrm>
+          <a:off x="0" y="0"/>
+          <a:ext cx="0" cy="0"/>
+          <a:chOff x="0" y="0"/>
+          <a:chExt cx="0" cy="0"/>
+        </a:xfrm>
+      </p:grpSpPr>
+      <p:sp>
+        <p:nvSpPr>
+          <p:cNvPr id="2" name="Rounded Rectangle 1"/>
+          <p:cNvSpPr/>
+          <p:nvPr/>
+        </p:nvSpPr>
+        <p:spPr>
+          <a:xfrm>
+            <a:off x="1420063" y="4420071"/>
+            <a:ext cx="1519661" cy="670220"/>
+          </a:xfrm>
+          <a:prstGeom prst="roundRect">
+            <a:avLst/>
+          </a:prstGeom>
+        </p:spPr>
+        <p:style>
+          <a:lnRef idx="1">
+            <a:schemeClr val="accent1"/>
+          </a:lnRef>
+          <a:fillRef idx="3">
+            <a:schemeClr val="accent1"/>
+          </a:fillRef>
+          <a:effectRef idx="2">
+            <a:schemeClr val="accent1"/>
+          </a:effectRef>
+          <a:fontRef idx="minor">
+            <a:schemeClr val="lt1"/>
+          </a:fontRef>
+        </p:style>
+        <p:txBody>
+          <a:bodyPr rtlCol="0" anchor="ctr"/>
+          <a:lstStyle/>
+          <a:p>
+            <a:pPr algn="ctr"/>
+            <a:r>
+              <a:rPr lang="en-US" dirty="0" smtClean="0"/>
+              <a:t>Model</a:t>
+            </a:r>
+            <a:endParaRPr lang="en-US" dirty="0"/>
+          </a:p>
+        </p:txBody>
+      </p:sp>
+      <p:sp>
+        <p:nvSpPr>
+          <p:cNvPr id="3" name="Rounded Rectangle 2"/>
+          <p:cNvSpPr/>
+          <p:nvPr/>
+        </p:nvSpPr>
+        <p:spPr>
+          <a:xfrm>
+            <a:off x="1646612" y="3381916"/>
+            <a:ext cx="1026423" cy="527730"/>
+          </a:xfrm>
+          <a:prstGeom prst="roundRect">
+            <a:avLst/>
+          </a:prstGeom>
+        </p:spPr>
+        <p:style>
+          <a:lnRef idx="1">
+            <a:schemeClr val="accent1"/>
+          </a:lnRef>
+          <a:fillRef idx="3">
+            <a:schemeClr val="accent1"/>
+          </a:fillRef>
+          <a:effectRef idx="2">
+            <a:schemeClr val="accent1"/>
+          </a:effectRef>
+          <a:fontRef idx="minor">
+            <a:schemeClr val="lt1"/>
+          </a:fontRef>
+        </p:style>
+        <p:txBody>
+          <a:bodyPr rtlCol="0" anchor="ctr"/>
+          <a:lstStyle/>
+          <a:p>
+            <a:pPr algn="ctr"/>
+            <a:r>
+              <a:rPr lang="en-US" dirty="0" smtClean="0"/>
+              <a:t>View2</a:t>
+            </a:r>
+            <a:endParaRPr lang="en-US" dirty="0"/>
+          </a:p>
+        </p:txBody>
+      </p:sp>
+      <p:cxnSp>
+        <p:nvCxnSpPr>
+          <p:cNvPr id="7" name="Curved Connector 6"/>
+          <p:cNvCxnSpPr>
+            <a:stCxn id="3" idx="0"/>
+            <a:endCxn id="3" idx="3"/>
+          </p:cNvCxnSpPr>
+          <p:nvPr/>
+        </p:nvCxnSpPr>
+        <p:spPr>
+          <a:xfrm rot="16200000" flipH="1">
+            <a:off x="2284496" y="3257243"/>
+            <a:ext cx="263865" cy="513211"/>
+          </a:xfrm>
+          <a:prstGeom prst="curvedConnector4">
+            <a:avLst>
+              <a:gd name="adj1" fmla="val -86635"/>
+              <a:gd name="adj2" fmla="val 144543"/>
+            </a:avLst>
+          </a:prstGeom>
+          <a:ln>
+            <a:tailEnd type="arrow"/>
+          </a:ln>
+        </p:spPr>
+        <p:style>
+          <a:lnRef idx="2">
+            <a:schemeClr val="dk1"/>
+          </a:lnRef>
+          <a:fillRef idx="0">
+            <a:schemeClr val="dk1"/>
+          </a:fillRef>
+          <a:effectRef idx="1">
+            <a:schemeClr val="dk1"/>
+          </a:effectRef>
+          <a:fontRef idx="minor">
+            <a:schemeClr val="tx1"/>
+          </a:fontRef>
+        </p:style>
+      </p:cxnSp>
+      <p:sp>
+        <p:nvSpPr>
+          <p:cNvPr id="8" name="TextBox 7"/>
+          <p:cNvSpPr txBox="1"/>
+          <p:nvPr/>
+        </p:nvSpPr>
+        <p:spPr>
+          <a:xfrm>
+            <a:off x="2207110" y="2796764"/>
+            <a:ext cx="817877" cy="369332"/>
+          </a:xfrm>
+          <a:prstGeom prst="rect">
+            <a:avLst/>
+          </a:prstGeom>
+          <a:noFill/>
+        </p:spPr>
+        <p:txBody>
+          <a:bodyPr wrap="none" rtlCol="0">
+            <a:spAutoFit/>
+          </a:bodyPr>
+          <a:lstStyle/>
+          <a:p>
+            <a:r>
+              <a:rPr lang="en-US" dirty="0" smtClean="0"/>
+              <a:t>render</a:t>
+            </a:r>
+            <a:endParaRPr lang="en-US" dirty="0"/>
+          </a:p>
+        </p:txBody>
+      </p:sp>
+      <p:sp>
+        <p:nvSpPr>
+          <p:cNvPr id="11" name="TextBox 10"/>
+          <p:cNvSpPr txBox="1"/>
+          <p:nvPr/>
+        </p:nvSpPr>
+        <p:spPr>
+          <a:xfrm>
+            <a:off x="156291" y="3666183"/>
+            <a:ext cx="731202" cy="369332"/>
+          </a:xfrm>
+          <a:prstGeom prst="rect">
+            <a:avLst/>
+          </a:prstGeom>
+          <a:noFill/>
+        </p:spPr>
+        <p:txBody>
+          <a:bodyPr wrap="none" rtlCol="0">
+            <a:spAutoFit/>
+          </a:bodyPr>
+          <a:lstStyle/>
+          <a:p>
+            <a:r>
+              <a:rPr lang="en-US" dirty="0" smtClean="0"/>
+              <a:t>notify</a:t>
+            </a:r>
+            <a:endParaRPr lang="en-US" dirty="0"/>
+          </a:p>
+        </p:txBody>
+      </p:sp>
+      <p:sp>
+        <p:nvSpPr>
+          <p:cNvPr id="16" name="Rounded Rectangle 15"/>
+          <p:cNvSpPr/>
+          <p:nvPr/>
+        </p:nvSpPr>
+        <p:spPr>
+          <a:xfrm>
+            <a:off x="4274637" y="4420073"/>
+            <a:ext cx="1519661" cy="670220"/>
+          </a:xfrm>
+          <a:prstGeom prst="roundRect">
+            <a:avLst/>
+          </a:prstGeom>
+        </p:spPr>
+        <p:style>
+          <a:lnRef idx="1">
+            <a:schemeClr val="accent1"/>
+          </a:lnRef>
+          <a:fillRef idx="3">
+            <a:schemeClr val="accent1"/>
+          </a:fillRef>
+          <a:effectRef idx="2">
+            <a:schemeClr val="accent1"/>
+          </a:effectRef>
+          <a:fontRef idx="minor">
+            <a:schemeClr val="lt1"/>
+          </a:fontRef>
+        </p:style>
+        <p:txBody>
+          <a:bodyPr rtlCol="0" anchor="ctr"/>
+          <a:lstStyle/>
+          <a:p>
+            <a:pPr algn="ctr"/>
+            <a:r>
+              <a:rPr lang="en-US" dirty="0" smtClean="0"/>
+              <a:t>Server</a:t>
+            </a:r>
+            <a:endParaRPr lang="en-US" dirty="0"/>
+          </a:p>
+        </p:txBody>
+      </p:sp>
+      <p:cxnSp>
+        <p:nvCxnSpPr>
+          <p:cNvPr id="17" name="Straight Arrow Connector 16"/>
+          <p:cNvCxnSpPr/>
+          <p:nvPr/>
+        </p:nvCxnSpPr>
+        <p:spPr>
+          <a:xfrm>
+            <a:off x="2939724" y="4625843"/>
+            <a:ext cx="1334913" cy="2"/>
+          </a:xfrm>
+          <a:prstGeom prst="straightConnector1">
+            <a:avLst/>
+          </a:prstGeom>
+          <a:ln>
+            <a:tailEnd type="arrow"/>
+          </a:ln>
+        </p:spPr>
+        <p:style>
+          <a:lnRef idx="2">
+            <a:schemeClr val="dk1"/>
+          </a:lnRef>
+          <a:fillRef idx="0">
+            <a:schemeClr val="dk1"/>
+          </a:fillRef>
+          <a:effectRef idx="1">
+            <a:schemeClr val="dk1"/>
+          </a:effectRef>
+          <a:fontRef idx="minor">
+            <a:schemeClr val="tx1"/>
+          </a:fontRef>
+        </p:style>
+      </p:cxnSp>
+      <p:sp>
+        <p:nvSpPr>
+          <p:cNvPr id="18" name="TextBox 17"/>
+          <p:cNvSpPr txBox="1"/>
+          <p:nvPr/>
+        </p:nvSpPr>
+        <p:spPr>
+          <a:xfrm>
+            <a:off x="3266675" y="4268152"/>
+            <a:ext cx="666168" cy="369332"/>
+          </a:xfrm>
+          <a:prstGeom prst="rect">
+            <a:avLst/>
+          </a:prstGeom>
+          <a:noFill/>
+        </p:spPr>
+        <p:txBody>
+          <a:bodyPr wrap="none" rtlCol="0">
+            <a:spAutoFit/>
+          </a:bodyPr>
+          <a:lstStyle/>
+          <a:p>
+            <a:r>
+              <a:rPr lang="en-US" dirty="0" smtClean="0"/>
+              <a:t>fetch</a:t>
+            </a:r>
+            <a:endParaRPr lang="en-US" dirty="0"/>
+          </a:p>
+        </p:txBody>
+      </p:sp>
+      <p:cxnSp>
+        <p:nvCxnSpPr>
+          <p:cNvPr id="19" name="Straight Arrow Connector 18"/>
+          <p:cNvCxnSpPr/>
+          <p:nvPr/>
+        </p:nvCxnSpPr>
+        <p:spPr>
+          <a:xfrm flipH="1">
+            <a:off x="2939724" y="4914949"/>
+            <a:ext cx="1334913" cy="0"/>
+          </a:xfrm>
+          <a:prstGeom prst="straightConnector1">
+            <a:avLst/>
+          </a:prstGeom>
+          <a:ln>
+            <a:tailEnd type="arrow"/>
+          </a:ln>
+        </p:spPr>
+        <p:style>
+          <a:lnRef idx="2">
+            <a:schemeClr val="dk1"/>
+          </a:lnRef>
+          <a:fillRef idx="0">
+            <a:schemeClr val="dk1"/>
+          </a:fillRef>
+          <a:effectRef idx="1">
+            <a:schemeClr val="dk1"/>
+          </a:effectRef>
+          <a:fontRef idx="minor">
+            <a:schemeClr val="tx1"/>
+          </a:fontRef>
+        </p:style>
+      </p:cxnSp>
+      <p:sp>
+        <p:nvSpPr>
+          <p:cNvPr id="22" name="TextBox 21"/>
+          <p:cNvSpPr txBox="1"/>
+          <p:nvPr/>
+        </p:nvSpPr>
+        <p:spPr>
+          <a:xfrm>
+            <a:off x="3348521" y="4914949"/>
+            <a:ext cx="573181" cy="369332"/>
+          </a:xfrm>
+          <a:prstGeom prst="rect">
+            <a:avLst/>
+          </a:prstGeom>
+          <a:noFill/>
+        </p:spPr>
+        <p:txBody>
+          <a:bodyPr wrap="none" rtlCol="0">
+            <a:spAutoFit/>
+          </a:bodyPr>
+          <a:lstStyle/>
+          <a:p>
+            <a:r>
+              <a:rPr lang="en-US" dirty="0" err="1" smtClean="0"/>
+              <a:t>json</a:t>
+            </a:r>
+            <a:endParaRPr lang="en-US" dirty="0"/>
+          </a:p>
+        </p:txBody>
+      </p:sp>
+      <p:sp>
+        <p:nvSpPr>
+          <p:cNvPr id="23" name="Document 22"/>
+          <p:cNvSpPr/>
+          <p:nvPr/>
+        </p:nvSpPr>
+        <p:spPr>
+          <a:xfrm>
+            <a:off x="4691794" y="1926334"/>
+            <a:ext cx="1398731" cy="2010660"/>
+          </a:xfrm>
+          <a:prstGeom prst="flowChartDocument">
+            <a:avLst/>
+          </a:prstGeom>
+        </p:spPr>
+        <p:style>
+          <a:lnRef idx="2">
+            <a:schemeClr val="dk1"/>
+          </a:lnRef>
+          <a:fillRef idx="1">
+            <a:schemeClr val="lt1"/>
+          </a:fillRef>
+          <a:effectRef idx="0">
+            <a:schemeClr val="dk1"/>
+          </a:effectRef>
+          <a:fontRef idx="minor">
+            <a:schemeClr val="dk1"/>
+          </a:fontRef>
+        </p:style>
+        <p:txBody>
+          <a:bodyPr rtlCol="0" anchor="t"/>
+          <a:lstStyle/>
+          <a:p>
+            <a:pPr algn="ctr"/>
+            <a:r>
+              <a:rPr lang="en-US" dirty="0" smtClean="0"/>
+              <a:t>DOM</a:t>
+            </a:r>
+            <a:endParaRPr lang="en-US" dirty="0"/>
+          </a:p>
+        </p:txBody>
+      </p:sp>
+      <p:sp>
+        <p:nvSpPr>
+          <p:cNvPr id="24" name="TextBox 23"/>
+          <p:cNvSpPr txBox="1"/>
+          <p:nvPr/>
+        </p:nvSpPr>
+        <p:spPr>
+          <a:xfrm>
+            <a:off x="4797625" y="2328220"/>
+            <a:ext cx="1292900" cy="1169551"/>
+          </a:xfrm>
+          <a:prstGeom prst="rect">
+            <a:avLst/>
+          </a:prstGeom>
+          <a:noFill/>
+        </p:spPr>
+        <p:txBody>
+          <a:bodyPr wrap="square" rtlCol="0">
+            <a:spAutoFit/>
+          </a:bodyPr>
+          <a:lstStyle/>
+          <a:p>
+            <a:r>
+              <a:rPr lang="en-US" sz="1400" dirty="0" smtClean="0"/>
+              <a:t>…</a:t>
+            </a:r>
+          </a:p>
+          <a:p>
+            <a:r>
+              <a:rPr lang="en-US" sz="1400" dirty="0" smtClean="0"/>
+              <a:t>&lt;div id=“list”&gt;</a:t>
+            </a:r>
+          </a:p>
+          <a:p>
+            <a:r>
+              <a:rPr lang="en-US" sz="1400" dirty="0"/>
+              <a:t> </a:t>
+            </a:r>
+            <a:r>
+              <a:rPr lang="en-US" sz="1400" dirty="0" smtClean="0"/>
+              <a:t>   Hello</a:t>
+            </a:r>
+          </a:p>
+          <a:p>
+            <a:r>
+              <a:rPr lang="en-US" sz="1400" dirty="0" smtClean="0"/>
+              <a:t>&lt;/div&gt;</a:t>
+            </a:r>
+          </a:p>
+          <a:p>
+            <a:r>
+              <a:rPr lang="en-US" sz="1400" dirty="0" smtClean="0"/>
+              <a:t>…</a:t>
+            </a:r>
+            <a:endParaRPr lang="en-US" sz="1400" dirty="0"/>
+          </a:p>
+        </p:txBody>
+      </p:sp>
+      <p:sp>
+        <p:nvSpPr>
+          <p:cNvPr id="27" name="TextBox 26"/>
+          <p:cNvSpPr txBox="1"/>
+          <p:nvPr/>
+        </p:nvSpPr>
+        <p:spPr>
+          <a:xfrm>
+            <a:off x="3832194" y="2746998"/>
+            <a:ext cx="851240" cy="369332"/>
+          </a:xfrm>
+          <a:prstGeom prst="rect">
+            <a:avLst/>
+          </a:prstGeom>
+          <a:noFill/>
+        </p:spPr>
+        <p:txBody>
+          <a:bodyPr wrap="none" rtlCol="0">
+            <a:spAutoFit/>
+          </a:bodyPr>
+          <a:lstStyle/>
+          <a:p>
+            <a:r>
+              <a:rPr lang="en-US" dirty="0" smtClean="0"/>
+              <a:t>update</a:t>
+            </a:r>
+            <a:endParaRPr lang="en-US" dirty="0"/>
+          </a:p>
+        </p:txBody>
+      </p:sp>
+      <p:sp>
+        <p:nvSpPr>
+          <p:cNvPr id="46" name="Rounded Rectangle 45"/>
+          <p:cNvSpPr/>
+          <p:nvPr/>
+        </p:nvSpPr>
+        <p:spPr>
+          <a:xfrm>
+            <a:off x="1153471" y="2403934"/>
+            <a:ext cx="1026423" cy="527730"/>
+          </a:xfrm>
+          <a:prstGeom prst="roundRect">
+            <a:avLst/>
+          </a:prstGeom>
+        </p:spPr>
+        <p:style>
+          <a:lnRef idx="1">
+            <a:schemeClr val="accent1"/>
+          </a:lnRef>
+          <a:fillRef idx="3">
+            <a:schemeClr val="accent1"/>
+          </a:fillRef>
+          <a:effectRef idx="2">
+            <a:schemeClr val="accent1"/>
+          </a:effectRef>
+          <a:fontRef idx="minor">
+            <a:schemeClr val="lt1"/>
+          </a:fontRef>
+        </p:style>
+        <p:txBody>
+          <a:bodyPr rtlCol="0" anchor="ctr"/>
+          <a:lstStyle/>
+          <a:p>
+            <a:pPr algn="ctr"/>
+            <a:r>
+              <a:rPr lang="en-US" dirty="0" smtClean="0"/>
+              <a:t>View1</a:t>
+            </a:r>
+            <a:endParaRPr lang="en-US" dirty="0"/>
+          </a:p>
+        </p:txBody>
+      </p:sp>
+      <p:cxnSp>
+        <p:nvCxnSpPr>
+          <p:cNvPr id="47" name="Curved Connector 46"/>
+          <p:cNvCxnSpPr>
+            <a:stCxn id="46" idx="0"/>
+            <a:endCxn id="46" idx="3"/>
+          </p:cNvCxnSpPr>
+          <p:nvPr/>
+        </p:nvCxnSpPr>
+        <p:spPr>
+          <a:xfrm rot="16200000" flipH="1">
+            <a:off x="1791355" y="2279261"/>
+            <a:ext cx="263865" cy="513211"/>
+          </a:xfrm>
+          <a:prstGeom prst="curvedConnector4">
+            <a:avLst>
+              <a:gd name="adj1" fmla="val -86635"/>
+              <a:gd name="adj2" fmla="val 144543"/>
+            </a:avLst>
+          </a:prstGeom>
+          <a:ln>
+            <a:tailEnd type="arrow"/>
+          </a:ln>
+        </p:spPr>
+        <p:style>
+          <a:lnRef idx="2">
+            <a:schemeClr val="dk1"/>
+          </a:lnRef>
+          <a:fillRef idx="0">
+            <a:schemeClr val="dk1"/>
+          </a:fillRef>
+          <a:effectRef idx="1">
+            <a:schemeClr val="dk1"/>
+          </a:effectRef>
+          <a:fontRef idx="minor">
+            <a:schemeClr val="tx1"/>
+          </a:fontRef>
+        </p:style>
+      </p:cxnSp>
+      <p:sp>
+        <p:nvSpPr>
+          <p:cNvPr id="48" name="TextBox 47"/>
+          <p:cNvSpPr txBox="1"/>
+          <p:nvPr/>
+        </p:nvSpPr>
+        <p:spPr>
+          <a:xfrm>
+            <a:off x="1666682" y="1820594"/>
+            <a:ext cx="817877" cy="369332"/>
+          </a:xfrm>
+          <a:prstGeom prst="rect">
+            <a:avLst/>
+          </a:prstGeom>
+          <a:noFill/>
+        </p:spPr>
+        <p:txBody>
+          <a:bodyPr wrap="none" rtlCol="0">
+            <a:spAutoFit/>
+          </a:bodyPr>
+          <a:lstStyle/>
+          <a:p>
+            <a:r>
+              <a:rPr lang="en-US" dirty="0" smtClean="0"/>
+              <a:t>render</a:t>
+            </a:r>
+            <a:endParaRPr lang="en-US" dirty="0"/>
+          </a:p>
+        </p:txBody>
+      </p:sp>
+      <p:cxnSp>
+        <p:nvCxnSpPr>
+          <p:cNvPr id="53" name="Curved Connector 52"/>
+          <p:cNvCxnSpPr>
+            <a:stCxn id="2" idx="1"/>
+            <a:endCxn id="46" idx="1"/>
+          </p:cNvCxnSpPr>
+          <p:nvPr/>
+        </p:nvCxnSpPr>
+        <p:spPr>
+          <a:xfrm rot="10800000">
+            <a:off x="1153471" y="2667799"/>
+            <a:ext cx="266592" cy="2087382"/>
+          </a:xfrm>
+          <a:prstGeom prst="curvedConnector3">
+            <a:avLst>
+              <a:gd name="adj1" fmla="val 185749"/>
+            </a:avLst>
+          </a:prstGeom>
+          <a:ln>
+            <a:tailEnd type="arrow"/>
+          </a:ln>
+        </p:spPr>
+        <p:style>
+          <a:lnRef idx="2">
+            <a:schemeClr val="dk1"/>
+          </a:lnRef>
+          <a:fillRef idx="0">
+            <a:schemeClr val="dk1"/>
+          </a:fillRef>
+          <a:effectRef idx="1">
+            <a:schemeClr val="dk1"/>
+          </a:effectRef>
+          <a:fontRef idx="minor">
+            <a:schemeClr val="tx1"/>
+          </a:fontRef>
+        </p:style>
+      </p:cxnSp>
+      <p:cxnSp>
+        <p:nvCxnSpPr>
+          <p:cNvPr id="58" name="Curved Connector 57"/>
+          <p:cNvCxnSpPr>
+            <a:stCxn id="2" idx="1"/>
+            <a:endCxn id="3" idx="1"/>
+          </p:cNvCxnSpPr>
+          <p:nvPr/>
+        </p:nvCxnSpPr>
+        <p:spPr>
+          <a:xfrm rot="10800000" flipH="1">
+            <a:off x="1420062" y="3645781"/>
+            <a:ext cx="226549" cy="1109400"/>
+          </a:xfrm>
+          <a:prstGeom prst="curvedConnector3">
+            <a:avLst>
+              <a:gd name="adj1" fmla="val -100905"/>
+            </a:avLst>
+          </a:prstGeom>
+          <a:ln>
+            <a:tailEnd type="arrow"/>
+          </a:ln>
+        </p:spPr>
+        <p:style>
+          <a:lnRef idx="2">
+            <a:schemeClr val="dk1"/>
+          </a:lnRef>
+          <a:fillRef idx="0">
+            <a:schemeClr val="dk1"/>
+          </a:fillRef>
+          <a:effectRef idx="1">
+            <a:schemeClr val="dk1"/>
+          </a:effectRef>
+          <a:fontRef idx="minor">
+            <a:schemeClr val="tx1"/>
+          </a:fontRef>
+        </p:style>
+      </p:cxnSp>
+      <p:cxnSp>
+        <p:nvCxnSpPr>
+          <p:cNvPr id="65" name="Straight Arrow Connector 64"/>
+          <p:cNvCxnSpPr/>
+          <p:nvPr/>
+        </p:nvCxnSpPr>
+        <p:spPr>
+          <a:xfrm flipV="1">
+            <a:off x="2179893" y="2328220"/>
+            <a:ext cx="2503541" cy="468544"/>
+          </a:xfrm>
+          <a:prstGeom prst="straightConnector1">
+            <a:avLst/>
+          </a:prstGeom>
+          <a:ln>
+            <a:tailEnd type="arrow"/>
+          </a:ln>
+        </p:spPr>
+        <p:style>
+          <a:lnRef idx="2">
+            <a:schemeClr val="dk1"/>
+          </a:lnRef>
+          <a:fillRef idx="0">
+            <a:schemeClr val="dk1"/>
+          </a:fillRef>
+          <a:effectRef idx="1">
+            <a:schemeClr val="dk1"/>
+          </a:effectRef>
+          <a:fontRef idx="minor">
+            <a:schemeClr val="tx1"/>
+          </a:fontRef>
+        </p:style>
+      </p:cxnSp>
+      <p:cxnSp>
+        <p:nvCxnSpPr>
+          <p:cNvPr id="67" name="Straight Arrow Connector 66"/>
+          <p:cNvCxnSpPr/>
+          <p:nvPr/>
+        </p:nvCxnSpPr>
+        <p:spPr>
+          <a:xfrm flipV="1">
+            <a:off x="2681072" y="3497771"/>
+            <a:ext cx="2010722" cy="352688"/>
+          </a:xfrm>
+          <a:prstGeom prst="straightConnector1">
+            <a:avLst/>
+          </a:prstGeom>
+          <a:ln>
+            <a:tailEnd type="arrow"/>
+          </a:ln>
+        </p:spPr>
+        <p:style>
+          <a:lnRef idx="2">
+            <a:schemeClr val="dk1"/>
+          </a:lnRef>
+          <a:fillRef idx="0">
+            <a:schemeClr val="dk1"/>
+          </a:fillRef>
+          <a:effectRef idx="1">
+            <a:schemeClr val="dk1"/>
+          </a:effectRef>
+          <a:fontRef idx="minor">
+            <a:schemeClr val="tx1"/>
+          </a:fontRef>
+        </p:style>
+      </p:cxnSp>
+    </p:spTree>
+    <p:extLst>
+      <p:ext uri="{BB962C8B-B14F-4D97-AF65-F5344CB8AC3E}">
+        <p14:creationId xmlns:p14="http://schemas.microsoft.com/office/powerpoint/2010/main" val="2601422466"/>
+      </p:ext>
+    </p:extLst>
+  </p:cSld>
+  <p:clrMapOvr>
+    <a:masterClrMapping/>
+  </p:clrMapOvr>
+</p:sld>
+</file>
+
+<file path=ppt/slides/slide13.xml><?xml version="1.0" encoding="utf-8"?>
+<p:sld xmlns:a="http://schemas.openxmlformats.org/drawingml/2006/main" xmlns:r="http://schemas.openxmlformats.org/officeDocument/2006/relationships" xmlns:p="http://schemas.openxmlformats.org/presentationml/2006/main">
+  <p:cSld>
+    <p:spTree>
+      <p:nvGrpSpPr>
+        <p:cNvPr id="1" name=""/>
+        <p:cNvGrpSpPr/>
+        <p:nvPr/>
+      </p:nvGrpSpPr>
+      <p:grpSpPr>
+        <a:xfrm>
+          <a:off x="0" y="0"/>
+          <a:ext cx="0" cy="0"/>
+          <a:chOff x="0" y="0"/>
+          <a:chExt cx="0" cy="0"/>
+        </a:xfrm>
+      </p:grpSpPr>
+      <p:sp>
+        <p:nvSpPr>
+          <p:cNvPr id="29" name="Rounded Rectangle 28"/>
+          <p:cNvSpPr/>
+          <p:nvPr/>
+        </p:nvSpPr>
+        <p:spPr>
+          <a:xfrm>
+            <a:off x="2516401" y="2222309"/>
+            <a:ext cx="3144286" cy="1152309"/>
+          </a:xfrm>
+          <a:prstGeom prst="roundRect">
+            <a:avLst/>
+          </a:prstGeom>
+        </p:spPr>
+        <p:style>
+          <a:lnRef idx="1">
+            <a:schemeClr val="accent4"/>
+          </a:lnRef>
+          <a:fillRef idx="3">
+            <a:schemeClr val="accent4"/>
+          </a:fillRef>
+          <a:effectRef idx="2">
+            <a:schemeClr val="accent4"/>
+          </a:effectRef>
+          <a:fontRef idx="minor">
+            <a:schemeClr val="lt1"/>
+          </a:fontRef>
+        </p:style>
+        <p:txBody>
+          <a:bodyPr rtlCol="0" anchor="t"/>
+          <a:lstStyle/>
+          <a:p>
+            <a:pPr algn="ctr"/>
+            <a:r>
+              <a:rPr lang="en-US" dirty="0" err="1" smtClean="0"/>
+              <a:t>ListView</a:t>
+            </a:r>
+            <a:endParaRPr lang="en-US" dirty="0"/>
+          </a:p>
+        </p:txBody>
+      </p:sp>
+      <p:sp>
+        <p:nvSpPr>
+          <p:cNvPr id="24" name="Rounded Rectangle 23"/>
+          <p:cNvSpPr/>
+          <p:nvPr/>
+        </p:nvSpPr>
+        <p:spPr>
+          <a:xfrm>
+            <a:off x="1318398" y="4361331"/>
+            <a:ext cx="4627098" cy="1368880"/>
+          </a:xfrm>
+          <a:prstGeom prst="roundRect">
+            <a:avLst/>
+          </a:prstGeom>
+        </p:spPr>
+        <p:style>
+          <a:lnRef idx="1">
+            <a:schemeClr val="accent6"/>
+          </a:lnRef>
+          <a:fillRef idx="3">
+            <a:schemeClr val="accent6"/>
+          </a:fillRef>
+          <a:effectRef idx="2">
+            <a:schemeClr val="accent6"/>
+          </a:effectRef>
+          <a:fontRef idx="minor">
+            <a:schemeClr val="lt1"/>
+          </a:fontRef>
+        </p:style>
+        <p:txBody>
+          <a:bodyPr rtlCol="0" anchor="b"/>
+          <a:lstStyle/>
+          <a:p>
+            <a:pPr algn="ctr"/>
+            <a:r>
+              <a:rPr lang="en-US" dirty="0" smtClean="0"/>
+              <a:t>Articles (Collection)</a:t>
+            </a:r>
+            <a:endParaRPr lang="en-US" dirty="0"/>
+          </a:p>
+        </p:txBody>
+      </p:sp>
+      <p:sp>
+        <p:nvSpPr>
+          <p:cNvPr id="2" name="Rounded Rectangle 1"/>
+          <p:cNvSpPr/>
+          <p:nvPr/>
+        </p:nvSpPr>
+        <p:spPr>
+          <a:xfrm>
+            <a:off x="4135567" y="4649085"/>
+            <a:ext cx="1519661" cy="670220"/>
+          </a:xfrm>
+          <a:prstGeom prst="roundRect">
+            <a:avLst/>
+          </a:prstGeom>
+        </p:spPr>
+        <p:style>
+          <a:lnRef idx="1">
+            <a:schemeClr val="accent1"/>
+          </a:lnRef>
+          <a:fillRef idx="3">
+            <a:schemeClr val="accent1"/>
+          </a:fillRef>
+          <a:effectRef idx="2">
+            <a:schemeClr val="accent1"/>
+          </a:effectRef>
+          <a:fontRef idx="minor">
+            <a:schemeClr val="lt1"/>
+          </a:fontRef>
+        </p:style>
+        <p:txBody>
+          <a:bodyPr rtlCol="0" anchor="ctr"/>
+          <a:lstStyle/>
+          <a:p>
+            <a:pPr algn="ctr"/>
+            <a:r>
+              <a:rPr lang="en-US" dirty="0" smtClean="0"/>
+              <a:t>Article (Model)</a:t>
+            </a:r>
+            <a:endParaRPr lang="en-US" dirty="0"/>
+          </a:p>
+        </p:txBody>
+      </p:sp>
+      <p:sp>
+        <p:nvSpPr>
+          <p:cNvPr id="6" name="TextBox 5"/>
+          <p:cNvSpPr txBox="1"/>
+          <p:nvPr/>
+        </p:nvSpPr>
+        <p:spPr>
+          <a:xfrm>
+            <a:off x="3391360" y="3358357"/>
+            <a:ext cx="604628" cy="369332"/>
+          </a:xfrm>
+          <a:prstGeom prst="rect">
+            <a:avLst/>
+          </a:prstGeom>
+          <a:noFill/>
+        </p:spPr>
+        <p:txBody>
+          <a:bodyPr wrap="none" rtlCol="0">
+            <a:spAutoFit/>
+          </a:bodyPr>
+          <a:lstStyle/>
+          <a:p>
+            <a:r>
+              <a:rPr lang="en-US" dirty="0" smtClean="0"/>
+              <a:t>save</a:t>
+            </a:r>
+            <a:endParaRPr lang="en-US" dirty="0"/>
+          </a:p>
+        </p:txBody>
+      </p:sp>
+      <p:sp>
+        <p:nvSpPr>
+          <p:cNvPr id="7" name="Rounded Rectangle 6"/>
+          <p:cNvSpPr/>
+          <p:nvPr/>
+        </p:nvSpPr>
+        <p:spPr>
+          <a:xfrm>
+            <a:off x="6763373" y="5919885"/>
+            <a:ext cx="1519661" cy="670220"/>
+          </a:xfrm>
+          <a:prstGeom prst="roundRect">
+            <a:avLst/>
+          </a:prstGeom>
+        </p:spPr>
+        <p:style>
+          <a:lnRef idx="1">
+            <a:schemeClr val="accent1"/>
+          </a:lnRef>
+          <a:fillRef idx="3">
+            <a:schemeClr val="accent1"/>
+          </a:fillRef>
+          <a:effectRef idx="2">
+            <a:schemeClr val="accent1"/>
+          </a:effectRef>
+          <a:fontRef idx="minor">
+            <a:schemeClr val="lt1"/>
+          </a:fontRef>
+        </p:style>
+        <p:txBody>
+          <a:bodyPr rtlCol="0" anchor="ctr"/>
+          <a:lstStyle/>
+          <a:p>
+            <a:pPr algn="ctr"/>
+            <a:r>
+              <a:rPr lang="en-US" dirty="0" smtClean="0"/>
+              <a:t>Server</a:t>
+            </a:r>
+            <a:endParaRPr lang="en-US" dirty="0"/>
+          </a:p>
+        </p:txBody>
+      </p:sp>
+      <p:sp>
+        <p:nvSpPr>
+          <p:cNvPr id="9" name="TextBox 8"/>
+          <p:cNvSpPr txBox="1"/>
+          <p:nvPr/>
+        </p:nvSpPr>
+        <p:spPr>
+          <a:xfrm>
+            <a:off x="5695390" y="5735219"/>
+            <a:ext cx="598316" cy="369332"/>
+          </a:xfrm>
+          <a:prstGeom prst="rect">
+            <a:avLst/>
+          </a:prstGeom>
+          <a:noFill/>
+        </p:spPr>
+        <p:txBody>
+          <a:bodyPr wrap="none" rtlCol="0">
+            <a:spAutoFit/>
+          </a:bodyPr>
+          <a:lstStyle/>
+          <a:p>
+            <a:r>
+              <a:rPr lang="en-US" dirty="0" smtClean="0"/>
+              <a:t>sync</a:t>
+            </a:r>
+            <a:endParaRPr lang="en-US" dirty="0"/>
+          </a:p>
+        </p:txBody>
+      </p:sp>
+      <p:sp>
+        <p:nvSpPr>
+          <p:cNvPr id="14" name="TextBox 13"/>
+          <p:cNvSpPr txBox="1"/>
+          <p:nvPr/>
+        </p:nvSpPr>
+        <p:spPr>
+          <a:xfrm>
+            <a:off x="1431896" y="2463906"/>
+            <a:ext cx="974546" cy="369332"/>
+          </a:xfrm>
+          <a:prstGeom prst="rect">
+            <a:avLst/>
+          </a:prstGeom>
+          <a:noFill/>
+        </p:spPr>
+        <p:txBody>
+          <a:bodyPr wrap="square" rtlCol="0">
+            <a:spAutoFit/>
+          </a:bodyPr>
+          <a:lstStyle/>
+          <a:p>
+            <a:r>
+              <a:rPr lang="en-US" dirty="0" smtClean="0"/>
+              <a:t>reset, all</a:t>
+            </a:r>
+            <a:endParaRPr lang="en-US" dirty="0"/>
+          </a:p>
+        </p:txBody>
+      </p:sp>
+      <p:sp>
+        <p:nvSpPr>
+          <p:cNvPr id="15" name="Rounded Rectangle 14"/>
+          <p:cNvSpPr/>
+          <p:nvPr/>
+        </p:nvSpPr>
+        <p:spPr>
+          <a:xfrm>
+            <a:off x="2716038" y="2724200"/>
+            <a:ext cx="1210065" cy="527730"/>
+          </a:xfrm>
+          <a:prstGeom prst="roundRect">
+            <a:avLst/>
+          </a:prstGeom>
+        </p:spPr>
+        <p:style>
+          <a:lnRef idx="1">
+            <a:schemeClr val="accent4"/>
+          </a:lnRef>
+          <a:fillRef idx="3">
+            <a:schemeClr val="accent4"/>
+          </a:fillRef>
+          <a:effectRef idx="2">
+            <a:schemeClr val="accent4"/>
+          </a:effectRef>
+          <a:fontRef idx="minor">
+            <a:schemeClr val="lt1"/>
+          </a:fontRef>
+        </p:style>
+        <p:txBody>
+          <a:bodyPr rtlCol="0" anchor="ctr"/>
+          <a:lstStyle/>
+          <a:p>
+            <a:pPr algn="ctr"/>
+            <a:r>
+              <a:rPr lang="en-US" dirty="0" err="1" smtClean="0"/>
+              <a:t>ItemView</a:t>
+            </a:r>
+            <a:endParaRPr lang="en-US" dirty="0"/>
+          </a:p>
+        </p:txBody>
+      </p:sp>
+      <p:sp>
+        <p:nvSpPr>
+          <p:cNvPr id="17" name="TextBox 16"/>
+          <p:cNvSpPr txBox="1"/>
+          <p:nvPr/>
+        </p:nvSpPr>
+        <p:spPr>
+          <a:xfrm>
+            <a:off x="4407715" y="-714341"/>
+            <a:ext cx="817877" cy="369332"/>
+          </a:xfrm>
+          <a:prstGeom prst="rect">
+            <a:avLst/>
+          </a:prstGeom>
+          <a:noFill/>
+        </p:spPr>
+        <p:txBody>
+          <a:bodyPr wrap="none" rtlCol="0">
+            <a:spAutoFit/>
+          </a:bodyPr>
+          <a:lstStyle/>
+          <a:p>
+            <a:r>
+              <a:rPr lang="en-US" dirty="0" smtClean="0"/>
+              <a:t>render</a:t>
+            </a:r>
+            <a:endParaRPr lang="en-US" dirty="0"/>
+          </a:p>
+        </p:txBody>
+      </p:sp>
+      <p:cxnSp>
+        <p:nvCxnSpPr>
+          <p:cNvPr id="20" name="Straight Arrow Connector 19"/>
+          <p:cNvCxnSpPr/>
+          <p:nvPr/>
+        </p:nvCxnSpPr>
+        <p:spPr>
+          <a:xfrm>
+            <a:off x="3391360" y="3287697"/>
+            <a:ext cx="0" cy="1361833"/>
+          </a:xfrm>
+          <a:prstGeom prst="straightConnector1">
+            <a:avLst/>
+          </a:prstGeom>
+          <a:ln>
+            <a:tailEnd type="arrow"/>
+          </a:ln>
+        </p:spPr>
+        <p:style>
+          <a:lnRef idx="2">
+            <a:schemeClr val="dk1"/>
+          </a:lnRef>
+          <a:fillRef idx="0">
+            <a:schemeClr val="dk1"/>
+          </a:fillRef>
+          <a:effectRef idx="1">
+            <a:schemeClr val="dk1"/>
+          </a:effectRef>
+          <a:fontRef idx="minor">
+            <a:schemeClr val="tx1"/>
+          </a:fontRef>
+        </p:style>
+      </p:cxnSp>
+      <p:sp>
+        <p:nvSpPr>
+          <p:cNvPr id="25" name="Rounded Rectangle 24"/>
+          <p:cNvSpPr/>
+          <p:nvPr/>
+        </p:nvSpPr>
+        <p:spPr>
+          <a:xfrm>
+            <a:off x="2406442" y="4647338"/>
+            <a:ext cx="1519661" cy="670220"/>
+          </a:xfrm>
+          <a:prstGeom prst="roundRect">
+            <a:avLst/>
+          </a:prstGeom>
+        </p:spPr>
+        <p:style>
+          <a:lnRef idx="1">
+            <a:schemeClr val="accent1"/>
+          </a:lnRef>
+          <a:fillRef idx="3">
+            <a:schemeClr val="accent1"/>
+          </a:fillRef>
+          <a:effectRef idx="2">
+            <a:schemeClr val="accent1"/>
+          </a:effectRef>
+          <a:fontRef idx="minor">
+            <a:schemeClr val="lt1"/>
+          </a:fontRef>
+        </p:style>
+        <p:txBody>
+          <a:bodyPr rtlCol="0" anchor="ctr"/>
+          <a:lstStyle/>
+          <a:p>
+            <a:pPr algn="ctr"/>
+            <a:r>
+              <a:rPr lang="en-US" dirty="0" smtClean="0"/>
+              <a:t>Article (Model)</a:t>
+            </a:r>
+            <a:endParaRPr lang="en-US" dirty="0"/>
+          </a:p>
+        </p:txBody>
+      </p:sp>
+      <p:sp>
+        <p:nvSpPr>
+          <p:cNvPr id="26" name="TextBox 25"/>
+          <p:cNvSpPr txBox="1"/>
+          <p:nvPr/>
+        </p:nvSpPr>
+        <p:spPr>
+          <a:xfrm>
+            <a:off x="1741281" y="4789690"/>
+            <a:ext cx="344039" cy="369332"/>
+          </a:xfrm>
+          <a:prstGeom prst="rect">
+            <a:avLst/>
+          </a:prstGeom>
+          <a:noFill/>
+        </p:spPr>
+        <p:txBody>
+          <a:bodyPr wrap="none" rtlCol="0">
+            <a:spAutoFit/>
+          </a:bodyPr>
+          <a:lstStyle/>
+          <a:p>
+            <a:r>
+              <a:rPr lang="en-US" dirty="0" smtClean="0"/>
+              <a:t>…</a:t>
+            </a:r>
+            <a:endParaRPr lang="en-US" dirty="0"/>
+          </a:p>
+        </p:txBody>
+      </p:sp>
+      <p:sp>
+        <p:nvSpPr>
+          <p:cNvPr id="28" name="Rounded Rectangle 27"/>
+          <p:cNvSpPr/>
+          <p:nvPr/>
+        </p:nvSpPr>
+        <p:spPr>
+          <a:xfrm>
+            <a:off x="4290365" y="2724200"/>
+            <a:ext cx="1210065" cy="527730"/>
+          </a:xfrm>
+          <a:prstGeom prst="roundRect">
+            <a:avLst/>
+          </a:prstGeom>
+        </p:spPr>
+        <p:style>
+          <a:lnRef idx="1">
+            <a:schemeClr val="accent4"/>
+          </a:lnRef>
+          <a:fillRef idx="3">
+            <a:schemeClr val="accent4"/>
+          </a:fillRef>
+          <a:effectRef idx="2">
+            <a:schemeClr val="accent4"/>
+          </a:effectRef>
+          <a:fontRef idx="minor">
+            <a:schemeClr val="lt1"/>
+          </a:fontRef>
+        </p:style>
+        <p:txBody>
+          <a:bodyPr rtlCol="0" anchor="ctr"/>
+          <a:lstStyle/>
+          <a:p>
+            <a:pPr algn="ctr"/>
+            <a:r>
+              <a:rPr lang="en-US" dirty="0" err="1" smtClean="0"/>
+              <a:t>ItemView</a:t>
+            </a:r>
+            <a:endParaRPr lang="en-US" dirty="0"/>
+          </a:p>
+        </p:txBody>
+      </p:sp>
+      <p:cxnSp>
+        <p:nvCxnSpPr>
+          <p:cNvPr id="33" name="Straight Arrow Connector 32"/>
+          <p:cNvCxnSpPr/>
+          <p:nvPr/>
+        </p:nvCxnSpPr>
+        <p:spPr>
+          <a:xfrm flipV="1">
+            <a:off x="3170400" y="3261989"/>
+            <a:ext cx="0" cy="1377068"/>
+          </a:xfrm>
+          <a:prstGeom prst="straightConnector1">
+            <a:avLst/>
+          </a:prstGeom>
+          <a:ln>
+            <a:tailEnd type="arrow"/>
+          </a:ln>
+        </p:spPr>
+        <p:style>
+          <a:lnRef idx="2">
+            <a:schemeClr val="dk1"/>
+          </a:lnRef>
+          <a:fillRef idx="0">
+            <a:schemeClr val="dk1"/>
+          </a:fillRef>
+          <a:effectRef idx="1">
+            <a:schemeClr val="dk1"/>
+          </a:effectRef>
+          <a:fontRef idx="minor">
+            <a:schemeClr val="tx1"/>
+          </a:fontRef>
+        </p:style>
+      </p:cxnSp>
+      <p:sp>
+        <p:nvSpPr>
+          <p:cNvPr id="38" name="TextBox 37"/>
+          <p:cNvSpPr txBox="1"/>
+          <p:nvPr/>
+        </p:nvSpPr>
+        <p:spPr>
+          <a:xfrm>
+            <a:off x="2328364" y="3950099"/>
+            <a:ext cx="858904" cy="369332"/>
+          </a:xfrm>
+          <a:prstGeom prst="rect">
+            <a:avLst/>
+          </a:prstGeom>
+          <a:noFill/>
+        </p:spPr>
+        <p:txBody>
+          <a:bodyPr wrap="none" rtlCol="0">
+            <a:spAutoFit/>
+          </a:bodyPr>
+          <a:lstStyle/>
+          <a:p>
+            <a:r>
+              <a:rPr lang="en-US" dirty="0" smtClean="0"/>
+              <a:t>change</a:t>
+            </a:r>
+            <a:endParaRPr lang="en-US" dirty="0"/>
+          </a:p>
+        </p:txBody>
+      </p:sp>
+      <p:sp>
+        <p:nvSpPr>
+          <p:cNvPr id="39" name="TextBox 38"/>
+          <p:cNvSpPr txBox="1"/>
+          <p:nvPr/>
+        </p:nvSpPr>
+        <p:spPr>
+          <a:xfrm>
+            <a:off x="5050600" y="3358357"/>
+            <a:ext cx="604628" cy="369332"/>
+          </a:xfrm>
+          <a:prstGeom prst="rect">
+            <a:avLst/>
+          </a:prstGeom>
+          <a:noFill/>
+        </p:spPr>
+        <p:txBody>
+          <a:bodyPr wrap="none" rtlCol="0">
+            <a:spAutoFit/>
+          </a:bodyPr>
+          <a:lstStyle/>
+          <a:p>
+            <a:r>
+              <a:rPr lang="en-US" dirty="0" smtClean="0"/>
+              <a:t>save</a:t>
+            </a:r>
+            <a:endParaRPr lang="en-US" dirty="0"/>
+          </a:p>
+        </p:txBody>
+      </p:sp>
+      <p:cxnSp>
+        <p:nvCxnSpPr>
+          <p:cNvPr id="40" name="Straight Arrow Connector 39"/>
+          <p:cNvCxnSpPr/>
+          <p:nvPr/>
+        </p:nvCxnSpPr>
+        <p:spPr>
+          <a:xfrm>
+            <a:off x="5056059" y="3287252"/>
+            <a:ext cx="0" cy="1361833"/>
+          </a:xfrm>
+          <a:prstGeom prst="straightConnector1">
+            <a:avLst/>
+          </a:prstGeom>
+          <a:ln>
+            <a:tailEnd type="arrow"/>
+          </a:ln>
+        </p:spPr>
+        <p:style>
+          <a:lnRef idx="2">
+            <a:schemeClr val="dk1"/>
+          </a:lnRef>
+          <a:fillRef idx="0">
+            <a:schemeClr val="dk1"/>
+          </a:fillRef>
+          <a:effectRef idx="1">
+            <a:schemeClr val="dk1"/>
+          </a:effectRef>
+          <a:fontRef idx="minor">
+            <a:schemeClr val="tx1"/>
+          </a:fontRef>
+        </p:style>
+      </p:cxnSp>
+      <p:cxnSp>
+        <p:nvCxnSpPr>
+          <p:cNvPr id="41" name="Straight Arrow Connector 40"/>
+          <p:cNvCxnSpPr/>
+          <p:nvPr/>
+        </p:nvCxnSpPr>
+        <p:spPr>
+          <a:xfrm flipV="1">
+            <a:off x="4835099" y="3261544"/>
+            <a:ext cx="0" cy="1377068"/>
+          </a:xfrm>
+          <a:prstGeom prst="straightConnector1">
+            <a:avLst/>
+          </a:prstGeom>
+          <a:ln>
+            <a:tailEnd type="arrow"/>
+          </a:ln>
+        </p:spPr>
+        <p:style>
+          <a:lnRef idx="2">
+            <a:schemeClr val="dk1"/>
+          </a:lnRef>
+          <a:fillRef idx="0">
+            <a:schemeClr val="dk1"/>
+          </a:fillRef>
+          <a:effectRef idx="1">
+            <a:schemeClr val="dk1"/>
+          </a:effectRef>
+          <a:fontRef idx="minor">
+            <a:schemeClr val="tx1"/>
+          </a:fontRef>
+        </p:style>
+      </p:cxnSp>
+      <p:sp>
+        <p:nvSpPr>
+          <p:cNvPr id="42" name="TextBox 41"/>
+          <p:cNvSpPr txBox="1"/>
+          <p:nvPr/>
+        </p:nvSpPr>
+        <p:spPr>
+          <a:xfrm>
+            <a:off x="3993063" y="3949654"/>
+            <a:ext cx="858904" cy="369332"/>
+          </a:xfrm>
+          <a:prstGeom prst="rect">
+            <a:avLst/>
+          </a:prstGeom>
+          <a:noFill/>
+        </p:spPr>
+        <p:txBody>
+          <a:bodyPr wrap="none" rtlCol="0">
+            <a:spAutoFit/>
+          </a:bodyPr>
+          <a:lstStyle/>
+          <a:p>
+            <a:r>
+              <a:rPr lang="en-US" dirty="0" smtClean="0"/>
+              <a:t>change</a:t>
+            </a:r>
+            <a:endParaRPr lang="en-US" dirty="0"/>
+          </a:p>
+        </p:txBody>
+      </p:sp>
+      <p:sp>
+        <p:nvSpPr>
+          <p:cNvPr id="43" name="Rounded Rectangle 42"/>
+          <p:cNvSpPr/>
+          <p:nvPr/>
+        </p:nvSpPr>
+        <p:spPr>
+          <a:xfrm>
+            <a:off x="544378" y="3199960"/>
+            <a:ext cx="1210065" cy="527730"/>
+          </a:xfrm>
+          <a:prstGeom prst="roundRect">
+            <a:avLst/>
+          </a:prstGeom>
+        </p:spPr>
+        <p:style>
+          <a:lnRef idx="1">
+            <a:schemeClr val="accent4"/>
+          </a:lnRef>
+          <a:fillRef idx="3">
+            <a:schemeClr val="accent4"/>
+          </a:fillRef>
+          <a:effectRef idx="2">
+            <a:schemeClr val="accent4"/>
+          </a:effectRef>
+          <a:fontRef idx="minor">
+            <a:schemeClr val="lt1"/>
+          </a:fontRef>
+        </p:style>
+        <p:txBody>
+          <a:bodyPr rtlCol="0" anchor="ctr"/>
+          <a:lstStyle/>
+          <a:p>
+            <a:pPr algn="ctr"/>
+            <a:r>
+              <a:rPr lang="en-US" dirty="0" err="1" smtClean="0"/>
+              <a:t>NewView</a:t>
+            </a:r>
+            <a:endParaRPr lang="en-US" dirty="0"/>
+          </a:p>
+        </p:txBody>
+      </p:sp>
+      <p:sp>
+        <p:nvSpPr>
+          <p:cNvPr id="44" name="Rounded Rectangle 43"/>
+          <p:cNvSpPr/>
+          <p:nvPr/>
+        </p:nvSpPr>
+        <p:spPr>
+          <a:xfrm>
+            <a:off x="369067" y="1505947"/>
+            <a:ext cx="1546574" cy="527730"/>
+          </a:xfrm>
+          <a:prstGeom prst="roundRect">
+            <a:avLst/>
+          </a:prstGeom>
+        </p:spPr>
+        <p:style>
+          <a:lnRef idx="1">
+            <a:schemeClr val="accent4"/>
+          </a:lnRef>
+          <a:fillRef idx="3">
+            <a:schemeClr val="accent4"/>
+          </a:fillRef>
+          <a:effectRef idx="2">
+            <a:schemeClr val="accent4"/>
+          </a:effectRef>
+          <a:fontRef idx="minor">
+            <a:schemeClr val="lt1"/>
+          </a:fontRef>
+        </p:style>
+        <p:txBody>
+          <a:bodyPr rtlCol="0" anchor="ctr"/>
+          <a:lstStyle/>
+          <a:p>
+            <a:pPr algn="ctr"/>
+            <a:r>
+              <a:rPr lang="en-US" dirty="0" err="1" smtClean="0"/>
+              <a:t>OptionsView</a:t>
+            </a:r>
+            <a:endParaRPr lang="en-US" dirty="0"/>
+          </a:p>
+        </p:txBody>
+      </p:sp>
+      <p:cxnSp>
+        <p:nvCxnSpPr>
+          <p:cNvPr id="55" name="Curved Connector 54"/>
+          <p:cNvCxnSpPr>
+            <a:endCxn id="29" idx="1"/>
+          </p:cNvCxnSpPr>
+          <p:nvPr/>
+        </p:nvCxnSpPr>
+        <p:spPr>
+          <a:xfrm rot="5400000" flipH="1" flipV="1">
+            <a:off x="1540377" y="3343408"/>
+            <a:ext cx="1520967" cy="431081"/>
+          </a:xfrm>
+          <a:prstGeom prst="curvedConnector2">
+            <a:avLst/>
+          </a:prstGeom>
+          <a:ln>
+            <a:tailEnd type="arrow"/>
+          </a:ln>
+        </p:spPr>
+        <p:style>
+          <a:lnRef idx="2">
+            <a:schemeClr val="dk1"/>
+          </a:lnRef>
+          <a:fillRef idx="0">
+            <a:schemeClr val="dk1"/>
+          </a:fillRef>
+          <a:effectRef idx="1">
+            <a:schemeClr val="dk1"/>
+          </a:effectRef>
+          <a:fontRef idx="minor">
+            <a:schemeClr val="tx1"/>
+          </a:fontRef>
+        </p:style>
+      </p:cxnSp>
+      <p:cxnSp>
+        <p:nvCxnSpPr>
+          <p:cNvPr id="57" name="Curved Connector 56"/>
+          <p:cNvCxnSpPr>
+            <a:stCxn id="43" idx="2"/>
+            <a:endCxn id="24" idx="1"/>
+          </p:cNvCxnSpPr>
+          <p:nvPr/>
+        </p:nvCxnSpPr>
+        <p:spPr>
+          <a:xfrm rot="16200000" flipH="1">
+            <a:off x="574864" y="4302236"/>
+            <a:ext cx="1318081" cy="168987"/>
+          </a:xfrm>
+          <a:prstGeom prst="curvedConnector2">
+            <a:avLst/>
+          </a:prstGeom>
+          <a:ln>
+            <a:tailEnd type="arrow"/>
+          </a:ln>
+        </p:spPr>
+        <p:style>
+          <a:lnRef idx="2">
+            <a:schemeClr val="dk1"/>
+          </a:lnRef>
+          <a:fillRef idx="0">
+            <a:schemeClr val="dk1"/>
+          </a:fillRef>
+          <a:effectRef idx="1">
+            <a:schemeClr val="dk1"/>
+          </a:effectRef>
+          <a:fontRef idx="minor">
+            <a:schemeClr val="tx1"/>
+          </a:fontRef>
+        </p:style>
+      </p:cxnSp>
+      <p:sp>
+        <p:nvSpPr>
+          <p:cNvPr id="58" name="TextBox 57"/>
+          <p:cNvSpPr txBox="1"/>
+          <p:nvPr/>
+        </p:nvSpPr>
+        <p:spPr>
+          <a:xfrm>
+            <a:off x="369067" y="3993034"/>
+            <a:ext cx="780344" cy="369332"/>
+          </a:xfrm>
+          <a:prstGeom prst="rect">
+            <a:avLst/>
+          </a:prstGeom>
+          <a:noFill/>
+        </p:spPr>
+        <p:txBody>
+          <a:bodyPr wrap="none" rtlCol="0">
+            <a:spAutoFit/>
+          </a:bodyPr>
+          <a:lstStyle/>
+          <a:p>
+            <a:r>
+              <a:rPr lang="en-US" dirty="0" smtClean="0"/>
+              <a:t>create</a:t>
+            </a:r>
+            <a:endParaRPr lang="en-US" dirty="0"/>
+          </a:p>
+        </p:txBody>
+      </p:sp>
+      <p:sp>
+        <p:nvSpPr>
+          <p:cNvPr id="60" name="Document 59"/>
+          <p:cNvSpPr/>
+          <p:nvPr/>
+        </p:nvSpPr>
+        <p:spPr>
+          <a:xfrm>
+            <a:off x="6949798" y="1715815"/>
+            <a:ext cx="1398731" cy="2010660"/>
+          </a:xfrm>
+          <a:prstGeom prst="flowChartDocument">
+            <a:avLst/>
+          </a:prstGeom>
+        </p:spPr>
+        <p:style>
+          <a:lnRef idx="2">
+            <a:schemeClr val="dk1"/>
+          </a:lnRef>
+          <a:fillRef idx="1">
+            <a:schemeClr val="lt1"/>
+          </a:fillRef>
+          <a:effectRef idx="0">
+            <a:schemeClr val="dk1"/>
+          </a:effectRef>
+          <a:fontRef idx="minor">
+            <a:schemeClr val="dk1"/>
+          </a:fontRef>
+        </p:style>
+        <p:txBody>
+          <a:bodyPr rtlCol="0" anchor="t"/>
+          <a:lstStyle/>
+          <a:p>
+            <a:pPr algn="ctr"/>
+            <a:r>
+              <a:rPr lang="en-US" dirty="0" smtClean="0"/>
+              <a:t>DOM</a:t>
+            </a:r>
+            <a:endParaRPr lang="en-US" dirty="0"/>
+          </a:p>
+        </p:txBody>
+      </p:sp>
+      <p:sp>
+        <p:nvSpPr>
+          <p:cNvPr id="61" name="TextBox 60"/>
+          <p:cNvSpPr txBox="1"/>
+          <p:nvPr/>
+        </p:nvSpPr>
+        <p:spPr>
+          <a:xfrm>
+            <a:off x="7055629" y="2117701"/>
+            <a:ext cx="1292900" cy="1169551"/>
+          </a:xfrm>
+          <a:prstGeom prst="rect">
+            <a:avLst/>
+          </a:prstGeom>
+          <a:noFill/>
+        </p:spPr>
+        <p:txBody>
+          <a:bodyPr wrap="square" rtlCol="0">
+            <a:spAutoFit/>
+          </a:bodyPr>
+          <a:lstStyle/>
+          <a:p>
+            <a:r>
+              <a:rPr lang="en-US" sz="1400" dirty="0" smtClean="0"/>
+              <a:t>…</a:t>
+            </a:r>
+          </a:p>
+          <a:p>
+            <a:r>
+              <a:rPr lang="en-US" sz="1400" dirty="0" smtClean="0"/>
+              <a:t>&lt;div id=“list”&gt;</a:t>
+            </a:r>
+          </a:p>
+          <a:p>
+            <a:r>
+              <a:rPr lang="en-US" sz="1400" dirty="0"/>
+              <a:t> </a:t>
+            </a:r>
+            <a:r>
+              <a:rPr lang="en-US" sz="1400" dirty="0" smtClean="0"/>
+              <a:t>   Hello</a:t>
+            </a:r>
+          </a:p>
+          <a:p>
+            <a:r>
+              <a:rPr lang="en-US" sz="1400" dirty="0" smtClean="0"/>
+              <a:t>&lt;/div&gt;</a:t>
+            </a:r>
+          </a:p>
+          <a:p>
+            <a:r>
+              <a:rPr lang="en-US" sz="1400" dirty="0" smtClean="0"/>
+              <a:t>…</a:t>
+            </a:r>
+            <a:endParaRPr lang="en-US" sz="1400" dirty="0"/>
+          </a:p>
+        </p:txBody>
+      </p:sp>
+      <p:cxnSp>
+        <p:nvCxnSpPr>
+          <p:cNvPr id="70" name="Straight Arrow Connector 69"/>
+          <p:cNvCxnSpPr/>
+          <p:nvPr/>
+        </p:nvCxnSpPr>
+        <p:spPr>
+          <a:xfrm flipV="1">
+            <a:off x="5945496" y="1881320"/>
+            <a:ext cx="1004302" cy="11758"/>
+          </a:xfrm>
+          <a:prstGeom prst="straightConnector1">
+            <a:avLst/>
+          </a:prstGeom>
+          <a:ln>
+            <a:tailEnd type="arrow"/>
+          </a:ln>
+        </p:spPr>
+        <p:style>
+          <a:lnRef idx="2">
+            <a:schemeClr val="dk1"/>
+          </a:lnRef>
+          <a:fillRef idx="0">
+            <a:schemeClr val="dk1"/>
+          </a:fillRef>
+          <a:effectRef idx="1">
+            <a:schemeClr val="dk1"/>
+          </a:effectRef>
+          <a:fontRef idx="minor">
+            <a:schemeClr val="tx1"/>
+          </a:fontRef>
+        </p:style>
+      </p:cxnSp>
+      <p:sp>
+        <p:nvSpPr>
+          <p:cNvPr id="71" name="TextBox 70"/>
+          <p:cNvSpPr txBox="1"/>
+          <p:nvPr/>
+        </p:nvSpPr>
+        <p:spPr>
+          <a:xfrm>
+            <a:off x="5945496" y="1505947"/>
+            <a:ext cx="817877" cy="369332"/>
+          </a:xfrm>
+          <a:prstGeom prst="rect">
+            <a:avLst/>
+          </a:prstGeom>
+          <a:noFill/>
+        </p:spPr>
+        <p:txBody>
+          <a:bodyPr wrap="none" rtlCol="0">
+            <a:spAutoFit/>
+          </a:bodyPr>
+          <a:lstStyle/>
+          <a:p>
+            <a:r>
+              <a:rPr lang="en-US" dirty="0" smtClean="0"/>
+              <a:t>render</a:t>
+            </a:r>
+            <a:endParaRPr lang="en-US" dirty="0"/>
+          </a:p>
+        </p:txBody>
+      </p:sp>
+      <p:cxnSp>
+        <p:nvCxnSpPr>
+          <p:cNvPr id="73" name="Curved Connector 72"/>
+          <p:cNvCxnSpPr>
+            <a:endCxn id="24" idx="1"/>
+          </p:cNvCxnSpPr>
+          <p:nvPr/>
+        </p:nvCxnSpPr>
+        <p:spPr>
+          <a:xfrm rot="5400000" flipH="1" flipV="1">
+            <a:off x="460427" y="5129722"/>
+            <a:ext cx="941922" cy="774020"/>
+          </a:xfrm>
+          <a:prstGeom prst="curvedConnector2">
+            <a:avLst/>
+          </a:prstGeom>
+          <a:ln>
+            <a:tailEnd type="arrow"/>
+          </a:ln>
+        </p:spPr>
+        <p:style>
+          <a:lnRef idx="2">
+            <a:schemeClr val="dk1"/>
+          </a:lnRef>
+          <a:fillRef idx="0">
+            <a:schemeClr val="dk1"/>
+          </a:fillRef>
+          <a:effectRef idx="1">
+            <a:schemeClr val="dk1"/>
+          </a:effectRef>
+          <a:fontRef idx="minor">
+            <a:schemeClr val="tx1"/>
+          </a:fontRef>
+        </p:style>
+      </p:cxnSp>
+      <p:sp>
+        <p:nvSpPr>
+          <p:cNvPr id="74" name="TextBox 73"/>
+          <p:cNvSpPr txBox="1"/>
+          <p:nvPr/>
+        </p:nvSpPr>
+        <p:spPr>
+          <a:xfrm>
+            <a:off x="50505" y="5045770"/>
+            <a:ext cx="666168" cy="369332"/>
+          </a:xfrm>
+          <a:prstGeom prst="rect">
+            <a:avLst/>
+          </a:prstGeom>
+          <a:noFill/>
+        </p:spPr>
+        <p:txBody>
+          <a:bodyPr wrap="none" rtlCol="0">
+            <a:spAutoFit/>
+          </a:bodyPr>
+          <a:lstStyle/>
+          <a:p>
+            <a:r>
+              <a:rPr lang="en-US" dirty="0" smtClean="0"/>
+              <a:t>fetch</a:t>
+            </a:r>
+            <a:endParaRPr lang="en-US" dirty="0"/>
+          </a:p>
+        </p:txBody>
+      </p:sp>
+      <p:cxnSp>
+        <p:nvCxnSpPr>
+          <p:cNvPr id="76" name="Curved Connector 75"/>
+          <p:cNvCxnSpPr>
+            <a:stCxn id="25" idx="2"/>
+            <a:endCxn id="7" idx="1"/>
+          </p:cNvCxnSpPr>
+          <p:nvPr/>
+        </p:nvCxnSpPr>
+        <p:spPr>
+          <a:xfrm rot="16200000" flipH="1">
+            <a:off x="4496105" y="3987726"/>
+            <a:ext cx="937437" cy="3597100"/>
+          </a:xfrm>
+          <a:prstGeom prst="curvedConnector2">
+            <a:avLst/>
+          </a:prstGeom>
+          <a:ln>
+            <a:tailEnd type="arrow"/>
+          </a:ln>
+        </p:spPr>
+        <p:style>
+          <a:lnRef idx="2">
+            <a:schemeClr val="accent1"/>
+          </a:lnRef>
+          <a:fillRef idx="0">
+            <a:schemeClr val="accent1"/>
+          </a:fillRef>
+          <a:effectRef idx="1">
+            <a:schemeClr val="accent1"/>
+          </a:effectRef>
+          <a:fontRef idx="minor">
+            <a:schemeClr val="tx1"/>
+          </a:fontRef>
+        </p:style>
+      </p:cxnSp>
+      <p:cxnSp>
+        <p:nvCxnSpPr>
+          <p:cNvPr id="79" name="Curved Connector 78"/>
+          <p:cNvCxnSpPr>
+            <a:stCxn id="2" idx="2"/>
+            <a:endCxn id="7" idx="1"/>
+          </p:cNvCxnSpPr>
+          <p:nvPr/>
+        </p:nvCxnSpPr>
+        <p:spPr>
+          <a:xfrm rot="16200000" flipH="1">
+            <a:off x="5361540" y="4853162"/>
+            <a:ext cx="935690" cy="1867975"/>
+          </a:xfrm>
+          <a:prstGeom prst="curvedConnector2">
+            <a:avLst/>
+          </a:prstGeom>
+          <a:ln>
+            <a:tailEnd type="arrow"/>
+          </a:ln>
+        </p:spPr>
+        <p:style>
+          <a:lnRef idx="2">
+            <a:schemeClr val="accent1"/>
+          </a:lnRef>
+          <a:fillRef idx="0">
+            <a:schemeClr val="accent1"/>
+          </a:fillRef>
+          <a:effectRef idx="1">
+            <a:schemeClr val="accent1"/>
+          </a:effectRef>
+          <a:fontRef idx="minor">
+            <a:schemeClr val="tx1"/>
+          </a:fontRef>
+        </p:style>
+      </p:cxnSp>
+      <p:cxnSp>
+        <p:nvCxnSpPr>
+          <p:cNvPr id="84" name="Curved Connector 83"/>
+          <p:cNvCxnSpPr>
+            <a:stCxn id="24" idx="3"/>
+            <a:endCxn id="7" idx="1"/>
+          </p:cNvCxnSpPr>
+          <p:nvPr/>
+        </p:nvCxnSpPr>
+        <p:spPr>
+          <a:xfrm>
+            <a:off x="5945496" y="5045771"/>
+            <a:ext cx="817877" cy="1209224"/>
+          </a:xfrm>
+          <a:prstGeom prst="curvedConnector3">
+            <a:avLst>
+              <a:gd name="adj1" fmla="val 50000"/>
+            </a:avLst>
+          </a:prstGeom>
+          <a:ln>
+            <a:tailEnd type="arrow"/>
+          </a:ln>
+        </p:spPr>
+        <p:style>
+          <a:lnRef idx="2">
+            <a:schemeClr val="accent1"/>
+          </a:lnRef>
+          <a:fillRef idx="0">
+            <a:schemeClr val="accent1"/>
+          </a:fillRef>
+          <a:effectRef idx="1">
+            <a:schemeClr val="accent1"/>
+          </a:effectRef>
+          <a:fontRef idx="minor">
+            <a:schemeClr val="tx1"/>
+          </a:fontRef>
+        </p:style>
+      </p:cxnSp>
+    </p:spTree>
+    <p:extLst>
+      <p:ext uri="{BB962C8B-B14F-4D97-AF65-F5344CB8AC3E}">
+        <p14:creationId xmlns:p14="http://schemas.microsoft.com/office/powerpoint/2010/main" val="4150362977"/>
+      </p:ext>
+    </p:extLst>
+  </p:cSld>
+  <p:clrMapOvr>
+    <a:masterClrMapping/>
+  </p:clrMapOvr>
+</p:sld>
+</file>
+
 <file path=ppt/slides/slide2.xml><?xml version="1.0" encoding="utf-8"?>
 <p:sld xmlns:a="http://schemas.openxmlformats.org/drawingml/2006/main" xmlns:r="http://schemas.openxmlformats.org/officeDocument/2006/relationships" xmlns:p="http://schemas.openxmlformats.org/presentationml/2006/main">
   <p:cSld>
@@ -3614,16 +6833,16 @@
       </p:grpSpPr>
       <p:sp>
         <p:nvSpPr>
-          <p:cNvPr id="4" name="Rectangle 3"/>
+          <p:cNvPr id="2" name="Rounded Rectangle 1"/>
           <p:cNvSpPr/>
           <p:nvPr/>
         </p:nvSpPr>
         <p:spPr>
           <a:xfrm>
-            <a:off x="454950" y="891020"/>
-            <a:ext cx="1461027" cy="417352"/>
-          </a:xfrm>
-          <a:prstGeom prst="rect">
+            <a:off x="1293477" y="2386925"/>
+            <a:ext cx="1893179" cy="729011"/>
+          </a:xfrm>
+          <a:prstGeom prst="roundRect">
             <a:avLst/>
           </a:prstGeom>
         </p:spPr>
@@ -3647,25 +6866,25 @@
           <a:p>
             <a:pPr algn="ctr"/>
             <a:r>
-              <a:rPr lang="en-US" dirty="0" smtClean="0"/>
-              <a:t>Request</a:t>
-            </a:r>
-            <a:endParaRPr lang="en-US" dirty="0"/>
-          </a:p>
-        </p:txBody>
-      </p:sp>
-      <p:sp>
-        <p:nvSpPr>
-          <p:cNvPr id="5" name="Rectangle 4"/>
+              <a:rPr lang="en-US" sz="2000" b="1" dirty="0" smtClean="0"/>
+              <a:t>Rendering</a:t>
+            </a:r>
+            <a:endParaRPr lang="en-US" sz="2000" b="1" dirty="0"/>
+          </a:p>
+        </p:txBody>
+      </p:sp>
+      <p:sp>
+        <p:nvSpPr>
+          <p:cNvPr id="3" name="Rounded Rectangle 2"/>
           <p:cNvSpPr/>
           <p:nvPr/>
         </p:nvSpPr>
         <p:spPr>
           <a:xfrm>
-            <a:off x="2545224" y="1001126"/>
-            <a:ext cx="1985310" cy="417352"/>
-          </a:xfrm>
-          <a:prstGeom prst="rect">
+            <a:off x="5267048" y="2386925"/>
+            <a:ext cx="1893179" cy="729011"/>
+          </a:xfrm>
+          <a:prstGeom prst="roundRect">
             <a:avLst/>
           </a:prstGeom>
         </p:spPr>
@@ -3689,37 +6908,45 @@
           <a:p>
             <a:pPr algn="ctr"/>
             <a:r>
-              <a:rPr lang="en-US" dirty="0" smtClean="0"/>
-              <a:t>Router</a:t>
-            </a:r>
-            <a:endParaRPr lang="en-US" dirty="0"/>
-          </a:p>
-        </p:txBody>
-      </p:sp>
-      <p:sp>
-        <p:nvSpPr>
-          <p:cNvPr id="6" name="Rectangle 5"/>
+              <a:rPr lang="en-US" sz="2000" b="1" dirty="0" smtClean="0">
+                <a:solidFill>
+                  <a:srgbClr val="FFFFFF"/>
+                </a:solidFill>
+              </a:rPr>
+              <a:t>User Interface</a:t>
+            </a:r>
+            <a:endParaRPr lang="en-US" sz="2000" b="1" dirty="0">
+              <a:solidFill>
+                <a:srgbClr val="FFFFFF"/>
+              </a:solidFill>
+            </a:endParaRPr>
+          </a:p>
+        </p:txBody>
+      </p:sp>
+      <p:sp>
+        <p:nvSpPr>
+          <p:cNvPr id="4" name="Rounded Rectangle 3"/>
           <p:cNvSpPr/>
           <p:nvPr/>
         </p:nvSpPr>
         <p:spPr>
           <a:xfrm>
-            <a:off x="2545224" y="1502769"/>
-            <a:ext cx="1985308" cy="417352"/>
-          </a:xfrm>
-          <a:prstGeom prst="rect">
+            <a:off x="5267048" y="3290480"/>
+            <a:ext cx="1893179" cy="729011"/>
+          </a:xfrm>
+          <a:prstGeom prst="roundRect">
             <a:avLst/>
           </a:prstGeom>
         </p:spPr>
         <p:style>
           <a:lnRef idx="0">
-            <a:schemeClr val="accent3"/>
+            <a:schemeClr val="accent6"/>
           </a:lnRef>
           <a:fillRef idx="3">
-            <a:schemeClr val="accent3"/>
+            <a:schemeClr val="accent6"/>
           </a:fillRef>
           <a:effectRef idx="3">
-            <a:schemeClr val="accent3"/>
+            <a:schemeClr val="accent6"/>
           </a:effectRef>
           <a:fontRef idx="minor">
             <a:schemeClr val="lt1"/>
@@ -3731,25 +6958,25 @@
           <a:p>
             <a:pPr algn="ctr"/>
             <a:r>
-              <a:rPr lang="en-US" dirty="0" smtClean="0"/>
-              <a:t>Controller</a:t>
-            </a:r>
-            <a:endParaRPr lang="en-US" dirty="0"/>
-          </a:p>
-        </p:txBody>
-      </p:sp>
-      <p:sp>
-        <p:nvSpPr>
-          <p:cNvPr id="7" name="Rectangle 6"/>
+              <a:rPr lang="en-US" sz="2000" b="1" dirty="0" smtClean="0"/>
+              <a:t>Business Logic</a:t>
+            </a:r>
+            <a:endParaRPr lang="en-US" sz="2000" b="1" dirty="0"/>
+          </a:p>
+        </p:txBody>
+      </p:sp>
+      <p:sp>
+        <p:nvSpPr>
+          <p:cNvPr id="5" name="Rounded Rectangle 4"/>
           <p:cNvSpPr/>
           <p:nvPr/>
         </p:nvSpPr>
         <p:spPr>
           <a:xfrm>
-            <a:off x="3363105" y="2007904"/>
-            <a:ext cx="1167427" cy="417352"/>
-          </a:xfrm>
-          <a:prstGeom prst="rect">
+            <a:off x="5267048" y="4231598"/>
+            <a:ext cx="1893179" cy="729011"/>
+          </a:xfrm>
+          <a:prstGeom prst="roundRect">
             <a:avLst/>
           </a:prstGeom>
         </p:spPr>
@@ -3773,449 +7000,89 @@
           <a:p>
             <a:pPr algn="ctr"/>
             <a:r>
-              <a:rPr lang="en-US" dirty="0" smtClean="0"/>
-              <a:t>Model</a:t>
-            </a:r>
-            <a:endParaRPr lang="en-US" dirty="0"/>
-          </a:p>
-        </p:txBody>
-      </p:sp>
-      <p:sp>
-        <p:nvSpPr>
-          <p:cNvPr id="8" name="Rectangle 7"/>
-          <p:cNvSpPr/>
-          <p:nvPr/>
-        </p:nvSpPr>
-        <p:spPr>
-          <a:xfrm>
-            <a:off x="3363105" y="2516546"/>
-            <a:ext cx="1167427" cy="417352"/>
-          </a:xfrm>
-          <a:prstGeom prst="rect">
-            <a:avLst/>
-          </a:prstGeom>
-        </p:spPr>
-        <p:style>
-          <a:lnRef idx="0">
-            <a:schemeClr val="accent2"/>
-          </a:lnRef>
-          <a:fillRef idx="3">
-            <a:schemeClr val="accent2"/>
-          </a:fillRef>
-          <a:effectRef idx="3">
-            <a:schemeClr val="accent2"/>
-          </a:effectRef>
-          <a:fontRef idx="minor">
-            <a:schemeClr val="lt1"/>
-          </a:fontRef>
-        </p:style>
-        <p:txBody>
-          <a:bodyPr rtlCol="0" anchor="ctr"/>
-          <a:lstStyle/>
-          <a:p>
-            <a:pPr algn="ctr"/>
-            <a:r>
-              <a:rPr lang="en-US" dirty="0" smtClean="0"/>
-              <a:t>Database</a:t>
-            </a:r>
-            <a:endParaRPr lang="en-US" dirty="0"/>
-          </a:p>
-        </p:txBody>
-      </p:sp>
-      <p:sp>
-        <p:nvSpPr>
-          <p:cNvPr id="9" name="Rectangle 8"/>
-          <p:cNvSpPr/>
-          <p:nvPr/>
-        </p:nvSpPr>
-        <p:spPr>
-          <a:xfrm>
-            <a:off x="2545223" y="3510859"/>
-            <a:ext cx="1985309" cy="597860"/>
-          </a:xfrm>
-          <a:prstGeom prst="rect">
-            <a:avLst/>
-          </a:prstGeom>
-        </p:spPr>
-        <p:style>
-          <a:lnRef idx="0">
-            <a:schemeClr val="accent6"/>
-          </a:lnRef>
-          <a:fillRef idx="3">
-            <a:schemeClr val="accent6"/>
-          </a:fillRef>
-          <a:effectRef idx="3">
-            <a:schemeClr val="accent6"/>
-          </a:effectRef>
-          <a:fontRef idx="minor">
-            <a:schemeClr val="lt1"/>
-          </a:fontRef>
-        </p:style>
-        <p:txBody>
-          <a:bodyPr rtlCol="0" anchor="ctr"/>
-          <a:lstStyle/>
-          <a:p>
-            <a:pPr algn="ctr"/>
-            <a:r>
-              <a:rPr lang="en-US" dirty="0" smtClean="0"/>
-              <a:t>View Rendering</a:t>
-            </a:r>
-          </a:p>
-          <a:p>
-            <a:pPr algn="ctr"/>
-            <a:r>
-              <a:rPr lang="en-US" dirty="0" smtClean="0"/>
-              <a:t>(Templates)</a:t>
-            </a:r>
-            <a:endParaRPr lang="en-US" dirty="0"/>
-          </a:p>
-        </p:txBody>
-      </p:sp>
-      <p:sp>
-        <p:nvSpPr>
-          <p:cNvPr id="10" name="Rectangle 9"/>
-          <p:cNvSpPr/>
-          <p:nvPr/>
-        </p:nvSpPr>
-        <p:spPr>
-          <a:xfrm>
-            <a:off x="2545224" y="4229712"/>
-            <a:ext cx="1985310" cy="599850"/>
-          </a:xfrm>
-          <a:prstGeom prst="rect">
-            <a:avLst/>
-          </a:prstGeom>
-        </p:spPr>
-        <p:style>
-          <a:lnRef idx="0">
-            <a:schemeClr val="accent6"/>
-          </a:lnRef>
-          <a:fillRef idx="3">
-            <a:schemeClr val="accent6"/>
-          </a:fillRef>
-          <a:effectRef idx="3">
-            <a:schemeClr val="accent6"/>
-          </a:effectRef>
-          <a:fontRef idx="minor">
-            <a:schemeClr val="lt1"/>
-          </a:fontRef>
-        </p:style>
-        <p:txBody>
-          <a:bodyPr rtlCol="0" anchor="ctr"/>
-          <a:lstStyle/>
-          <a:p>
-            <a:pPr algn="ctr"/>
-            <a:r>
-              <a:rPr lang="en-US" dirty="0" smtClean="0"/>
-              <a:t>Assets </a:t>
-            </a:r>
-            <a:br>
-              <a:rPr lang="en-US" dirty="0" smtClean="0"/>
-            </a:br>
-            <a:r>
-              <a:rPr lang="en-US" dirty="0" smtClean="0"/>
-              <a:t>(</a:t>
-            </a:r>
-            <a:r>
-              <a:rPr lang="en-US" dirty="0" err="1" smtClean="0"/>
-              <a:t>JS+CSS+media</a:t>
-            </a:r>
-            <a:r>
-              <a:rPr lang="en-US" dirty="0" smtClean="0"/>
-              <a:t>)</a:t>
-            </a:r>
-            <a:endParaRPr lang="en-US" dirty="0"/>
-          </a:p>
-        </p:txBody>
-      </p:sp>
-      <p:sp>
-        <p:nvSpPr>
-          <p:cNvPr id="12" name="Rectangle 11"/>
-          <p:cNvSpPr/>
-          <p:nvPr/>
-        </p:nvSpPr>
-        <p:spPr>
-          <a:xfrm>
-            <a:off x="2545224" y="3015269"/>
-            <a:ext cx="1985309" cy="417352"/>
-          </a:xfrm>
-          <a:prstGeom prst="rect">
-            <a:avLst/>
-          </a:prstGeom>
-        </p:spPr>
-        <p:style>
-          <a:lnRef idx="0">
-            <a:schemeClr val="accent6"/>
-          </a:lnRef>
-          <a:fillRef idx="3">
-            <a:schemeClr val="accent6"/>
-          </a:fillRef>
-          <a:effectRef idx="3">
-            <a:schemeClr val="accent6"/>
-          </a:effectRef>
-          <a:fontRef idx="minor">
-            <a:schemeClr val="lt1"/>
-          </a:fontRef>
-        </p:style>
-        <p:txBody>
-          <a:bodyPr rtlCol="0" anchor="ctr"/>
-          <a:lstStyle/>
-          <a:p>
-            <a:pPr algn="ctr"/>
-            <a:r>
-              <a:rPr lang="en-US" dirty="0" smtClean="0"/>
-              <a:t>Data Formatting</a:t>
-            </a:r>
-            <a:endParaRPr lang="en-US" dirty="0"/>
-          </a:p>
-        </p:txBody>
-      </p:sp>
-      <p:sp>
-        <p:nvSpPr>
-          <p:cNvPr id="13" name="Rectangle 12"/>
-          <p:cNvSpPr/>
-          <p:nvPr/>
-        </p:nvSpPr>
-        <p:spPr>
-          <a:xfrm>
-            <a:off x="454950" y="4014604"/>
-            <a:ext cx="1461027" cy="417352"/>
-          </a:xfrm>
-          <a:prstGeom prst="rect">
-            <a:avLst/>
-          </a:prstGeom>
-        </p:spPr>
-        <p:style>
-          <a:lnRef idx="0">
-            <a:schemeClr val="accent1"/>
-          </a:lnRef>
-          <a:fillRef idx="3">
-            <a:schemeClr val="accent1"/>
-          </a:fillRef>
-          <a:effectRef idx="3">
-            <a:schemeClr val="accent1"/>
-          </a:effectRef>
-          <a:fontRef idx="minor">
-            <a:schemeClr val="lt1"/>
-          </a:fontRef>
-        </p:style>
-        <p:txBody>
-          <a:bodyPr rtlCol="0" anchor="ctr"/>
-          <a:lstStyle/>
-          <a:p>
-            <a:pPr algn="ctr"/>
-            <a:r>
-              <a:rPr lang="en-US" dirty="0" smtClean="0"/>
-              <a:t>Response</a:t>
-            </a:r>
-            <a:endParaRPr lang="en-US" dirty="0"/>
-          </a:p>
-        </p:txBody>
-      </p:sp>
-      <p:sp>
-        <p:nvSpPr>
-          <p:cNvPr id="14" name="Rectangle 13"/>
-          <p:cNvSpPr/>
-          <p:nvPr/>
-        </p:nvSpPr>
-        <p:spPr>
-          <a:xfrm>
-            <a:off x="454950" y="4603606"/>
-            <a:ext cx="1461027" cy="417352"/>
-          </a:xfrm>
-          <a:prstGeom prst="rect">
-            <a:avLst/>
-          </a:prstGeom>
-        </p:spPr>
-        <p:style>
-          <a:lnRef idx="0">
-            <a:schemeClr val="accent1"/>
-          </a:lnRef>
-          <a:fillRef idx="3">
-            <a:schemeClr val="accent1"/>
-          </a:fillRef>
-          <a:effectRef idx="3">
-            <a:schemeClr val="accent1"/>
-          </a:effectRef>
-          <a:fontRef idx="minor">
-            <a:schemeClr val="lt1"/>
-          </a:fontRef>
-        </p:style>
-        <p:txBody>
-          <a:bodyPr rtlCol="0" anchor="ctr"/>
-          <a:lstStyle/>
-          <a:p>
-            <a:pPr algn="ctr"/>
-            <a:r>
-              <a:rPr lang="en-US" dirty="0" smtClean="0"/>
-              <a:t>JS Processing</a:t>
-            </a:r>
-            <a:endParaRPr lang="en-US" dirty="0"/>
-          </a:p>
-        </p:txBody>
-      </p:sp>
-      <p:sp>
-        <p:nvSpPr>
-          <p:cNvPr id="15" name="Right Arrow 14"/>
-          <p:cNvSpPr/>
-          <p:nvPr/>
-        </p:nvSpPr>
-        <p:spPr>
-          <a:xfrm>
-            <a:off x="2028314" y="1061606"/>
-            <a:ext cx="407559" cy="246766"/>
-          </a:xfrm>
-          <a:prstGeom prst="rightArrow">
-            <a:avLst/>
-          </a:prstGeom>
-        </p:spPr>
-        <p:style>
-          <a:lnRef idx="1">
-            <a:schemeClr val="dk1"/>
-          </a:lnRef>
-          <a:fillRef idx="3">
-            <a:schemeClr val="dk1"/>
-          </a:fillRef>
-          <a:effectRef idx="2">
-            <a:schemeClr val="dk1"/>
-          </a:effectRef>
-          <a:fontRef idx="minor">
-            <a:schemeClr val="lt1"/>
-          </a:fontRef>
-        </p:style>
-        <p:txBody>
-          <a:bodyPr rtlCol="0" anchor="ctr"/>
-          <a:lstStyle/>
-          <a:p>
-            <a:pPr algn="ctr"/>
-            <a:endParaRPr lang="en-US"/>
-          </a:p>
-        </p:txBody>
-      </p:sp>
-      <p:sp>
-        <p:nvSpPr>
-          <p:cNvPr id="16" name="Right Arrow 15"/>
-          <p:cNvSpPr/>
-          <p:nvPr/>
-        </p:nvSpPr>
-        <p:spPr>
-          <a:xfrm>
-            <a:off x="2028314" y="4245824"/>
-            <a:ext cx="407559" cy="246766"/>
-          </a:xfrm>
-          <a:prstGeom prst="rightArrow">
-            <a:avLst/>
-          </a:prstGeom>
-        </p:spPr>
-        <p:style>
-          <a:lnRef idx="1">
-            <a:schemeClr val="dk1"/>
-          </a:lnRef>
-          <a:fillRef idx="3">
-            <a:schemeClr val="dk1"/>
-          </a:fillRef>
-          <a:effectRef idx="2">
-            <a:schemeClr val="dk1"/>
-          </a:effectRef>
-          <a:fontRef idx="minor">
-            <a:schemeClr val="lt1"/>
-          </a:fontRef>
-        </p:style>
-        <p:txBody>
-          <a:bodyPr rtlCol="0" anchor="ctr"/>
-          <a:lstStyle/>
-          <a:p>
-            <a:pPr algn="ctr"/>
-            <a:endParaRPr lang="en-US"/>
-          </a:p>
-        </p:txBody>
-      </p:sp>
-      <p:sp>
-        <p:nvSpPr>
-          <p:cNvPr id="19" name="Left Arrow 18"/>
-          <p:cNvSpPr/>
-          <p:nvPr/>
-        </p:nvSpPr>
-        <p:spPr>
-          <a:xfrm>
-            <a:off x="2028314" y="3936932"/>
-            <a:ext cx="407559" cy="246765"/>
-          </a:xfrm>
-          <a:prstGeom prst="leftArrow">
-            <a:avLst/>
-          </a:prstGeom>
-        </p:spPr>
-        <p:style>
-          <a:lnRef idx="1">
-            <a:schemeClr val="dk1"/>
-          </a:lnRef>
-          <a:fillRef idx="3">
-            <a:schemeClr val="dk1"/>
-          </a:fillRef>
-          <a:effectRef idx="2">
-            <a:schemeClr val="dk1"/>
-          </a:effectRef>
-          <a:fontRef idx="minor">
-            <a:schemeClr val="lt1"/>
-          </a:fontRef>
-        </p:style>
-        <p:txBody>
-          <a:bodyPr rtlCol="0" anchor="ctr"/>
-          <a:lstStyle/>
-          <a:p>
-            <a:pPr algn="ctr"/>
-            <a:endParaRPr lang="en-US"/>
-          </a:p>
-        </p:txBody>
-      </p:sp>
-      <p:sp>
-        <p:nvSpPr>
-          <p:cNvPr id="20" name="Left Arrow 19"/>
-          <p:cNvSpPr/>
-          <p:nvPr/>
-        </p:nvSpPr>
-        <p:spPr>
-          <a:xfrm>
-            <a:off x="2028314" y="4675998"/>
-            <a:ext cx="407559" cy="246765"/>
-          </a:xfrm>
-          <a:prstGeom prst="leftArrow">
-            <a:avLst/>
-          </a:prstGeom>
-        </p:spPr>
-        <p:style>
-          <a:lnRef idx="1">
-            <a:schemeClr val="dk1"/>
-          </a:lnRef>
-          <a:fillRef idx="3">
-            <a:schemeClr val="dk1"/>
-          </a:fillRef>
-          <a:effectRef idx="2">
-            <a:schemeClr val="dk1"/>
-          </a:effectRef>
-          <a:fontRef idx="minor">
-            <a:schemeClr val="lt1"/>
-          </a:fontRef>
-        </p:style>
-        <p:txBody>
-          <a:bodyPr rtlCol="0" anchor="ctr"/>
-          <a:lstStyle/>
-          <a:p>
-            <a:pPr algn="ctr"/>
-            <a:endParaRPr lang="en-US"/>
-          </a:p>
-        </p:txBody>
-      </p:sp>
-      <p:sp>
-        <p:nvSpPr>
-          <p:cNvPr id="21" name="TextBox 20"/>
+              <a:rPr lang="en-US" sz="2000" b="1" dirty="0" smtClean="0"/>
+              <a:t>Storage</a:t>
+            </a:r>
+            <a:endParaRPr lang="en-US" sz="2000" b="1" dirty="0"/>
+          </a:p>
+        </p:txBody>
+      </p:sp>
+      <p:cxnSp>
+        <p:nvCxnSpPr>
+          <p:cNvPr id="7" name="Straight Arrow Connector 6"/>
+          <p:cNvCxnSpPr/>
+          <p:nvPr/>
+        </p:nvCxnSpPr>
+        <p:spPr>
+          <a:xfrm>
+            <a:off x="3186656" y="2575057"/>
+            <a:ext cx="2080392" cy="0"/>
+          </a:xfrm>
+          <a:prstGeom prst="straightConnector1">
+            <a:avLst/>
+          </a:prstGeom>
+          <a:ln>
+            <a:tailEnd type="arrow"/>
+          </a:ln>
+        </p:spPr>
+        <p:style>
+          <a:lnRef idx="2">
+            <a:schemeClr val="dk1"/>
+          </a:lnRef>
+          <a:fillRef idx="0">
+            <a:schemeClr val="dk1"/>
+          </a:fillRef>
+          <a:effectRef idx="1">
+            <a:schemeClr val="dk1"/>
+          </a:effectRef>
+          <a:fontRef idx="minor">
+            <a:schemeClr val="tx1"/>
+          </a:fontRef>
+        </p:style>
+      </p:cxnSp>
+      <p:cxnSp>
+        <p:nvCxnSpPr>
+          <p:cNvPr id="8" name="Straight Arrow Connector 7"/>
+          <p:cNvCxnSpPr/>
+          <p:nvPr/>
+        </p:nvCxnSpPr>
+        <p:spPr>
+          <a:xfrm flipH="1">
+            <a:off x="3186656" y="2904287"/>
+            <a:ext cx="2080393" cy="0"/>
+          </a:xfrm>
+          <a:prstGeom prst="straightConnector1">
+            <a:avLst/>
+          </a:prstGeom>
+          <a:ln>
+            <a:tailEnd type="arrow"/>
+          </a:ln>
+        </p:spPr>
+        <p:style>
+          <a:lnRef idx="2">
+            <a:schemeClr val="dk1"/>
+          </a:lnRef>
+          <a:fillRef idx="0">
+            <a:schemeClr val="dk1"/>
+          </a:fillRef>
+          <a:effectRef idx="1">
+            <a:schemeClr val="dk1"/>
+          </a:effectRef>
+          <a:fontRef idx="minor">
+            <a:schemeClr val="tx1"/>
+          </a:fontRef>
+        </p:style>
+      </p:cxnSp>
+      <p:sp>
+        <p:nvSpPr>
+          <p:cNvPr id="13" name="TextBox 12"/>
           <p:cNvSpPr txBox="1"/>
           <p:nvPr/>
         </p:nvSpPr>
         <p:spPr>
           <a:xfrm>
-            <a:off x="796161" y="523193"/>
-            <a:ext cx="740332" cy="369332"/>
+            <a:off x="3774601" y="2140001"/>
+            <a:ext cx="954107" cy="369332"/>
           </a:xfrm>
           <a:prstGeom prst="rect">
             <a:avLst/>
@@ -4229,23 +7096,23 @@
           <a:lstStyle/>
           <a:p>
             <a:r>
-              <a:rPr lang="en-US" b="1" dirty="0" smtClean="0"/>
-              <a:t>Client</a:t>
-            </a:r>
-            <a:endParaRPr lang="en-US" b="1" dirty="0"/>
-          </a:p>
-        </p:txBody>
-      </p:sp>
-      <p:sp>
-        <p:nvSpPr>
-          <p:cNvPr id="22" name="TextBox 21"/>
+              <a:rPr lang="en-US" dirty="0" smtClean="0"/>
+              <a:t>Request</a:t>
+            </a:r>
+            <a:endParaRPr lang="en-US" dirty="0"/>
+          </a:p>
+        </p:txBody>
+      </p:sp>
+      <p:sp>
+        <p:nvSpPr>
+          <p:cNvPr id="15" name="TextBox 14"/>
           <p:cNvSpPr txBox="1"/>
           <p:nvPr/>
         </p:nvSpPr>
         <p:spPr>
           <a:xfrm>
-            <a:off x="3138003" y="523193"/>
-            <a:ext cx="800219" cy="369332"/>
+            <a:off x="3739324" y="2946038"/>
+            <a:ext cx="1084552" cy="369332"/>
           </a:xfrm>
           <a:prstGeom prst="rect">
             <a:avLst/>
@@ -4259,17 +7126,77 @@
           <a:lstStyle/>
           <a:p>
             <a:r>
-              <a:rPr lang="en-US" b="1" dirty="0" smtClean="0"/>
+              <a:rPr lang="en-US" dirty="0" smtClean="0"/>
+              <a:t>Response</a:t>
+            </a:r>
+            <a:endParaRPr lang="en-US" dirty="0"/>
+          </a:p>
+        </p:txBody>
+      </p:sp>
+      <p:sp>
+        <p:nvSpPr>
+          <p:cNvPr id="16" name="TextBox 15"/>
+          <p:cNvSpPr txBox="1"/>
+          <p:nvPr/>
+        </p:nvSpPr>
+        <p:spPr>
+          <a:xfrm>
+            <a:off x="1761927" y="1519908"/>
+            <a:ext cx="925554" cy="461665"/>
+          </a:xfrm>
+          <a:prstGeom prst="rect">
+            <a:avLst/>
+          </a:prstGeom>
+          <a:noFill/>
+        </p:spPr>
+        <p:txBody>
+          <a:bodyPr wrap="none" rtlCol="0">
+            <a:spAutoFit/>
+          </a:bodyPr>
+          <a:lstStyle/>
+          <a:p>
+            <a:r>
+              <a:rPr lang="en-US" sz="2400" b="1" dirty="0" smtClean="0"/>
+              <a:t>Client</a:t>
+            </a:r>
+            <a:endParaRPr lang="en-US" sz="2400" b="1" dirty="0"/>
+          </a:p>
+        </p:txBody>
+      </p:sp>
+      <p:sp>
+        <p:nvSpPr>
+          <p:cNvPr id="17" name="TextBox 16"/>
+          <p:cNvSpPr txBox="1"/>
+          <p:nvPr/>
+        </p:nvSpPr>
+        <p:spPr>
+          <a:xfrm>
+            <a:off x="5747723" y="1519908"/>
+            <a:ext cx="1004452" cy="461665"/>
+          </a:xfrm>
+          <a:prstGeom prst="rect">
+            <a:avLst/>
+          </a:prstGeom>
+          <a:noFill/>
+        </p:spPr>
+        <p:txBody>
+          <a:bodyPr wrap="none" rtlCol="0">
+            <a:spAutoFit/>
+          </a:bodyPr>
+          <a:lstStyle/>
+          <a:p>
+            <a:r>
+              <a:rPr lang="en-US" sz="2400" b="1" dirty="0" smtClean="0"/>
               <a:t>Server</a:t>
             </a:r>
-            <a:endParaRPr lang="en-US" b="1" dirty="0"/>
+            <a:endParaRPr lang="en-US" sz="2400" b="1" dirty="0"/>
           </a:p>
         </p:txBody>
       </p:sp>
     </p:spTree>
     <p:extLst>
       <p:ext uri="{BB962C8B-B14F-4D97-AF65-F5344CB8AC3E}">
-        <p14:creationId xmlns:p14="http://schemas.microsoft.com/office/powerpoint/2010/main" val="3492684050"/>
+        <p14:creationId xmlns:p14="http://schemas.microsoft.com/office/powerpoint/2010/main" val="1945788943"/>
       </p:ext>
     </p:extLst>
   </p:cSld>
@@ -4305,58 +7232,16 @@
       </p:grpSpPr>
       <p:sp>
         <p:nvSpPr>
-          <p:cNvPr id="4" name="Rectangle 3"/>
+          <p:cNvPr id="3" name="Rounded Rectangle 2"/>
           <p:cNvSpPr/>
           <p:nvPr/>
         </p:nvSpPr>
         <p:spPr>
           <a:xfrm>
-            <a:off x="454950" y="891020"/>
-            <a:ext cx="1461027" cy="417352"/>
-          </a:xfrm>
-          <a:prstGeom prst="rect">
-            <a:avLst/>
-          </a:prstGeom>
-        </p:spPr>
-        <p:style>
-          <a:lnRef idx="0">
-            <a:schemeClr val="accent1"/>
-          </a:lnRef>
-          <a:fillRef idx="3">
-            <a:schemeClr val="accent1"/>
-          </a:fillRef>
-          <a:effectRef idx="3">
-            <a:schemeClr val="accent1"/>
-          </a:effectRef>
-          <a:fontRef idx="minor">
-            <a:schemeClr val="lt1"/>
-          </a:fontRef>
-        </p:style>
-        <p:txBody>
-          <a:bodyPr rtlCol="0" anchor="ctr"/>
-          <a:lstStyle/>
-          <a:p>
-            <a:pPr algn="ctr"/>
-            <a:r>
-              <a:rPr lang="en-US" dirty="0" smtClean="0"/>
-              <a:t>Request</a:t>
-            </a:r>
-            <a:endParaRPr lang="en-US" dirty="0"/>
-          </a:p>
-        </p:txBody>
-      </p:sp>
-      <p:sp>
-        <p:nvSpPr>
-          <p:cNvPr id="5" name="Rectangle 4"/>
-          <p:cNvSpPr/>
-          <p:nvPr/>
-        </p:nvSpPr>
-        <p:spPr>
-          <a:xfrm>
-            <a:off x="2545224" y="1001126"/>
-            <a:ext cx="1985310" cy="417352"/>
-          </a:xfrm>
-          <a:prstGeom prst="rect">
+            <a:off x="1293477" y="2363409"/>
+            <a:ext cx="1893179" cy="729011"/>
+          </a:xfrm>
+          <a:prstGeom prst="roundRect">
             <a:avLst/>
           </a:prstGeom>
         </p:spPr>
@@ -4380,37 +7265,45 @@
           <a:p>
             <a:pPr algn="ctr"/>
             <a:r>
-              <a:rPr lang="en-US" dirty="0" smtClean="0"/>
-              <a:t>Router</a:t>
-            </a:r>
-            <a:endParaRPr lang="en-US" dirty="0"/>
-          </a:p>
-        </p:txBody>
-      </p:sp>
-      <p:sp>
-        <p:nvSpPr>
-          <p:cNvPr id="6" name="Rectangle 5"/>
+              <a:rPr lang="en-US" sz="2000" b="1" dirty="0" smtClean="0">
+                <a:solidFill>
+                  <a:srgbClr val="FFFFFF"/>
+                </a:solidFill>
+              </a:rPr>
+              <a:t>User Interface</a:t>
+            </a:r>
+            <a:endParaRPr lang="en-US" sz="2000" b="1" dirty="0">
+              <a:solidFill>
+                <a:srgbClr val="FFFFFF"/>
+              </a:solidFill>
+            </a:endParaRPr>
+          </a:p>
+        </p:txBody>
+      </p:sp>
+      <p:sp>
+        <p:nvSpPr>
+          <p:cNvPr id="4" name="Rounded Rectangle 3"/>
           <p:cNvSpPr/>
           <p:nvPr/>
         </p:nvSpPr>
         <p:spPr>
           <a:xfrm>
-            <a:off x="2545224" y="1502769"/>
-            <a:ext cx="1985308" cy="417352"/>
-          </a:xfrm>
-          <a:prstGeom prst="rect">
+            <a:off x="5267049" y="4231598"/>
+            <a:ext cx="1893179" cy="729011"/>
+          </a:xfrm>
+          <a:prstGeom prst="roundRect">
             <a:avLst/>
           </a:prstGeom>
         </p:spPr>
         <p:style>
           <a:lnRef idx="0">
-            <a:schemeClr val="accent3"/>
+            <a:schemeClr val="accent6"/>
           </a:lnRef>
           <a:fillRef idx="3">
-            <a:schemeClr val="accent3"/>
+            <a:schemeClr val="accent6"/>
           </a:fillRef>
           <a:effectRef idx="3">
-            <a:schemeClr val="accent3"/>
+            <a:schemeClr val="accent6"/>
           </a:effectRef>
           <a:fontRef idx="minor">
             <a:schemeClr val="lt1"/>
@@ -4422,25 +7315,25 @@
           <a:p>
             <a:pPr algn="ctr"/>
             <a:r>
-              <a:rPr lang="en-US" dirty="0" smtClean="0"/>
-              <a:t>Controller</a:t>
-            </a:r>
-            <a:endParaRPr lang="en-US" dirty="0"/>
-          </a:p>
-        </p:txBody>
-      </p:sp>
-      <p:sp>
-        <p:nvSpPr>
-          <p:cNvPr id="7" name="Rectangle 6"/>
+              <a:rPr lang="en-US" sz="2000" b="1" dirty="0" smtClean="0"/>
+              <a:t>Business Logic</a:t>
+            </a:r>
+            <a:endParaRPr lang="en-US" sz="2000" b="1" dirty="0"/>
+          </a:p>
+        </p:txBody>
+      </p:sp>
+      <p:sp>
+        <p:nvSpPr>
+          <p:cNvPr id="5" name="Rounded Rectangle 4"/>
           <p:cNvSpPr/>
           <p:nvPr/>
         </p:nvSpPr>
         <p:spPr>
           <a:xfrm>
-            <a:off x="3363105" y="2007904"/>
-            <a:ext cx="1167427" cy="417352"/>
-          </a:xfrm>
-          <a:prstGeom prst="rect">
+            <a:off x="5267049" y="5172716"/>
+            <a:ext cx="1893179" cy="729011"/>
+          </a:xfrm>
+          <a:prstGeom prst="roundRect">
             <a:avLst/>
           </a:prstGeom>
         </p:spPr>
@@ -4464,426 +7357,23 @@
           <a:p>
             <a:pPr algn="ctr"/>
             <a:r>
-              <a:rPr lang="en-US" dirty="0" smtClean="0"/>
-              <a:t>Model</a:t>
-            </a:r>
-            <a:endParaRPr lang="en-US" dirty="0"/>
-          </a:p>
-        </p:txBody>
-      </p:sp>
-      <p:sp>
-        <p:nvSpPr>
-          <p:cNvPr id="8" name="Rectangle 7"/>
-          <p:cNvSpPr/>
-          <p:nvPr/>
-        </p:nvSpPr>
-        <p:spPr>
-          <a:xfrm>
-            <a:off x="3363105" y="2516546"/>
-            <a:ext cx="1167427" cy="417352"/>
-          </a:xfrm>
-          <a:prstGeom prst="rect">
-            <a:avLst/>
-          </a:prstGeom>
-        </p:spPr>
-        <p:style>
-          <a:lnRef idx="0">
-            <a:schemeClr val="accent2"/>
-          </a:lnRef>
-          <a:fillRef idx="3">
-            <a:schemeClr val="accent2"/>
-          </a:fillRef>
-          <a:effectRef idx="3">
-            <a:schemeClr val="accent2"/>
-          </a:effectRef>
-          <a:fontRef idx="minor">
-            <a:schemeClr val="lt1"/>
-          </a:fontRef>
-        </p:style>
-        <p:txBody>
-          <a:bodyPr rtlCol="0" anchor="ctr"/>
-          <a:lstStyle/>
-          <a:p>
-            <a:pPr algn="ctr"/>
-            <a:r>
-              <a:rPr lang="en-US" dirty="0" smtClean="0"/>
-              <a:t>Database</a:t>
-            </a:r>
-            <a:endParaRPr lang="en-US" dirty="0"/>
-          </a:p>
-        </p:txBody>
-      </p:sp>
-      <p:sp>
-        <p:nvSpPr>
-          <p:cNvPr id="9" name="Rectangle 8"/>
-          <p:cNvSpPr/>
-          <p:nvPr/>
-        </p:nvSpPr>
-        <p:spPr>
-          <a:xfrm>
-            <a:off x="2545223" y="4088044"/>
-            <a:ext cx="1985309" cy="417352"/>
-          </a:xfrm>
-          <a:prstGeom prst="rect">
-            <a:avLst/>
-          </a:prstGeom>
-        </p:spPr>
-        <p:style>
-          <a:lnRef idx="0">
-            <a:schemeClr val="accent6"/>
-          </a:lnRef>
-          <a:fillRef idx="3">
-            <a:schemeClr val="accent6"/>
-          </a:fillRef>
-          <a:effectRef idx="3">
-            <a:schemeClr val="accent6"/>
-          </a:effectRef>
-          <a:fontRef idx="minor">
-            <a:schemeClr val="lt1"/>
-          </a:fontRef>
-        </p:style>
-        <p:txBody>
-          <a:bodyPr rtlCol="0" anchor="ctr"/>
-          <a:lstStyle/>
-          <a:p>
-            <a:pPr algn="ctr"/>
-            <a:r>
-              <a:rPr lang="en-US" dirty="0" smtClean="0"/>
-              <a:t>Assets </a:t>
-            </a:r>
-          </a:p>
-        </p:txBody>
-      </p:sp>
-      <p:sp>
-        <p:nvSpPr>
-          <p:cNvPr id="10" name="Rectangle 9"/>
-          <p:cNvSpPr/>
-          <p:nvPr/>
-        </p:nvSpPr>
-        <p:spPr>
-          <a:xfrm>
-            <a:off x="2545225" y="4583894"/>
-            <a:ext cx="1985310" cy="417352"/>
-          </a:xfrm>
-          <a:prstGeom prst="rect">
-            <a:avLst/>
-          </a:prstGeom>
-        </p:spPr>
-        <p:style>
-          <a:lnRef idx="0">
-            <a:schemeClr val="accent3"/>
-          </a:lnRef>
-          <a:fillRef idx="3">
-            <a:schemeClr val="accent3"/>
-          </a:fillRef>
-          <a:effectRef idx="3">
-            <a:schemeClr val="accent3"/>
-          </a:effectRef>
-          <a:fontRef idx="minor">
-            <a:schemeClr val="lt1"/>
-          </a:fontRef>
-        </p:style>
-        <p:txBody>
-          <a:bodyPr rtlCol="0" anchor="ctr"/>
-          <a:lstStyle/>
-          <a:p>
-            <a:pPr algn="ctr"/>
-            <a:r>
-              <a:rPr lang="en-US" dirty="0" smtClean="0"/>
-              <a:t>Data Response</a:t>
-            </a:r>
-            <a:endParaRPr lang="en-US" dirty="0"/>
-          </a:p>
-        </p:txBody>
-      </p:sp>
-      <p:sp>
-        <p:nvSpPr>
-          <p:cNvPr id="11" name="Rectangle 10"/>
-          <p:cNvSpPr/>
-          <p:nvPr/>
-        </p:nvSpPr>
-        <p:spPr>
-          <a:xfrm>
-            <a:off x="2545224" y="3581695"/>
-            <a:ext cx="1985309" cy="417352"/>
-          </a:xfrm>
-          <a:prstGeom prst="rect">
-            <a:avLst/>
-          </a:prstGeom>
-        </p:spPr>
-        <p:style>
-          <a:lnRef idx="0">
-            <a:schemeClr val="accent6"/>
-          </a:lnRef>
-          <a:fillRef idx="3">
-            <a:schemeClr val="accent6"/>
-          </a:fillRef>
-          <a:effectRef idx="3">
-            <a:schemeClr val="accent6"/>
-          </a:effectRef>
-          <a:fontRef idx="minor">
-            <a:schemeClr val="lt1"/>
-          </a:fontRef>
-        </p:style>
-        <p:txBody>
-          <a:bodyPr rtlCol="0" anchor="ctr"/>
-          <a:lstStyle/>
-          <a:p>
-            <a:pPr algn="ctr"/>
-            <a:r>
-              <a:rPr lang="en-US" dirty="0" smtClean="0"/>
-              <a:t>JS Template</a:t>
-            </a:r>
-            <a:endParaRPr lang="en-US" dirty="0"/>
-          </a:p>
-        </p:txBody>
-      </p:sp>
-      <p:sp>
-        <p:nvSpPr>
-          <p:cNvPr id="12" name="Rectangle 11"/>
-          <p:cNvSpPr/>
-          <p:nvPr/>
-        </p:nvSpPr>
-        <p:spPr>
-          <a:xfrm>
-            <a:off x="454950" y="4088044"/>
-            <a:ext cx="1461027" cy="417352"/>
-          </a:xfrm>
-          <a:prstGeom prst="rect">
-            <a:avLst/>
-          </a:prstGeom>
-        </p:spPr>
-        <p:style>
-          <a:lnRef idx="0">
-            <a:schemeClr val="accent1"/>
-          </a:lnRef>
-          <a:fillRef idx="3">
-            <a:schemeClr val="accent1"/>
-          </a:fillRef>
-          <a:effectRef idx="3">
-            <a:schemeClr val="accent1"/>
-          </a:effectRef>
-          <a:fontRef idx="minor">
-            <a:schemeClr val="lt1"/>
-          </a:fontRef>
-        </p:style>
-        <p:txBody>
-          <a:bodyPr rtlCol="0" anchor="ctr"/>
-          <a:lstStyle/>
-          <a:p>
-            <a:pPr algn="ctr"/>
-            <a:r>
-              <a:rPr lang="en-US" dirty="0" smtClean="0"/>
-              <a:t>Assets</a:t>
-            </a:r>
-            <a:endParaRPr lang="en-US" dirty="0"/>
-          </a:p>
-        </p:txBody>
-      </p:sp>
-      <p:sp>
-        <p:nvSpPr>
-          <p:cNvPr id="13" name="Rectangle 12"/>
-          <p:cNvSpPr/>
-          <p:nvPr/>
-        </p:nvSpPr>
-        <p:spPr>
-          <a:xfrm>
-            <a:off x="454950" y="4583894"/>
-            <a:ext cx="1461027" cy="417352"/>
-          </a:xfrm>
-          <a:prstGeom prst="rect">
-            <a:avLst/>
-          </a:prstGeom>
-        </p:spPr>
-        <p:style>
-          <a:lnRef idx="0">
-            <a:schemeClr val="accent1"/>
-          </a:lnRef>
-          <a:fillRef idx="3">
-            <a:schemeClr val="accent1"/>
-          </a:fillRef>
-          <a:effectRef idx="3">
-            <a:schemeClr val="accent1"/>
-          </a:effectRef>
-          <a:fontRef idx="minor">
-            <a:schemeClr val="lt1"/>
-          </a:fontRef>
-        </p:style>
-        <p:txBody>
-          <a:bodyPr rtlCol="0" anchor="ctr"/>
-          <a:lstStyle/>
-          <a:p>
-            <a:pPr algn="ctr"/>
-            <a:r>
-              <a:rPr lang="en-US" dirty="0" smtClean="0"/>
-              <a:t>JS Processing</a:t>
-            </a:r>
-            <a:endParaRPr lang="en-US" dirty="0"/>
-          </a:p>
-        </p:txBody>
-      </p:sp>
-      <p:sp>
-        <p:nvSpPr>
-          <p:cNvPr id="14" name="Right Arrow 13"/>
-          <p:cNvSpPr/>
-          <p:nvPr/>
-        </p:nvSpPr>
-        <p:spPr>
-          <a:xfrm>
-            <a:off x="2028314" y="1061606"/>
-            <a:ext cx="407559" cy="246766"/>
-          </a:xfrm>
-          <a:prstGeom prst="rightArrow">
-            <a:avLst/>
-          </a:prstGeom>
-        </p:spPr>
-        <p:style>
-          <a:lnRef idx="1">
-            <a:schemeClr val="dk1"/>
-          </a:lnRef>
-          <a:fillRef idx="3">
-            <a:schemeClr val="dk1"/>
-          </a:fillRef>
-          <a:effectRef idx="2">
-            <a:schemeClr val="dk1"/>
-          </a:effectRef>
-          <a:fontRef idx="minor">
-            <a:schemeClr val="lt1"/>
-          </a:fontRef>
-        </p:style>
-        <p:txBody>
-          <a:bodyPr rtlCol="0" anchor="ctr"/>
-          <a:lstStyle/>
-          <a:p>
-            <a:pPr algn="ctr"/>
-            <a:endParaRPr lang="en-US"/>
-          </a:p>
-        </p:txBody>
-      </p:sp>
-      <p:sp>
-        <p:nvSpPr>
-          <p:cNvPr id="15" name="Right Arrow 14"/>
-          <p:cNvSpPr/>
-          <p:nvPr/>
-        </p:nvSpPr>
-        <p:spPr>
-          <a:xfrm>
-            <a:off x="2024394" y="4583894"/>
-            <a:ext cx="407559" cy="246766"/>
-          </a:xfrm>
-          <a:prstGeom prst="rightArrow">
-            <a:avLst/>
-          </a:prstGeom>
-        </p:spPr>
-        <p:style>
-          <a:lnRef idx="1">
-            <a:schemeClr val="dk1"/>
-          </a:lnRef>
-          <a:fillRef idx="3">
-            <a:schemeClr val="dk1"/>
-          </a:fillRef>
-          <a:effectRef idx="2">
-            <a:schemeClr val="dk1"/>
-          </a:effectRef>
-          <a:fontRef idx="minor">
-            <a:schemeClr val="lt1"/>
-          </a:fontRef>
-        </p:style>
-        <p:txBody>
-          <a:bodyPr rtlCol="0" anchor="ctr"/>
-          <a:lstStyle/>
-          <a:p>
-            <a:pPr algn="ctr"/>
-            <a:endParaRPr lang="en-US"/>
-          </a:p>
-        </p:txBody>
-      </p:sp>
-      <p:sp>
-        <p:nvSpPr>
-          <p:cNvPr id="16" name="Left Arrow 15"/>
-          <p:cNvSpPr/>
-          <p:nvPr/>
-        </p:nvSpPr>
-        <p:spPr>
-          <a:xfrm>
-            <a:off x="2024394" y="4851233"/>
-            <a:ext cx="407559" cy="246765"/>
-          </a:xfrm>
-          <a:prstGeom prst="leftArrow">
-            <a:avLst/>
-          </a:prstGeom>
-        </p:spPr>
-        <p:style>
-          <a:lnRef idx="1">
-            <a:schemeClr val="dk1"/>
-          </a:lnRef>
-          <a:fillRef idx="3">
-            <a:schemeClr val="dk1"/>
-          </a:fillRef>
-          <a:effectRef idx="2">
-            <a:schemeClr val="dk1"/>
-          </a:effectRef>
-          <a:fontRef idx="minor">
-            <a:schemeClr val="lt1"/>
-          </a:fontRef>
-        </p:style>
-        <p:txBody>
-          <a:bodyPr rtlCol="0" anchor="ctr"/>
-          <a:lstStyle/>
-          <a:p>
-            <a:pPr algn="ctr"/>
-            <a:endParaRPr lang="en-US"/>
-          </a:p>
-        </p:txBody>
-      </p:sp>
-      <p:sp>
-        <p:nvSpPr>
-          <p:cNvPr id="17" name="Left Arrow 16"/>
-          <p:cNvSpPr/>
-          <p:nvPr/>
-        </p:nvSpPr>
-        <p:spPr>
-          <a:xfrm>
-            <a:off x="2028314" y="4172888"/>
-            <a:ext cx="407559" cy="246765"/>
-          </a:xfrm>
-          <a:prstGeom prst="leftArrow">
-            <a:avLst/>
-          </a:prstGeom>
-        </p:spPr>
-        <p:style>
-          <a:lnRef idx="1">
-            <a:schemeClr val="dk1"/>
-          </a:lnRef>
-          <a:fillRef idx="3">
-            <a:schemeClr val="dk1"/>
-          </a:fillRef>
-          <a:effectRef idx="2">
-            <a:schemeClr val="dk1"/>
-          </a:effectRef>
-          <a:fontRef idx="minor">
-            <a:schemeClr val="lt1"/>
-          </a:fontRef>
-        </p:style>
-        <p:txBody>
-          <a:bodyPr rtlCol="0" anchor="ctr"/>
-          <a:lstStyle/>
-          <a:p>
-            <a:pPr algn="ctr"/>
-            <a:endParaRPr lang="en-US"/>
-          </a:p>
-        </p:txBody>
-      </p:sp>
-      <p:sp>
-        <p:nvSpPr>
-          <p:cNvPr id="18" name="TextBox 17"/>
+              <a:rPr lang="en-US" sz="2000" b="1" dirty="0" smtClean="0"/>
+              <a:t>Storage</a:t>
+            </a:r>
+            <a:endParaRPr lang="en-US" sz="2000" b="1" dirty="0"/>
+          </a:p>
+        </p:txBody>
+      </p:sp>
+      <p:sp>
+        <p:nvSpPr>
+          <p:cNvPr id="9" name="TextBox 8"/>
           <p:cNvSpPr txBox="1"/>
           <p:nvPr/>
         </p:nvSpPr>
         <p:spPr>
           <a:xfrm>
-            <a:off x="796161" y="523193"/>
-            <a:ext cx="740332" cy="369332"/>
+            <a:off x="3939225" y="3285197"/>
+            <a:ext cx="614095" cy="369332"/>
           </a:xfrm>
           <a:prstGeom prst="rect">
             <a:avLst/>
@@ -4897,23 +7387,23 @@
           <a:lstStyle/>
           <a:p>
             <a:r>
-              <a:rPr lang="en-US" b="1" dirty="0" smtClean="0"/>
-              <a:t>Client</a:t>
-            </a:r>
-            <a:endParaRPr lang="en-US" b="1" dirty="0"/>
-          </a:p>
-        </p:txBody>
-      </p:sp>
-      <p:sp>
-        <p:nvSpPr>
-          <p:cNvPr id="19" name="TextBox 18"/>
+              <a:rPr lang="en-US" dirty="0" smtClean="0"/>
+              <a:t>Sync</a:t>
+            </a:r>
+            <a:endParaRPr lang="en-US" dirty="0"/>
+          </a:p>
+        </p:txBody>
+      </p:sp>
+      <p:sp>
+        <p:nvSpPr>
+          <p:cNvPr id="10" name="TextBox 9"/>
           <p:cNvSpPr txBox="1"/>
           <p:nvPr/>
         </p:nvSpPr>
         <p:spPr>
           <a:xfrm>
-            <a:off x="3138003" y="523193"/>
-            <a:ext cx="800219" cy="369332"/>
+            <a:off x="1761927" y="1519908"/>
+            <a:ext cx="925554" cy="461665"/>
           </a:xfrm>
           <a:prstGeom prst="rect">
             <a:avLst/>
@@ -4927,25 +7417,139 @@
           <a:lstStyle/>
           <a:p>
             <a:r>
-              <a:rPr lang="en-US" b="1" dirty="0" smtClean="0"/>
+              <a:rPr lang="en-US" sz="2400" b="1" dirty="0" smtClean="0"/>
+              <a:t>Client</a:t>
+            </a:r>
+            <a:endParaRPr lang="en-US" sz="2400" b="1" dirty="0"/>
+          </a:p>
+        </p:txBody>
+      </p:sp>
+      <p:sp>
+        <p:nvSpPr>
+          <p:cNvPr id="11" name="TextBox 10"/>
+          <p:cNvSpPr txBox="1"/>
+          <p:nvPr/>
+        </p:nvSpPr>
+        <p:spPr>
+          <a:xfrm>
+            <a:off x="5747723" y="1519908"/>
+            <a:ext cx="1004452" cy="461665"/>
+          </a:xfrm>
+          <a:prstGeom prst="rect">
+            <a:avLst/>
+          </a:prstGeom>
+          <a:noFill/>
+        </p:spPr>
+        <p:txBody>
+          <a:bodyPr wrap="none" rtlCol="0">
+            <a:spAutoFit/>
+          </a:bodyPr>
+          <a:lstStyle/>
+          <a:p>
+            <a:r>
+              <a:rPr lang="en-US" sz="2400" b="1" dirty="0" smtClean="0"/>
               <a:t>Server</a:t>
             </a:r>
-            <a:endParaRPr lang="en-US" b="1" dirty="0"/>
-          </a:p>
-        </p:txBody>
-      </p:sp>
-      <p:sp>
-        <p:nvSpPr>
-          <p:cNvPr id="20" name="Rectangle 19"/>
+            <a:endParaRPr lang="en-US" sz="2400" b="1" dirty="0"/>
+          </a:p>
+        </p:txBody>
+      </p:sp>
+      <p:sp>
+        <p:nvSpPr>
+          <p:cNvPr id="12" name="Rounded Rectangle 11"/>
           <p:cNvSpPr/>
           <p:nvPr/>
         </p:nvSpPr>
         <p:spPr>
           <a:xfrm>
-            <a:off x="454950" y="3581695"/>
-            <a:ext cx="1461027" cy="417352"/>
-          </a:xfrm>
-          <a:prstGeom prst="rect">
+            <a:off x="1293477" y="3290480"/>
+            <a:ext cx="1893179" cy="729011"/>
+          </a:xfrm>
+          <a:prstGeom prst="roundRect">
+            <a:avLst/>
+          </a:prstGeom>
+        </p:spPr>
+        <p:style>
+          <a:lnRef idx="0">
+            <a:schemeClr val="accent6"/>
+          </a:lnRef>
+          <a:fillRef idx="3">
+            <a:schemeClr val="accent6"/>
+          </a:fillRef>
+          <a:effectRef idx="3">
+            <a:schemeClr val="accent6"/>
+          </a:effectRef>
+          <a:fontRef idx="minor">
+            <a:schemeClr val="lt1"/>
+          </a:fontRef>
+        </p:style>
+        <p:txBody>
+          <a:bodyPr rtlCol="0" anchor="ctr"/>
+          <a:lstStyle/>
+          <a:p>
+            <a:pPr algn="ctr"/>
+            <a:r>
+              <a:rPr lang="en-US" sz="2000" b="1" dirty="0" smtClean="0"/>
+              <a:t>Business Logic</a:t>
+            </a:r>
+            <a:endParaRPr lang="en-US" sz="2000" b="1" dirty="0"/>
+          </a:p>
+        </p:txBody>
+      </p:sp>
+      <p:sp>
+        <p:nvSpPr>
+          <p:cNvPr id="14" name="Rounded Rectangle 13"/>
+          <p:cNvSpPr/>
+          <p:nvPr/>
+        </p:nvSpPr>
+        <p:spPr>
+          <a:xfrm>
+            <a:off x="1293477" y="4231598"/>
+            <a:ext cx="1893179" cy="729011"/>
+          </a:xfrm>
+          <a:prstGeom prst="roundRect">
+            <a:avLst/>
+          </a:prstGeom>
+        </p:spPr>
+        <p:style>
+          <a:lnRef idx="0">
+            <a:schemeClr val="accent2"/>
+          </a:lnRef>
+          <a:fillRef idx="3">
+            <a:schemeClr val="accent2"/>
+          </a:fillRef>
+          <a:effectRef idx="3">
+            <a:schemeClr val="accent2"/>
+          </a:effectRef>
+          <a:fontRef idx="minor">
+            <a:schemeClr val="lt1"/>
+          </a:fontRef>
+        </p:style>
+        <p:txBody>
+          <a:bodyPr rtlCol="0" anchor="ctr"/>
+          <a:lstStyle/>
+          <a:p>
+            <a:pPr algn="ctr"/>
+            <a:r>
+              <a:rPr lang="en-US" sz="2000" b="1" dirty="0" smtClean="0"/>
+              <a:t>Storage</a:t>
+            </a:r>
+            <a:endParaRPr lang="en-US" sz="2000" b="1" dirty="0"/>
+          </a:p>
+        </p:txBody>
+      </p:sp>
+      <p:sp>
+        <p:nvSpPr>
+          <p:cNvPr id="15" name="Rounded Rectangle 14"/>
+          <p:cNvSpPr/>
+          <p:nvPr/>
+        </p:nvSpPr>
+        <p:spPr>
+          <a:xfrm>
+            <a:off x="5267048" y="3290480"/>
+            <a:ext cx="1893179" cy="729011"/>
+          </a:xfrm>
+          <a:prstGeom prst="roundRect">
             <a:avLst/>
           </a:prstGeom>
         </p:spPr>
@@ -4969,177 +7573,62 @@
           <a:p>
             <a:pPr algn="ctr"/>
             <a:r>
-              <a:rPr lang="en-US" dirty="0" smtClean="0"/>
-              <a:t>JS Template</a:t>
-            </a:r>
-            <a:endParaRPr lang="en-US" dirty="0"/>
-          </a:p>
-        </p:txBody>
-      </p:sp>
-      <p:sp>
-        <p:nvSpPr>
-          <p:cNvPr id="21" name="Rectangle 20"/>
-          <p:cNvSpPr/>
-          <p:nvPr/>
-        </p:nvSpPr>
-        <p:spPr>
-          <a:xfrm>
-            <a:off x="2545225" y="3065637"/>
-            <a:ext cx="1985309" cy="417352"/>
-          </a:xfrm>
-          <a:prstGeom prst="rect">
-            <a:avLst/>
-          </a:prstGeom>
-        </p:spPr>
-        <p:style>
-          <a:lnRef idx="0">
-            <a:schemeClr val="accent6"/>
-          </a:lnRef>
-          <a:fillRef idx="3">
-            <a:schemeClr val="accent6"/>
-          </a:fillRef>
-          <a:effectRef idx="3">
-            <a:schemeClr val="accent6"/>
-          </a:effectRef>
-          <a:fontRef idx="minor">
-            <a:schemeClr val="lt1"/>
-          </a:fontRef>
-        </p:style>
-        <p:txBody>
-          <a:bodyPr rtlCol="0" anchor="ctr"/>
-          <a:lstStyle/>
-          <a:p>
-            <a:pPr algn="ctr"/>
-            <a:r>
-              <a:rPr lang="en-US" dirty="0" smtClean="0"/>
-              <a:t>Render Main View</a:t>
-            </a:r>
-            <a:endParaRPr lang="en-US" dirty="0"/>
-          </a:p>
-        </p:txBody>
-      </p:sp>
-      <p:sp>
-        <p:nvSpPr>
-          <p:cNvPr id="22" name="Rectangle 21"/>
-          <p:cNvSpPr/>
-          <p:nvPr/>
-        </p:nvSpPr>
-        <p:spPr>
-          <a:xfrm>
-            <a:off x="454950" y="3065637"/>
-            <a:ext cx="1461027" cy="417352"/>
-          </a:xfrm>
-          <a:prstGeom prst="rect">
-            <a:avLst/>
-          </a:prstGeom>
-        </p:spPr>
-        <p:style>
-          <a:lnRef idx="0">
-            <a:schemeClr val="accent1"/>
-          </a:lnRef>
-          <a:fillRef idx="3">
-            <a:schemeClr val="accent1"/>
-          </a:fillRef>
-          <a:effectRef idx="3">
-            <a:schemeClr val="accent1"/>
-          </a:effectRef>
-          <a:fontRef idx="minor">
-            <a:schemeClr val="lt1"/>
-          </a:fontRef>
-        </p:style>
-        <p:txBody>
-          <a:bodyPr rtlCol="0" anchor="ctr"/>
-          <a:lstStyle/>
-          <a:p>
-            <a:pPr algn="ctr"/>
-            <a:r>
-              <a:rPr lang="en-US" dirty="0" smtClean="0"/>
-              <a:t>Response</a:t>
-            </a:r>
-            <a:endParaRPr lang="en-US" dirty="0"/>
-          </a:p>
-        </p:txBody>
-      </p:sp>
-      <p:sp>
-        <p:nvSpPr>
-          <p:cNvPr id="24" name="Left Arrow 23"/>
-          <p:cNvSpPr/>
-          <p:nvPr/>
-        </p:nvSpPr>
-        <p:spPr>
-          <a:xfrm>
-            <a:off x="2024394" y="3176790"/>
-            <a:ext cx="407559" cy="246765"/>
-          </a:xfrm>
-          <a:prstGeom prst="leftArrow">
-            <a:avLst/>
-          </a:prstGeom>
-        </p:spPr>
-        <p:style>
-          <a:lnRef idx="1">
-            <a:schemeClr val="dk1"/>
-          </a:lnRef>
-          <a:fillRef idx="3">
-            <a:schemeClr val="dk1"/>
-          </a:fillRef>
-          <a:effectRef idx="2">
-            <a:schemeClr val="dk1"/>
-          </a:effectRef>
-          <a:fontRef idx="minor">
-            <a:schemeClr val="lt1"/>
-          </a:fontRef>
-        </p:style>
-        <p:txBody>
-          <a:bodyPr rtlCol="0" anchor="ctr"/>
-          <a:lstStyle/>
-          <a:p>
-            <a:pPr algn="ctr"/>
-            <a:endParaRPr lang="en-US"/>
-          </a:p>
-        </p:txBody>
-      </p:sp>
-      <p:sp>
-        <p:nvSpPr>
-          <p:cNvPr id="25" name="Left Arrow 24"/>
-          <p:cNvSpPr/>
-          <p:nvPr/>
-        </p:nvSpPr>
-        <p:spPr>
-          <a:xfrm>
-            <a:off x="2024394" y="3669302"/>
-            <a:ext cx="407559" cy="246765"/>
-          </a:xfrm>
-          <a:prstGeom prst="leftArrow">
-            <a:avLst/>
-          </a:prstGeom>
-        </p:spPr>
-        <p:style>
-          <a:lnRef idx="1">
-            <a:schemeClr val="dk1"/>
-          </a:lnRef>
-          <a:fillRef idx="3">
-            <a:schemeClr val="dk1"/>
-          </a:fillRef>
-          <a:effectRef idx="2">
-            <a:schemeClr val="dk1"/>
-          </a:effectRef>
-          <a:fontRef idx="minor">
-            <a:schemeClr val="lt1"/>
-          </a:fontRef>
-        </p:style>
-        <p:txBody>
-          <a:bodyPr rtlCol="0" anchor="ctr"/>
-          <a:lstStyle/>
-          <a:p>
-            <a:pPr algn="ctr"/>
-            <a:endParaRPr lang="en-US"/>
-          </a:p>
-        </p:txBody>
-      </p:sp>
+              <a:rPr lang="en-US" sz="2000" b="1" dirty="0" smtClean="0">
+                <a:solidFill>
+                  <a:srgbClr val="FFFFFF"/>
+                </a:solidFill>
+              </a:rPr>
+              <a:t>API</a:t>
+            </a:r>
+            <a:endParaRPr lang="en-US" sz="2000" b="1" dirty="0">
+              <a:solidFill>
+                <a:srgbClr val="FFFFFF"/>
+              </a:solidFill>
+            </a:endParaRPr>
+          </a:p>
+        </p:txBody>
+      </p:sp>
+      <p:cxnSp>
+        <p:nvCxnSpPr>
+          <p:cNvPr id="17" name="Straight Arrow Connector 16"/>
+          <p:cNvCxnSpPr>
+            <a:stCxn id="12" idx="3"/>
+            <a:endCxn id="15" idx="1"/>
+          </p:cNvCxnSpPr>
+          <p:nvPr/>
+        </p:nvCxnSpPr>
+        <p:spPr>
+          <a:xfrm>
+            <a:off x="3186656" y="3654986"/>
+            <a:ext cx="2080392" cy="0"/>
+          </a:xfrm>
+          <a:prstGeom prst="straightConnector1">
+            <a:avLst/>
+          </a:prstGeom>
+          <a:ln>
+            <a:headEnd type="arrow"/>
+            <a:tailEnd type="arrow"/>
+          </a:ln>
+        </p:spPr>
+        <p:style>
+          <a:lnRef idx="2">
+            <a:schemeClr val="dk1"/>
+          </a:lnRef>
+          <a:fillRef idx="0">
+            <a:schemeClr val="dk1"/>
+          </a:fillRef>
+          <a:effectRef idx="1">
+            <a:schemeClr val="dk1"/>
+          </a:effectRef>
+          <a:fontRef idx="minor">
+            <a:schemeClr val="tx1"/>
+          </a:fontRef>
+        </p:style>
+      </p:cxnSp>
     </p:spTree>
     <p:extLst>
       <p:ext uri="{BB962C8B-B14F-4D97-AF65-F5344CB8AC3E}">
-        <p14:creationId xmlns:p14="http://schemas.microsoft.com/office/powerpoint/2010/main" val="3480952203"/>
+        <p14:creationId xmlns:p14="http://schemas.microsoft.com/office/powerpoint/2010/main" val="1137265628"/>
       </p:ext>
     </p:extLst>
   </p:cSld>
@@ -5168,14 +7657,56 @@
       </p:grpSpPr>
       <p:sp>
         <p:nvSpPr>
-          <p:cNvPr id="3" name="Rectangle 2"/>
+          <p:cNvPr id="4" name="Rectangle 3"/>
           <p:cNvSpPr/>
           <p:nvPr/>
         </p:nvSpPr>
         <p:spPr>
           <a:xfrm>
-            <a:off x="2789933" y="1024361"/>
-            <a:ext cx="1605824" cy="417352"/>
+            <a:off x="454950" y="891020"/>
+            <a:ext cx="1461027" cy="417352"/>
+          </a:xfrm>
+          <a:prstGeom prst="rect">
+            <a:avLst/>
+          </a:prstGeom>
+        </p:spPr>
+        <p:style>
+          <a:lnRef idx="0">
+            <a:schemeClr val="accent1"/>
+          </a:lnRef>
+          <a:fillRef idx="3">
+            <a:schemeClr val="accent1"/>
+          </a:fillRef>
+          <a:effectRef idx="3">
+            <a:schemeClr val="accent1"/>
+          </a:effectRef>
+          <a:fontRef idx="minor">
+            <a:schemeClr val="lt1"/>
+          </a:fontRef>
+        </p:style>
+        <p:txBody>
+          <a:bodyPr rtlCol="0" anchor="ctr"/>
+          <a:lstStyle/>
+          <a:p>
+            <a:pPr algn="ctr"/>
+            <a:r>
+              <a:rPr lang="en-US" dirty="0" smtClean="0"/>
+              <a:t>Request</a:t>
+            </a:r>
+            <a:endParaRPr lang="en-US" dirty="0"/>
+          </a:p>
+        </p:txBody>
+      </p:sp>
+      <p:sp>
+        <p:nvSpPr>
+          <p:cNvPr id="5" name="Rectangle 4"/>
+          <p:cNvSpPr/>
+          <p:nvPr/>
+        </p:nvSpPr>
+        <p:spPr>
+          <a:xfrm>
+            <a:off x="2545224" y="1001126"/>
+            <a:ext cx="1985310" cy="417352"/>
           </a:xfrm>
           <a:prstGeom prst="rect">
             <a:avLst/>
@@ -5210,14 +7741,14 @@
       </p:sp>
       <p:sp>
         <p:nvSpPr>
-          <p:cNvPr id="4" name="Rectangle 3"/>
+          <p:cNvPr id="6" name="Rectangle 5"/>
           <p:cNvSpPr/>
           <p:nvPr/>
         </p:nvSpPr>
         <p:spPr>
           <a:xfrm>
-            <a:off x="2795764" y="1507641"/>
-            <a:ext cx="1599993" cy="417352"/>
+            <a:off x="2545224" y="1502769"/>
+            <a:ext cx="1985308" cy="417352"/>
           </a:xfrm>
           <a:prstGeom prst="rect">
             <a:avLst/>
@@ -5252,14 +7783,14 @@
       </p:sp>
       <p:sp>
         <p:nvSpPr>
-          <p:cNvPr id="5" name="Rectangle 4"/>
+          <p:cNvPr id="7" name="Rectangle 6"/>
           <p:cNvSpPr/>
           <p:nvPr/>
         </p:nvSpPr>
         <p:spPr>
           <a:xfrm>
-            <a:off x="3025810" y="2019730"/>
-            <a:ext cx="1364516" cy="417352"/>
+            <a:off x="3363105" y="2007904"/>
+            <a:ext cx="1167427" cy="417352"/>
           </a:xfrm>
           <a:prstGeom prst="rect">
             <a:avLst/>
@@ -5294,14 +7825,14 @@
       </p:sp>
       <p:sp>
         <p:nvSpPr>
-          <p:cNvPr id="6" name="Rectangle 5"/>
+          <p:cNvPr id="8" name="Rectangle 7"/>
           <p:cNvSpPr/>
           <p:nvPr/>
         </p:nvSpPr>
         <p:spPr>
           <a:xfrm>
-            <a:off x="3025811" y="2532864"/>
-            <a:ext cx="1364516" cy="417352"/>
+            <a:off x="3363105" y="2516546"/>
+            <a:ext cx="1167427" cy="417352"/>
           </a:xfrm>
           <a:prstGeom prst="rect">
             <a:avLst/>
@@ -5336,13 +7867,397 @@
       </p:sp>
       <p:sp>
         <p:nvSpPr>
-          <p:cNvPr id="16" name="TextBox 15"/>
+          <p:cNvPr id="9" name="Rectangle 8"/>
+          <p:cNvSpPr/>
+          <p:nvPr/>
+        </p:nvSpPr>
+        <p:spPr>
+          <a:xfrm>
+            <a:off x="2545223" y="3510859"/>
+            <a:ext cx="1985309" cy="597860"/>
+          </a:xfrm>
+          <a:prstGeom prst="rect">
+            <a:avLst/>
+          </a:prstGeom>
+        </p:spPr>
+        <p:style>
+          <a:lnRef idx="0">
+            <a:schemeClr val="accent6"/>
+          </a:lnRef>
+          <a:fillRef idx="3">
+            <a:schemeClr val="accent6"/>
+          </a:fillRef>
+          <a:effectRef idx="3">
+            <a:schemeClr val="accent6"/>
+          </a:effectRef>
+          <a:fontRef idx="minor">
+            <a:schemeClr val="lt1"/>
+          </a:fontRef>
+        </p:style>
+        <p:txBody>
+          <a:bodyPr rtlCol="0" anchor="ctr"/>
+          <a:lstStyle/>
+          <a:p>
+            <a:pPr algn="ctr"/>
+            <a:r>
+              <a:rPr lang="en-US" dirty="0" smtClean="0"/>
+              <a:t>View Rendering</a:t>
+            </a:r>
+          </a:p>
+          <a:p>
+            <a:pPr algn="ctr"/>
+            <a:r>
+              <a:rPr lang="en-US" dirty="0" smtClean="0"/>
+              <a:t>(Templates)</a:t>
+            </a:r>
+            <a:endParaRPr lang="en-US" dirty="0"/>
+          </a:p>
+        </p:txBody>
+      </p:sp>
+      <p:sp>
+        <p:nvSpPr>
+          <p:cNvPr id="10" name="Rectangle 9"/>
+          <p:cNvSpPr/>
+          <p:nvPr/>
+        </p:nvSpPr>
+        <p:spPr>
+          <a:xfrm>
+            <a:off x="2545224" y="4229712"/>
+            <a:ext cx="1985310" cy="599850"/>
+          </a:xfrm>
+          <a:prstGeom prst="rect">
+            <a:avLst/>
+          </a:prstGeom>
+        </p:spPr>
+        <p:style>
+          <a:lnRef idx="0">
+            <a:schemeClr val="accent6"/>
+          </a:lnRef>
+          <a:fillRef idx="3">
+            <a:schemeClr val="accent6"/>
+          </a:fillRef>
+          <a:effectRef idx="3">
+            <a:schemeClr val="accent6"/>
+          </a:effectRef>
+          <a:fontRef idx="minor">
+            <a:schemeClr val="lt1"/>
+          </a:fontRef>
+        </p:style>
+        <p:txBody>
+          <a:bodyPr rtlCol="0" anchor="ctr"/>
+          <a:lstStyle/>
+          <a:p>
+            <a:pPr algn="ctr"/>
+            <a:r>
+              <a:rPr lang="en-US" dirty="0" smtClean="0"/>
+              <a:t>Assets </a:t>
+            </a:r>
+            <a:br>
+              <a:rPr lang="en-US" dirty="0" smtClean="0"/>
+            </a:br>
+            <a:r>
+              <a:rPr lang="en-US" dirty="0" smtClean="0"/>
+              <a:t>(</a:t>
+            </a:r>
+            <a:r>
+              <a:rPr lang="en-US" dirty="0" err="1" smtClean="0"/>
+              <a:t>JS+CSS+media</a:t>
+            </a:r>
+            <a:r>
+              <a:rPr lang="en-US" dirty="0" smtClean="0"/>
+              <a:t>)</a:t>
+            </a:r>
+            <a:endParaRPr lang="en-US" dirty="0"/>
+          </a:p>
+        </p:txBody>
+      </p:sp>
+      <p:sp>
+        <p:nvSpPr>
+          <p:cNvPr id="12" name="Rectangle 11"/>
+          <p:cNvSpPr/>
+          <p:nvPr/>
+        </p:nvSpPr>
+        <p:spPr>
+          <a:xfrm>
+            <a:off x="2545224" y="3015269"/>
+            <a:ext cx="1985309" cy="417352"/>
+          </a:xfrm>
+          <a:prstGeom prst="rect">
+            <a:avLst/>
+          </a:prstGeom>
+        </p:spPr>
+        <p:style>
+          <a:lnRef idx="0">
+            <a:schemeClr val="accent6"/>
+          </a:lnRef>
+          <a:fillRef idx="3">
+            <a:schemeClr val="accent6"/>
+          </a:fillRef>
+          <a:effectRef idx="3">
+            <a:schemeClr val="accent6"/>
+          </a:effectRef>
+          <a:fontRef idx="minor">
+            <a:schemeClr val="lt1"/>
+          </a:fontRef>
+        </p:style>
+        <p:txBody>
+          <a:bodyPr rtlCol="0" anchor="ctr"/>
+          <a:lstStyle/>
+          <a:p>
+            <a:pPr algn="ctr"/>
+            <a:r>
+              <a:rPr lang="en-US" dirty="0" smtClean="0"/>
+              <a:t>Data Formatting</a:t>
+            </a:r>
+            <a:endParaRPr lang="en-US" dirty="0"/>
+          </a:p>
+        </p:txBody>
+      </p:sp>
+      <p:sp>
+        <p:nvSpPr>
+          <p:cNvPr id="13" name="Rectangle 12"/>
+          <p:cNvSpPr/>
+          <p:nvPr/>
+        </p:nvSpPr>
+        <p:spPr>
+          <a:xfrm>
+            <a:off x="454950" y="4014604"/>
+            <a:ext cx="1461027" cy="417352"/>
+          </a:xfrm>
+          <a:prstGeom prst="rect">
+            <a:avLst/>
+          </a:prstGeom>
+        </p:spPr>
+        <p:style>
+          <a:lnRef idx="0">
+            <a:schemeClr val="accent1"/>
+          </a:lnRef>
+          <a:fillRef idx="3">
+            <a:schemeClr val="accent1"/>
+          </a:fillRef>
+          <a:effectRef idx="3">
+            <a:schemeClr val="accent1"/>
+          </a:effectRef>
+          <a:fontRef idx="minor">
+            <a:schemeClr val="lt1"/>
+          </a:fontRef>
+        </p:style>
+        <p:txBody>
+          <a:bodyPr rtlCol="0" anchor="ctr"/>
+          <a:lstStyle/>
+          <a:p>
+            <a:pPr algn="ctr"/>
+            <a:r>
+              <a:rPr lang="en-US" dirty="0" smtClean="0"/>
+              <a:t>Response</a:t>
+            </a:r>
+            <a:endParaRPr lang="en-US" dirty="0"/>
+          </a:p>
+        </p:txBody>
+      </p:sp>
+      <p:sp>
+        <p:nvSpPr>
+          <p:cNvPr id="14" name="Rectangle 13"/>
+          <p:cNvSpPr/>
+          <p:nvPr/>
+        </p:nvSpPr>
+        <p:spPr>
+          <a:xfrm>
+            <a:off x="454950" y="4603606"/>
+            <a:ext cx="1461027" cy="417352"/>
+          </a:xfrm>
+          <a:prstGeom prst="rect">
+            <a:avLst/>
+          </a:prstGeom>
+        </p:spPr>
+        <p:style>
+          <a:lnRef idx="0">
+            <a:schemeClr val="accent1"/>
+          </a:lnRef>
+          <a:fillRef idx="3">
+            <a:schemeClr val="accent1"/>
+          </a:fillRef>
+          <a:effectRef idx="3">
+            <a:schemeClr val="accent1"/>
+          </a:effectRef>
+          <a:fontRef idx="minor">
+            <a:schemeClr val="lt1"/>
+          </a:fontRef>
+        </p:style>
+        <p:txBody>
+          <a:bodyPr rtlCol="0" anchor="ctr"/>
+          <a:lstStyle/>
+          <a:p>
+            <a:pPr algn="ctr"/>
+            <a:r>
+              <a:rPr lang="en-US" dirty="0" smtClean="0"/>
+              <a:t>JS Processing</a:t>
+            </a:r>
+            <a:endParaRPr lang="en-US" dirty="0"/>
+          </a:p>
+        </p:txBody>
+      </p:sp>
+      <p:sp>
+        <p:nvSpPr>
+          <p:cNvPr id="15" name="Right Arrow 14"/>
+          <p:cNvSpPr/>
+          <p:nvPr/>
+        </p:nvSpPr>
+        <p:spPr>
+          <a:xfrm>
+            <a:off x="2028314" y="1061606"/>
+            <a:ext cx="407559" cy="246766"/>
+          </a:xfrm>
+          <a:prstGeom prst="rightArrow">
+            <a:avLst/>
+          </a:prstGeom>
+        </p:spPr>
+        <p:style>
+          <a:lnRef idx="1">
+            <a:schemeClr val="dk1"/>
+          </a:lnRef>
+          <a:fillRef idx="3">
+            <a:schemeClr val="dk1"/>
+          </a:fillRef>
+          <a:effectRef idx="2">
+            <a:schemeClr val="dk1"/>
+          </a:effectRef>
+          <a:fontRef idx="minor">
+            <a:schemeClr val="lt1"/>
+          </a:fontRef>
+        </p:style>
+        <p:txBody>
+          <a:bodyPr rtlCol="0" anchor="ctr"/>
+          <a:lstStyle/>
+          <a:p>
+            <a:pPr algn="ctr"/>
+            <a:endParaRPr lang="en-US"/>
+          </a:p>
+        </p:txBody>
+      </p:sp>
+      <p:sp>
+        <p:nvSpPr>
+          <p:cNvPr id="16" name="Right Arrow 15"/>
+          <p:cNvSpPr/>
+          <p:nvPr/>
+        </p:nvSpPr>
+        <p:spPr>
+          <a:xfrm>
+            <a:off x="2028314" y="4245824"/>
+            <a:ext cx="407559" cy="246766"/>
+          </a:xfrm>
+          <a:prstGeom prst="rightArrow">
+            <a:avLst/>
+          </a:prstGeom>
+        </p:spPr>
+        <p:style>
+          <a:lnRef idx="1">
+            <a:schemeClr val="dk1"/>
+          </a:lnRef>
+          <a:fillRef idx="3">
+            <a:schemeClr val="dk1"/>
+          </a:fillRef>
+          <a:effectRef idx="2">
+            <a:schemeClr val="dk1"/>
+          </a:effectRef>
+          <a:fontRef idx="minor">
+            <a:schemeClr val="lt1"/>
+          </a:fontRef>
+        </p:style>
+        <p:txBody>
+          <a:bodyPr rtlCol="0" anchor="ctr"/>
+          <a:lstStyle/>
+          <a:p>
+            <a:pPr algn="ctr"/>
+            <a:endParaRPr lang="en-US"/>
+          </a:p>
+        </p:txBody>
+      </p:sp>
+      <p:sp>
+        <p:nvSpPr>
+          <p:cNvPr id="19" name="Left Arrow 18"/>
+          <p:cNvSpPr/>
+          <p:nvPr/>
+        </p:nvSpPr>
+        <p:spPr>
+          <a:xfrm>
+            <a:off x="2028314" y="3936932"/>
+            <a:ext cx="407559" cy="246765"/>
+          </a:xfrm>
+          <a:prstGeom prst="leftArrow">
+            <a:avLst/>
+          </a:prstGeom>
+        </p:spPr>
+        <p:style>
+          <a:lnRef idx="1">
+            <a:schemeClr val="dk1"/>
+          </a:lnRef>
+          <a:fillRef idx="3">
+            <a:schemeClr val="dk1"/>
+          </a:fillRef>
+          <a:effectRef idx="2">
+            <a:schemeClr val="dk1"/>
+          </a:effectRef>
+          <a:fontRef idx="minor">
+            <a:schemeClr val="lt1"/>
+          </a:fontRef>
+        </p:style>
+        <p:txBody>
+          <a:bodyPr rtlCol="0" anchor="ctr"/>
+          <a:lstStyle/>
+          <a:p>
+            <a:pPr algn="ctr"/>
+            <a:endParaRPr lang="en-US"/>
+          </a:p>
+        </p:txBody>
+      </p:sp>
+      <p:sp>
+        <p:nvSpPr>
+          <p:cNvPr id="20" name="Left Arrow 19"/>
+          <p:cNvSpPr/>
+          <p:nvPr/>
+        </p:nvSpPr>
+        <p:spPr>
+          <a:xfrm>
+            <a:off x="2028314" y="4675998"/>
+            <a:ext cx="407559" cy="246765"/>
+          </a:xfrm>
+          <a:prstGeom prst="leftArrow">
+            <a:avLst/>
+          </a:prstGeom>
+        </p:spPr>
+        <p:style>
+          <a:lnRef idx="1">
+            <a:schemeClr val="dk1"/>
+          </a:lnRef>
+          <a:fillRef idx="3">
+            <a:schemeClr val="dk1"/>
+          </a:fillRef>
+          <a:effectRef idx="2">
+            <a:schemeClr val="dk1"/>
+          </a:effectRef>
+          <a:fontRef idx="minor">
+            <a:schemeClr val="lt1"/>
+          </a:fontRef>
+        </p:style>
+        <p:txBody>
+          <a:bodyPr rtlCol="0" anchor="ctr"/>
+          <a:lstStyle/>
+          <a:p>
+            <a:pPr algn="ctr"/>
+            <a:endParaRPr lang="en-US"/>
+          </a:p>
+        </p:txBody>
+      </p:sp>
+      <p:sp>
+        <p:nvSpPr>
+          <p:cNvPr id="21" name="TextBox 20"/>
           <p:cNvSpPr txBox="1"/>
           <p:nvPr/>
         </p:nvSpPr>
         <p:spPr>
           <a:xfrm>
-            <a:off x="1202001" y="552075"/>
+            <a:off x="796161" y="523193"/>
             <a:ext cx="740332" cy="369332"/>
           </a:xfrm>
           <a:prstGeom prst="rect">
@@ -5366,13 +8281,13 @@
       </p:sp>
       <p:sp>
         <p:nvSpPr>
-          <p:cNvPr id="17" name="TextBox 16"/>
+          <p:cNvPr id="22" name="TextBox 21"/>
           <p:cNvSpPr txBox="1"/>
           <p:nvPr/>
         </p:nvSpPr>
         <p:spPr>
           <a:xfrm>
-            <a:off x="3180634" y="552075"/>
+            <a:off x="3138003" y="523193"/>
             <a:ext cx="800219" cy="369332"/>
           </a:xfrm>
           <a:prstGeom prst="rect">
@@ -5394,253 +8309,23 @@
           </a:p>
         </p:txBody>
       </p:sp>
-      <p:sp>
-        <p:nvSpPr>
-          <p:cNvPr id="19" name="Rectangle 18"/>
-          <p:cNvSpPr/>
-          <p:nvPr/>
-        </p:nvSpPr>
-        <p:spPr>
-          <a:xfrm>
-            <a:off x="773518" y="1005998"/>
-            <a:ext cx="1605825" cy="417352"/>
-          </a:xfrm>
-          <a:prstGeom prst="rect">
-            <a:avLst/>
-          </a:prstGeom>
-        </p:spPr>
-        <p:style>
-          <a:lnRef idx="0">
-            <a:schemeClr val="accent6"/>
-          </a:lnRef>
-          <a:fillRef idx="3">
-            <a:schemeClr val="accent6"/>
-          </a:fillRef>
-          <a:effectRef idx="3">
-            <a:schemeClr val="accent6"/>
-          </a:effectRef>
-          <a:fontRef idx="minor">
-            <a:schemeClr val="lt1"/>
-          </a:fontRef>
-        </p:style>
-        <p:txBody>
-          <a:bodyPr rtlCol="0" anchor="ctr"/>
-          <a:lstStyle/>
-          <a:p>
-            <a:pPr algn="ctr"/>
-            <a:r>
-              <a:rPr lang="en-US" dirty="0" smtClean="0"/>
-              <a:t>View</a:t>
-            </a:r>
-            <a:endParaRPr lang="en-US" dirty="0"/>
-          </a:p>
-        </p:txBody>
-      </p:sp>
-      <p:sp>
-        <p:nvSpPr>
-          <p:cNvPr id="23" name="Rectangle 22"/>
-          <p:cNvSpPr/>
-          <p:nvPr/>
-        </p:nvSpPr>
-        <p:spPr>
-          <a:xfrm>
-            <a:off x="773518" y="2019730"/>
-            <a:ext cx="1364517" cy="417352"/>
-          </a:xfrm>
-          <a:prstGeom prst="rect">
-            <a:avLst/>
-          </a:prstGeom>
-        </p:spPr>
-        <p:style>
-          <a:lnRef idx="0">
-            <a:schemeClr val="accent2"/>
-          </a:lnRef>
-          <a:fillRef idx="3">
-            <a:schemeClr val="accent2"/>
-          </a:fillRef>
-          <a:effectRef idx="3">
-            <a:schemeClr val="accent2"/>
-          </a:effectRef>
-          <a:fontRef idx="minor">
-            <a:schemeClr val="lt1"/>
-          </a:fontRef>
-        </p:style>
-        <p:txBody>
-          <a:bodyPr rtlCol="0" anchor="ctr"/>
-          <a:lstStyle/>
-          <a:p>
-            <a:pPr algn="ctr"/>
-            <a:r>
-              <a:rPr lang="en-US" dirty="0" smtClean="0"/>
-              <a:t>Model</a:t>
-            </a:r>
-            <a:endParaRPr lang="en-US" dirty="0"/>
-          </a:p>
-        </p:txBody>
-      </p:sp>
-      <p:sp>
-        <p:nvSpPr>
-          <p:cNvPr id="24" name="Rectangle 23"/>
-          <p:cNvSpPr/>
-          <p:nvPr/>
-        </p:nvSpPr>
-        <p:spPr>
-          <a:xfrm>
-            <a:off x="773518" y="2528372"/>
-            <a:ext cx="1364517" cy="417352"/>
-          </a:xfrm>
-          <a:prstGeom prst="rect">
-            <a:avLst/>
-          </a:prstGeom>
-        </p:spPr>
-        <p:style>
-          <a:lnRef idx="0">
-            <a:schemeClr val="accent2"/>
-          </a:lnRef>
-          <a:fillRef idx="3">
-            <a:schemeClr val="accent2"/>
-          </a:fillRef>
-          <a:effectRef idx="3">
-            <a:schemeClr val="accent2"/>
-          </a:effectRef>
-          <a:fontRef idx="minor">
-            <a:schemeClr val="lt1"/>
-          </a:fontRef>
-        </p:style>
-        <p:txBody>
-          <a:bodyPr rtlCol="0" anchor="ctr"/>
-          <a:lstStyle/>
-          <a:p>
-            <a:pPr algn="ctr"/>
-            <a:r>
-              <a:rPr lang="en-US" dirty="0" err="1" smtClean="0"/>
-              <a:t>localStorage</a:t>
-            </a:r>
-            <a:endParaRPr lang="en-US" dirty="0"/>
-          </a:p>
-        </p:txBody>
-      </p:sp>
-      <p:sp>
-        <p:nvSpPr>
-          <p:cNvPr id="25" name="Rectangle 24"/>
-          <p:cNvSpPr/>
-          <p:nvPr/>
-        </p:nvSpPr>
-        <p:spPr>
-          <a:xfrm>
-            <a:off x="773519" y="1507641"/>
-            <a:ext cx="1605824" cy="417352"/>
-          </a:xfrm>
-          <a:prstGeom prst="rect">
-            <a:avLst/>
-          </a:prstGeom>
-        </p:spPr>
-        <p:style>
-          <a:lnRef idx="0">
-            <a:schemeClr val="accent3"/>
-          </a:lnRef>
-          <a:fillRef idx="3">
-            <a:schemeClr val="accent3"/>
-          </a:fillRef>
-          <a:effectRef idx="3">
-            <a:schemeClr val="accent3"/>
-          </a:effectRef>
-          <a:fontRef idx="minor">
-            <a:schemeClr val="lt1"/>
-          </a:fontRef>
-        </p:style>
-        <p:txBody>
-          <a:bodyPr rtlCol="0" anchor="ctr"/>
-          <a:lstStyle/>
-          <a:p>
-            <a:pPr algn="ctr"/>
-            <a:r>
-              <a:rPr lang="en-US" dirty="0" smtClean="0"/>
-              <a:t>Controller</a:t>
-            </a:r>
-            <a:endParaRPr lang="en-US" dirty="0"/>
-          </a:p>
-        </p:txBody>
-      </p:sp>
-      <p:sp>
-        <p:nvSpPr>
-          <p:cNvPr id="26" name="Left-Right Arrow 25"/>
-          <p:cNvSpPr/>
-          <p:nvPr/>
-        </p:nvSpPr>
-        <p:spPr>
-          <a:xfrm>
-            <a:off x="2239263" y="2113637"/>
-            <a:ext cx="693504" cy="215630"/>
-          </a:xfrm>
-          <a:prstGeom prst="leftRightArrow">
-            <a:avLst/>
-          </a:prstGeom>
-        </p:spPr>
-        <p:style>
-          <a:lnRef idx="1">
-            <a:schemeClr val="dk1"/>
-          </a:lnRef>
-          <a:fillRef idx="3">
-            <a:schemeClr val="dk1"/>
-          </a:fillRef>
-          <a:effectRef idx="2">
-            <a:schemeClr val="dk1"/>
-          </a:effectRef>
-          <a:fontRef idx="minor">
-            <a:schemeClr val="lt1"/>
-          </a:fontRef>
-        </p:style>
-        <p:txBody>
-          <a:bodyPr rtlCol="0" anchor="ctr"/>
-          <a:lstStyle/>
-          <a:p>
-            <a:pPr algn="ctr"/>
-            <a:endParaRPr lang="en-US"/>
-          </a:p>
-        </p:txBody>
-      </p:sp>
-      <p:sp>
-        <p:nvSpPr>
-          <p:cNvPr id="27" name="TextBox 26"/>
-          <p:cNvSpPr txBox="1"/>
-          <p:nvPr/>
-        </p:nvSpPr>
-        <p:spPr>
-          <a:xfrm>
-            <a:off x="2239264" y="2293570"/>
-            <a:ext cx="693504" cy="307777"/>
-          </a:xfrm>
-          <a:prstGeom prst="rect">
-            <a:avLst/>
-          </a:prstGeom>
-          <a:noFill/>
-        </p:spPr>
-        <p:txBody>
-          <a:bodyPr wrap="square" rtlCol="0">
-            <a:spAutoFit/>
-          </a:bodyPr>
-          <a:lstStyle/>
-          <a:p>
-            <a:pPr algn="ctr"/>
-            <a:r>
-              <a:rPr lang="en-US" sz="1400" b="1" dirty="0" smtClean="0"/>
-              <a:t>JSON</a:t>
-            </a:r>
-            <a:endParaRPr lang="en-US" sz="1400" b="1" dirty="0"/>
-          </a:p>
-        </p:txBody>
-      </p:sp>
     </p:spTree>
     <p:extLst>
       <p:ext uri="{BB962C8B-B14F-4D97-AF65-F5344CB8AC3E}">
-        <p14:creationId xmlns:p14="http://schemas.microsoft.com/office/powerpoint/2010/main" val="305627794"/>
+        <p14:creationId xmlns:p14="http://schemas.microsoft.com/office/powerpoint/2010/main" val="3492684050"/>
       </p:ext>
     </p:extLst>
   </p:cSld>
   <p:clrMapOvr>
     <a:masterClrMapping/>
   </p:clrMapOvr>
+  <p:timing>
+    <p:tnLst>
+      <p:par>
+        <p:cTn xmlns:p14="http://schemas.microsoft.com/office/powerpoint/2010/main" id="1" dur="indefinite" restart="never" nodeType="tmRoot"/>
+      </p:par>
+    </p:tnLst>
+  </p:timing>
 </p:sld>
 </file>
 
@@ -5663,27 +8348,27 @@
       </p:grpSpPr>
       <p:sp>
         <p:nvSpPr>
-          <p:cNvPr id="2" name="Rounded Rectangle 1"/>
+          <p:cNvPr id="4" name="Rectangle 3"/>
           <p:cNvSpPr/>
           <p:nvPr/>
         </p:nvSpPr>
         <p:spPr>
           <a:xfrm>
-            <a:off x="1305236" y="3032715"/>
-            <a:ext cx="2093081" cy="881869"/>
-          </a:xfrm>
-          <a:prstGeom prst="roundRect">
-            <a:avLst/>
-          </a:prstGeom>
-        </p:spPr>
-        <p:style>
-          <a:lnRef idx="1">
+            <a:off x="454950" y="891020"/>
+            <a:ext cx="1461027" cy="417352"/>
+          </a:xfrm>
+          <a:prstGeom prst="rect">
+            <a:avLst/>
+          </a:prstGeom>
+        </p:spPr>
+        <p:style>
+          <a:lnRef idx="0">
             <a:schemeClr val="accent1"/>
           </a:lnRef>
           <a:fillRef idx="3">
             <a:schemeClr val="accent1"/>
           </a:fillRef>
-          <a:effectRef idx="2">
+          <a:effectRef idx="3">
             <a:schemeClr val="accent1"/>
           </a:effectRef>
           <a:fontRef idx="minor">
@@ -5696,8 +8381,8 @@
           <a:p>
             <a:pPr algn="ctr"/>
             <a:r>
-              <a:rPr lang="en-US" dirty="0" err="1" smtClean="0"/>
-              <a:t>Backbone.Model</a:t>
+              <a:rPr lang="en-US" dirty="0" smtClean="0"/>
+              <a:t>Request</a:t>
             </a:r>
             <a:endParaRPr lang="en-US" dirty="0"/>
           </a:p>
@@ -5705,28 +8390,405 @@
       </p:sp>
       <p:sp>
         <p:nvSpPr>
-          <p:cNvPr id="3" name="Rounded Rectangle 2"/>
+          <p:cNvPr id="5" name="Rectangle 4"/>
           <p:cNvSpPr/>
           <p:nvPr/>
         </p:nvSpPr>
         <p:spPr>
           <a:xfrm>
-            <a:off x="6455625" y="3032715"/>
-            <a:ext cx="1799110" cy="881869"/>
-          </a:xfrm>
-          <a:prstGeom prst="roundRect">
-            <a:avLst/>
-          </a:prstGeom>
-        </p:spPr>
-        <p:style>
-          <a:lnRef idx="1">
+            <a:off x="2545224" y="1001126"/>
+            <a:ext cx="1985310" cy="417352"/>
+          </a:xfrm>
+          <a:prstGeom prst="rect">
+            <a:avLst/>
+          </a:prstGeom>
+        </p:spPr>
+        <p:style>
+          <a:lnRef idx="0">
+            <a:schemeClr val="accent3"/>
+          </a:lnRef>
+          <a:fillRef idx="3">
+            <a:schemeClr val="accent3"/>
+          </a:fillRef>
+          <a:effectRef idx="3">
+            <a:schemeClr val="accent3"/>
+          </a:effectRef>
+          <a:fontRef idx="minor">
+            <a:schemeClr val="lt1"/>
+          </a:fontRef>
+        </p:style>
+        <p:txBody>
+          <a:bodyPr rtlCol="0" anchor="ctr"/>
+          <a:lstStyle/>
+          <a:p>
+            <a:pPr algn="ctr"/>
+            <a:r>
+              <a:rPr lang="en-US" dirty="0" smtClean="0"/>
+              <a:t>Router</a:t>
+            </a:r>
+            <a:endParaRPr lang="en-US" dirty="0"/>
+          </a:p>
+        </p:txBody>
+      </p:sp>
+      <p:sp>
+        <p:nvSpPr>
+          <p:cNvPr id="6" name="Rectangle 5"/>
+          <p:cNvSpPr/>
+          <p:nvPr/>
+        </p:nvSpPr>
+        <p:spPr>
+          <a:xfrm>
+            <a:off x="2545224" y="1502769"/>
+            <a:ext cx="1985308" cy="417352"/>
+          </a:xfrm>
+          <a:prstGeom prst="rect">
+            <a:avLst/>
+          </a:prstGeom>
+        </p:spPr>
+        <p:style>
+          <a:lnRef idx="0">
+            <a:schemeClr val="accent3"/>
+          </a:lnRef>
+          <a:fillRef idx="3">
+            <a:schemeClr val="accent3"/>
+          </a:fillRef>
+          <a:effectRef idx="3">
+            <a:schemeClr val="accent3"/>
+          </a:effectRef>
+          <a:fontRef idx="minor">
+            <a:schemeClr val="lt1"/>
+          </a:fontRef>
+        </p:style>
+        <p:txBody>
+          <a:bodyPr rtlCol="0" anchor="ctr"/>
+          <a:lstStyle/>
+          <a:p>
+            <a:pPr algn="ctr"/>
+            <a:r>
+              <a:rPr lang="en-US" dirty="0" smtClean="0"/>
+              <a:t>Controller</a:t>
+            </a:r>
+            <a:endParaRPr lang="en-US" dirty="0"/>
+          </a:p>
+        </p:txBody>
+      </p:sp>
+      <p:sp>
+        <p:nvSpPr>
+          <p:cNvPr id="7" name="Rectangle 6"/>
+          <p:cNvSpPr/>
+          <p:nvPr/>
+        </p:nvSpPr>
+        <p:spPr>
+          <a:xfrm>
+            <a:off x="3363105" y="2007904"/>
+            <a:ext cx="1167427" cy="417352"/>
+          </a:xfrm>
+          <a:prstGeom prst="rect">
+            <a:avLst/>
+          </a:prstGeom>
+        </p:spPr>
+        <p:style>
+          <a:lnRef idx="0">
+            <a:schemeClr val="accent2"/>
+          </a:lnRef>
+          <a:fillRef idx="3">
+            <a:schemeClr val="accent2"/>
+          </a:fillRef>
+          <a:effectRef idx="3">
+            <a:schemeClr val="accent2"/>
+          </a:effectRef>
+          <a:fontRef idx="minor">
+            <a:schemeClr val="lt1"/>
+          </a:fontRef>
+        </p:style>
+        <p:txBody>
+          <a:bodyPr rtlCol="0" anchor="ctr"/>
+          <a:lstStyle/>
+          <a:p>
+            <a:pPr algn="ctr"/>
+            <a:r>
+              <a:rPr lang="en-US" dirty="0" smtClean="0"/>
+              <a:t>Model</a:t>
+            </a:r>
+            <a:endParaRPr lang="en-US" dirty="0"/>
+          </a:p>
+        </p:txBody>
+      </p:sp>
+      <p:sp>
+        <p:nvSpPr>
+          <p:cNvPr id="8" name="Rectangle 7"/>
+          <p:cNvSpPr/>
+          <p:nvPr/>
+        </p:nvSpPr>
+        <p:spPr>
+          <a:xfrm>
+            <a:off x="3363105" y="2516546"/>
+            <a:ext cx="1167427" cy="417352"/>
+          </a:xfrm>
+          <a:prstGeom prst="rect">
+            <a:avLst/>
+          </a:prstGeom>
+        </p:spPr>
+        <p:style>
+          <a:lnRef idx="0">
+            <a:schemeClr val="accent2"/>
+          </a:lnRef>
+          <a:fillRef idx="3">
+            <a:schemeClr val="accent2"/>
+          </a:fillRef>
+          <a:effectRef idx="3">
+            <a:schemeClr val="accent2"/>
+          </a:effectRef>
+          <a:fontRef idx="minor">
+            <a:schemeClr val="lt1"/>
+          </a:fontRef>
+        </p:style>
+        <p:txBody>
+          <a:bodyPr rtlCol="0" anchor="ctr"/>
+          <a:lstStyle/>
+          <a:p>
+            <a:pPr algn="ctr"/>
+            <a:r>
+              <a:rPr lang="en-US" dirty="0" smtClean="0"/>
+              <a:t>Database</a:t>
+            </a:r>
+            <a:endParaRPr lang="en-US" dirty="0"/>
+          </a:p>
+        </p:txBody>
+      </p:sp>
+      <p:sp>
+        <p:nvSpPr>
+          <p:cNvPr id="9" name="Rectangle 8"/>
+          <p:cNvSpPr/>
+          <p:nvPr/>
+        </p:nvSpPr>
+        <p:spPr>
+          <a:xfrm>
+            <a:off x="2545223" y="4088044"/>
+            <a:ext cx="1985309" cy="417352"/>
+          </a:xfrm>
+          <a:prstGeom prst="rect">
+            <a:avLst/>
+          </a:prstGeom>
+        </p:spPr>
+        <p:style>
+          <a:lnRef idx="0">
+            <a:schemeClr val="accent6"/>
+          </a:lnRef>
+          <a:fillRef idx="3">
+            <a:schemeClr val="accent6"/>
+          </a:fillRef>
+          <a:effectRef idx="3">
+            <a:schemeClr val="accent6"/>
+          </a:effectRef>
+          <a:fontRef idx="minor">
+            <a:schemeClr val="lt1"/>
+          </a:fontRef>
+        </p:style>
+        <p:txBody>
+          <a:bodyPr rtlCol="0" anchor="ctr"/>
+          <a:lstStyle/>
+          <a:p>
+            <a:pPr algn="ctr"/>
+            <a:r>
+              <a:rPr lang="en-US" dirty="0" smtClean="0"/>
+              <a:t>Assets </a:t>
+            </a:r>
+          </a:p>
+        </p:txBody>
+      </p:sp>
+      <p:sp>
+        <p:nvSpPr>
+          <p:cNvPr id="10" name="Rectangle 9"/>
+          <p:cNvSpPr/>
+          <p:nvPr/>
+        </p:nvSpPr>
+        <p:spPr>
+          <a:xfrm>
+            <a:off x="2545225" y="4583894"/>
+            <a:ext cx="1985310" cy="417352"/>
+          </a:xfrm>
+          <a:prstGeom prst="rect">
+            <a:avLst/>
+          </a:prstGeom>
+        </p:spPr>
+        <p:style>
+          <a:lnRef idx="0">
+            <a:schemeClr val="accent3"/>
+          </a:lnRef>
+          <a:fillRef idx="3">
+            <a:schemeClr val="accent3"/>
+          </a:fillRef>
+          <a:effectRef idx="3">
+            <a:schemeClr val="accent3"/>
+          </a:effectRef>
+          <a:fontRef idx="minor">
+            <a:schemeClr val="lt1"/>
+          </a:fontRef>
+        </p:style>
+        <p:txBody>
+          <a:bodyPr rtlCol="0" anchor="ctr"/>
+          <a:lstStyle/>
+          <a:p>
+            <a:pPr algn="ctr"/>
+            <a:r>
+              <a:rPr lang="en-US" dirty="0" smtClean="0"/>
+              <a:t>Data Response</a:t>
+            </a:r>
+            <a:endParaRPr lang="en-US" dirty="0"/>
+          </a:p>
+        </p:txBody>
+      </p:sp>
+      <p:sp>
+        <p:nvSpPr>
+          <p:cNvPr id="11" name="Rectangle 10"/>
+          <p:cNvSpPr/>
+          <p:nvPr/>
+        </p:nvSpPr>
+        <p:spPr>
+          <a:xfrm>
+            <a:off x="2545224" y="3581695"/>
+            <a:ext cx="1985309" cy="417352"/>
+          </a:xfrm>
+          <a:prstGeom prst="rect">
+            <a:avLst/>
+          </a:prstGeom>
+        </p:spPr>
+        <p:style>
+          <a:lnRef idx="0">
+            <a:schemeClr val="accent6"/>
+          </a:lnRef>
+          <a:fillRef idx="3">
+            <a:schemeClr val="accent6"/>
+          </a:fillRef>
+          <a:effectRef idx="3">
+            <a:schemeClr val="accent6"/>
+          </a:effectRef>
+          <a:fontRef idx="minor">
+            <a:schemeClr val="lt1"/>
+          </a:fontRef>
+        </p:style>
+        <p:txBody>
+          <a:bodyPr rtlCol="0" anchor="ctr"/>
+          <a:lstStyle/>
+          <a:p>
+            <a:pPr algn="ctr"/>
+            <a:r>
+              <a:rPr lang="en-US" dirty="0" smtClean="0"/>
+              <a:t>JS Template</a:t>
+            </a:r>
+            <a:endParaRPr lang="en-US" dirty="0"/>
+          </a:p>
+        </p:txBody>
+      </p:sp>
+      <p:sp>
+        <p:nvSpPr>
+          <p:cNvPr id="12" name="Rectangle 11"/>
+          <p:cNvSpPr/>
+          <p:nvPr/>
+        </p:nvSpPr>
+        <p:spPr>
+          <a:xfrm>
+            <a:off x="454950" y="4088044"/>
+            <a:ext cx="1461027" cy="417352"/>
+          </a:xfrm>
+          <a:prstGeom prst="rect">
+            <a:avLst/>
+          </a:prstGeom>
+        </p:spPr>
+        <p:style>
+          <a:lnRef idx="0">
             <a:schemeClr val="accent1"/>
           </a:lnRef>
           <a:fillRef idx="3">
             <a:schemeClr val="accent1"/>
           </a:fillRef>
+          <a:effectRef idx="3">
+            <a:schemeClr val="accent1"/>
+          </a:effectRef>
+          <a:fontRef idx="minor">
+            <a:schemeClr val="lt1"/>
+          </a:fontRef>
+        </p:style>
+        <p:txBody>
+          <a:bodyPr rtlCol="0" anchor="ctr"/>
+          <a:lstStyle/>
+          <a:p>
+            <a:pPr algn="ctr"/>
+            <a:r>
+              <a:rPr lang="en-US" dirty="0" smtClean="0"/>
+              <a:t>Assets</a:t>
+            </a:r>
+            <a:endParaRPr lang="en-US" dirty="0"/>
+          </a:p>
+        </p:txBody>
+      </p:sp>
+      <p:sp>
+        <p:nvSpPr>
+          <p:cNvPr id="13" name="Rectangle 12"/>
+          <p:cNvSpPr/>
+          <p:nvPr/>
+        </p:nvSpPr>
+        <p:spPr>
+          <a:xfrm>
+            <a:off x="454950" y="4583894"/>
+            <a:ext cx="1461027" cy="417352"/>
+          </a:xfrm>
+          <a:prstGeom prst="rect">
+            <a:avLst/>
+          </a:prstGeom>
+        </p:spPr>
+        <p:style>
+          <a:lnRef idx="0">
+            <a:schemeClr val="accent1"/>
+          </a:lnRef>
+          <a:fillRef idx="3">
+            <a:schemeClr val="accent1"/>
+          </a:fillRef>
+          <a:effectRef idx="3">
+            <a:schemeClr val="accent1"/>
+          </a:effectRef>
+          <a:fontRef idx="minor">
+            <a:schemeClr val="lt1"/>
+          </a:fontRef>
+        </p:style>
+        <p:txBody>
+          <a:bodyPr rtlCol="0" anchor="ctr"/>
+          <a:lstStyle/>
+          <a:p>
+            <a:pPr algn="ctr"/>
+            <a:r>
+              <a:rPr lang="en-US" dirty="0" smtClean="0"/>
+              <a:t>JS Processing</a:t>
+            </a:r>
+            <a:endParaRPr lang="en-US" dirty="0"/>
+          </a:p>
+        </p:txBody>
+      </p:sp>
+      <p:sp>
+        <p:nvSpPr>
+          <p:cNvPr id="14" name="Right Arrow 13"/>
+          <p:cNvSpPr/>
+          <p:nvPr/>
+        </p:nvSpPr>
+        <p:spPr>
+          <a:xfrm>
+            <a:off x="2028314" y="1061606"/>
+            <a:ext cx="407559" cy="246766"/>
+          </a:xfrm>
+          <a:prstGeom prst="rightArrow">
+            <a:avLst/>
+          </a:prstGeom>
+        </p:spPr>
+        <p:style>
+          <a:lnRef idx="1">
+            <a:schemeClr val="dk1"/>
+          </a:lnRef>
+          <a:fillRef idx="3">
+            <a:schemeClr val="dk1"/>
+          </a:fillRef>
           <a:effectRef idx="2">
-            <a:schemeClr val="accent1"/>
+            <a:schemeClr val="dk1"/>
           </a:effectRef>
           <a:fontRef idx="minor">
             <a:schemeClr val="lt1"/>
@@ -5737,28 +8799,134 @@
           <a:lstStyle/>
           <a:p>
             <a:pPr algn="ctr"/>
-            <a:r>
-              <a:rPr lang="en-US" dirty="0" err="1" smtClean="0"/>
-              <a:t>RESTful</a:t>
-            </a:r>
-            <a:r>
-              <a:rPr lang="en-US" dirty="0" smtClean="0"/>
-              <a:t> JSON Interface</a:t>
-            </a:r>
-            <a:endParaRPr lang="en-US" dirty="0"/>
-          </a:p>
-        </p:txBody>
-      </p:sp>
-      <p:sp>
-        <p:nvSpPr>
-          <p:cNvPr id="4" name="TextBox 3"/>
+            <a:endParaRPr lang="en-US"/>
+          </a:p>
+        </p:txBody>
+      </p:sp>
+      <p:sp>
+        <p:nvSpPr>
+          <p:cNvPr id="15" name="Right Arrow 14"/>
+          <p:cNvSpPr/>
+          <p:nvPr/>
+        </p:nvSpPr>
+        <p:spPr>
+          <a:xfrm>
+            <a:off x="2024394" y="4583894"/>
+            <a:ext cx="407559" cy="246766"/>
+          </a:xfrm>
+          <a:prstGeom prst="rightArrow">
+            <a:avLst/>
+          </a:prstGeom>
+        </p:spPr>
+        <p:style>
+          <a:lnRef idx="1">
+            <a:schemeClr val="dk1"/>
+          </a:lnRef>
+          <a:fillRef idx="3">
+            <a:schemeClr val="dk1"/>
+          </a:fillRef>
+          <a:effectRef idx="2">
+            <a:schemeClr val="dk1"/>
+          </a:effectRef>
+          <a:fontRef idx="minor">
+            <a:schemeClr val="lt1"/>
+          </a:fontRef>
+        </p:style>
+        <p:txBody>
+          <a:bodyPr rtlCol="0" anchor="ctr"/>
+          <a:lstStyle/>
+          <a:p>
+            <a:pPr algn="ctr"/>
+            <a:endParaRPr lang="en-US"/>
+          </a:p>
+        </p:txBody>
+      </p:sp>
+      <p:sp>
+        <p:nvSpPr>
+          <p:cNvPr id="16" name="Left Arrow 15"/>
+          <p:cNvSpPr/>
+          <p:nvPr/>
+        </p:nvSpPr>
+        <p:spPr>
+          <a:xfrm>
+            <a:off x="2024394" y="4851233"/>
+            <a:ext cx="407559" cy="246765"/>
+          </a:xfrm>
+          <a:prstGeom prst="leftArrow">
+            <a:avLst/>
+          </a:prstGeom>
+        </p:spPr>
+        <p:style>
+          <a:lnRef idx="1">
+            <a:schemeClr val="dk1"/>
+          </a:lnRef>
+          <a:fillRef idx="3">
+            <a:schemeClr val="dk1"/>
+          </a:fillRef>
+          <a:effectRef idx="2">
+            <a:schemeClr val="dk1"/>
+          </a:effectRef>
+          <a:fontRef idx="minor">
+            <a:schemeClr val="lt1"/>
+          </a:fontRef>
+        </p:style>
+        <p:txBody>
+          <a:bodyPr rtlCol="0" anchor="ctr"/>
+          <a:lstStyle/>
+          <a:p>
+            <a:pPr algn="ctr"/>
+            <a:endParaRPr lang="en-US"/>
+          </a:p>
+        </p:txBody>
+      </p:sp>
+      <p:sp>
+        <p:nvSpPr>
+          <p:cNvPr id="17" name="Left Arrow 16"/>
+          <p:cNvSpPr/>
+          <p:nvPr/>
+        </p:nvSpPr>
+        <p:spPr>
+          <a:xfrm>
+            <a:off x="2028314" y="4172888"/>
+            <a:ext cx="407559" cy="246765"/>
+          </a:xfrm>
+          <a:prstGeom prst="leftArrow">
+            <a:avLst/>
+          </a:prstGeom>
+        </p:spPr>
+        <p:style>
+          <a:lnRef idx="1">
+            <a:schemeClr val="dk1"/>
+          </a:lnRef>
+          <a:fillRef idx="3">
+            <a:schemeClr val="dk1"/>
+          </a:fillRef>
+          <a:effectRef idx="2">
+            <a:schemeClr val="dk1"/>
+          </a:effectRef>
+          <a:fontRef idx="minor">
+            <a:schemeClr val="lt1"/>
+          </a:fontRef>
+        </p:style>
+        <p:txBody>
+          <a:bodyPr rtlCol="0" anchor="ctr"/>
+          <a:lstStyle/>
+          <a:p>
+            <a:pPr algn="ctr"/>
+            <a:endParaRPr lang="en-US"/>
+          </a:p>
+        </p:txBody>
+      </p:sp>
+      <p:sp>
+        <p:nvSpPr>
+          <p:cNvPr id="18" name="TextBox 17"/>
           <p:cNvSpPr txBox="1"/>
           <p:nvPr/>
         </p:nvSpPr>
         <p:spPr>
           <a:xfrm>
-            <a:off x="5074381" y="3593784"/>
-            <a:ext cx="1498427" cy="1077218"/>
+            <a:off x="796161" y="523193"/>
+            <a:ext cx="740332" cy="369332"/>
           </a:xfrm>
           <a:prstGeom prst="rect">
             <a:avLst/>
@@ -5772,148 +8940,23 @@
           <a:lstStyle/>
           <a:p>
             <a:r>
-              <a:rPr lang="en-US" sz="1600" dirty="0" smtClean="0"/>
-              <a:t>POST (create)</a:t>
-            </a:r>
-          </a:p>
-          <a:p>
-            <a:r>
-              <a:rPr lang="en-US" sz="1600" dirty="0" smtClean="0"/>
-              <a:t>GET (read)</a:t>
-            </a:r>
-          </a:p>
-          <a:p>
-            <a:r>
-              <a:rPr lang="en-US" sz="1600" dirty="0" smtClean="0"/>
-              <a:t>PUT (update)</a:t>
-            </a:r>
-          </a:p>
-          <a:p>
-            <a:r>
-              <a:rPr lang="en-US" sz="1600" dirty="0" smtClean="0"/>
-              <a:t>DELETE (delete)</a:t>
-            </a:r>
-            <a:endParaRPr lang="en-US" sz="1600" dirty="0"/>
-          </a:p>
-        </p:txBody>
-      </p:sp>
-      <p:cxnSp>
-        <p:nvCxnSpPr>
-          <p:cNvPr id="6" name="Straight Connector 5"/>
-          <p:cNvCxnSpPr>
-            <a:stCxn id="3" idx="1"/>
-            <a:endCxn id="7" idx="6"/>
-          </p:cNvCxnSpPr>
-          <p:nvPr/>
-        </p:nvCxnSpPr>
-        <p:spPr>
-          <a:xfrm flipH="1">
-            <a:off x="5503155" y="3473650"/>
-            <a:ext cx="952470" cy="0"/>
-          </a:xfrm>
-          <a:prstGeom prst="line">
-            <a:avLst/>
-          </a:prstGeom>
-        </p:spPr>
-        <p:style>
-          <a:lnRef idx="1">
-            <a:schemeClr val="dk1"/>
-          </a:lnRef>
-          <a:fillRef idx="3">
-            <a:schemeClr val="dk1"/>
-          </a:fillRef>
-          <a:effectRef idx="2">
-            <a:schemeClr val="dk1"/>
-          </a:effectRef>
-          <a:fontRef idx="minor">
-            <a:schemeClr val="lt1"/>
-          </a:fontRef>
-        </p:style>
-      </p:cxnSp>
-      <p:sp>
-        <p:nvSpPr>
-          <p:cNvPr id="7" name="Oval 6"/>
-          <p:cNvSpPr/>
-          <p:nvPr/>
-        </p:nvSpPr>
-        <p:spPr>
-          <a:xfrm>
-            <a:off x="5274283" y="3358550"/>
-            <a:ext cx="228872" cy="230199"/>
-          </a:xfrm>
-          <a:prstGeom prst="ellipse">
-            <a:avLst/>
-          </a:prstGeom>
-        </p:spPr>
-        <p:style>
-          <a:lnRef idx="1">
-            <a:schemeClr val="dk1"/>
-          </a:lnRef>
-          <a:fillRef idx="3">
-            <a:schemeClr val="dk1"/>
-          </a:fillRef>
-          <a:effectRef idx="2">
-            <a:schemeClr val="dk1"/>
-          </a:effectRef>
-          <a:fontRef idx="minor">
-            <a:schemeClr val="lt1"/>
-          </a:fontRef>
-        </p:style>
-        <p:txBody>
-          <a:bodyPr rtlCol="0" anchor="ctr"/>
-          <a:lstStyle/>
-          <a:p>
-            <a:pPr algn="ctr"/>
-            <a:endParaRPr lang="en-US"/>
-          </a:p>
-        </p:txBody>
-      </p:sp>
-      <p:cxnSp>
-        <p:nvCxnSpPr>
-          <p:cNvPr id="12" name="Straight Arrow Connector 11"/>
-          <p:cNvCxnSpPr>
-            <a:stCxn id="2" idx="3"/>
-            <a:endCxn id="7" idx="2"/>
-          </p:cNvCxnSpPr>
-          <p:nvPr/>
-        </p:nvCxnSpPr>
-        <p:spPr>
-          <a:xfrm>
-            <a:off x="3398317" y="3473650"/>
-            <a:ext cx="1875966" cy="0"/>
-          </a:xfrm>
-          <a:prstGeom prst="straightConnector1">
-            <a:avLst/>
-          </a:prstGeom>
-          <a:ln>
-            <a:tailEnd type="arrow"/>
-          </a:ln>
-        </p:spPr>
-        <p:style>
-          <a:lnRef idx="2">
-            <a:schemeClr val="dk1"/>
-          </a:lnRef>
-          <a:fillRef idx="0">
-            <a:schemeClr val="dk1"/>
-          </a:fillRef>
-          <a:effectRef idx="1">
-            <a:schemeClr val="dk1"/>
-          </a:effectRef>
-          <a:fontRef idx="minor">
-            <a:schemeClr val="tx1"/>
-          </a:fontRef>
-        </p:style>
-      </p:cxnSp>
-      <p:sp>
-        <p:nvSpPr>
-          <p:cNvPr id="14" name="TextBox 13"/>
+              <a:rPr lang="en-US" b="1" dirty="0" smtClean="0"/>
+              <a:t>Client</a:t>
+            </a:r>
+            <a:endParaRPr lang="en-US" b="1" dirty="0"/>
+          </a:p>
+        </p:txBody>
+      </p:sp>
+      <p:sp>
+        <p:nvSpPr>
+          <p:cNvPr id="19" name="TextBox 18"/>
           <p:cNvSpPr txBox="1"/>
           <p:nvPr/>
         </p:nvSpPr>
         <p:spPr>
           <a:xfrm>
-            <a:off x="6878946" y="2590281"/>
-            <a:ext cx="787395" cy="369332"/>
+            <a:off x="3138003" y="523193"/>
+            <a:ext cx="800219" cy="369332"/>
           </a:xfrm>
           <a:prstGeom prst="rect">
             <a:avLst/>
@@ -5927,8 +8970,50 @@
           <a:lstStyle/>
           <a:p>
             <a:r>
+              <a:rPr lang="en-US" b="1" dirty="0" smtClean="0"/>
+              <a:t>Server</a:t>
+            </a:r>
+            <a:endParaRPr lang="en-US" b="1" dirty="0"/>
+          </a:p>
+        </p:txBody>
+      </p:sp>
+      <p:sp>
+        <p:nvSpPr>
+          <p:cNvPr id="20" name="Rectangle 19"/>
+          <p:cNvSpPr/>
+          <p:nvPr/>
+        </p:nvSpPr>
+        <p:spPr>
+          <a:xfrm>
+            <a:off x="454950" y="3581695"/>
+            <a:ext cx="1461027" cy="417352"/>
+          </a:xfrm>
+          <a:prstGeom prst="rect">
+            <a:avLst/>
+          </a:prstGeom>
+        </p:spPr>
+        <p:style>
+          <a:lnRef idx="0">
+            <a:schemeClr val="accent1"/>
+          </a:lnRef>
+          <a:fillRef idx="3">
+            <a:schemeClr val="accent1"/>
+          </a:fillRef>
+          <a:effectRef idx="3">
+            <a:schemeClr val="accent1"/>
+          </a:effectRef>
+          <a:fontRef idx="minor">
+            <a:schemeClr val="lt1"/>
+          </a:fontRef>
+        </p:style>
+        <p:txBody>
+          <a:bodyPr rtlCol="0" anchor="ctr"/>
+          <a:lstStyle/>
+          <a:p>
+            <a:pPr algn="ctr"/>
+            <a:r>
               <a:rPr lang="en-US" dirty="0" smtClean="0"/>
-              <a:t>Server</a:t>
+              <a:t>JS Template</a:t>
             </a:r>
             <a:endParaRPr lang="en-US" dirty="0"/>
           </a:p>
@@ -5936,151 +9021,83 @@
       </p:sp>
       <p:sp>
         <p:nvSpPr>
-          <p:cNvPr id="15" name="TextBox 14"/>
-          <p:cNvSpPr txBox="1"/>
-          <p:nvPr/>
-        </p:nvSpPr>
-        <p:spPr>
-          <a:xfrm>
-            <a:off x="3551182" y="3056231"/>
-            <a:ext cx="1428596" cy="338554"/>
+          <p:cNvPr id="21" name="Rectangle 20"/>
+          <p:cNvSpPr/>
+          <p:nvPr/>
+        </p:nvSpPr>
+        <p:spPr>
+          <a:xfrm>
+            <a:off x="2545225" y="3065637"/>
+            <a:ext cx="1985309" cy="417352"/>
           </a:xfrm>
           <a:prstGeom prst="rect">
             <a:avLst/>
           </a:prstGeom>
-          <a:noFill/>
-        </p:spPr>
-        <p:txBody>
-          <a:bodyPr wrap="none" rtlCol="0">
-            <a:spAutoFit/>
-          </a:bodyPr>
-          <a:lstStyle/>
-          <a:p>
-            <a:r>
-              <a:rPr lang="en-US" sz="1600" dirty="0" err="1" smtClean="0"/>
-              <a:t>Backbone.sync</a:t>
-            </a:r>
-            <a:endParaRPr lang="en-US" sz="1600" dirty="0"/>
-          </a:p>
-        </p:txBody>
-      </p:sp>
-      <p:sp>
-        <p:nvSpPr>
-          <p:cNvPr id="16" name="TextBox 15"/>
-          <p:cNvSpPr txBox="1"/>
-          <p:nvPr/>
-        </p:nvSpPr>
-        <p:spPr>
-          <a:xfrm>
-            <a:off x="2425615" y="3962816"/>
-            <a:ext cx="846706" cy="1077218"/>
+        </p:spPr>
+        <p:style>
+          <a:lnRef idx="0">
+            <a:schemeClr val="accent6"/>
+          </a:lnRef>
+          <a:fillRef idx="3">
+            <a:schemeClr val="accent6"/>
+          </a:fillRef>
+          <a:effectRef idx="3">
+            <a:schemeClr val="accent6"/>
+          </a:effectRef>
+          <a:fontRef idx="minor">
+            <a:schemeClr val="lt1"/>
+          </a:fontRef>
+        </p:style>
+        <p:txBody>
+          <a:bodyPr rtlCol="0" anchor="ctr"/>
+          <a:lstStyle/>
+          <a:p>
+            <a:pPr algn="ctr"/>
+            <a:r>
+              <a:rPr lang="en-US" dirty="0" smtClean="0"/>
+              <a:t>Render Main View</a:t>
+            </a:r>
+            <a:endParaRPr lang="en-US" dirty="0"/>
+          </a:p>
+        </p:txBody>
+      </p:sp>
+      <p:sp>
+        <p:nvSpPr>
+          <p:cNvPr id="22" name="Rectangle 21"/>
+          <p:cNvSpPr/>
+          <p:nvPr/>
+        </p:nvSpPr>
+        <p:spPr>
+          <a:xfrm>
+            <a:off x="454950" y="3065637"/>
+            <a:ext cx="1461027" cy="417352"/>
           </a:xfrm>
           <a:prstGeom prst="rect">
             <a:avLst/>
           </a:prstGeom>
-          <a:noFill/>
-        </p:spPr>
-        <p:txBody>
-          <a:bodyPr wrap="none" rtlCol="0">
-            <a:spAutoFit/>
-          </a:bodyPr>
-          <a:lstStyle/>
-          <a:p>
-            <a:r>
-              <a:rPr lang="en-US" sz="1600" dirty="0" smtClean="0"/>
-              <a:t>save</a:t>
-            </a:r>
-          </a:p>
-          <a:p>
-            <a:r>
-              <a:rPr lang="en-US" sz="1600" dirty="0"/>
-              <a:t>f</a:t>
-            </a:r>
-            <a:r>
-              <a:rPr lang="en-US" sz="1600" dirty="0" smtClean="0"/>
-              <a:t>etch</a:t>
-            </a:r>
-          </a:p>
-          <a:p>
-            <a:r>
-              <a:rPr lang="en-US" sz="1600" dirty="0"/>
-              <a:t>d</a:t>
-            </a:r>
-            <a:r>
-              <a:rPr lang="en-US" sz="1600" dirty="0" smtClean="0"/>
-              <a:t>estroy</a:t>
-            </a:r>
-            <a:endParaRPr lang="en-US" sz="1600" dirty="0"/>
-          </a:p>
-          <a:p>
-            <a:r>
-              <a:rPr lang="en-US" sz="1600" dirty="0" smtClean="0"/>
-              <a:t>validate</a:t>
-            </a:r>
-            <a:endParaRPr lang="en-US" sz="1600" dirty="0"/>
-          </a:p>
-        </p:txBody>
-      </p:sp>
-      <p:sp>
-        <p:nvSpPr>
-          <p:cNvPr id="17" name="TextBox 16"/>
-          <p:cNvSpPr txBox="1"/>
-          <p:nvPr/>
-        </p:nvSpPr>
-        <p:spPr>
-          <a:xfrm>
-            <a:off x="-68658" y="3181262"/>
-            <a:ext cx="1373894" cy="584776"/>
-          </a:xfrm>
-          <a:prstGeom prst="rect">
-            <a:avLst/>
-          </a:prstGeom>
-          <a:noFill/>
-        </p:spPr>
-        <p:txBody>
-          <a:bodyPr wrap="none" rtlCol="0">
-            <a:spAutoFit/>
-          </a:bodyPr>
-          <a:lstStyle/>
-          <a:p>
-            <a:r>
-              <a:rPr lang="en-US" sz="1600" dirty="0" smtClean="0"/>
-              <a:t>get(attribute)</a:t>
-            </a:r>
-          </a:p>
-          <a:p>
-            <a:r>
-              <a:rPr lang="en-US" sz="1600" dirty="0" smtClean="0"/>
-              <a:t>set(attributes)</a:t>
-            </a:r>
-          </a:p>
-        </p:txBody>
-      </p:sp>
-      <p:sp>
-        <p:nvSpPr>
-          <p:cNvPr id="18" name="TextBox 17"/>
-          <p:cNvSpPr txBox="1"/>
-          <p:nvPr/>
-        </p:nvSpPr>
-        <p:spPr>
-          <a:xfrm>
-            <a:off x="1921956" y="2590281"/>
-            <a:ext cx="727145" cy="369332"/>
-          </a:xfrm>
-          <a:prstGeom prst="rect">
-            <a:avLst/>
-          </a:prstGeom>
-          <a:noFill/>
-        </p:spPr>
-        <p:txBody>
-          <a:bodyPr wrap="none" rtlCol="0">
-            <a:spAutoFit/>
-          </a:bodyPr>
-          <a:lstStyle/>
-          <a:p>
+        </p:spPr>
+        <p:style>
+          <a:lnRef idx="0">
+            <a:schemeClr val="accent1"/>
+          </a:lnRef>
+          <a:fillRef idx="3">
+            <a:schemeClr val="accent1"/>
+          </a:fillRef>
+          <a:effectRef idx="3">
+            <a:schemeClr val="accent1"/>
+          </a:effectRef>
+          <a:fontRef idx="minor">
+            <a:schemeClr val="lt1"/>
+          </a:fontRef>
+        </p:style>
+        <p:txBody>
+          <a:bodyPr rtlCol="0" anchor="ctr"/>
+          <a:lstStyle/>
+          <a:p>
+            <a:pPr algn="ctr"/>
             <a:r>
               <a:rPr lang="en-US" dirty="0" smtClean="0"/>
-              <a:t>Client</a:t>
+              <a:t>Response</a:t>
             </a:r>
             <a:endParaRPr lang="en-US" dirty="0"/>
           </a:p>
@@ -6088,210 +9105,97 @@
       </p:sp>
       <p:sp>
         <p:nvSpPr>
-          <p:cNvPr id="21" name="TextBox 20"/>
-          <p:cNvSpPr txBox="1"/>
-          <p:nvPr/>
-        </p:nvSpPr>
-        <p:spPr>
-          <a:xfrm>
-            <a:off x="3903949" y="3528998"/>
-            <a:ext cx="612668" cy="338554"/>
-          </a:xfrm>
-          <a:prstGeom prst="rect">
-            <a:avLst/>
-          </a:prstGeom>
-          <a:noFill/>
-        </p:spPr>
-        <p:txBody>
-          <a:bodyPr wrap="none" rtlCol="0">
-            <a:spAutoFit/>
-          </a:bodyPr>
-          <a:lstStyle/>
-          <a:p>
-            <a:r>
-              <a:rPr lang="en-US" sz="1600" dirty="0" smtClean="0"/>
-              <a:t>JSON</a:t>
-            </a:r>
-            <a:endParaRPr lang="en-US" sz="1600" dirty="0"/>
-          </a:p>
-        </p:txBody>
-      </p:sp>
-      <p:sp>
-        <p:nvSpPr>
-          <p:cNvPr id="22" name="TextBox 21"/>
-          <p:cNvSpPr txBox="1"/>
-          <p:nvPr/>
-        </p:nvSpPr>
-        <p:spPr>
-          <a:xfrm>
-            <a:off x="1114323" y="4085926"/>
-            <a:ext cx="807633" cy="830997"/>
-          </a:xfrm>
-          <a:prstGeom prst="rect">
-            <a:avLst/>
-          </a:prstGeom>
-          <a:noFill/>
-        </p:spPr>
-        <p:txBody>
-          <a:bodyPr wrap="none" rtlCol="0">
-            <a:spAutoFit/>
-          </a:bodyPr>
-          <a:lstStyle/>
-          <a:p>
-            <a:r>
-              <a:rPr lang="en-US" sz="1600" dirty="0"/>
-              <a:t>i</a:t>
-            </a:r>
-            <a:r>
-              <a:rPr lang="en-US" sz="1600" dirty="0" smtClean="0"/>
-              <a:t>d</a:t>
-            </a:r>
-          </a:p>
-          <a:p>
-            <a:r>
-              <a:rPr lang="en-US" sz="1600" dirty="0" err="1" smtClean="0"/>
-              <a:t>url</a:t>
-            </a:r>
-            <a:endParaRPr lang="en-US" sz="1600" dirty="0" smtClean="0"/>
-          </a:p>
-          <a:p>
-            <a:r>
-              <a:rPr lang="en-US" sz="1600" dirty="0" err="1" smtClean="0"/>
-              <a:t>urlRoot</a:t>
-            </a:r>
-            <a:endParaRPr lang="en-US" sz="1600" dirty="0"/>
-          </a:p>
-        </p:txBody>
-      </p:sp>
-      <p:sp>
-        <p:nvSpPr>
-          <p:cNvPr id="23" name="TextBox 22"/>
-          <p:cNvSpPr txBox="1"/>
-          <p:nvPr/>
-        </p:nvSpPr>
-        <p:spPr>
-          <a:xfrm>
-            <a:off x="3621286" y="5069777"/>
-            <a:ext cx="5357319" cy="923330"/>
-          </a:xfrm>
-          <a:prstGeom prst="rect">
-            <a:avLst/>
-          </a:prstGeom>
-          <a:ln>
-            <a:noFill/>
-          </a:ln>
-        </p:spPr>
-        <p:style>
-          <a:lnRef idx="2">
-            <a:schemeClr val="accent3"/>
-          </a:lnRef>
-          <a:fillRef idx="1">
+          <p:cNvPr id="24" name="Left Arrow 23"/>
+          <p:cNvSpPr/>
+          <p:nvPr/>
+        </p:nvSpPr>
+        <p:spPr>
+          <a:xfrm>
+            <a:off x="2024394" y="3176790"/>
+            <a:ext cx="407559" cy="246765"/>
+          </a:xfrm>
+          <a:prstGeom prst="leftArrow">
+            <a:avLst/>
+          </a:prstGeom>
+        </p:spPr>
+        <p:style>
+          <a:lnRef idx="1">
+            <a:schemeClr val="dk1"/>
+          </a:lnRef>
+          <a:fillRef idx="3">
+            <a:schemeClr val="dk1"/>
+          </a:fillRef>
+          <a:effectRef idx="2">
+            <a:schemeClr val="dk1"/>
+          </a:effectRef>
+          <a:fontRef idx="minor">
             <a:schemeClr val="lt1"/>
-          </a:fillRef>
-          <a:effectRef idx="0">
-            <a:schemeClr val="accent3"/>
-          </a:effectRef>
-          <a:fontRef idx="minor">
-            <a:schemeClr val="dk1"/>
-          </a:fontRef>
-        </p:style>
-        <p:txBody>
-          <a:bodyPr wrap="none" rtlCol="0">
-            <a:spAutoFit/>
-          </a:bodyPr>
-          <a:lstStyle/>
-          <a:p>
-            <a:r>
-              <a:rPr lang="en-US" dirty="0" smtClean="0"/>
-              <a:t>Model endpoints: </a:t>
-            </a:r>
-            <a:endParaRPr lang="en-US" dirty="0"/>
-          </a:p>
-          <a:p>
-            <a:r>
-              <a:rPr lang="en-US" b="1" dirty="0" smtClean="0">
-                <a:solidFill>
-                  <a:schemeClr val="tx1"/>
-                </a:solidFill>
-                <a:latin typeface="Courier New"/>
-                <a:cs typeface="Courier New"/>
-              </a:rPr>
-              <a:t>/[</a:t>
-            </a:r>
-            <a:r>
-              <a:rPr lang="en-US" b="1" dirty="0" err="1" smtClean="0">
-                <a:solidFill>
-                  <a:schemeClr val="tx1"/>
-                </a:solidFill>
-                <a:latin typeface="Courier New"/>
-                <a:cs typeface="Courier New"/>
-              </a:rPr>
-              <a:t>collection.url</a:t>
-            </a:r>
-            <a:r>
-              <a:rPr lang="en-US" b="1" dirty="0" smtClean="0">
-                <a:solidFill>
-                  <a:schemeClr val="tx1"/>
-                </a:solidFill>
-                <a:latin typeface="Courier New"/>
-                <a:cs typeface="Courier New"/>
-              </a:rPr>
-              <a:t>]/[id] </a:t>
-            </a:r>
-            <a:r>
-              <a:rPr lang="en-US" dirty="0" smtClean="0"/>
-              <a:t>(if in a collection)</a:t>
-            </a:r>
-          </a:p>
-          <a:p>
-            <a:r>
-              <a:rPr lang="en-US" b="1" dirty="0" smtClean="0">
-                <a:solidFill>
-                  <a:srgbClr val="000000"/>
-                </a:solidFill>
-                <a:latin typeface="Courier New"/>
-                <a:cs typeface="Courier New"/>
-              </a:rPr>
-              <a:t>/[</a:t>
-            </a:r>
-            <a:r>
-              <a:rPr lang="en-US" b="1" dirty="0" err="1" smtClean="0">
-                <a:solidFill>
-                  <a:srgbClr val="000000"/>
-                </a:solidFill>
-                <a:latin typeface="Courier New"/>
-                <a:cs typeface="Courier New"/>
-              </a:rPr>
-              <a:t>urlRoot.url</a:t>
-            </a:r>
-            <a:r>
-              <a:rPr lang="en-US" b="1" dirty="0" smtClean="0">
-                <a:solidFill>
-                  <a:srgbClr val="000000"/>
-                </a:solidFill>
-                <a:latin typeface="Courier New"/>
-                <a:cs typeface="Courier New"/>
-              </a:rPr>
-              <a:t>]/[id]    </a:t>
-            </a:r>
-            <a:r>
-              <a:rPr lang="en-US" dirty="0" smtClean="0"/>
-              <a:t>(if not in a collection)</a:t>
-            </a:r>
-            <a:endParaRPr lang="en-US" dirty="0"/>
+          </a:fontRef>
+        </p:style>
+        <p:txBody>
+          <a:bodyPr rtlCol="0" anchor="ctr"/>
+          <a:lstStyle/>
+          <a:p>
+            <a:pPr algn="ctr"/>
+            <a:endParaRPr lang="en-US"/>
+          </a:p>
+        </p:txBody>
+      </p:sp>
+      <p:sp>
+        <p:nvSpPr>
+          <p:cNvPr id="25" name="Left Arrow 24"/>
+          <p:cNvSpPr/>
+          <p:nvPr/>
+        </p:nvSpPr>
+        <p:spPr>
+          <a:xfrm>
+            <a:off x="2024394" y="3669302"/>
+            <a:ext cx="407559" cy="246765"/>
+          </a:xfrm>
+          <a:prstGeom prst="leftArrow">
+            <a:avLst/>
+          </a:prstGeom>
+        </p:spPr>
+        <p:style>
+          <a:lnRef idx="1">
+            <a:schemeClr val="dk1"/>
+          </a:lnRef>
+          <a:fillRef idx="3">
+            <a:schemeClr val="dk1"/>
+          </a:fillRef>
+          <a:effectRef idx="2">
+            <a:schemeClr val="dk1"/>
+          </a:effectRef>
+          <a:fontRef idx="minor">
+            <a:schemeClr val="lt1"/>
+          </a:fontRef>
+        </p:style>
+        <p:txBody>
+          <a:bodyPr rtlCol="0" anchor="ctr"/>
+          <a:lstStyle/>
+          <a:p>
+            <a:pPr algn="ctr"/>
+            <a:endParaRPr lang="en-US"/>
           </a:p>
         </p:txBody>
       </p:sp>
     </p:spTree>
     <p:extLst>
       <p:ext uri="{BB962C8B-B14F-4D97-AF65-F5344CB8AC3E}">
-        <p14:creationId xmlns:p14="http://schemas.microsoft.com/office/powerpoint/2010/main" val="917673019"/>
+        <p14:creationId xmlns:p14="http://schemas.microsoft.com/office/powerpoint/2010/main" val="3480952203"/>
       </p:ext>
     </p:extLst>
   </p:cSld>
   <p:clrMapOvr>
     <a:masterClrMapping/>
   </p:clrMapOvr>
+  <p:timing>
+    <p:tnLst>
+      <p:par>
+        <p:cTn xmlns:p14="http://schemas.microsoft.com/office/powerpoint/2010/main" id="1" dur="indefinite" restart="never" nodeType="tmRoot"/>
+      </p:par>
+    </p:tnLst>
+  </p:timing>
 </p:sld>
 </file>
 
@@ -6314,28 +9218,28 @@
       </p:grpSpPr>
       <p:sp>
         <p:nvSpPr>
-          <p:cNvPr id="2" name="Rounded Rectangle 1"/>
+          <p:cNvPr id="3" name="Rectangle 2"/>
           <p:cNvSpPr/>
           <p:nvPr/>
         </p:nvSpPr>
         <p:spPr>
           <a:xfrm>
-            <a:off x="1305236" y="3032715"/>
-            <a:ext cx="2093081" cy="881869"/>
-          </a:xfrm>
-          <a:prstGeom prst="roundRect">
-            <a:avLst/>
-          </a:prstGeom>
-        </p:spPr>
-        <p:style>
-          <a:lnRef idx="1">
-            <a:schemeClr val="accent1"/>
+            <a:off x="2789933" y="1024361"/>
+            <a:ext cx="1605824" cy="417352"/>
+          </a:xfrm>
+          <a:prstGeom prst="rect">
+            <a:avLst/>
+          </a:prstGeom>
+        </p:spPr>
+        <p:style>
+          <a:lnRef idx="0">
+            <a:schemeClr val="accent3"/>
           </a:lnRef>
           <a:fillRef idx="3">
-            <a:schemeClr val="accent1"/>
-          </a:fillRef>
-          <a:effectRef idx="2">
-            <a:schemeClr val="accent1"/>
+            <a:schemeClr val="accent3"/>
+          </a:fillRef>
+          <a:effectRef idx="3">
+            <a:schemeClr val="accent3"/>
           </a:effectRef>
           <a:fontRef idx="minor">
             <a:schemeClr val="lt1"/>
@@ -6347,8 +9251,8 @@
           <a:p>
             <a:pPr algn="ctr"/>
             <a:r>
-              <a:rPr lang="en-US" dirty="0" err="1" smtClean="0"/>
-              <a:t>Backbone.Model</a:t>
+              <a:rPr lang="en-US" dirty="0" smtClean="0"/>
+              <a:t>Router</a:t>
             </a:r>
             <a:endParaRPr lang="en-US" dirty="0"/>
           </a:p>
@@ -6356,28 +9260,28 @@
       </p:sp>
       <p:sp>
         <p:nvSpPr>
-          <p:cNvPr id="3" name="Rounded Rectangle 2"/>
+          <p:cNvPr id="4" name="Rectangle 3"/>
           <p:cNvSpPr/>
           <p:nvPr/>
         </p:nvSpPr>
         <p:spPr>
           <a:xfrm>
-            <a:off x="6455625" y="3032715"/>
-            <a:ext cx="1799110" cy="881869"/>
-          </a:xfrm>
-          <a:prstGeom prst="roundRect">
-            <a:avLst/>
-          </a:prstGeom>
-        </p:spPr>
-        <p:style>
-          <a:lnRef idx="1">
-            <a:schemeClr val="accent1"/>
+            <a:off x="2795764" y="1507641"/>
+            <a:ext cx="1599993" cy="417352"/>
+          </a:xfrm>
+          <a:prstGeom prst="rect">
+            <a:avLst/>
+          </a:prstGeom>
+        </p:spPr>
+        <p:style>
+          <a:lnRef idx="0">
+            <a:schemeClr val="accent3"/>
           </a:lnRef>
           <a:fillRef idx="3">
-            <a:schemeClr val="accent1"/>
-          </a:fillRef>
-          <a:effectRef idx="2">
-            <a:schemeClr val="accent1"/>
+            <a:schemeClr val="accent3"/>
+          </a:fillRef>
+          <a:effectRef idx="3">
+            <a:schemeClr val="accent3"/>
           </a:effectRef>
           <a:fontRef idx="minor">
             <a:schemeClr val="lt1"/>
@@ -6389,12 +9293,8 @@
           <a:p>
             <a:pPr algn="ctr"/>
             <a:r>
-              <a:rPr lang="en-US" dirty="0" err="1" smtClean="0"/>
-              <a:t>RESTful</a:t>
-            </a:r>
-            <a:r>
               <a:rPr lang="en-US" dirty="0" smtClean="0"/>
-              <a:t> JSON Interface</a:t>
+              <a:t>Controller</a:t>
             </a:r>
             <a:endParaRPr lang="en-US" dirty="0"/>
           </a:p>
@@ -6402,14 +9302,98 @@
       </p:sp>
       <p:sp>
         <p:nvSpPr>
-          <p:cNvPr id="4" name="TextBox 3"/>
+          <p:cNvPr id="5" name="Rectangle 4"/>
+          <p:cNvSpPr/>
+          <p:nvPr/>
+        </p:nvSpPr>
+        <p:spPr>
+          <a:xfrm>
+            <a:off x="3025810" y="2019730"/>
+            <a:ext cx="1364516" cy="417352"/>
+          </a:xfrm>
+          <a:prstGeom prst="rect">
+            <a:avLst/>
+          </a:prstGeom>
+        </p:spPr>
+        <p:style>
+          <a:lnRef idx="0">
+            <a:schemeClr val="accent2"/>
+          </a:lnRef>
+          <a:fillRef idx="3">
+            <a:schemeClr val="accent2"/>
+          </a:fillRef>
+          <a:effectRef idx="3">
+            <a:schemeClr val="accent2"/>
+          </a:effectRef>
+          <a:fontRef idx="minor">
+            <a:schemeClr val="lt1"/>
+          </a:fontRef>
+        </p:style>
+        <p:txBody>
+          <a:bodyPr rtlCol="0" anchor="ctr"/>
+          <a:lstStyle/>
+          <a:p>
+            <a:pPr algn="ctr"/>
+            <a:r>
+              <a:rPr lang="en-US" dirty="0" smtClean="0"/>
+              <a:t>Model</a:t>
+            </a:r>
+            <a:endParaRPr lang="en-US" dirty="0"/>
+          </a:p>
+        </p:txBody>
+      </p:sp>
+      <p:sp>
+        <p:nvSpPr>
+          <p:cNvPr id="6" name="Rectangle 5"/>
+          <p:cNvSpPr/>
+          <p:nvPr/>
+        </p:nvSpPr>
+        <p:spPr>
+          <a:xfrm>
+            <a:off x="3025811" y="2532864"/>
+            <a:ext cx="1364516" cy="417352"/>
+          </a:xfrm>
+          <a:prstGeom prst="rect">
+            <a:avLst/>
+          </a:prstGeom>
+        </p:spPr>
+        <p:style>
+          <a:lnRef idx="0">
+            <a:schemeClr val="accent2"/>
+          </a:lnRef>
+          <a:fillRef idx="3">
+            <a:schemeClr val="accent2"/>
+          </a:fillRef>
+          <a:effectRef idx="3">
+            <a:schemeClr val="accent2"/>
+          </a:effectRef>
+          <a:fontRef idx="minor">
+            <a:schemeClr val="lt1"/>
+          </a:fontRef>
+        </p:style>
+        <p:txBody>
+          <a:bodyPr rtlCol="0" anchor="ctr"/>
+          <a:lstStyle/>
+          <a:p>
+            <a:pPr algn="ctr"/>
+            <a:r>
+              <a:rPr lang="en-US" dirty="0" smtClean="0"/>
+              <a:t>Database</a:t>
+            </a:r>
+            <a:endParaRPr lang="en-US" dirty="0"/>
+          </a:p>
+        </p:txBody>
+      </p:sp>
+      <p:sp>
+        <p:nvSpPr>
+          <p:cNvPr id="16" name="TextBox 15"/>
           <p:cNvSpPr txBox="1"/>
           <p:nvPr/>
         </p:nvSpPr>
         <p:spPr>
           <a:xfrm>
-            <a:off x="5074381" y="3593784"/>
-            <a:ext cx="1498427" cy="1077218"/>
+            <a:off x="1202001" y="552075"/>
+            <a:ext cx="740332" cy="369332"/>
           </a:xfrm>
           <a:prstGeom prst="rect">
             <a:avLst/>
@@ -6423,6 +9407,421 @@
           <a:lstStyle/>
           <a:p>
             <a:r>
+              <a:rPr lang="en-US" b="1" dirty="0" smtClean="0"/>
+              <a:t>Client</a:t>
+            </a:r>
+            <a:endParaRPr lang="en-US" b="1" dirty="0"/>
+          </a:p>
+        </p:txBody>
+      </p:sp>
+      <p:sp>
+        <p:nvSpPr>
+          <p:cNvPr id="17" name="TextBox 16"/>
+          <p:cNvSpPr txBox="1"/>
+          <p:nvPr/>
+        </p:nvSpPr>
+        <p:spPr>
+          <a:xfrm>
+            <a:off x="3180634" y="552075"/>
+            <a:ext cx="800219" cy="369332"/>
+          </a:xfrm>
+          <a:prstGeom prst="rect">
+            <a:avLst/>
+          </a:prstGeom>
+          <a:noFill/>
+        </p:spPr>
+        <p:txBody>
+          <a:bodyPr wrap="none" rtlCol="0">
+            <a:spAutoFit/>
+          </a:bodyPr>
+          <a:lstStyle/>
+          <a:p>
+            <a:r>
+              <a:rPr lang="en-US" b="1" dirty="0" smtClean="0"/>
+              <a:t>Server</a:t>
+            </a:r>
+            <a:endParaRPr lang="en-US" b="1" dirty="0"/>
+          </a:p>
+        </p:txBody>
+      </p:sp>
+      <p:sp>
+        <p:nvSpPr>
+          <p:cNvPr id="19" name="Rectangle 18"/>
+          <p:cNvSpPr/>
+          <p:nvPr/>
+        </p:nvSpPr>
+        <p:spPr>
+          <a:xfrm>
+            <a:off x="773518" y="1005998"/>
+            <a:ext cx="1605825" cy="417352"/>
+          </a:xfrm>
+          <a:prstGeom prst="rect">
+            <a:avLst/>
+          </a:prstGeom>
+        </p:spPr>
+        <p:style>
+          <a:lnRef idx="0">
+            <a:schemeClr val="accent6"/>
+          </a:lnRef>
+          <a:fillRef idx="3">
+            <a:schemeClr val="accent6"/>
+          </a:fillRef>
+          <a:effectRef idx="3">
+            <a:schemeClr val="accent6"/>
+          </a:effectRef>
+          <a:fontRef idx="minor">
+            <a:schemeClr val="lt1"/>
+          </a:fontRef>
+        </p:style>
+        <p:txBody>
+          <a:bodyPr rtlCol="0" anchor="ctr"/>
+          <a:lstStyle/>
+          <a:p>
+            <a:pPr algn="ctr"/>
+            <a:r>
+              <a:rPr lang="en-US" dirty="0" smtClean="0"/>
+              <a:t>View</a:t>
+            </a:r>
+            <a:endParaRPr lang="en-US" dirty="0"/>
+          </a:p>
+        </p:txBody>
+      </p:sp>
+      <p:sp>
+        <p:nvSpPr>
+          <p:cNvPr id="23" name="Rectangle 22"/>
+          <p:cNvSpPr/>
+          <p:nvPr/>
+        </p:nvSpPr>
+        <p:spPr>
+          <a:xfrm>
+            <a:off x="773518" y="2019730"/>
+            <a:ext cx="1364517" cy="417352"/>
+          </a:xfrm>
+          <a:prstGeom prst="rect">
+            <a:avLst/>
+          </a:prstGeom>
+        </p:spPr>
+        <p:style>
+          <a:lnRef idx="0">
+            <a:schemeClr val="accent2"/>
+          </a:lnRef>
+          <a:fillRef idx="3">
+            <a:schemeClr val="accent2"/>
+          </a:fillRef>
+          <a:effectRef idx="3">
+            <a:schemeClr val="accent2"/>
+          </a:effectRef>
+          <a:fontRef idx="minor">
+            <a:schemeClr val="lt1"/>
+          </a:fontRef>
+        </p:style>
+        <p:txBody>
+          <a:bodyPr rtlCol="0" anchor="ctr"/>
+          <a:lstStyle/>
+          <a:p>
+            <a:pPr algn="ctr"/>
+            <a:r>
+              <a:rPr lang="en-US" dirty="0" smtClean="0"/>
+              <a:t>Model</a:t>
+            </a:r>
+            <a:endParaRPr lang="en-US" dirty="0"/>
+          </a:p>
+        </p:txBody>
+      </p:sp>
+      <p:sp>
+        <p:nvSpPr>
+          <p:cNvPr id="24" name="Rectangle 23"/>
+          <p:cNvSpPr/>
+          <p:nvPr/>
+        </p:nvSpPr>
+        <p:spPr>
+          <a:xfrm>
+            <a:off x="773518" y="2528372"/>
+            <a:ext cx="1364517" cy="417352"/>
+          </a:xfrm>
+          <a:prstGeom prst="rect">
+            <a:avLst/>
+          </a:prstGeom>
+        </p:spPr>
+        <p:style>
+          <a:lnRef idx="0">
+            <a:schemeClr val="accent2"/>
+          </a:lnRef>
+          <a:fillRef idx="3">
+            <a:schemeClr val="accent2"/>
+          </a:fillRef>
+          <a:effectRef idx="3">
+            <a:schemeClr val="accent2"/>
+          </a:effectRef>
+          <a:fontRef idx="minor">
+            <a:schemeClr val="lt1"/>
+          </a:fontRef>
+        </p:style>
+        <p:txBody>
+          <a:bodyPr rtlCol="0" anchor="ctr"/>
+          <a:lstStyle/>
+          <a:p>
+            <a:pPr algn="ctr"/>
+            <a:r>
+              <a:rPr lang="en-US" dirty="0" err="1" smtClean="0"/>
+              <a:t>localStorage</a:t>
+            </a:r>
+            <a:endParaRPr lang="en-US" dirty="0"/>
+          </a:p>
+        </p:txBody>
+      </p:sp>
+      <p:sp>
+        <p:nvSpPr>
+          <p:cNvPr id="25" name="Rectangle 24"/>
+          <p:cNvSpPr/>
+          <p:nvPr/>
+        </p:nvSpPr>
+        <p:spPr>
+          <a:xfrm>
+            <a:off x="773519" y="1507641"/>
+            <a:ext cx="1605824" cy="417352"/>
+          </a:xfrm>
+          <a:prstGeom prst="rect">
+            <a:avLst/>
+          </a:prstGeom>
+        </p:spPr>
+        <p:style>
+          <a:lnRef idx="0">
+            <a:schemeClr val="accent3"/>
+          </a:lnRef>
+          <a:fillRef idx="3">
+            <a:schemeClr val="accent3"/>
+          </a:fillRef>
+          <a:effectRef idx="3">
+            <a:schemeClr val="accent3"/>
+          </a:effectRef>
+          <a:fontRef idx="minor">
+            <a:schemeClr val="lt1"/>
+          </a:fontRef>
+        </p:style>
+        <p:txBody>
+          <a:bodyPr rtlCol="0" anchor="ctr"/>
+          <a:lstStyle/>
+          <a:p>
+            <a:pPr algn="ctr"/>
+            <a:r>
+              <a:rPr lang="en-US" dirty="0" smtClean="0"/>
+              <a:t>Controller</a:t>
+            </a:r>
+            <a:endParaRPr lang="en-US" dirty="0"/>
+          </a:p>
+        </p:txBody>
+      </p:sp>
+      <p:sp>
+        <p:nvSpPr>
+          <p:cNvPr id="26" name="Left-Right Arrow 25"/>
+          <p:cNvSpPr/>
+          <p:nvPr/>
+        </p:nvSpPr>
+        <p:spPr>
+          <a:xfrm>
+            <a:off x="2239263" y="2113637"/>
+            <a:ext cx="693504" cy="215630"/>
+          </a:xfrm>
+          <a:prstGeom prst="leftRightArrow">
+            <a:avLst/>
+          </a:prstGeom>
+        </p:spPr>
+        <p:style>
+          <a:lnRef idx="1">
+            <a:schemeClr val="dk1"/>
+          </a:lnRef>
+          <a:fillRef idx="3">
+            <a:schemeClr val="dk1"/>
+          </a:fillRef>
+          <a:effectRef idx="2">
+            <a:schemeClr val="dk1"/>
+          </a:effectRef>
+          <a:fontRef idx="minor">
+            <a:schemeClr val="lt1"/>
+          </a:fontRef>
+        </p:style>
+        <p:txBody>
+          <a:bodyPr rtlCol="0" anchor="ctr"/>
+          <a:lstStyle/>
+          <a:p>
+            <a:pPr algn="ctr"/>
+            <a:endParaRPr lang="en-US"/>
+          </a:p>
+        </p:txBody>
+      </p:sp>
+      <p:sp>
+        <p:nvSpPr>
+          <p:cNvPr id="27" name="TextBox 26"/>
+          <p:cNvSpPr txBox="1"/>
+          <p:nvPr/>
+        </p:nvSpPr>
+        <p:spPr>
+          <a:xfrm>
+            <a:off x="2239264" y="2293570"/>
+            <a:ext cx="693504" cy="307777"/>
+          </a:xfrm>
+          <a:prstGeom prst="rect">
+            <a:avLst/>
+          </a:prstGeom>
+          <a:noFill/>
+        </p:spPr>
+        <p:txBody>
+          <a:bodyPr wrap="square" rtlCol="0">
+            <a:spAutoFit/>
+          </a:bodyPr>
+          <a:lstStyle/>
+          <a:p>
+            <a:pPr algn="ctr"/>
+            <a:r>
+              <a:rPr lang="en-US" sz="1400" b="1" dirty="0" smtClean="0"/>
+              <a:t>JSON</a:t>
+            </a:r>
+            <a:endParaRPr lang="en-US" sz="1400" b="1" dirty="0"/>
+          </a:p>
+        </p:txBody>
+      </p:sp>
+    </p:spTree>
+    <p:extLst>
+      <p:ext uri="{BB962C8B-B14F-4D97-AF65-F5344CB8AC3E}">
+        <p14:creationId xmlns:p14="http://schemas.microsoft.com/office/powerpoint/2010/main" val="305627794"/>
+      </p:ext>
+    </p:extLst>
+  </p:cSld>
+  <p:clrMapOvr>
+    <a:masterClrMapping/>
+  </p:clrMapOvr>
+</p:sld>
+</file>
+
+<file path=ppt/slides/slide7.xml><?xml version="1.0" encoding="utf-8"?>
+<p:sld xmlns:a="http://schemas.openxmlformats.org/drawingml/2006/main" xmlns:r="http://schemas.openxmlformats.org/officeDocument/2006/relationships" xmlns:p="http://schemas.openxmlformats.org/presentationml/2006/main">
+  <p:cSld>
+    <p:spTree>
+      <p:nvGrpSpPr>
+        <p:cNvPr id="1" name=""/>
+        <p:cNvGrpSpPr/>
+        <p:nvPr/>
+      </p:nvGrpSpPr>
+      <p:grpSpPr>
+        <a:xfrm>
+          <a:off x="0" y="0"/>
+          <a:ext cx="0" cy="0"/>
+          <a:chOff x="0" y="0"/>
+          <a:chExt cx="0" cy="0"/>
+        </a:xfrm>
+      </p:grpSpPr>
+      <p:sp>
+        <p:nvSpPr>
+          <p:cNvPr id="2" name="Rounded Rectangle 1"/>
+          <p:cNvSpPr/>
+          <p:nvPr/>
+        </p:nvSpPr>
+        <p:spPr>
+          <a:xfrm>
+            <a:off x="1305236" y="3032715"/>
+            <a:ext cx="2093081" cy="881869"/>
+          </a:xfrm>
+          <a:prstGeom prst="roundRect">
+            <a:avLst/>
+          </a:prstGeom>
+        </p:spPr>
+        <p:style>
+          <a:lnRef idx="1">
+            <a:schemeClr val="accent1"/>
+          </a:lnRef>
+          <a:fillRef idx="3">
+            <a:schemeClr val="accent1"/>
+          </a:fillRef>
+          <a:effectRef idx="2">
+            <a:schemeClr val="accent1"/>
+          </a:effectRef>
+          <a:fontRef idx="minor">
+            <a:schemeClr val="lt1"/>
+          </a:fontRef>
+        </p:style>
+        <p:txBody>
+          <a:bodyPr rtlCol="0" anchor="ctr"/>
+          <a:lstStyle/>
+          <a:p>
+            <a:pPr algn="ctr"/>
+            <a:r>
+              <a:rPr lang="en-US" dirty="0" err="1" smtClean="0"/>
+              <a:t>Backbone.Model</a:t>
+            </a:r>
+            <a:endParaRPr lang="en-US" dirty="0"/>
+          </a:p>
+        </p:txBody>
+      </p:sp>
+      <p:sp>
+        <p:nvSpPr>
+          <p:cNvPr id="3" name="Rounded Rectangle 2"/>
+          <p:cNvSpPr/>
+          <p:nvPr/>
+        </p:nvSpPr>
+        <p:spPr>
+          <a:xfrm>
+            <a:off x="6455625" y="3032715"/>
+            <a:ext cx="1799110" cy="881869"/>
+          </a:xfrm>
+          <a:prstGeom prst="roundRect">
+            <a:avLst/>
+          </a:prstGeom>
+        </p:spPr>
+        <p:style>
+          <a:lnRef idx="1">
+            <a:schemeClr val="accent1"/>
+          </a:lnRef>
+          <a:fillRef idx="3">
+            <a:schemeClr val="accent1"/>
+          </a:fillRef>
+          <a:effectRef idx="2">
+            <a:schemeClr val="accent1"/>
+          </a:effectRef>
+          <a:fontRef idx="minor">
+            <a:schemeClr val="lt1"/>
+          </a:fontRef>
+        </p:style>
+        <p:txBody>
+          <a:bodyPr rtlCol="0" anchor="ctr"/>
+          <a:lstStyle/>
+          <a:p>
+            <a:pPr algn="ctr"/>
+            <a:r>
+              <a:rPr lang="en-US" dirty="0" err="1" smtClean="0"/>
+              <a:t>RESTful</a:t>
+            </a:r>
+            <a:r>
+              <a:rPr lang="en-US" dirty="0" smtClean="0"/>
+              <a:t> JSON Interface</a:t>
+            </a:r>
+            <a:endParaRPr lang="en-US" dirty="0"/>
+          </a:p>
+        </p:txBody>
+      </p:sp>
+      <p:sp>
+        <p:nvSpPr>
+          <p:cNvPr id="4" name="TextBox 3"/>
+          <p:cNvSpPr txBox="1"/>
+          <p:nvPr/>
+        </p:nvSpPr>
+        <p:spPr>
+          <a:xfrm>
+            <a:off x="5074381" y="3593784"/>
+            <a:ext cx="1498427" cy="1077218"/>
+          </a:xfrm>
+          <a:prstGeom prst="rect">
+            <a:avLst/>
+          </a:prstGeom>
+          <a:noFill/>
+        </p:spPr>
+        <p:txBody>
+          <a:bodyPr wrap="none" rtlCol="0">
+            <a:spAutoFit/>
+          </a:bodyPr>
+          <a:lstStyle/>
+          <a:p>
+            <a:r>
               <a:rPr lang="en-US" sz="1600" dirty="0" smtClean="0"/>
               <a:t>POST (create)</a:t>
             </a:r>
@@ -6450,10 +9849,10 @@
       </p:sp>
       <p:cxnSp>
         <p:nvCxnSpPr>
-          <p:cNvPr id="5" name="Straight Connector 4"/>
+          <p:cNvPr id="6" name="Straight Connector 5"/>
           <p:cNvCxnSpPr>
             <a:stCxn id="3" idx="1"/>
-            <a:endCxn id="6" idx="6"/>
+            <a:endCxn id="7" idx="6"/>
           </p:cNvCxnSpPr>
           <p:nvPr/>
         </p:nvCxnSpPr>
@@ -6483,7 +9882,7 @@
       </p:cxnSp>
       <p:sp>
         <p:nvSpPr>
-          <p:cNvPr id="6" name="Oval 5"/>
+          <p:cNvPr id="7" name="Oval 6"/>
           <p:cNvSpPr/>
           <p:nvPr/>
         </p:nvSpPr>
@@ -6521,10 +9920,10 @@
       </p:sp>
       <p:cxnSp>
         <p:nvCxnSpPr>
-          <p:cNvPr id="7" name="Straight Arrow Connector 6"/>
+          <p:cNvPr id="12" name="Straight Arrow Connector 11"/>
           <p:cNvCxnSpPr>
             <a:stCxn id="2" idx="3"/>
-            <a:endCxn id="6" idx="2"/>
+            <a:endCxn id="7" idx="2"/>
           </p:cNvCxnSpPr>
           <p:nvPr/>
         </p:nvCxnSpPr>
@@ -6557,7 +9956,7 @@
       </p:cxnSp>
       <p:sp>
         <p:nvSpPr>
-          <p:cNvPr id="8" name="TextBox 7"/>
+          <p:cNvPr id="14" name="TextBox 13"/>
           <p:cNvSpPr txBox="1"/>
           <p:nvPr/>
         </p:nvSpPr>
@@ -6587,7 +9986,7 @@
       </p:sp>
       <p:sp>
         <p:nvSpPr>
-          <p:cNvPr id="9" name="TextBox 8"/>
+          <p:cNvPr id="15" name="TextBox 14"/>
           <p:cNvSpPr txBox="1"/>
           <p:nvPr/>
         </p:nvSpPr>
@@ -6617,7 +10016,7 @@
       </p:sp>
       <p:sp>
         <p:nvSpPr>
-          <p:cNvPr id="10" name="TextBox 9"/>
+          <p:cNvPr id="16" name="TextBox 15"/>
           <p:cNvSpPr txBox="1"/>
           <p:nvPr/>
         </p:nvSpPr>
@@ -6674,7 +10073,7 @@
       </p:sp>
       <p:sp>
         <p:nvSpPr>
-          <p:cNvPr id="11" name="TextBox 10"/>
+          <p:cNvPr id="17" name="TextBox 16"/>
           <p:cNvSpPr txBox="1"/>
           <p:nvPr/>
         </p:nvSpPr>
@@ -6709,7 +10108,7 @@
       </p:sp>
       <p:sp>
         <p:nvSpPr>
-          <p:cNvPr id="12" name="TextBox 11"/>
+          <p:cNvPr id="18" name="TextBox 17"/>
           <p:cNvSpPr txBox="1"/>
           <p:nvPr/>
         </p:nvSpPr>
@@ -6739,7 +10138,7 @@
       </p:sp>
       <p:sp>
         <p:nvSpPr>
-          <p:cNvPr id="13" name="TextBox 12"/>
+          <p:cNvPr id="21" name="TextBox 20"/>
           <p:cNvSpPr txBox="1"/>
           <p:nvPr/>
         </p:nvSpPr>
@@ -6769,7 +10168,7 @@
       </p:sp>
       <p:sp>
         <p:nvSpPr>
-          <p:cNvPr id="14" name="TextBox 13"/>
+          <p:cNvPr id="22" name="TextBox 21"/>
           <p:cNvSpPr txBox="1"/>
           <p:nvPr/>
         </p:nvSpPr>
@@ -6816,7 +10215,7 @@
       </p:sp>
       <p:sp>
         <p:nvSpPr>
-          <p:cNvPr id="15" name="TextBox 14"/>
+          <p:cNvPr id="23" name="TextBox 22"/>
           <p:cNvSpPr txBox="1"/>
           <p:nvPr/>
         </p:nvSpPr>
@@ -6936,7 +10335,1460 @@
     </p:spTree>
     <p:extLst>
       <p:ext uri="{BB962C8B-B14F-4D97-AF65-F5344CB8AC3E}">
+        <p14:creationId xmlns:p14="http://schemas.microsoft.com/office/powerpoint/2010/main" val="917673019"/>
+      </p:ext>
+    </p:extLst>
+  </p:cSld>
+  <p:clrMapOvr>
+    <a:masterClrMapping/>
+  </p:clrMapOvr>
+</p:sld>
+</file>
+
+<file path=ppt/slides/slide8.xml><?xml version="1.0" encoding="utf-8"?>
+<p:sld xmlns:a="http://schemas.openxmlformats.org/drawingml/2006/main" xmlns:r="http://schemas.openxmlformats.org/officeDocument/2006/relationships" xmlns:p="http://schemas.openxmlformats.org/presentationml/2006/main">
+  <p:cSld>
+    <p:spTree>
+      <p:nvGrpSpPr>
+        <p:cNvPr id="1" name=""/>
+        <p:cNvGrpSpPr/>
+        <p:nvPr/>
+      </p:nvGrpSpPr>
+      <p:grpSpPr>
+        <a:xfrm>
+          <a:off x="0" y="0"/>
+          <a:ext cx="0" cy="0"/>
+          <a:chOff x="0" y="0"/>
+          <a:chExt cx="0" cy="0"/>
+        </a:xfrm>
+      </p:grpSpPr>
+      <p:sp>
+        <p:nvSpPr>
+          <p:cNvPr id="2" name="Rounded Rectangle 1"/>
+          <p:cNvSpPr/>
+          <p:nvPr/>
+        </p:nvSpPr>
+        <p:spPr>
+          <a:xfrm>
+            <a:off x="1011264" y="2116485"/>
+            <a:ext cx="2539917" cy="2660450"/>
+          </a:xfrm>
+          <a:prstGeom prst="roundRect">
+            <a:avLst/>
+          </a:prstGeom>
+        </p:spPr>
+        <p:style>
+          <a:lnRef idx="1">
+            <a:schemeClr val="accent6"/>
+          </a:lnRef>
+          <a:fillRef idx="3">
+            <a:schemeClr val="accent6"/>
+          </a:fillRef>
+          <a:effectRef idx="2">
+            <a:schemeClr val="accent6"/>
+          </a:effectRef>
+          <a:fontRef idx="minor">
+            <a:schemeClr val="lt1"/>
+          </a:fontRef>
+        </p:style>
+        <p:txBody>
+          <a:bodyPr rtlCol="0" anchor="t"/>
+          <a:lstStyle/>
+          <a:p>
+            <a:pPr algn="ctr"/>
+            <a:r>
+              <a:rPr lang="en-US" dirty="0" err="1" smtClean="0"/>
+              <a:t>Backbone.Collection</a:t>
+            </a:r>
+            <a:endParaRPr lang="en-US" dirty="0"/>
+          </a:p>
+        </p:txBody>
+      </p:sp>
+      <p:sp>
+        <p:nvSpPr>
+          <p:cNvPr id="3" name="Rounded Rectangle 2"/>
+          <p:cNvSpPr/>
+          <p:nvPr/>
+        </p:nvSpPr>
+        <p:spPr>
+          <a:xfrm>
+            <a:off x="7091033" y="2046132"/>
+            <a:ext cx="1587021" cy="3138712"/>
+          </a:xfrm>
+          <a:prstGeom prst="roundRect">
+            <a:avLst/>
+          </a:prstGeom>
+        </p:spPr>
+        <p:style>
+          <a:lnRef idx="1">
+            <a:schemeClr val="accent1"/>
+          </a:lnRef>
+          <a:fillRef idx="3">
+            <a:schemeClr val="accent1"/>
+          </a:fillRef>
+          <a:effectRef idx="2">
+            <a:schemeClr val="accent1"/>
+          </a:effectRef>
+          <a:fontRef idx="minor">
+            <a:schemeClr val="lt1"/>
+          </a:fontRef>
+        </p:style>
+        <p:txBody>
+          <a:bodyPr rtlCol="0" anchor="ctr"/>
+          <a:lstStyle/>
+          <a:p>
+            <a:pPr algn="ctr"/>
+            <a:r>
+              <a:rPr lang="en-US" dirty="0" err="1" smtClean="0"/>
+              <a:t>RESTful</a:t>
+            </a:r>
+            <a:r>
+              <a:rPr lang="en-US" dirty="0" smtClean="0"/>
+              <a:t> JSON Interface</a:t>
+            </a:r>
+            <a:endParaRPr lang="en-US" dirty="0"/>
+          </a:p>
+        </p:txBody>
+      </p:sp>
+      <p:sp>
+        <p:nvSpPr>
+          <p:cNvPr id="4" name="TextBox 3"/>
+          <p:cNvSpPr txBox="1"/>
+          <p:nvPr/>
+        </p:nvSpPr>
+        <p:spPr>
+          <a:xfrm>
+            <a:off x="4221011" y="2488745"/>
+            <a:ext cx="2893540" cy="1077218"/>
+          </a:xfrm>
+          <a:prstGeom prst="rect">
+            <a:avLst/>
+          </a:prstGeom>
+          <a:noFill/>
+        </p:spPr>
+        <p:txBody>
+          <a:bodyPr wrap="none" rtlCol="0">
+            <a:spAutoFit/>
+          </a:bodyPr>
+          <a:lstStyle/>
+          <a:p>
+            <a:r>
+              <a:rPr lang="en-US" sz="1600" b="1" dirty="0" smtClean="0">
+                <a:solidFill>
+                  <a:schemeClr val="tx1"/>
+                </a:solidFill>
+                <a:latin typeface="Courier New"/>
+                <a:cs typeface="Courier New"/>
+              </a:rPr>
+              <a:t>/[</a:t>
+            </a:r>
+            <a:r>
+              <a:rPr lang="en-US" sz="1600" b="1" dirty="0" err="1" smtClean="0">
+                <a:solidFill>
+                  <a:schemeClr val="tx1"/>
+                </a:solidFill>
+                <a:latin typeface="Courier New"/>
+                <a:cs typeface="Courier New"/>
+              </a:rPr>
+              <a:t>collection.url</a:t>
+            </a:r>
+            <a:r>
+              <a:rPr lang="en-US" sz="1600" b="1" dirty="0" smtClean="0">
+                <a:solidFill>
+                  <a:schemeClr val="tx1"/>
+                </a:solidFill>
+                <a:latin typeface="Courier New"/>
+                <a:cs typeface="Courier New"/>
+              </a:rPr>
+              <a:t>]/[id] </a:t>
+            </a:r>
+            <a:endParaRPr lang="en-US" sz="1600" dirty="0" smtClean="0"/>
+          </a:p>
+          <a:p>
+            <a:pPr lvl="1"/>
+            <a:r>
+              <a:rPr lang="en-US" sz="1600" dirty="0" smtClean="0"/>
+              <a:t>GET (read)</a:t>
+            </a:r>
+          </a:p>
+          <a:p>
+            <a:pPr lvl="1"/>
+            <a:r>
+              <a:rPr lang="en-US" sz="1600" dirty="0" smtClean="0"/>
+              <a:t>PUT (update)</a:t>
+            </a:r>
+          </a:p>
+          <a:p>
+            <a:pPr lvl="1"/>
+            <a:r>
+              <a:rPr lang="en-US" sz="1600" dirty="0" smtClean="0"/>
+              <a:t>DELETE (delete)</a:t>
+            </a:r>
+            <a:endParaRPr lang="en-US" sz="1600" dirty="0"/>
+          </a:p>
+        </p:txBody>
+      </p:sp>
+      <p:cxnSp>
+        <p:nvCxnSpPr>
+          <p:cNvPr id="5" name="Straight Connector 4"/>
+          <p:cNvCxnSpPr>
+            <a:endCxn id="6" idx="6"/>
+          </p:cNvCxnSpPr>
+          <p:nvPr/>
+        </p:nvCxnSpPr>
+        <p:spPr>
+          <a:xfrm flipH="1" flipV="1">
+            <a:off x="4209677" y="2487067"/>
+            <a:ext cx="2881356" cy="1678"/>
+          </a:xfrm>
+          <a:prstGeom prst="line">
+            <a:avLst/>
+          </a:prstGeom>
+        </p:spPr>
+        <p:style>
+          <a:lnRef idx="1">
+            <a:schemeClr val="dk1"/>
+          </a:lnRef>
+          <a:fillRef idx="3">
+            <a:schemeClr val="dk1"/>
+          </a:fillRef>
+          <a:effectRef idx="2">
+            <a:schemeClr val="dk1"/>
+          </a:effectRef>
+          <a:fontRef idx="minor">
+            <a:schemeClr val="lt1"/>
+          </a:fontRef>
+        </p:style>
+      </p:cxnSp>
+      <p:sp>
+        <p:nvSpPr>
+          <p:cNvPr id="6" name="Oval 5"/>
+          <p:cNvSpPr/>
+          <p:nvPr/>
+        </p:nvSpPr>
+        <p:spPr>
+          <a:xfrm>
+            <a:off x="3980805" y="2371967"/>
+            <a:ext cx="228872" cy="230199"/>
+          </a:xfrm>
+          <a:prstGeom prst="ellipse">
+            <a:avLst/>
+          </a:prstGeom>
+        </p:spPr>
+        <p:style>
+          <a:lnRef idx="1">
+            <a:schemeClr val="dk1"/>
+          </a:lnRef>
+          <a:fillRef idx="3">
+            <a:schemeClr val="dk1"/>
+          </a:fillRef>
+          <a:effectRef idx="2">
+            <a:schemeClr val="dk1"/>
+          </a:effectRef>
+          <a:fontRef idx="minor">
+            <a:schemeClr val="lt1"/>
+          </a:fontRef>
+        </p:style>
+        <p:txBody>
+          <a:bodyPr rtlCol="0" anchor="ctr"/>
+          <a:lstStyle/>
+          <a:p>
+            <a:pPr algn="ctr"/>
+            <a:endParaRPr lang="en-US"/>
+          </a:p>
+        </p:txBody>
+      </p:sp>
+      <p:cxnSp>
+        <p:nvCxnSpPr>
+          <p:cNvPr id="7" name="Straight Arrow Connector 6"/>
+          <p:cNvCxnSpPr>
+            <a:stCxn id="19" idx="3"/>
+            <a:endCxn id="6" idx="2"/>
+          </p:cNvCxnSpPr>
+          <p:nvPr/>
+        </p:nvCxnSpPr>
+        <p:spPr>
+          <a:xfrm flipV="1">
+            <a:off x="3221509" y="2487067"/>
+            <a:ext cx="759296" cy="543094"/>
+          </a:xfrm>
+          <a:prstGeom prst="straightConnector1">
+            <a:avLst/>
+          </a:prstGeom>
+          <a:ln>
+            <a:tailEnd type="arrow"/>
+          </a:ln>
+        </p:spPr>
+        <p:style>
+          <a:lnRef idx="2">
+            <a:schemeClr val="dk1"/>
+          </a:lnRef>
+          <a:fillRef idx="0">
+            <a:schemeClr val="dk1"/>
+          </a:fillRef>
+          <a:effectRef idx="1">
+            <a:schemeClr val="dk1"/>
+          </a:effectRef>
+          <a:fontRef idx="minor">
+            <a:schemeClr val="tx1"/>
+          </a:fontRef>
+        </p:style>
+      </p:cxnSp>
+      <p:sp>
+        <p:nvSpPr>
+          <p:cNvPr id="8" name="TextBox 7"/>
+          <p:cNvSpPr txBox="1"/>
+          <p:nvPr/>
+        </p:nvSpPr>
+        <p:spPr>
+          <a:xfrm>
+            <a:off x="7478649" y="1649621"/>
+            <a:ext cx="787395" cy="369332"/>
+          </a:xfrm>
+          <a:prstGeom prst="rect">
+            <a:avLst/>
+          </a:prstGeom>
+          <a:noFill/>
+        </p:spPr>
+        <p:txBody>
+          <a:bodyPr wrap="none" rtlCol="0">
+            <a:spAutoFit/>
+          </a:bodyPr>
+          <a:lstStyle/>
+          <a:p>
+            <a:r>
+              <a:rPr lang="en-US" dirty="0" smtClean="0"/>
+              <a:t>Server</a:t>
+            </a:r>
+            <a:endParaRPr lang="en-US" dirty="0"/>
+          </a:p>
+        </p:txBody>
+      </p:sp>
+      <p:sp>
+        <p:nvSpPr>
+          <p:cNvPr id="9" name="TextBox 8"/>
+          <p:cNvSpPr txBox="1"/>
+          <p:nvPr/>
+        </p:nvSpPr>
+        <p:spPr>
+          <a:xfrm>
+            <a:off x="3542132" y="1707578"/>
+            <a:ext cx="556563" cy="338554"/>
+          </a:xfrm>
+          <a:prstGeom prst="rect">
+            <a:avLst/>
+          </a:prstGeom>
+          <a:noFill/>
+        </p:spPr>
+        <p:txBody>
+          <a:bodyPr wrap="none" rtlCol="0">
+            <a:spAutoFit/>
+          </a:bodyPr>
+          <a:lstStyle/>
+          <a:p>
+            <a:r>
+              <a:rPr lang="en-US" sz="1600" dirty="0" smtClean="0"/>
+              <a:t>sync</a:t>
+            </a:r>
+            <a:endParaRPr lang="en-US" sz="1600" dirty="0"/>
+          </a:p>
+        </p:txBody>
+      </p:sp>
+      <p:sp>
+        <p:nvSpPr>
+          <p:cNvPr id="10" name="TextBox 9"/>
+          <p:cNvSpPr txBox="1"/>
+          <p:nvPr/>
+        </p:nvSpPr>
+        <p:spPr>
+          <a:xfrm>
+            <a:off x="2542628" y="4800689"/>
+            <a:ext cx="714158" cy="830997"/>
+          </a:xfrm>
+          <a:prstGeom prst="rect">
+            <a:avLst/>
+          </a:prstGeom>
+          <a:noFill/>
+        </p:spPr>
+        <p:txBody>
+          <a:bodyPr wrap="none" rtlCol="0">
+            <a:spAutoFit/>
+          </a:bodyPr>
+          <a:lstStyle/>
+          <a:p>
+            <a:r>
+              <a:rPr lang="en-US" sz="1600" dirty="0"/>
+              <a:t>c</a:t>
+            </a:r>
+            <a:r>
+              <a:rPr lang="en-US" sz="1600" dirty="0" smtClean="0"/>
+              <a:t>reate</a:t>
+            </a:r>
+          </a:p>
+          <a:p>
+            <a:r>
+              <a:rPr lang="en-US" sz="1600" dirty="0" smtClean="0"/>
+              <a:t>fetch</a:t>
+            </a:r>
+          </a:p>
+          <a:p>
+            <a:r>
+              <a:rPr lang="en-US" sz="1600" strike="sngStrike" dirty="0" smtClean="0"/>
+              <a:t>save</a:t>
+            </a:r>
+          </a:p>
+        </p:txBody>
+      </p:sp>
+      <p:sp>
+        <p:nvSpPr>
+          <p:cNvPr id="12" name="TextBox 11"/>
+          <p:cNvSpPr txBox="1"/>
+          <p:nvPr/>
+        </p:nvSpPr>
+        <p:spPr>
+          <a:xfrm>
+            <a:off x="1921956" y="1649621"/>
+            <a:ext cx="727145" cy="369332"/>
+          </a:xfrm>
+          <a:prstGeom prst="rect">
+            <a:avLst/>
+          </a:prstGeom>
+          <a:noFill/>
+        </p:spPr>
+        <p:txBody>
+          <a:bodyPr wrap="none" rtlCol="0">
+            <a:spAutoFit/>
+          </a:bodyPr>
+          <a:lstStyle/>
+          <a:p>
+            <a:r>
+              <a:rPr lang="en-US" dirty="0" smtClean="0"/>
+              <a:t>Client</a:t>
+            </a:r>
+            <a:endParaRPr lang="en-US" dirty="0"/>
+          </a:p>
+        </p:txBody>
+      </p:sp>
+      <p:sp>
+        <p:nvSpPr>
+          <p:cNvPr id="14" name="TextBox 13"/>
+          <p:cNvSpPr txBox="1"/>
+          <p:nvPr/>
+        </p:nvSpPr>
+        <p:spPr>
+          <a:xfrm>
+            <a:off x="1398921" y="4917223"/>
+            <a:ext cx="411090" cy="338554"/>
+          </a:xfrm>
+          <a:prstGeom prst="rect">
+            <a:avLst/>
+          </a:prstGeom>
+          <a:noFill/>
+        </p:spPr>
+        <p:txBody>
+          <a:bodyPr wrap="none" rtlCol="0">
+            <a:spAutoFit/>
+          </a:bodyPr>
+          <a:lstStyle/>
+          <a:p>
+            <a:r>
+              <a:rPr lang="en-US" sz="1600" dirty="0" err="1" smtClean="0"/>
+              <a:t>url</a:t>
+            </a:r>
+            <a:endParaRPr lang="en-US" sz="1600" dirty="0"/>
+          </a:p>
+        </p:txBody>
+      </p:sp>
+      <p:sp>
+        <p:nvSpPr>
+          <p:cNvPr id="17" name="TextBox 16"/>
+          <p:cNvSpPr txBox="1"/>
+          <p:nvPr/>
+        </p:nvSpPr>
+        <p:spPr>
+          <a:xfrm>
+            <a:off x="186098" y="2514298"/>
+            <a:ext cx="825166" cy="1569660"/>
+          </a:xfrm>
+          <a:prstGeom prst="rect">
+            <a:avLst/>
+          </a:prstGeom>
+          <a:noFill/>
+        </p:spPr>
+        <p:txBody>
+          <a:bodyPr wrap="none" rtlCol="0">
+            <a:spAutoFit/>
+          </a:bodyPr>
+          <a:lstStyle/>
+          <a:p>
+            <a:r>
+              <a:rPr lang="en-US" sz="1600" dirty="0" smtClean="0"/>
+              <a:t>add</a:t>
+            </a:r>
+          </a:p>
+          <a:p>
+            <a:r>
+              <a:rPr lang="en-US" sz="1600" dirty="0"/>
+              <a:t>r</a:t>
+            </a:r>
+            <a:r>
+              <a:rPr lang="en-US" sz="1600" dirty="0" smtClean="0"/>
+              <a:t>emove</a:t>
+            </a:r>
+          </a:p>
+          <a:p>
+            <a:r>
+              <a:rPr lang="en-US" sz="1600" dirty="0"/>
+              <a:t>s</a:t>
+            </a:r>
+            <a:r>
+              <a:rPr lang="en-US" sz="1600" dirty="0" smtClean="0"/>
+              <a:t>et</a:t>
+            </a:r>
+          </a:p>
+          <a:p>
+            <a:r>
+              <a:rPr lang="en-US" sz="1600" dirty="0"/>
+              <a:t>a</a:t>
+            </a:r>
+            <a:r>
+              <a:rPr lang="en-US" sz="1600" dirty="0" smtClean="0"/>
+              <a:t>t</a:t>
+            </a:r>
+          </a:p>
+          <a:p>
+            <a:r>
+              <a:rPr lang="en-US" sz="1600" dirty="0"/>
+              <a:t>r</a:t>
+            </a:r>
+            <a:r>
+              <a:rPr lang="en-US" sz="1600" dirty="0" smtClean="0"/>
+              <a:t>eset</a:t>
+            </a:r>
+          </a:p>
+          <a:p>
+            <a:r>
+              <a:rPr lang="en-US" sz="1600" dirty="0" smtClean="0"/>
+              <a:t>models</a:t>
+            </a:r>
+          </a:p>
+        </p:txBody>
+      </p:sp>
+      <p:sp>
+        <p:nvSpPr>
+          <p:cNvPr id="19" name="Rounded Rectangle 18"/>
+          <p:cNvSpPr/>
+          <p:nvPr/>
+        </p:nvSpPr>
+        <p:spPr>
+          <a:xfrm>
+            <a:off x="1269959" y="2701977"/>
+            <a:ext cx="1951550" cy="656367"/>
+          </a:xfrm>
+          <a:prstGeom prst="roundRect">
+            <a:avLst/>
+          </a:prstGeom>
+        </p:spPr>
+        <p:style>
+          <a:lnRef idx="1">
+            <a:schemeClr val="accent1"/>
+          </a:lnRef>
+          <a:fillRef idx="3">
+            <a:schemeClr val="accent1"/>
+          </a:fillRef>
+          <a:effectRef idx="2">
+            <a:schemeClr val="accent1"/>
+          </a:effectRef>
+          <a:fontRef idx="minor">
+            <a:schemeClr val="lt1"/>
+          </a:fontRef>
+        </p:style>
+        <p:txBody>
+          <a:bodyPr rtlCol="0" anchor="ctr"/>
+          <a:lstStyle/>
+          <a:p>
+            <a:pPr algn="ctr"/>
+            <a:r>
+              <a:rPr lang="en-US" dirty="0" err="1" smtClean="0"/>
+              <a:t>Backbone.Model</a:t>
+            </a:r>
+            <a:endParaRPr lang="en-US" dirty="0"/>
+          </a:p>
+        </p:txBody>
+      </p:sp>
+      <p:sp>
+        <p:nvSpPr>
+          <p:cNvPr id="20" name="Rounded Rectangle 19"/>
+          <p:cNvSpPr/>
+          <p:nvPr/>
+        </p:nvSpPr>
+        <p:spPr>
+          <a:xfrm>
+            <a:off x="1305236" y="3539368"/>
+            <a:ext cx="1951550" cy="656367"/>
+          </a:xfrm>
+          <a:prstGeom prst="roundRect">
+            <a:avLst/>
+          </a:prstGeom>
+        </p:spPr>
+        <p:style>
+          <a:lnRef idx="1">
+            <a:schemeClr val="accent1"/>
+          </a:lnRef>
+          <a:fillRef idx="3">
+            <a:schemeClr val="accent1"/>
+          </a:fillRef>
+          <a:effectRef idx="2">
+            <a:schemeClr val="accent1"/>
+          </a:effectRef>
+          <a:fontRef idx="minor">
+            <a:schemeClr val="lt1"/>
+          </a:fontRef>
+        </p:style>
+        <p:txBody>
+          <a:bodyPr rtlCol="0" anchor="ctr"/>
+          <a:lstStyle/>
+          <a:p>
+            <a:pPr algn="ctr"/>
+            <a:r>
+              <a:rPr lang="en-US" dirty="0" err="1" smtClean="0"/>
+              <a:t>Backbone.Model</a:t>
+            </a:r>
+            <a:endParaRPr lang="en-US" dirty="0"/>
+          </a:p>
+        </p:txBody>
+      </p:sp>
+      <p:sp>
+        <p:nvSpPr>
+          <p:cNvPr id="21" name="TextBox 20"/>
+          <p:cNvSpPr txBox="1"/>
+          <p:nvPr/>
+        </p:nvSpPr>
+        <p:spPr>
+          <a:xfrm>
+            <a:off x="2127501" y="4301670"/>
+            <a:ext cx="344039" cy="369332"/>
+          </a:xfrm>
+          <a:prstGeom prst="rect">
+            <a:avLst/>
+          </a:prstGeom>
+          <a:noFill/>
+        </p:spPr>
+        <p:txBody>
+          <a:bodyPr wrap="none" rtlCol="0">
+            <a:spAutoFit/>
+          </a:bodyPr>
+          <a:lstStyle/>
+          <a:p>
+            <a:r>
+              <a:rPr lang="en-US" dirty="0" smtClean="0"/>
+              <a:t>…</a:t>
+            </a:r>
+            <a:endParaRPr lang="en-US" dirty="0"/>
+          </a:p>
+        </p:txBody>
+      </p:sp>
+      <p:cxnSp>
+        <p:nvCxnSpPr>
+          <p:cNvPr id="24" name="Straight Arrow Connector 23"/>
+          <p:cNvCxnSpPr>
+            <a:stCxn id="20" idx="3"/>
+            <a:endCxn id="6" idx="2"/>
+          </p:cNvCxnSpPr>
+          <p:nvPr/>
+        </p:nvCxnSpPr>
+        <p:spPr>
+          <a:xfrm flipV="1">
+            <a:off x="3256786" y="2487067"/>
+            <a:ext cx="724019" cy="1380485"/>
+          </a:xfrm>
+          <a:prstGeom prst="straightConnector1">
+            <a:avLst/>
+          </a:prstGeom>
+          <a:ln>
+            <a:tailEnd type="arrow"/>
+          </a:ln>
+        </p:spPr>
+        <p:style>
+          <a:lnRef idx="2">
+            <a:schemeClr val="dk1"/>
+          </a:lnRef>
+          <a:fillRef idx="0">
+            <a:schemeClr val="dk1"/>
+          </a:fillRef>
+          <a:effectRef idx="1">
+            <a:schemeClr val="dk1"/>
+          </a:effectRef>
+          <a:fontRef idx="minor">
+            <a:schemeClr val="tx1"/>
+          </a:fontRef>
+        </p:style>
+      </p:cxnSp>
+      <p:sp>
+        <p:nvSpPr>
+          <p:cNvPr id="43" name="TextBox 42"/>
+          <p:cNvSpPr txBox="1"/>
+          <p:nvPr/>
+        </p:nvSpPr>
+        <p:spPr>
+          <a:xfrm>
+            <a:off x="4432670" y="4255503"/>
+            <a:ext cx="2277887" cy="830997"/>
+          </a:xfrm>
+          <a:prstGeom prst="rect">
+            <a:avLst/>
+          </a:prstGeom>
+          <a:noFill/>
+        </p:spPr>
+        <p:txBody>
+          <a:bodyPr wrap="none" rtlCol="0">
+            <a:spAutoFit/>
+          </a:bodyPr>
+          <a:lstStyle/>
+          <a:p>
+            <a:r>
+              <a:rPr lang="en-US" sz="1600" b="1" dirty="0" smtClean="0">
+                <a:solidFill>
+                  <a:schemeClr val="tx1"/>
+                </a:solidFill>
+                <a:latin typeface="Courier New"/>
+                <a:cs typeface="Courier New"/>
+              </a:rPr>
+              <a:t>/[</a:t>
+            </a:r>
+            <a:r>
+              <a:rPr lang="en-US" sz="1600" b="1" dirty="0" err="1" smtClean="0">
+                <a:solidFill>
+                  <a:schemeClr val="tx1"/>
+                </a:solidFill>
+                <a:latin typeface="Courier New"/>
+                <a:cs typeface="Courier New"/>
+              </a:rPr>
+              <a:t>collection.url</a:t>
+            </a:r>
+            <a:r>
+              <a:rPr lang="en-US" sz="1600" b="1" dirty="0" smtClean="0">
+                <a:solidFill>
+                  <a:schemeClr val="tx1"/>
+                </a:solidFill>
+                <a:latin typeface="Courier New"/>
+                <a:cs typeface="Courier New"/>
+              </a:rPr>
+              <a:t>] </a:t>
+            </a:r>
+            <a:endParaRPr lang="en-US" sz="1600" dirty="0" smtClean="0"/>
+          </a:p>
+          <a:p>
+            <a:pPr lvl="1"/>
+            <a:r>
+              <a:rPr lang="en-US" sz="1600" dirty="0" smtClean="0"/>
+              <a:t>POST (create)</a:t>
+            </a:r>
+          </a:p>
+          <a:p>
+            <a:pPr lvl="1"/>
+            <a:r>
+              <a:rPr lang="en-US" sz="1600" dirty="0" smtClean="0"/>
+              <a:t>GET (read)</a:t>
+            </a:r>
+          </a:p>
+        </p:txBody>
+      </p:sp>
+      <p:cxnSp>
+        <p:nvCxnSpPr>
+          <p:cNvPr id="44" name="Straight Connector 43"/>
+          <p:cNvCxnSpPr/>
+          <p:nvPr/>
+        </p:nvCxnSpPr>
+        <p:spPr>
+          <a:xfrm flipH="1">
+            <a:off x="4209676" y="4240872"/>
+            <a:ext cx="2881357" cy="0"/>
+          </a:xfrm>
+          <a:prstGeom prst="line">
+            <a:avLst/>
+          </a:prstGeom>
+        </p:spPr>
+        <p:style>
+          <a:lnRef idx="1">
+            <a:schemeClr val="dk1"/>
+          </a:lnRef>
+          <a:fillRef idx="3">
+            <a:schemeClr val="dk1"/>
+          </a:fillRef>
+          <a:effectRef idx="2">
+            <a:schemeClr val="dk1"/>
+          </a:effectRef>
+          <a:fontRef idx="minor">
+            <a:schemeClr val="lt1"/>
+          </a:fontRef>
+        </p:style>
+      </p:cxnSp>
+      <p:sp>
+        <p:nvSpPr>
+          <p:cNvPr id="45" name="Oval 44"/>
+          <p:cNvSpPr/>
+          <p:nvPr/>
+        </p:nvSpPr>
+        <p:spPr>
+          <a:xfrm>
+            <a:off x="3980803" y="4080635"/>
+            <a:ext cx="228872" cy="230199"/>
+          </a:xfrm>
+          <a:prstGeom prst="ellipse">
+            <a:avLst/>
+          </a:prstGeom>
+        </p:spPr>
+        <p:style>
+          <a:lnRef idx="1">
+            <a:schemeClr val="dk1"/>
+          </a:lnRef>
+          <a:fillRef idx="3">
+            <a:schemeClr val="dk1"/>
+          </a:fillRef>
+          <a:effectRef idx="2">
+            <a:schemeClr val="dk1"/>
+          </a:effectRef>
+          <a:fontRef idx="minor">
+            <a:schemeClr val="lt1"/>
+          </a:fontRef>
+        </p:style>
+        <p:txBody>
+          <a:bodyPr rtlCol="0" anchor="ctr"/>
+          <a:lstStyle/>
+          <a:p>
+            <a:pPr algn="ctr"/>
+            <a:endParaRPr lang="en-US"/>
+          </a:p>
+        </p:txBody>
+      </p:sp>
+      <p:cxnSp>
+        <p:nvCxnSpPr>
+          <p:cNvPr id="48" name="Straight Arrow Connector 47"/>
+          <p:cNvCxnSpPr>
+            <a:endCxn id="45" idx="2"/>
+          </p:cNvCxnSpPr>
+          <p:nvPr/>
+        </p:nvCxnSpPr>
+        <p:spPr>
+          <a:xfrm>
+            <a:off x="3551181" y="4195735"/>
+            <a:ext cx="429622" cy="0"/>
+          </a:xfrm>
+          <a:prstGeom prst="straightConnector1">
+            <a:avLst/>
+          </a:prstGeom>
+          <a:ln>
+            <a:tailEnd type="arrow"/>
+          </a:ln>
+        </p:spPr>
+        <p:style>
+          <a:lnRef idx="2">
+            <a:schemeClr val="dk1"/>
+          </a:lnRef>
+          <a:fillRef idx="0">
+            <a:schemeClr val="dk1"/>
+          </a:fillRef>
+          <a:effectRef idx="1">
+            <a:schemeClr val="dk1"/>
+          </a:effectRef>
+          <a:fontRef idx="minor">
+            <a:schemeClr val="tx1"/>
+          </a:fontRef>
+        </p:style>
+      </p:cxnSp>
+    </p:spTree>
+    <p:extLst>
+      <p:ext uri="{BB962C8B-B14F-4D97-AF65-F5344CB8AC3E}">
         <p14:creationId xmlns:p14="http://schemas.microsoft.com/office/powerpoint/2010/main" val="2772844084"/>
+      </p:ext>
+    </p:extLst>
+  </p:cSld>
+  <p:clrMapOvr>
+    <a:masterClrMapping/>
+  </p:clrMapOvr>
+</p:sld>
+</file>
+
+<file path=ppt/slides/slide9.xml><?xml version="1.0" encoding="utf-8"?>
+<p:sld xmlns:a="http://schemas.openxmlformats.org/drawingml/2006/main" xmlns:r="http://schemas.openxmlformats.org/officeDocument/2006/relationships" xmlns:p="http://schemas.openxmlformats.org/presentationml/2006/main">
+  <p:cSld>
+    <p:spTree>
+      <p:nvGrpSpPr>
+        <p:cNvPr id="1" name=""/>
+        <p:cNvGrpSpPr/>
+        <p:nvPr/>
+      </p:nvGrpSpPr>
+      <p:grpSpPr>
+        <a:xfrm>
+          <a:off x="0" y="0"/>
+          <a:ext cx="0" cy="0"/>
+          <a:chOff x="0" y="0"/>
+          <a:chExt cx="0" cy="0"/>
+        </a:xfrm>
+      </p:grpSpPr>
+      <p:sp>
+        <p:nvSpPr>
+          <p:cNvPr id="2" name="Rounded Rectangle 1"/>
+          <p:cNvSpPr/>
+          <p:nvPr/>
+        </p:nvSpPr>
+        <p:spPr>
+          <a:xfrm>
+            <a:off x="2022528" y="3433409"/>
+            <a:ext cx="1869662" cy="670220"/>
+          </a:xfrm>
+          <a:prstGeom prst="roundRect">
+            <a:avLst/>
+          </a:prstGeom>
+        </p:spPr>
+        <p:style>
+          <a:lnRef idx="1">
+            <a:schemeClr val="accent1"/>
+          </a:lnRef>
+          <a:fillRef idx="3">
+            <a:schemeClr val="accent1"/>
+          </a:fillRef>
+          <a:effectRef idx="2">
+            <a:schemeClr val="accent1"/>
+          </a:effectRef>
+          <a:fontRef idx="minor">
+            <a:schemeClr val="lt1"/>
+          </a:fontRef>
+        </p:style>
+        <p:txBody>
+          <a:bodyPr rtlCol="0" anchor="ctr"/>
+          <a:lstStyle/>
+          <a:p>
+            <a:pPr algn="ctr"/>
+            <a:r>
+              <a:rPr lang="en-US" dirty="0" err="1" smtClean="0"/>
+              <a:t>Backbone.Model</a:t>
+            </a:r>
+            <a:endParaRPr lang="en-US" dirty="0"/>
+          </a:p>
+        </p:txBody>
+      </p:sp>
+      <p:sp>
+        <p:nvSpPr>
+          <p:cNvPr id="3" name="Rounded Rectangle 2"/>
+          <p:cNvSpPr/>
+          <p:nvPr/>
+        </p:nvSpPr>
+        <p:spPr>
+          <a:xfrm>
+            <a:off x="4503186" y="3386376"/>
+            <a:ext cx="2258170" cy="670220"/>
+          </a:xfrm>
+          <a:prstGeom prst="roundRect">
+            <a:avLst/>
+          </a:prstGeom>
+        </p:spPr>
+        <p:style>
+          <a:lnRef idx="1">
+            <a:schemeClr val="accent1"/>
+          </a:lnRef>
+          <a:fillRef idx="3">
+            <a:schemeClr val="accent1"/>
+          </a:fillRef>
+          <a:effectRef idx="2">
+            <a:schemeClr val="accent1"/>
+          </a:effectRef>
+          <a:fontRef idx="minor">
+            <a:schemeClr val="lt1"/>
+          </a:fontRef>
+        </p:style>
+        <p:txBody>
+          <a:bodyPr rtlCol="0" anchor="ctr"/>
+          <a:lstStyle/>
+          <a:p>
+            <a:pPr algn="ctr"/>
+            <a:r>
+              <a:rPr lang="en-US" dirty="0" err="1" smtClean="0"/>
+              <a:t>Backbone.Collection</a:t>
+            </a:r>
+            <a:endParaRPr lang="en-US" dirty="0"/>
+          </a:p>
+        </p:txBody>
+      </p:sp>
+      <p:sp>
+        <p:nvSpPr>
+          <p:cNvPr id="4" name="TextBox 3"/>
+          <p:cNvSpPr txBox="1"/>
+          <p:nvPr/>
+        </p:nvSpPr>
+        <p:spPr>
+          <a:xfrm>
+            <a:off x="1904939" y="4259623"/>
+            <a:ext cx="2401018" cy="830997"/>
+          </a:xfrm>
+          <a:prstGeom prst="rect">
+            <a:avLst/>
+          </a:prstGeom>
+          <a:noFill/>
+        </p:spPr>
+        <p:txBody>
+          <a:bodyPr wrap="none" rtlCol="0">
+            <a:spAutoFit/>
+          </a:bodyPr>
+          <a:lstStyle/>
+          <a:p>
+            <a:r>
+              <a:rPr lang="en-US" sz="1600" dirty="0" smtClean="0"/>
+              <a:t>Events:</a:t>
+            </a:r>
+          </a:p>
+          <a:p>
+            <a:r>
+              <a:rPr lang="en-US" sz="1600" dirty="0" smtClean="0">
+                <a:latin typeface="Courier New"/>
+                <a:cs typeface="Courier New"/>
+              </a:rPr>
+              <a:t>change</a:t>
+            </a:r>
+          </a:p>
+          <a:p>
+            <a:r>
+              <a:rPr lang="en-US" sz="1600" dirty="0">
+                <a:latin typeface="Courier New"/>
+                <a:cs typeface="Courier New"/>
+              </a:rPr>
+              <a:t>c</a:t>
+            </a:r>
+            <a:r>
+              <a:rPr lang="en-US" sz="1600" dirty="0" smtClean="0">
+                <a:latin typeface="Courier New"/>
+                <a:cs typeface="Courier New"/>
+              </a:rPr>
+              <a:t>hange:[attribute]</a:t>
+            </a:r>
+            <a:endParaRPr lang="en-US" sz="1600" dirty="0">
+              <a:latin typeface="Courier New"/>
+              <a:cs typeface="Courier New"/>
+            </a:endParaRPr>
+          </a:p>
+        </p:txBody>
+      </p:sp>
+      <p:cxnSp>
+        <p:nvCxnSpPr>
+          <p:cNvPr id="6" name="Straight Arrow Connector 5"/>
+          <p:cNvCxnSpPr>
+            <a:stCxn id="2" idx="0"/>
+          </p:cNvCxnSpPr>
+          <p:nvPr/>
+        </p:nvCxnSpPr>
+        <p:spPr>
+          <a:xfrm flipV="1">
+            <a:off x="2957359" y="2551541"/>
+            <a:ext cx="5879" cy="881868"/>
+          </a:xfrm>
+          <a:prstGeom prst="straightConnector1">
+            <a:avLst/>
+          </a:prstGeom>
+          <a:ln>
+            <a:tailEnd type="arrow"/>
+          </a:ln>
+        </p:spPr>
+        <p:style>
+          <a:lnRef idx="2">
+            <a:schemeClr val="dk1"/>
+          </a:lnRef>
+          <a:fillRef idx="0">
+            <a:schemeClr val="dk1"/>
+          </a:fillRef>
+          <a:effectRef idx="1">
+            <a:schemeClr val="dk1"/>
+          </a:effectRef>
+          <a:fontRef idx="minor">
+            <a:schemeClr val="tx1"/>
+          </a:fontRef>
+        </p:style>
+      </p:cxnSp>
+      <p:cxnSp>
+        <p:nvCxnSpPr>
+          <p:cNvPr id="7" name="Straight Connector 6"/>
+          <p:cNvCxnSpPr/>
+          <p:nvPr/>
+        </p:nvCxnSpPr>
+        <p:spPr>
+          <a:xfrm flipH="1">
+            <a:off x="1587449" y="3750487"/>
+            <a:ext cx="435079" cy="0"/>
+          </a:xfrm>
+          <a:prstGeom prst="line">
+            <a:avLst/>
+          </a:prstGeom>
+        </p:spPr>
+        <p:style>
+          <a:lnRef idx="1">
+            <a:schemeClr val="dk1"/>
+          </a:lnRef>
+          <a:fillRef idx="3">
+            <a:schemeClr val="dk1"/>
+          </a:fillRef>
+          <a:effectRef idx="2">
+            <a:schemeClr val="dk1"/>
+          </a:effectRef>
+          <a:fontRef idx="minor">
+            <a:schemeClr val="lt1"/>
+          </a:fontRef>
+        </p:style>
+      </p:cxnSp>
+      <p:sp>
+        <p:nvSpPr>
+          <p:cNvPr id="8" name="Oval 7"/>
+          <p:cNvSpPr/>
+          <p:nvPr/>
+        </p:nvSpPr>
+        <p:spPr>
+          <a:xfrm>
+            <a:off x="1358577" y="3653419"/>
+            <a:ext cx="228872" cy="230199"/>
+          </a:xfrm>
+          <a:prstGeom prst="ellipse">
+            <a:avLst/>
+          </a:prstGeom>
+        </p:spPr>
+        <p:style>
+          <a:lnRef idx="1">
+            <a:schemeClr val="dk1"/>
+          </a:lnRef>
+          <a:fillRef idx="3">
+            <a:schemeClr val="dk1"/>
+          </a:fillRef>
+          <a:effectRef idx="2">
+            <a:schemeClr val="dk1"/>
+          </a:effectRef>
+          <a:fontRef idx="minor">
+            <a:schemeClr val="lt1"/>
+          </a:fontRef>
+        </p:style>
+        <p:txBody>
+          <a:bodyPr rtlCol="0" anchor="ctr"/>
+          <a:lstStyle/>
+          <a:p>
+            <a:pPr algn="ctr"/>
+            <a:endParaRPr lang="en-US"/>
+          </a:p>
+        </p:txBody>
+      </p:sp>
+      <p:sp>
+        <p:nvSpPr>
+          <p:cNvPr id="11" name="TextBox 10"/>
+          <p:cNvSpPr txBox="1"/>
+          <p:nvPr/>
+        </p:nvSpPr>
+        <p:spPr>
+          <a:xfrm>
+            <a:off x="426379" y="3114810"/>
+            <a:ext cx="1443284" cy="1077218"/>
+          </a:xfrm>
+          <a:prstGeom prst="rect">
+            <a:avLst/>
+          </a:prstGeom>
+          <a:noFill/>
+        </p:spPr>
+        <p:txBody>
+          <a:bodyPr wrap="square" rtlCol="0">
+            <a:spAutoFit/>
+          </a:bodyPr>
+          <a:lstStyle/>
+          <a:p>
+            <a:r>
+              <a:rPr lang="en-US" sz="1600" dirty="0" smtClean="0"/>
+              <a:t>Register / Unregister</a:t>
+            </a:r>
+          </a:p>
+          <a:p>
+            <a:r>
+              <a:rPr lang="en-US" sz="1600" dirty="0" smtClean="0">
+                <a:latin typeface="Courier New"/>
+                <a:cs typeface="Courier New"/>
+              </a:rPr>
+              <a:t>on</a:t>
+            </a:r>
+          </a:p>
+          <a:p>
+            <a:r>
+              <a:rPr lang="en-US" sz="1600" dirty="0" smtClean="0">
+                <a:latin typeface="Courier New"/>
+                <a:cs typeface="Courier New"/>
+              </a:rPr>
+              <a:t>off</a:t>
+            </a:r>
+          </a:p>
+        </p:txBody>
+      </p:sp>
+      <p:sp>
+        <p:nvSpPr>
+          <p:cNvPr id="12" name="TextBox 11"/>
+          <p:cNvSpPr txBox="1"/>
+          <p:nvPr/>
+        </p:nvSpPr>
+        <p:spPr>
+          <a:xfrm>
+            <a:off x="2963238" y="2438785"/>
+            <a:ext cx="2669033" cy="369332"/>
+          </a:xfrm>
+          <a:prstGeom prst="rect">
+            <a:avLst/>
+          </a:prstGeom>
+          <a:noFill/>
+        </p:spPr>
+        <p:txBody>
+          <a:bodyPr wrap="square" rtlCol="0">
+            <a:spAutoFit/>
+          </a:bodyPr>
+          <a:lstStyle/>
+          <a:p>
+            <a:pPr algn="ctr"/>
+            <a:r>
+              <a:rPr lang="en-US" dirty="0" smtClean="0"/>
+              <a:t>Notify via a callback</a:t>
+            </a:r>
+            <a:endParaRPr lang="en-US" dirty="0"/>
+          </a:p>
+        </p:txBody>
+      </p:sp>
+      <p:sp>
+        <p:nvSpPr>
+          <p:cNvPr id="13" name="TextBox 12"/>
+          <p:cNvSpPr txBox="1"/>
+          <p:nvPr/>
+        </p:nvSpPr>
+        <p:spPr>
+          <a:xfrm>
+            <a:off x="4503186" y="4259623"/>
+            <a:ext cx="2401018" cy="1323439"/>
+          </a:xfrm>
+          <a:prstGeom prst="rect">
+            <a:avLst/>
+          </a:prstGeom>
+          <a:noFill/>
+        </p:spPr>
+        <p:txBody>
+          <a:bodyPr wrap="none" rtlCol="0">
+            <a:spAutoFit/>
+          </a:bodyPr>
+          <a:lstStyle/>
+          <a:p>
+            <a:r>
+              <a:rPr lang="en-US" sz="1600" dirty="0" smtClean="0"/>
+              <a:t>Events:</a:t>
+            </a:r>
+          </a:p>
+          <a:p>
+            <a:r>
+              <a:rPr lang="en-US" sz="1600" dirty="0" smtClean="0">
+                <a:latin typeface="Courier New"/>
+                <a:cs typeface="Courier New"/>
+              </a:rPr>
+              <a:t>change</a:t>
+            </a:r>
+          </a:p>
+          <a:p>
+            <a:r>
+              <a:rPr lang="en-US" sz="1600" dirty="0">
+                <a:latin typeface="Courier New"/>
+                <a:cs typeface="Courier New"/>
+              </a:rPr>
+              <a:t>c</a:t>
+            </a:r>
+            <a:r>
+              <a:rPr lang="en-US" sz="1600" dirty="0" smtClean="0">
+                <a:latin typeface="Courier New"/>
+                <a:cs typeface="Courier New"/>
+              </a:rPr>
+              <a:t>hange:[attribute]</a:t>
+            </a:r>
+          </a:p>
+          <a:p>
+            <a:r>
+              <a:rPr lang="en-US" sz="1600" dirty="0">
+                <a:latin typeface="Courier New"/>
+                <a:cs typeface="Courier New"/>
+              </a:rPr>
+              <a:t>a</a:t>
+            </a:r>
+            <a:r>
+              <a:rPr lang="en-US" sz="1600" dirty="0" smtClean="0">
+                <a:latin typeface="Courier New"/>
+                <a:cs typeface="Courier New"/>
+              </a:rPr>
+              <a:t>dd</a:t>
+            </a:r>
+          </a:p>
+          <a:p>
+            <a:r>
+              <a:rPr lang="en-US" sz="1600" dirty="0" smtClean="0">
+                <a:latin typeface="Courier New"/>
+                <a:cs typeface="Courier New"/>
+              </a:rPr>
+              <a:t>remove</a:t>
+            </a:r>
+            <a:endParaRPr lang="en-US" sz="1600" dirty="0">
+              <a:latin typeface="Courier New"/>
+              <a:cs typeface="Courier New"/>
+            </a:endParaRPr>
+          </a:p>
+        </p:txBody>
+      </p:sp>
+      <p:cxnSp>
+        <p:nvCxnSpPr>
+          <p:cNvPr id="14" name="Straight Arrow Connector 13"/>
+          <p:cNvCxnSpPr>
+            <a:stCxn id="3" idx="0"/>
+          </p:cNvCxnSpPr>
+          <p:nvPr/>
+        </p:nvCxnSpPr>
+        <p:spPr>
+          <a:xfrm flipV="1">
+            <a:off x="5632271" y="2504508"/>
+            <a:ext cx="0" cy="881868"/>
+          </a:xfrm>
+          <a:prstGeom prst="straightConnector1">
+            <a:avLst/>
+          </a:prstGeom>
+          <a:ln>
+            <a:tailEnd type="arrow"/>
+          </a:ln>
+        </p:spPr>
+        <p:style>
+          <a:lnRef idx="2">
+            <a:schemeClr val="dk1"/>
+          </a:lnRef>
+          <a:fillRef idx="0">
+            <a:schemeClr val="dk1"/>
+          </a:fillRef>
+          <a:effectRef idx="1">
+            <a:schemeClr val="dk1"/>
+          </a:effectRef>
+          <a:fontRef idx="minor">
+            <a:schemeClr val="tx1"/>
+          </a:fontRef>
+        </p:style>
+      </p:cxnSp>
+      <p:cxnSp>
+        <p:nvCxnSpPr>
+          <p:cNvPr id="17" name="Straight Connector 16"/>
+          <p:cNvCxnSpPr>
+            <a:endCxn id="3" idx="3"/>
+          </p:cNvCxnSpPr>
+          <p:nvPr/>
+        </p:nvCxnSpPr>
+        <p:spPr>
+          <a:xfrm flipH="1">
+            <a:off x="6761356" y="3721486"/>
+            <a:ext cx="329249" cy="0"/>
+          </a:xfrm>
+          <a:prstGeom prst="line">
+            <a:avLst/>
+          </a:prstGeom>
+        </p:spPr>
+        <p:style>
+          <a:lnRef idx="1">
+            <a:schemeClr val="dk1"/>
+          </a:lnRef>
+          <a:fillRef idx="3">
+            <a:schemeClr val="dk1"/>
+          </a:fillRef>
+          <a:effectRef idx="2">
+            <a:schemeClr val="dk1"/>
+          </a:effectRef>
+          <a:fontRef idx="minor">
+            <a:schemeClr val="lt1"/>
+          </a:fontRef>
+        </p:style>
+      </p:cxnSp>
+      <p:sp>
+        <p:nvSpPr>
+          <p:cNvPr id="18" name="Oval 17"/>
+          <p:cNvSpPr/>
+          <p:nvPr/>
+        </p:nvSpPr>
+        <p:spPr>
+          <a:xfrm>
+            <a:off x="7090605" y="3606386"/>
+            <a:ext cx="228872" cy="230199"/>
+          </a:xfrm>
+          <a:prstGeom prst="ellipse">
+            <a:avLst/>
+          </a:prstGeom>
+        </p:spPr>
+        <p:style>
+          <a:lnRef idx="1">
+            <a:schemeClr val="dk1"/>
+          </a:lnRef>
+          <a:fillRef idx="3">
+            <a:schemeClr val="dk1"/>
+          </a:fillRef>
+          <a:effectRef idx="2">
+            <a:schemeClr val="dk1"/>
+          </a:effectRef>
+          <a:fontRef idx="minor">
+            <a:schemeClr val="lt1"/>
+          </a:fontRef>
+        </p:style>
+        <p:txBody>
+          <a:bodyPr rtlCol="0" anchor="ctr"/>
+          <a:lstStyle/>
+          <a:p>
+            <a:pPr algn="ctr"/>
+            <a:endParaRPr lang="en-US"/>
+          </a:p>
+        </p:txBody>
+      </p:sp>
+      <p:sp>
+        <p:nvSpPr>
+          <p:cNvPr id="24" name="TextBox 23"/>
+          <p:cNvSpPr txBox="1"/>
+          <p:nvPr/>
+        </p:nvSpPr>
+        <p:spPr>
+          <a:xfrm>
+            <a:off x="7319477" y="3114810"/>
+            <a:ext cx="1443284" cy="1077218"/>
+          </a:xfrm>
+          <a:prstGeom prst="rect">
+            <a:avLst/>
+          </a:prstGeom>
+          <a:noFill/>
+        </p:spPr>
+        <p:txBody>
+          <a:bodyPr wrap="square" rtlCol="0">
+            <a:spAutoFit/>
+          </a:bodyPr>
+          <a:lstStyle/>
+          <a:p>
+            <a:r>
+              <a:rPr lang="en-US" sz="1600" dirty="0" smtClean="0"/>
+              <a:t>Register / Unregister</a:t>
+            </a:r>
+          </a:p>
+          <a:p>
+            <a:r>
+              <a:rPr lang="en-US" sz="1600" dirty="0" smtClean="0">
+                <a:latin typeface="Courier New"/>
+                <a:cs typeface="Courier New"/>
+              </a:rPr>
+              <a:t>on</a:t>
+            </a:r>
+          </a:p>
+          <a:p>
+            <a:r>
+              <a:rPr lang="en-US" sz="1600" dirty="0" smtClean="0">
+                <a:latin typeface="Courier New"/>
+                <a:cs typeface="Courier New"/>
+              </a:rPr>
+              <a:t>off</a:t>
+            </a:r>
+          </a:p>
+        </p:txBody>
+      </p:sp>
+    </p:spTree>
+    <p:extLst>
+      <p:ext uri="{BB962C8B-B14F-4D97-AF65-F5344CB8AC3E}">
+        <p14:creationId xmlns:p14="http://schemas.microsoft.com/office/powerpoint/2010/main" val="1955793352"/>
       </p:ext>
     </p:extLst>
   </p:cSld>

--- a/docs/diagrams.pptx
+++ b/docs/diagrams.pptx
@@ -5,7 +5,7 @@
     <p:sldMasterId id="2147483648" r:id="rId1"/>
   </p:sldMasterIdLst>
   <p:notesMasterIdLst>
-    <p:notesMasterId r:id="rId15"/>
+    <p:notesMasterId r:id="rId18"/>
   </p:notesMasterIdLst>
   <p:sldIdLst>
     <p:sldId id="256" r:id="rId2"/>
@@ -21,6 +21,9 @@
     <p:sldId id="264" r:id="rId12"/>
     <p:sldId id="265" r:id="rId13"/>
     <p:sldId id="266" r:id="rId14"/>
+    <p:sldId id="269" r:id="rId15"/>
+    <p:sldId id="270" r:id="rId16"/>
+    <p:sldId id="271" r:id="rId17"/>
   </p:sldIdLst>
   <p:sldSz cx="9144000" cy="6858000" type="screen4x3"/>
   <p:notesSz cx="6858000" cy="9144000"/>
@@ -204,7 +207,7 @@
           <a:p>
             <a:fld id="{506A5DBC-B4BE-8745-8D4D-314A9AE71DAF}" type="datetimeFigureOut">
               <a:rPr lang="en-US" smtClean="0"/>
-              <a:t>2/4/12</a:t>
+              <a:t>2/14/12</a:t>
             </a:fld>
             <a:endParaRPr lang="en-US"/>
           </a:p>
@@ -737,7 +740,7 @@
           <a:p>
             <a:fld id="{C8A96B5A-AEDD-3F4A-8AFF-D59A389E47DC}" type="datetimeFigureOut">
               <a:rPr lang="en-US" smtClean="0"/>
-              <a:t>2/4/12</a:t>
+              <a:t>2/14/12</a:t>
             </a:fld>
             <a:endParaRPr lang="en-US"/>
           </a:p>
@@ -907,7 +910,7 @@
           <a:p>
             <a:fld id="{C8A96B5A-AEDD-3F4A-8AFF-D59A389E47DC}" type="datetimeFigureOut">
               <a:rPr lang="en-US" smtClean="0"/>
-              <a:t>2/4/12</a:t>
+              <a:t>2/14/12</a:t>
             </a:fld>
             <a:endParaRPr lang="en-US"/>
           </a:p>
@@ -1087,7 +1090,7 @@
           <a:p>
             <a:fld id="{C8A96B5A-AEDD-3F4A-8AFF-D59A389E47DC}" type="datetimeFigureOut">
               <a:rPr lang="en-US" smtClean="0"/>
-              <a:t>2/4/12</a:t>
+              <a:t>2/14/12</a:t>
             </a:fld>
             <a:endParaRPr lang="en-US"/>
           </a:p>
@@ -1257,7 +1260,7 @@
           <a:p>
             <a:fld id="{C8A96B5A-AEDD-3F4A-8AFF-D59A389E47DC}" type="datetimeFigureOut">
               <a:rPr lang="en-US" smtClean="0"/>
-              <a:t>2/4/12</a:t>
+              <a:t>2/14/12</a:t>
             </a:fld>
             <a:endParaRPr lang="en-US"/>
           </a:p>
@@ -1503,7 +1506,7 @@
           <a:p>
             <a:fld id="{C8A96B5A-AEDD-3F4A-8AFF-D59A389E47DC}" type="datetimeFigureOut">
               <a:rPr lang="en-US" smtClean="0"/>
-              <a:t>2/4/12</a:t>
+              <a:t>2/14/12</a:t>
             </a:fld>
             <a:endParaRPr lang="en-US"/>
           </a:p>
@@ -1791,7 +1794,7 @@
           <a:p>
             <a:fld id="{C8A96B5A-AEDD-3F4A-8AFF-D59A389E47DC}" type="datetimeFigureOut">
               <a:rPr lang="en-US" smtClean="0"/>
-              <a:t>2/4/12</a:t>
+              <a:t>2/14/12</a:t>
             </a:fld>
             <a:endParaRPr lang="en-US"/>
           </a:p>
@@ -2213,7 +2216,7 @@
           <a:p>
             <a:fld id="{C8A96B5A-AEDD-3F4A-8AFF-D59A389E47DC}" type="datetimeFigureOut">
               <a:rPr lang="en-US" smtClean="0"/>
-              <a:t>2/4/12</a:t>
+              <a:t>2/14/12</a:t>
             </a:fld>
             <a:endParaRPr lang="en-US"/>
           </a:p>
@@ -2331,7 +2334,7 @@
           <a:p>
             <a:fld id="{C8A96B5A-AEDD-3F4A-8AFF-D59A389E47DC}" type="datetimeFigureOut">
               <a:rPr lang="en-US" smtClean="0"/>
-              <a:t>2/4/12</a:t>
+              <a:t>2/14/12</a:t>
             </a:fld>
             <a:endParaRPr lang="en-US"/>
           </a:p>
@@ -2426,7 +2429,7 @@
           <a:p>
             <a:fld id="{C8A96B5A-AEDD-3F4A-8AFF-D59A389E47DC}" type="datetimeFigureOut">
               <a:rPr lang="en-US" smtClean="0"/>
-              <a:t>2/4/12</a:t>
+              <a:t>2/14/12</a:t>
             </a:fld>
             <a:endParaRPr lang="en-US"/>
           </a:p>
@@ -2703,7 +2706,7 @@
           <a:p>
             <a:fld id="{C8A96B5A-AEDD-3F4A-8AFF-D59A389E47DC}" type="datetimeFigureOut">
               <a:rPr lang="en-US" smtClean="0"/>
-              <a:t>2/4/12</a:t>
+              <a:t>2/14/12</a:t>
             </a:fld>
             <a:endParaRPr lang="en-US"/>
           </a:p>
@@ -2956,7 +2959,7 @@
           <a:p>
             <a:fld id="{C8A96B5A-AEDD-3F4A-8AFF-D59A389E47DC}" type="datetimeFigureOut">
               <a:rPr lang="en-US" smtClean="0"/>
-              <a:t>2/4/12</a:t>
+              <a:t>2/14/12</a:t>
             </a:fld>
             <a:endParaRPr lang="en-US"/>
           </a:p>
@@ -3169,7 +3172,7 @@
           <a:p>
             <a:fld id="{C8A96B5A-AEDD-3F4A-8AFF-D59A389E47DC}" type="datetimeFigureOut">
               <a:rPr lang="en-US" smtClean="0"/>
-              <a:t>2/4/12</a:t>
+              <a:t>2/14/12</a:t>
             </a:fld>
             <a:endParaRPr lang="en-US"/>
           </a:p>
@@ -6805,6 +6808,1176 @@
     <p:extLst>
       <p:ext uri="{BB962C8B-B14F-4D97-AF65-F5344CB8AC3E}">
         <p14:creationId xmlns:p14="http://schemas.microsoft.com/office/powerpoint/2010/main" val="4150362977"/>
+      </p:ext>
+    </p:extLst>
+  </p:cSld>
+  <p:clrMapOvr>
+    <a:masterClrMapping/>
+  </p:clrMapOvr>
+</p:sld>
+</file>
+
+<file path=ppt/slides/slide14.xml><?xml version="1.0" encoding="utf-8"?>
+<p:sld xmlns:a="http://schemas.openxmlformats.org/drawingml/2006/main" xmlns:r="http://schemas.openxmlformats.org/officeDocument/2006/relationships" xmlns:p="http://schemas.openxmlformats.org/presentationml/2006/main">
+  <p:cSld>
+    <p:spTree>
+      <p:nvGrpSpPr>
+        <p:cNvPr id="1" name=""/>
+        <p:cNvGrpSpPr/>
+        <p:nvPr/>
+      </p:nvGrpSpPr>
+      <p:grpSpPr>
+        <a:xfrm>
+          <a:off x="0" y="0"/>
+          <a:ext cx="0" cy="0"/>
+          <a:chOff x="0" y="0"/>
+          <a:chExt cx="0" cy="0"/>
+        </a:xfrm>
+      </p:grpSpPr>
+    </p:spTree>
+    <p:extLst>
+      <p:ext uri="{BB962C8B-B14F-4D97-AF65-F5344CB8AC3E}">
+        <p14:creationId xmlns:p14="http://schemas.microsoft.com/office/powerpoint/2010/main" val="838832740"/>
+      </p:ext>
+    </p:extLst>
+  </p:cSld>
+  <p:clrMapOvr>
+    <a:masterClrMapping/>
+  </p:clrMapOvr>
+</p:sld>
+</file>
+
+<file path=ppt/slides/slide15.xml><?xml version="1.0" encoding="utf-8"?>
+<p:sld xmlns:a="http://schemas.openxmlformats.org/drawingml/2006/main" xmlns:r="http://schemas.openxmlformats.org/officeDocument/2006/relationships" xmlns:p="http://schemas.openxmlformats.org/presentationml/2006/main">
+  <p:cSld>
+    <p:spTree>
+      <p:nvGrpSpPr>
+        <p:cNvPr id="1" name=""/>
+        <p:cNvGrpSpPr/>
+        <p:nvPr/>
+      </p:nvGrpSpPr>
+      <p:grpSpPr>
+        <a:xfrm>
+          <a:off x="0" y="0"/>
+          <a:ext cx="0" cy="0"/>
+          <a:chOff x="0" y="0"/>
+          <a:chExt cx="0" cy="0"/>
+        </a:xfrm>
+      </p:grpSpPr>
+      <p:sp>
+        <p:nvSpPr>
+          <p:cNvPr id="17" name="Rounded Rectangle 16"/>
+          <p:cNvSpPr/>
+          <p:nvPr/>
+        </p:nvSpPr>
+        <p:spPr>
+          <a:xfrm>
+            <a:off x="4199037" y="964177"/>
+            <a:ext cx="4421339" cy="3880223"/>
+          </a:xfrm>
+          <a:prstGeom prst="roundRect">
+            <a:avLst/>
+          </a:prstGeom>
+        </p:spPr>
+        <p:style>
+          <a:lnRef idx="1">
+            <a:schemeClr val="accent6"/>
+          </a:lnRef>
+          <a:fillRef idx="2">
+            <a:schemeClr val="accent6"/>
+          </a:fillRef>
+          <a:effectRef idx="1">
+            <a:schemeClr val="accent6"/>
+          </a:effectRef>
+          <a:fontRef idx="minor">
+            <a:schemeClr val="dk1"/>
+          </a:fontRef>
+        </p:style>
+        <p:txBody>
+          <a:bodyPr rtlCol="0" anchor="t"/>
+          <a:lstStyle/>
+          <a:p>
+            <a:pPr algn="ctr"/>
+            <a:r>
+              <a:rPr lang="en-US" dirty="0" smtClean="0"/>
+              <a:t>Single Thread</a:t>
+            </a:r>
+            <a:endParaRPr lang="en-US" dirty="0"/>
+          </a:p>
+        </p:txBody>
+      </p:sp>
+      <p:sp>
+        <p:nvSpPr>
+          <p:cNvPr id="2" name="Multidocument 1"/>
+          <p:cNvSpPr/>
+          <p:nvPr/>
+        </p:nvSpPr>
+        <p:spPr>
+          <a:xfrm>
+            <a:off x="4511881" y="2269342"/>
+            <a:ext cx="1262846" cy="975935"/>
+          </a:xfrm>
+          <a:prstGeom prst="flowChartMultidocument">
+            <a:avLst/>
+          </a:prstGeom>
+        </p:spPr>
+        <p:style>
+          <a:lnRef idx="1">
+            <a:schemeClr val="accent1"/>
+          </a:lnRef>
+          <a:fillRef idx="3">
+            <a:schemeClr val="accent1"/>
+          </a:fillRef>
+          <a:effectRef idx="2">
+            <a:schemeClr val="accent1"/>
+          </a:effectRef>
+          <a:fontRef idx="minor">
+            <a:schemeClr val="lt1"/>
+          </a:fontRef>
+        </p:style>
+        <p:txBody>
+          <a:bodyPr rtlCol="0" anchor="ctr"/>
+          <a:lstStyle/>
+          <a:p>
+            <a:pPr algn="ctr"/>
+            <a:r>
+              <a:rPr lang="en-US" dirty="0" smtClean="0"/>
+              <a:t>Event Queue</a:t>
+            </a:r>
+            <a:endParaRPr lang="en-US" dirty="0"/>
+          </a:p>
+        </p:txBody>
+      </p:sp>
+      <p:sp>
+        <p:nvSpPr>
+          <p:cNvPr id="3" name="Rounded Rectangle 2"/>
+          <p:cNvSpPr/>
+          <p:nvPr/>
+        </p:nvSpPr>
+        <p:spPr>
+          <a:xfrm>
+            <a:off x="4511881" y="3750882"/>
+            <a:ext cx="1262846" cy="693737"/>
+          </a:xfrm>
+          <a:prstGeom prst="roundRect">
+            <a:avLst/>
+          </a:prstGeom>
+        </p:spPr>
+        <p:style>
+          <a:lnRef idx="1">
+            <a:schemeClr val="accent1"/>
+          </a:lnRef>
+          <a:fillRef idx="3">
+            <a:schemeClr val="accent1"/>
+          </a:fillRef>
+          <a:effectRef idx="2">
+            <a:schemeClr val="accent1"/>
+          </a:effectRef>
+          <a:fontRef idx="minor">
+            <a:schemeClr val="lt1"/>
+          </a:fontRef>
+        </p:style>
+        <p:txBody>
+          <a:bodyPr rtlCol="0" anchor="ctr"/>
+          <a:lstStyle/>
+          <a:p>
+            <a:pPr algn="ctr"/>
+            <a:r>
+              <a:rPr lang="en-US" dirty="0" smtClean="0"/>
+              <a:t>Event Loop</a:t>
+            </a:r>
+            <a:endParaRPr lang="en-US" dirty="0"/>
+          </a:p>
+        </p:txBody>
+      </p:sp>
+      <p:cxnSp>
+        <p:nvCxnSpPr>
+          <p:cNvPr id="5" name="Straight Arrow Connector 4"/>
+          <p:cNvCxnSpPr/>
+          <p:nvPr/>
+        </p:nvCxnSpPr>
+        <p:spPr>
+          <a:xfrm>
+            <a:off x="5143304" y="1669672"/>
+            <a:ext cx="0" cy="599670"/>
+          </a:xfrm>
+          <a:prstGeom prst="straightConnector1">
+            <a:avLst/>
+          </a:prstGeom>
+          <a:ln>
+            <a:tailEnd type="arrow"/>
+          </a:ln>
+        </p:spPr>
+        <p:style>
+          <a:lnRef idx="2">
+            <a:schemeClr val="dk1"/>
+          </a:lnRef>
+          <a:fillRef idx="0">
+            <a:schemeClr val="dk1"/>
+          </a:fillRef>
+          <a:effectRef idx="1">
+            <a:schemeClr val="dk1"/>
+          </a:effectRef>
+          <a:fontRef idx="minor">
+            <a:schemeClr val="tx1"/>
+          </a:fontRef>
+        </p:style>
+      </p:cxnSp>
+      <p:sp>
+        <p:nvSpPr>
+          <p:cNvPr id="7" name="TextBox 6"/>
+          <p:cNvSpPr txBox="1"/>
+          <p:nvPr/>
+        </p:nvSpPr>
+        <p:spPr>
+          <a:xfrm>
+            <a:off x="4740621" y="1300340"/>
+            <a:ext cx="805366" cy="369332"/>
+          </a:xfrm>
+          <a:prstGeom prst="rect">
+            <a:avLst/>
+          </a:prstGeom>
+          <a:noFill/>
+        </p:spPr>
+        <p:txBody>
+          <a:bodyPr wrap="none" rtlCol="0">
+            <a:spAutoFit/>
+          </a:bodyPr>
+          <a:lstStyle/>
+          <a:p>
+            <a:r>
+              <a:rPr lang="en-US" dirty="0" smtClean="0"/>
+              <a:t>Events</a:t>
+            </a:r>
+            <a:endParaRPr lang="en-US" dirty="0"/>
+          </a:p>
+        </p:txBody>
+      </p:sp>
+      <p:cxnSp>
+        <p:nvCxnSpPr>
+          <p:cNvPr id="9" name="Straight Arrow Connector 8"/>
+          <p:cNvCxnSpPr>
+            <a:endCxn id="3" idx="0"/>
+          </p:cNvCxnSpPr>
+          <p:nvPr/>
+        </p:nvCxnSpPr>
+        <p:spPr>
+          <a:xfrm>
+            <a:off x="5143304" y="3245277"/>
+            <a:ext cx="0" cy="505605"/>
+          </a:xfrm>
+          <a:prstGeom prst="straightConnector1">
+            <a:avLst/>
+          </a:prstGeom>
+          <a:ln>
+            <a:tailEnd type="arrow"/>
+          </a:ln>
+        </p:spPr>
+        <p:style>
+          <a:lnRef idx="2">
+            <a:schemeClr val="dk1"/>
+          </a:lnRef>
+          <a:fillRef idx="0">
+            <a:schemeClr val="dk1"/>
+          </a:fillRef>
+          <a:effectRef idx="1">
+            <a:schemeClr val="dk1"/>
+          </a:effectRef>
+          <a:fontRef idx="minor">
+            <a:schemeClr val="tx1"/>
+          </a:fontRef>
+        </p:style>
+      </p:cxnSp>
+      <p:sp>
+        <p:nvSpPr>
+          <p:cNvPr id="12" name="Rounded Rectangle 11"/>
+          <p:cNvSpPr/>
+          <p:nvPr/>
+        </p:nvSpPr>
+        <p:spPr>
+          <a:xfrm>
+            <a:off x="7114774" y="3726908"/>
+            <a:ext cx="1270425" cy="717711"/>
+          </a:xfrm>
+          <a:prstGeom prst="roundRect">
+            <a:avLst/>
+          </a:prstGeom>
+        </p:spPr>
+        <p:style>
+          <a:lnRef idx="1">
+            <a:schemeClr val="accent1"/>
+          </a:lnRef>
+          <a:fillRef idx="3">
+            <a:schemeClr val="accent1"/>
+          </a:fillRef>
+          <a:effectRef idx="2">
+            <a:schemeClr val="accent1"/>
+          </a:effectRef>
+          <a:fontRef idx="minor">
+            <a:schemeClr val="lt1"/>
+          </a:fontRef>
+        </p:style>
+        <p:txBody>
+          <a:bodyPr rtlCol="0" anchor="ctr"/>
+          <a:lstStyle/>
+          <a:p>
+            <a:pPr algn="ctr"/>
+            <a:r>
+              <a:rPr lang="en-US" dirty="0" smtClean="0"/>
+              <a:t>Callbacks</a:t>
+            </a:r>
+            <a:endParaRPr lang="en-US" dirty="0"/>
+          </a:p>
+        </p:txBody>
+      </p:sp>
+      <p:sp>
+        <p:nvSpPr>
+          <p:cNvPr id="13" name="Curved Left Arrow 12"/>
+          <p:cNvSpPr/>
+          <p:nvPr/>
+        </p:nvSpPr>
+        <p:spPr>
+          <a:xfrm>
+            <a:off x="6033422" y="3856707"/>
+            <a:ext cx="952470" cy="587912"/>
+          </a:xfrm>
+          <a:prstGeom prst="curvedLeftArrow">
+            <a:avLst/>
+          </a:prstGeom>
+        </p:spPr>
+        <p:style>
+          <a:lnRef idx="1">
+            <a:schemeClr val="accent1"/>
+          </a:lnRef>
+          <a:fillRef idx="3">
+            <a:schemeClr val="accent1"/>
+          </a:fillRef>
+          <a:effectRef idx="2">
+            <a:schemeClr val="accent1"/>
+          </a:effectRef>
+          <a:fontRef idx="minor">
+            <a:schemeClr val="lt1"/>
+          </a:fontRef>
+        </p:style>
+        <p:txBody>
+          <a:bodyPr rtlCol="0" anchor="ctr"/>
+          <a:lstStyle/>
+          <a:p>
+            <a:pPr algn="ctr"/>
+            <a:endParaRPr lang="en-US">
+              <a:solidFill>
+                <a:schemeClr val="tx1"/>
+              </a:solidFill>
+            </a:endParaRPr>
+          </a:p>
+        </p:txBody>
+      </p:sp>
+      <p:sp>
+        <p:nvSpPr>
+          <p:cNvPr id="18" name="Rounded Rectangle 17"/>
+          <p:cNvSpPr/>
+          <p:nvPr/>
+        </p:nvSpPr>
+        <p:spPr>
+          <a:xfrm>
+            <a:off x="7114775" y="5255939"/>
+            <a:ext cx="1270424" cy="623187"/>
+          </a:xfrm>
+          <a:prstGeom prst="roundRect">
+            <a:avLst/>
+          </a:prstGeom>
+        </p:spPr>
+        <p:style>
+          <a:lnRef idx="1">
+            <a:schemeClr val="accent1"/>
+          </a:lnRef>
+          <a:fillRef idx="3">
+            <a:schemeClr val="accent1"/>
+          </a:fillRef>
+          <a:effectRef idx="2">
+            <a:schemeClr val="accent1"/>
+          </a:effectRef>
+          <a:fontRef idx="minor">
+            <a:schemeClr val="lt1"/>
+          </a:fontRef>
+        </p:style>
+        <p:txBody>
+          <a:bodyPr rtlCol="0" anchor="ctr"/>
+          <a:lstStyle/>
+          <a:p>
+            <a:pPr algn="ctr"/>
+            <a:r>
+              <a:rPr lang="en-US" dirty="0" smtClean="0"/>
+              <a:t>DOM</a:t>
+            </a:r>
+            <a:endParaRPr lang="en-US" dirty="0"/>
+          </a:p>
+        </p:txBody>
+      </p:sp>
+      <p:cxnSp>
+        <p:nvCxnSpPr>
+          <p:cNvPr id="20" name="Straight Arrow Connector 19"/>
+          <p:cNvCxnSpPr>
+            <a:stCxn id="12" idx="2"/>
+            <a:endCxn id="18" idx="0"/>
+          </p:cNvCxnSpPr>
+          <p:nvPr/>
+        </p:nvCxnSpPr>
+        <p:spPr>
+          <a:xfrm>
+            <a:off x="7749987" y="4444619"/>
+            <a:ext cx="0" cy="811320"/>
+          </a:xfrm>
+          <a:prstGeom prst="straightConnector1">
+            <a:avLst/>
+          </a:prstGeom>
+          <a:ln>
+            <a:tailEnd type="arrow"/>
+          </a:ln>
+        </p:spPr>
+        <p:style>
+          <a:lnRef idx="2">
+            <a:schemeClr val="dk1"/>
+          </a:lnRef>
+          <a:fillRef idx="0">
+            <a:schemeClr val="dk1"/>
+          </a:fillRef>
+          <a:effectRef idx="1">
+            <a:schemeClr val="dk1"/>
+          </a:effectRef>
+          <a:fontRef idx="minor">
+            <a:schemeClr val="tx1"/>
+          </a:fontRef>
+        </p:style>
+      </p:cxnSp>
+    </p:spTree>
+    <p:extLst>
+      <p:ext uri="{BB962C8B-B14F-4D97-AF65-F5344CB8AC3E}">
+        <p14:creationId xmlns:p14="http://schemas.microsoft.com/office/powerpoint/2010/main" val="4165343396"/>
+      </p:ext>
+    </p:extLst>
+  </p:cSld>
+  <p:clrMapOvr>
+    <a:masterClrMapping/>
+  </p:clrMapOvr>
+</p:sld>
+</file>
+
+<file path=ppt/slides/slide16.xml><?xml version="1.0" encoding="utf-8"?>
+<p:sld xmlns:a="http://schemas.openxmlformats.org/drawingml/2006/main" xmlns:r="http://schemas.openxmlformats.org/officeDocument/2006/relationships" xmlns:p="http://schemas.openxmlformats.org/presentationml/2006/main">
+  <p:cSld>
+    <p:spTree>
+      <p:nvGrpSpPr>
+        <p:cNvPr id="1" name=""/>
+        <p:cNvGrpSpPr/>
+        <p:nvPr/>
+      </p:nvGrpSpPr>
+      <p:grpSpPr>
+        <a:xfrm>
+          <a:off x="0" y="0"/>
+          <a:ext cx="0" cy="0"/>
+          <a:chOff x="0" y="0"/>
+          <a:chExt cx="0" cy="0"/>
+        </a:xfrm>
+      </p:grpSpPr>
+      <p:sp>
+        <p:nvSpPr>
+          <p:cNvPr id="2" name="Rounded Rectangle 1"/>
+          <p:cNvSpPr/>
+          <p:nvPr/>
+        </p:nvSpPr>
+        <p:spPr>
+          <a:xfrm>
+            <a:off x="4199037" y="964177"/>
+            <a:ext cx="4421339" cy="3880223"/>
+          </a:xfrm>
+          <a:prstGeom prst="roundRect">
+            <a:avLst/>
+          </a:prstGeom>
+        </p:spPr>
+        <p:style>
+          <a:lnRef idx="1">
+            <a:schemeClr val="accent6"/>
+          </a:lnRef>
+          <a:fillRef idx="2">
+            <a:schemeClr val="accent6"/>
+          </a:fillRef>
+          <a:effectRef idx="1">
+            <a:schemeClr val="accent6"/>
+          </a:effectRef>
+          <a:fontRef idx="minor">
+            <a:schemeClr val="dk1"/>
+          </a:fontRef>
+        </p:style>
+        <p:txBody>
+          <a:bodyPr rtlCol="0" anchor="t"/>
+          <a:lstStyle/>
+          <a:p>
+            <a:pPr algn="ctr"/>
+            <a:r>
+              <a:rPr lang="en-US" dirty="0" smtClean="0"/>
+              <a:t>Main Thread</a:t>
+            </a:r>
+            <a:endParaRPr lang="en-US" dirty="0"/>
+          </a:p>
+        </p:txBody>
+      </p:sp>
+      <p:sp>
+        <p:nvSpPr>
+          <p:cNvPr id="3" name="Multidocument 2"/>
+          <p:cNvSpPr/>
+          <p:nvPr/>
+        </p:nvSpPr>
+        <p:spPr>
+          <a:xfrm>
+            <a:off x="4511881" y="2269342"/>
+            <a:ext cx="1262846" cy="975935"/>
+          </a:xfrm>
+          <a:prstGeom prst="flowChartMultidocument">
+            <a:avLst/>
+          </a:prstGeom>
+        </p:spPr>
+        <p:style>
+          <a:lnRef idx="1">
+            <a:schemeClr val="accent1"/>
+          </a:lnRef>
+          <a:fillRef idx="3">
+            <a:schemeClr val="accent1"/>
+          </a:fillRef>
+          <a:effectRef idx="2">
+            <a:schemeClr val="accent1"/>
+          </a:effectRef>
+          <a:fontRef idx="minor">
+            <a:schemeClr val="lt1"/>
+          </a:fontRef>
+        </p:style>
+        <p:txBody>
+          <a:bodyPr rtlCol="0" anchor="ctr"/>
+          <a:lstStyle/>
+          <a:p>
+            <a:pPr algn="ctr"/>
+            <a:r>
+              <a:rPr lang="en-US" dirty="0" smtClean="0"/>
+              <a:t>Event Queue</a:t>
+            </a:r>
+            <a:endParaRPr lang="en-US" dirty="0"/>
+          </a:p>
+        </p:txBody>
+      </p:sp>
+      <p:sp>
+        <p:nvSpPr>
+          <p:cNvPr id="4" name="Rounded Rectangle 3"/>
+          <p:cNvSpPr/>
+          <p:nvPr/>
+        </p:nvSpPr>
+        <p:spPr>
+          <a:xfrm>
+            <a:off x="4511881" y="3750882"/>
+            <a:ext cx="1262846" cy="693737"/>
+          </a:xfrm>
+          <a:prstGeom prst="roundRect">
+            <a:avLst/>
+          </a:prstGeom>
+        </p:spPr>
+        <p:style>
+          <a:lnRef idx="1">
+            <a:schemeClr val="accent1"/>
+          </a:lnRef>
+          <a:fillRef idx="3">
+            <a:schemeClr val="accent1"/>
+          </a:fillRef>
+          <a:effectRef idx="2">
+            <a:schemeClr val="accent1"/>
+          </a:effectRef>
+          <a:fontRef idx="minor">
+            <a:schemeClr val="lt1"/>
+          </a:fontRef>
+        </p:style>
+        <p:txBody>
+          <a:bodyPr rtlCol="0" anchor="ctr"/>
+          <a:lstStyle/>
+          <a:p>
+            <a:pPr algn="ctr"/>
+            <a:r>
+              <a:rPr lang="en-US" dirty="0" smtClean="0"/>
+              <a:t>Event Loop</a:t>
+            </a:r>
+            <a:endParaRPr lang="en-US" dirty="0"/>
+          </a:p>
+        </p:txBody>
+      </p:sp>
+      <p:cxnSp>
+        <p:nvCxnSpPr>
+          <p:cNvPr id="5" name="Straight Arrow Connector 4"/>
+          <p:cNvCxnSpPr/>
+          <p:nvPr/>
+        </p:nvCxnSpPr>
+        <p:spPr>
+          <a:xfrm>
+            <a:off x="5143304" y="1846042"/>
+            <a:ext cx="0" cy="423300"/>
+          </a:xfrm>
+          <a:prstGeom prst="straightConnector1">
+            <a:avLst/>
+          </a:prstGeom>
+          <a:ln>
+            <a:tailEnd type="arrow"/>
+          </a:ln>
+        </p:spPr>
+        <p:style>
+          <a:lnRef idx="2">
+            <a:schemeClr val="dk1"/>
+          </a:lnRef>
+          <a:fillRef idx="0">
+            <a:schemeClr val="dk1"/>
+          </a:fillRef>
+          <a:effectRef idx="1">
+            <a:schemeClr val="dk1"/>
+          </a:effectRef>
+          <a:fontRef idx="minor">
+            <a:schemeClr val="tx1"/>
+          </a:fontRef>
+        </p:style>
+      </p:cxnSp>
+      <p:sp>
+        <p:nvSpPr>
+          <p:cNvPr id="6" name="TextBox 5"/>
+          <p:cNvSpPr txBox="1"/>
+          <p:nvPr/>
+        </p:nvSpPr>
+        <p:spPr>
+          <a:xfrm>
+            <a:off x="4740621" y="1476710"/>
+            <a:ext cx="805366" cy="369332"/>
+          </a:xfrm>
+          <a:prstGeom prst="rect">
+            <a:avLst/>
+          </a:prstGeom>
+          <a:noFill/>
+        </p:spPr>
+        <p:txBody>
+          <a:bodyPr wrap="none" rtlCol="0">
+            <a:spAutoFit/>
+          </a:bodyPr>
+          <a:lstStyle/>
+          <a:p>
+            <a:r>
+              <a:rPr lang="en-US" dirty="0" smtClean="0"/>
+              <a:t>Events</a:t>
+            </a:r>
+            <a:endParaRPr lang="en-US" dirty="0"/>
+          </a:p>
+        </p:txBody>
+      </p:sp>
+      <p:cxnSp>
+        <p:nvCxnSpPr>
+          <p:cNvPr id="7" name="Straight Arrow Connector 6"/>
+          <p:cNvCxnSpPr>
+            <a:endCxn id="4" idx="0"/>
+          </p:cNvCxnSpPr>
+          <p:nvPr/>
+        </p:nvCxnSpPr>
+        <p:spPr>
+          <a:xfrm>
+            <a:off x="5143304" y="3245277"/>
+            <a:ext cx="0" cy="505605"/>
+          </a:xfrm>
+          <a:prstGeom prst="straightConnector1">
+            <a:avLst/>
+          </a:prstGeom>
+          <a:ln>
+            <a:tailEnd type="arrow"/>
+          </a:ln>
+        </p:spPr>
+        <p:style>
+          <a:lnRef idx="2">
+            <a:schemeClr val="dk1"/>
+          </a:lnRef>
+          <a:fillRef idx="0">
+            <a:schemeClr val="dk1"/>
+          </a:fillRef>
+          <a:effectRef idx="1">
+            <a:schemeClr val="dk1"/>
+          </a:effectRef>
+          <a:fontRef idx="minor">
+            <a:schemeClr val="tx1"/>
+          </a:fontRef>
+        </p:style>
+      </p:cxnSp>
+      <p:sp>
+        <p:nvSpPr>
+          <p:cNvPr id="8" name="Rounded Rectangle 7"/>
+          <p:cNvSpPr/>
+          <p:nvPr/>
+        </p:nvSpPr>
+        <p:spPr>
+          <a:xfrm>
+            <a:off x="7114774" y="3726908"/>
+            <a:ext cx="1270425" cy="717711"/>
+          </a:xfrm>
+          <a:prstGeom prst="roundRect">
+            <a:avLst/>
+          </a:prstGeom>
+        </p:spPr>
+        <p:style>
+          <a:lnRef idx="1">
+            <a:schemeClr val="accent1"/>
+          </a:lnRef>
+          <a:fillRef idx="3">
+            <a:schemeClr val="accent1"/>
+          </a:fillRef>
+          <a:effectRef idx="2">
+            <a:schemeClr val="accent1"/>
+          </a:effectRef>
+          <a:fontRef idx="minor">
+            <a:schemeClr val="lt1"/>
+          </a:fontRef>
+        </p:style>
+        <p:txBody>
+          <a:bodyPr rtlCol="0" anchor="ctr"/>
+          <a:lstStyle/>
+          <a:p>
+            <a:pPr algn="ctr"/>
+            <a:r>
+              <a:rPr lang="en-US" dirty="0" smtClean="0"/>
+              <a:t>Callbacks</a:t>
+            </a:r>
+            <a:endParaRPr lang="en-US" dirty="0"/>
+          </a:p>
+        </p:txBody>
+      </p:sp>
+      <p:sp>
+        <p:nvSpPr>
+          <p:cNvPr id="9" name="Curved Left Arrow 8"/>
+          <p:cNvSpPr/>
+          <p:nvPr/>
+        </p:nvSpPr>
+        <p:spPr>
+          <a:xfrm>
+            <a:off x="6033422" y="3856707"/>
+            <a:ext cx="952470" cy="587912"/>
+          </a:xfrm>
+          <a:prstGeom prst="curvedLeftArrow">
+            <a:avLst/>
+          </a:prstGeom>
+        </p:spPr>
+        <p:style>
+          <a:lnRef idx="1">
+            <a:schemeClr val="accent1"/>
+          </a:lnRef>
+          <a:fillRef idx="3">
+            <a:schemeClr val="accent1"/>
+          </a:fillRef>
+          <a:effectRef idx="2">
+            <a:schemeClr val="accent1"/>
+          </a:effectRef>
+          <a:fontRef idx="minor">
+            <a:schemeClr val="lt1"/>
+          </a:fontRef>
+        </p:style>
+        <p:txBody>
+          <a:bodyPr rtlCol="0" anchor="ctr"/>
+          <a:lstStyle/>
+          <a:p>
+            <a:pPr algn="ctr"/>
+            <a:endParaRPr lang="en-US">
+              <a:solidFill>
+                <a:schemeClr val="tx1"/>
+              </a:solidFill>
+            </a:endParaRPr>
+          </a:p>
+        </p:txBody>
+      </p:sp>
+      <p:sp>
+        <p:nvSpPr>
+          <p:cNvPr id="10" name="Rounded Rectangle 9"/>
+          <p:cNvSpPr/>
+          <p:nvPr/>
+        </p:nvSpPr>
+        <p:spPr>
+          <a:xfrm>
+            <a:off x="7114775" y="5255939"/>
+            <a:ext cx="1270424" cy="623187"/>
+          </a:xfrm>
+          <a:prstGeom prst="roundRect">
+            <a:avLst/>
+          </a:prstGeom>
+        </p:spPr>
+        <p:style>
+          <a:lnRef idx="1">
+            <a:schemeClr val="accent1"/>
+          </a:lnRef>
+          <a:fillRef idx="3">
+            <a:schemeClr val="accent1"/>
+          </a:fillRef>
+          <a:effectRef idx="2">
+            <a:schemeClr val="accent1"/>
+          </a:effectRef>
+          <a:fontRef idx="minor">
+            <a:schemeClr val="lt1"/>
+          </a:fontRef>
+        </p:style>
+        <p:txBody>
+          <a:bodyPr rtlCol="0" anchor="ctr"/>
+          <a:lstStyle/>
+          <a:p>
+            <a:pPr algn="ctr"/>
+            <a:r>
+              <a:rPr lang="en-US" dirty="0" smtClean="0"/>
+              <a:t>DOM</a:t>
+            </a:r>
+            <a:endParaRPr lang="en-US" dirty="0"/>
+          </a:p>
+        </p:txBody>
+      </p:sp>
+      <p:cxnSp>
+        <p:nvCxnSpPr>
+          <p:cNvPr id="11" name="Straight Arrow Connector 10"/>
+          <p:cNvCxnSpPr>
+            <a:stCxn id="8" idx="2"/>
+            <a:endCxn id="10" idx="0"/>
+          </p:cNvCxnSpPr>
+          <p:nvPr/>
+        </p:nvCxnSpPr>
+        <p:spPr>
+          <a:xfrm>
+            <a:off x="7749987" y="4444619"/>
+            <a:ext cx="0" cy="811320"/>
+          </a:xfrm>
+          <a:prstGeom prst="straightConnector1">
+            <a:avLst/>
+          </a:prstGeom>
+          <a:ln>
+            <a:tailEnd type="arrow"/>
+          </a:ln>
+        </p:spPr>
+        <p:style>
+          <a:lnRef idx="2">
+            <a:schemeClr val="dk1"/>
+          </a:lnRef>
+          <a:fillRef idx="0">
+            <a:schemeClr val="dk1"/>
+          </a:fillRef>
+          <a:effectRef idx="1">
+            <a:schemeClr val="dk1"/>
+          </a:effectRef>
+          <a:fontRef idx="minor">
+            <a:schemeClr val="tx1"/>
+          </a:fontRef>
+        </p:style>
+      </p:cxnSp>
+      <p:sp>
+        <p:nvSpPr>
+          <p:cNvPr id="12" name="Rounded Rectangle 11"/>
+          <p:cNvSpPr/>
+          <p:nvPr/>
+        </p:nvSpPr>
+        <p:spPr>
+          <a:xfrm>
+            <a:off x="-752570" y="964177"/>
+            <a:ext cx="4421339" cy="3880223"/>
+          </a:xfrm>
+          <a:prstGeom prst="roundRect">
+            <a:avLst/>
+          </a:prstGeom>
+        </p:spPr>
+        <p:style>
+          <a:lnRef idx="1">
+            <a:schemeClr val="accent3"/>
+          </a:lnRef>
+          <a:fillRef idx="2">
+            <a:schemeClr val="accent3"/>
+          </a:fillRef>
+          <a:effectRef idx="1">
+            <a:schemeClr val="accent3"/>
+          </a:effectRef>
+          <a:fontRef idx="minor">
+            <a:schemeClr val="dk1"/>
+          </a:fontRef>
+        </p:style>
+        <p:txBody>
+          <a:bodyPr rtlCol="0" anchor="t"/>
+          <a:lstStyle/>
+          <a:p>
+            <a:pPr algn="ctr"/>
+            <a:r>
+              <a:rPr lang="en-US" dirty="0" smtClean="0"/>
+              <a:t>Web Worker Thread</a:t>
+            </a:r>
+            <a:endParaRPr lang="en-US" dirty="0"/>
+          </a:p>
+        </p:txBody>
+      </p:sp>
+      <p:sp>
+        <p:nvSpPr>
+          <p:cNvPr id="13" name="Multidocument 12"/>
+          <p:cNvSpPr/>
+          <p:nvPr/>
+        </p:nvSpPr>
+        <p:spPr>
+          <a:xfrm>
+            <a:off x="-439726" y="2269342"/>
+            <a:ext cx="1262846" cy="975935"/>
+          </a:xfrm>
+          <a:prstGeom prst="flowChartMultidocument">
+            <a:avLst/>
+          </a:prstGeom>
+        </p:spPr>
+        <p:style>
+          <a:lnRef idx="1">
+            <a:schemeClr val="accent1"/>
+          </a:lnRef>
+          <a:fillRef idx="3">
+            <a:schemeClr val="accent1"/>
+          </a:fillRef>
+          <a:effectRef idx="2">
+            <a:schemeClr val="accent1"/>
+          </a:effectRef>
+          <a:fontRef idx="minor">
+            <a:schemeClr val="lt1"/>
+          </a:fontRef>
+        </p:style>
+        <p:txBody>
+          <a:bodyPr rtlCol="0" anchor="ctr"/>
+          <a:lstStyle/>
+          <a:p>
+            <a:pPr algn="ctr"/>
+            <a:r>
+              <a:rPr lang="en-US" dirty="0" smtClean="0"/>
+              <a:t>Event Queue</a:t>
+            </a:r>
+            <a:endParaRPr lang="en-US" dirty="0"/>
+          </a:p>
+        </p:txBody>
+      </p:sp>
+      <p:sp>
+        <p:nvSpPr>
+          <p:cNvPr id="14" name="Rounded Rectangle 13"/>
+          <p:cNvSpPr/>
+          <p:nvPr/>
+        </p:nvSpPr>
+        <p:spPr>
+          <a:xfrm>
+            <a:off x="-439726" y="3750882"/>
+            <a:ext cx="1262846" cy="693737"/>
+          </a:xfrm>
+          <a:prstGeom prst="roundRect">
+            <a:avLst/>
+          </a:prstGeom>
+        </p:spPr>
+        <p:style>
+          <a:lnRef idx="1">
+            <a:schemeClr val="accent1"/>
+          </a:lnRef>
+          <a:fillRef idx="3">
+            <a:schemeClr val="accent1"/>
+          </a:fillRef>
+          <a:effectRef idx="2">
+            <a:schemeClr val="accent1"/>
+          </a:effectRef>
+          <a:fontRef idx="minor">
+            <a:schemeClr val="lt1"/>
+          </a:fontRef>
+        </p:style>
+        <p:txBody>
+          <a:bodyPr rtlCol="0" anchor="ctr"/>
+          <a:lstStyle/>
+          <a:p>
+            <a:pPr algn="ctr"/>
+            <a:r>
+              <a:rPr lang="en-US" dirty="0" smtClean="0"/>
+              <a:t>Event Loop</a:t>
+            </a:r>
+            <a:endParaRPr lang="en-US" dirty="0"/>
+          </a:p>
+        </p:txBody>
+      </p:sp>
+      <p:cxnSp>
+        <p:nvCxnSpPr>
+          <p:cNvPr id="15" name="Straight Arrow Connector 14"/>
+          <p:cNvCxnSpPr/>
+          <p:nvPr/>
+        </p:nvCxnSpPr>
+        <p:spPr>
+          <a:xfrm>
+            <a:off x="191697" y="1846045"/>
+            <a:ext cx="0" cy="423297"/>
+          </a:xfrm>
+          <a:prstGeom prst="straightConnector1">
+            <a:avLst/>
+          </a:prstGeom>
+          <a:ln>
+            <a:tailEnd type="arrow"/>
+          </a:ln>
+        </p:spPr>
+        <p:style>
+          <a:lnRef idx="2">
+            <a:schemeClr val="dk1"/>
+          </a:lnRef>
+          <a:fillRef idx="0">
+            <a:schemeClr val="dk1"/>
+          </a:fillRef>
+          <a:effectRef idx="1">
+            <a:schemeClr val="dk1"/>
+          </a:effectRef>
+          <a:fontRef idx="minor">
+            <a:schemeClr val="tx1"/>
+          </a:fontRef>
+        </p:style>
+      </p:cxnSp>
+      <p:sp>
+        <p:nvSpPr>
+          <p:cNvPr id="16" name="TextBox 15"/>
+          <p:cNvSpPr txBox="1"/>
+          <p:nvPr/>
+        </p:nvSpPr>
+        <p:spPr>
+          <a:xfrm>
+            <a:off x="-210986" y="1476710"/>
+            <a:ext cx="805366" cy="369332"/>
+          </a:xfrm>
+          <a:prstGeom prst="rect">
+            <a:avLst/>
+          </a:prstGeom>
+          <a:noFill/>
+        </p:spPr>
+        <p:txBody>
+          <a:bodyPr wrap="none" rtlCol="0">
+            <a:spAutoFit/>
+          </a:bodyPr>
+          <a:lstStyle/>
+          <a:p>
+            <a:r>
+              <a:rPr lang="en-US" dirty="0" smtClean="0"/>
+              <a:t>Events</a:t>
+            </a:r>
+            <a:endParaRPr lang="en-US" dirty="0"/>
+          </a:p>
+        </p:txBody>
+      </p:sp>
+      <p:cxnSp>
+        <p:nvCxnSpPr>
+          <p:cNvPr id="17" name="Straight Arrow Connector 16"/>
+          <p:cNvCxnSpPr>
+            <a:endCxn id="14" idx="0"/>
+          </p:cNvCxnSpPr>
+          <p:nvPr/>
+        </p:nvCxnSpPr>
+        <p:spPr>
+          <a:xfrm>
+            <a:off x="191697" y="3245277"/>
+            <a:ext cx="0" cy="505605"/>
+          </a:xfrm>
+          <a:prstGeom prst="straightConnector1">
+            <a:avLst/>
+          </a:prstGeom>
+          <a:ln>
+            <a:tailEnd type="arrow"/>
+          </a:ln>
+        </p:spPr>
+        <p:style>
+          <a:lnRef idx="2">
+            <a:schemeClr val="dk1"/>
+          </a:lnRef>
+          <a:fillRef idx="0">
+            <a:schemeClr val="dk1"/>
+          </a:fillRef>
+          <a:effectRef idx="1">
+            <a:schemeClr val="dk1"/>
+          </a:effectRef>
+          <a:fontRef idx="minor">
+            <a:schemeClr val="tx1"/>
+          </a:fontRef>
+        </p:style>
+      </p:cxnSp>
+      <p:sp>
+        <p:nvSpPr>
+          <p:cNvPr id="18" name="Rounded Rectangle 17"/>
+          <p:cNvSpPr/>
+          <p:nvPr/>
+        </p:nvSpPr>
+        <p:spPr>
+          <a:xfrm>
+            <a:off x="2163167" y="3726908"/>
+            <a:ext cx="1270425" cy="717711"/>
+          </a:xfrm>
+          <a:prstGeom prst="roundRect">
+            <a:avLst/>
+          </a:prstGeom>
+        </p:spPr>
+        <p:style>
+          <a:lnRef idx="1">
+            <a:schemeClr val="accent1"/>
+          </a:lnRef>
+          <a:fillRef idx="3">
+            <a:schemeClr val="accent1"/>
+          </a:fillRef>
+          <a:effectRef idx="2">
+            <a:schemeClr val="accent1"/>
+          </a:effectRef>
+          <a:fontRef idx="minor">
+            <a:schemeClr val="lt1"/>
+          </a:fontRef>
+        </p:style>
+        <p:txBody>
+          <a:bodyPr rtlCol="0" anchor="ctr"/>
+          <a:lstStyle/>
+          <a:p>
+            <a:pPr algn="ctr"/>
+            <a:r>
+              <a:rPr lang="en-US" dirty="0" smtClean="0"/>
+              <a:t>Callbacks</a:t>
+            </a:r>
+            <a:endParaRPr lang="en-US" dirty="0"/>
+          </a:p>
+        </p:txBody>
+      </p:sp>
+      <p:sp>
+        <p:nvSpPr>
+          <p:cNvPr id="19" name="Curved Left Arrow 18"/>
+          <p:cNvSpPr/>
+          <p:nvPr/>
+        </p:nvSpPr>
+        <p:spPr>
+          <a:xfrm>
+            <a:off x="1081815" y="3856707"/>
+            <a:ext cx="952470" cy="587912"/>
+          </a:xfrm>
+          <a:prstGeom prst="curvedLeftArrow">
+            <a:avLst/>
+          </a:prstGeom>
+        </p:spPr>
+        <p:style>
+          <a:lnRef idx="1">
+            <a:schemeClr val="accent1"/>
+          </a:lnRef>
+          <a:fillRef idx="3">
+            <a:schemeClr val="accent1"/>
+          </a:fillRef>
+          <a:effectRef idx="2">
+            <a:schemeClr val="accent1"/>
+          </a:effectRef>
+          <a:fontRef idx="minor">
+            <a:schemeClr val="lt1"/>
+          </a:fontRef>
+        </p:style>
+        <p:txBody>
+          <a:bodyPr rtlCol="0" anchor="ctr"/>
+          <a:lstStyle/>
+          <a:p>
+            <a:pPr algn="ctr"/>
+            <a:endParaRPr lang="en-US">
+              <a:solidFill>
+                <a:schemeClr val="tx1"/>
+              </a:solidFill>
+            </a:endParaRPr>
+          </a:p>
+        </p:txBody>
+      </p:sp>
+    </p:spTree>
+    <p:extLst>
+      <p:ext uri="{BB962C8B-B14F-4D97-AF65-F5344CB8AC3E}">
+        <p14:creationId xmlns:p14="http://schemas.microsoft.com/office/powerpoint/2010/main" val="3444498268"/>
       </p:ext>
     </p:extLst>
   </p:cSld>

--- a/docs/diagrams.pptx
+++ b/docs/diagrams.pptx
@@ -219,7 +219,7 @@
           <a:p>
             <a:fld id="{506A5DBC-B4BE-8745-8D4D-314A9AE71DAF}" type="datetimeFigureOut">
               <a:rPr lang="en-US" smtClean="0"/>
-              <a:t>3/19/12</a:t>
+              <a:t>3/23/12</a:t>
             </a:fld>
             <a:endParaRPr lang="en-US"/>
           </a:p>
@@ -752,7 +752,7 @@
           <a:p>
             <a:fld id="{C8A96B5A-AEDD-3F4A-8AFF-D59A389E47DC}" type="datetimeFigureOut">
               <a:rPr lang="en-US" smtClean="0"/>
-              <a:t>3/19/12</a:t>
+              <a:t>3/23/12</a:t>
             </a:fld>
             <a:endParaRPr lang="en-US"/>
           </a:p>
@@ -922,7 +922,7 @@
           <a:p>
             <a:fld id="{C8A96B5A-AEDD-3F4A-8AFF-D59A389E47DC}" type="datetimeFigureOut">
               <a:rPr lang="en-US" smtClean="0"/>
-              <a:t>3/19/12</a:t>
+              <a:t>3/23/12</a:t>
             </a:fld>
             <a:endParaRPr lang="en-US"/>
           </a:p>
@@ -1102,7 +1102,7 @@
           <a:p>
             <a:fld id="{C8A96B5A-AEDD-3F4A-8AFF-D59A389E47DC}" type="datetimeFigureOut">
               <a:rPr lang="en-US" smtClean="0"/>
-              <a:t>3/19/12</a:t>
+              <a:t>3/23/12</a:t>
             </a:fld>
             <a:endParaRPr lang="en-US"/>
           </a:p>
@@ -1272,7 +1272,7 @@
           <a:p>
             <a:fld id="{C8A96B5A-AEDD-3F4A-8AFF-D59A389E47DC}" type="datetimeFigureOut">
               <a:rPr lang="en-US" smtClean="0"/>
-              <a:t>3/19/12</a:t>
+              <a:t>3/23/12</a:t>
             </a:fld>
             <a:endParaRPr lang="en-US"/>
           </a:p>
@@ -1518,7 +1518,7 @@
           <a:p>
             <a:fld id="{C8A96B5A-AEDD-3F4A-8AFF-D59A389E47DC}" type="datetimeFigureOut">
               <a:rPr lang="en-US" smtClean="0"/>
-              <a:t>3/19/12</a:t>
+              <a:t>3/23/12</a:t>
             </a:fld>
             <a:endParaRPr lang="en-US"/>
           </a:p>
@@ -1806,7 +1806,7 @@
           <a:p>
             <a:fld id="{C8A96B5A-AEDD-3F4A-8AFF-D59A389E47DC}" type="datetimeFigureOut">
               <a:rPr lang="en-US" smtClean="0"/>
-              <a:t>3/19/12</a:t>
+              <a:t>3/23/12</a:t>
             </a:fld>
             <a:endParaRPr lang="en-US"/>
           </a:p>
@@ -2228,7 +2228,7 @@
           <a:p>
             <a:fld id="{C8A96B5A-AEDD-3F4A-8AFF-D59A389E47DC}" type="datetimeFigureOut">
               <a:rPr lang="en-US" smtClean="0"/>
-              <a:t>3/19/12</a:t>
+              <a:t>3/23/12</a:t>
             </a:fld>
             <a:endParaRPr lang="en-US"/>
           </a:p>
@@ -2346,7 +2346,7 @@
           <a:p>
             <a:fld id="{C8A96B5A-AEDD-3F4A-8AFF-D59A389E47DC}" type="datetimeFigureOut">
               <a:rPr lang="en-US" smtClean="0"/>
-              <a:t>3/19/12</a:t>
+              <a:t>3/23/12</a:t>
             </a:fld>
             <a:endParaRPr lang="en-US"/>
           </a:p>
@@ -2441,7 +2441,7 @@
           <a:p>
             <a:fld id="{C8A96B5A-AEDD-3F4A-8AFF-D59A389E47DC}" type="datetimeFigureOut">
               <a:rPr lang="en-US" smtClean="0"/>
-              <a:t>3/19/12</a:t>
+              <a:t>3/23/12</a:t>
             </a:fld>
             <a:endParaRPr lang="en-US"/>
           </a:p>
@@ -2718,7 +2718,7 @@
           <a:p>
             <a:fld id="{C8A96B5A-AEDD-3F4A-8AFF-D59A389E47DC}" type="datetimeFigureOut">
               <a:rPr lang="en-US" smtClean="0"/>
-              <a:t>3/19/12</a:t>
+              <a:t>3/23/12</a:t>
             </a:fld>
             <a:endParaRPr lang="en-US"/>
           </a:p>
@@ -2971,7 +2971,7 @@
           <a:p>
             <a:fld id="{C8A96B5A-AEDD-3F4A-8AFF-D59A389E47DC}" type="datetimeFigureOut">
               <a:rPr lang="en-US" smtClean="0"/>
-              <a:t>3/19/12</a:t>
+              <a:t>3/23/12</a:t>
             </a:fld>
             <a:endParaRPr lang="en-US"/>
           </a:p>
@@ -3184,7 +3184,7 @@
           <a:p>
             <a:fld id="{C8A96B5A-AEDD-3F4A-8AFF-D59A389E47DC}" type="datetimeFigureOut">
               <a:rPr lang="en-US" smtClean="0"/>
-              <a:t>3/19/12</a:t>
+              <a:t>3/23/12</a:t>
             </a:fld>
             <a:endParaRPr lang="en-US"/>
           </a:p>
@@ -3835,13 +3835,8 @@
           <a:p>
             <a:r>
               <a:rPr lang="en-US" sz="1600" dirty="0" smtClean="0"/>
-              <a:t>POST ‘</a:t>
-            </a:r>
-            <a:r>
-              <a:rPr lang="en-US" sz="1600" dirty="0" smtClean="0"/>
-              <a:t>/new’</a:t>
-            </a:r>
-            <a:endParaRPr lang="en-US" sz="1600" dirty="0" smtClean="0"/>
+              <a:t>POST ‘/new’</a:t>
+            </a:r>
           </a:p>
         </p:txBody>
       </p:sp>
@@ -5285,13 +5280,8 @@
           <a:p>
             <a:r>
               <a:rPr lang="en-US" sz="1600" dirty="0" smtClean="0"/>
-              <a:t>POST ‘</a:t>
-            </a:r>
-            <a:r>
-              <a:rPr lang="en-US" sz="1600" dirty="0" smtClean="0"/>
-              <a:t>/new’</a:t>
-            </a:r>
-            <a:endParaRPr lang="en-US" sz="1600" dirty="0" smtClean="0"/>
+              <a:t>POST ‘/new’</a:t>
+            </a:r>
           </a:p>
         </p:txBody>
       </p:sp>
@@ -6532,17 +6522,8 @@
           <a:p>
             <a:r>
               <a:rPr lang="en-US" sz="1600" dirty="0" smtClean="0"/>
-              <a:t>GET </a:t>
-            </a:r>
-            <a:r>
-              <a:rPr lang="en-US" sz="1600" dirty="0" smtClean="0"/>
-              <a:t>‘</a:t>
-            </a:r>
-            <a:r>
-              <a:rPr lang="en-US" sz="1600" dirty="0" smtClean="0"/>
-              <a:t>/articles’</a:t>
-            </a:r>
-            <a:endParaRPr lang="en-US" sz="1600" dirty="0" smtClean="0"/>
+              <a:t>GET ‘/articles’</a:t>
+            </a:r>
           </a:p>
         </p:txBody>
       </p:sp>
@@ -6817,11 +6798,7 @@
             <a:pPr algn="ctr"/>
             <a:r>
               <a:rPr lang="en-US" b="1" dirty="0" smtClean="0"/>
-              <a:t>Home </a:t>
-            </a:r>
-            <a:r>
-              <a:rPr lang="en-US" b="1" dirty="0" smtClean="0"/>
-              <a:t>Page</a:t>
+              <a:t>Home Page</a:t>
             </a:r>
             <a:endParaRPr lang="en-US" b="1" dirty="0"/>
           </a:p>
@@ -13506,9 +13483,269 @@
           </a:p>
         </p:txBody>
       </p:sp>
+      <p:cxnSp>
+        <p:nvCxnSpPr>
+          <p:cNvPr id="12" name="Straight Arrow Connector 11"/>
+          <p:cNvCxnSpPr>
+            <a:endCxn id="3" idx="3"/>
+          </p:cNvCxnSpPr>
+          <p:nvPr/>
+        </p:nvCxnSpPr>
+        <p:spPr>
+          <a:xfrm flipH="1">
+            <a:off x="3945105" y="1621747"/>
+            <a:ext cx="1826900" cy="1216840"/>
+          </a:xfrm>
+          <a:prstGeom prst="straightConnector1">
+            <a:avLst/>
+          </a:prstGeom>
+          <a:ln>
+            <a:tailEnd type="arrow"/>
+          </a:ln>
+        </p:spPr>
+        <p:style>
+          <a:lnRef idx="2">
+            <a:schemeClr val="dk1"/>
+          </a:lnRef>
+          <a:fillRef idx="0">
+            <a:schemeClr val="dk1"/>
+          </a:fillRef>
+          <a:effectRef idx="1">
+            <a:schemeClr val="dk1"/>
+          </a:effectRef>
+          <a:fontRef idx="minor">
+            <a:schemeClr val="tx1"/>
+          </a:fontRef>
+        </p:style>
+      </p:cxnSp>
+      <p:sp>
+        <p:nvSpPr>
+          <p:cNvPr id="17" name="TextBox 16"/>
+          <p:cNvSpPr txBox="1"/>
+          <p:nvPr/>
+        </p:nvSpPr>
+        <p:spPr>
+          <a:xfrm>
+            <a:off x="3945105" y="1298581"/>
+            <a:ext cx="1819510" cy="646331"/>
+          </a:xfrm>
+          <a:prstGeom prst="rect">
+            <a:avLst/>
+          </a:prstGeom>
+          <a:noFill/>
+        </p:spPr>
+        <p:txBody>
+          <a:bodyPr wrap="square" rtlCol="0">
+            <a:spAutoFit/>
+          </a:bodyPr>
+          <a:lstStyle/>
+          <a:p>
+            <a:r>
+              <a:rPr lang="en-US" dirty="0" smtClean="0"/>
+              <a:t>Events: update, click, input </a:t>
+            </a:r>
+            <a:endParaRPr lang="en-US" dirty="0"/>
+          </a:p>
+        </p:txBody>
+      </p:sp>
+      <p:cxnSp>
+        <p:nvCxnSpPr>
+          <p:cNvPr id="19" name="Curved Connector 18"/>
+          <p:cNvCxnSpPr>
+            <a:stCxn id="3" idx="1"/>
+            <a:endCxn id="3" idx="0"/>
+          </p:cNvCxnSpPr>
+          <p:nvPr/>
+        </p:nvCxnSpPr>
+        <p:spPr>
+          <a:xfrm rot="10800000" flipH="1">
+            <a:off x="2075442" y="2503477"/>
+            <a:ext cx="934831" cy="335110"/>
+          </a:xfrm>
+          <a:prstGeom prst="curvedConnector4">
+            <a:avLst>
+              <a:gd name="adj1" fmla="val -60932"/>
+              <a:gd name="adj2" fmla="val 269970"/>
+            </a:avLst>
+          </a:prstGeom>
+          <a:ln>
+            <a:tailEnd type="arrow"/>
+          </a:ln>
+        </p:spPr>
+        <p:style>
+          <a:lnRef idx="2">
+            <a:schemeClr val="dk1"/>
+          </a:lnRef>
+          <a:fillRef idx="0">
+            <a:schemeClr val="dk1"/>
+          </a:fillRef>
+          <a:effectRef idx="1">
+            <a:schemeClr val="dk1"/>
+          </a:effectRef>
+          <a:fontRef idx="minor">
+            <a:schemeClr val="tx1"/>
+          </a:fontRef>
+        </p:style>
+      </p:cxnSp>
+      <p:sp>
+        <p:nvSpPr>
+          <p:cNvPr id="22" name="TextBox 21"/>
+          <p:cNvSpPr txBox="1"/>
+          <p:nvPr/>
+        </p:nvSpPr>
+        <p:spPr>
+          <a:xfrm>
+            <a:off x="1032016" y="1621747"/>
+            <a:ext cx="817877" cy="369332"/>
+          </a:xfrm>
+          <a:prstGeom prst="rect">
+            <a:avLst/>
+          </a:prstGeom>
+          <a:noFill/>
+        </p:spPr>
+        <p:txBody>
+          <a:bodyPr wrap="none" rtlCol="0">
+            <a:spAutoFit/>
+          </a:bodyPr>
+          <a:lstStyle/>
+          <a:p>
+            <a:r>
+              <a:rPr lang="en-US" dirty="0" smtClean="0"/>
+              <a:t>render</a:t>
+            </a:r>
+            <a:endParaRPr lang="en-US" dirty="0"/>
+          </a:p>
+        </p:txBody>
+      </p:sp>
+      <p:cxnSp>
+        <p:nvCxnSpPr>
+          <p:cNvPr id="23" name="Straight Arrow Connector 22"/>
+          <p:cNvCxnSpPr/>
+          <p:nvPr/>
+        </p:nvCxnSpPr>
+        <p:spPr>
+          <a:xfrm>
+            <a:off x="2631918" y="3203231"/>
+            <a:ext cx="0" cy="1216840"/>
+          </a:xfrm>
+          <a:prstGeom prst="straightConnector1">
+            <a:avLst/>
+          </a:prstGeom>
+          <a:ln>
+            <a:tailEnd type="arrow"/>
+          </a:ln>
+        </p:spPr>
+        <p:style>
+          <a:lnRef idx="2">
+            <a:schemeClr val="dk1"/>
+          </a:lnRef>
+          <a:fillRef idx="0">
+            <a:schemeClr val="dk1"/>
+          </a:fillRef>
+          <a:effectRef idx="1">
+            <a:schemeClr val="dk1"/>
+          </a:effectRef>
+          <a:fontRef idx="minor">
+            <a:schemeClr val="tx1"/>
+          </a:fontRef>
+        </p:style>
+      </p:cxnSp>
+      <p:cxnSp>
+        <p:nvCxnSpPr>
+          <p:cNvPr id="26" name="Straight Arrow Connector 25"/>
+          <p:cNvCxnSpPr/>
+          <p:nvPr/>
+        </p:nvCxnSpPr>
+        <p:spPr>
+          <a:xfrm flipV="1">
+            <a:off x="3462525" y="3173697"/>
+            <a:ext cx="0" cy="1246374"/>
+          </a:xfrm>
+          <a:prstGeom prst="straightConnector1">
+            <a:avLst/>
+          </a:prstGeom>
+          <a:ln>
+            <a:tailEnd type="arrow"/>
+          </a:ln>
+        </p:spPr>
+        <p:style>
+          <a:lnRef idx="2">
+            <a:schemeClr val="dk1"/>
+          </a:lnRef>
+          <a:fillRef idx="0">
+            <a:schemeClr val="dk1"/>
+          </a:fillRef>
+          <a:effectRef idx="1">
+            <a:schemeClr val="dk1"/>
+          </a:effectRef>
+          <a:fontRef idx="minor">
+            <a:schemeClr val="tx1"/>
+          </a:fontRef>
+        </p:style>
+      </p:cxnSp>
+      <p:sp>
+        <p:nvSpPr>
+          <p:cNvPr id="28" name="TextBox 27"/>
+          <p:cNvSpPr txBox="1"/>
+          <p:nvPr/>
+        </p:nvSpPr>
+        <p:spPr>
+          <a:xfrm>
+            <a:off x="1649823" y="3262768"/>
+            <a:ext cx="851240" cy="369332"/>
+          </a:xfrm>
+          <a:prstGeom prst="rect">
+            <a:avLst/>
+          </a:prstGeom>
+          <a:noFill/>
+        </p:spPr>
+        <p:txBody>
+          <a:bodyPr wrap="none" rtlCol="0">
+            <a:spAutoFit/>
+          </a:bodyPr>
+          <a:lstStyle/>
+          <a:p>
+            <a:r>
+              <a:rPr lang="en-US" dirty="0" smtClean="0"/>
+              <a:t>update</a:t>
+            </a:r>
+            <a:endParaRPr lang="en-US" dirty="0"/>
+          </a:p>
+        </p:txBody>
+      </p:sp>
+      <p:sp>
+        <p:nvSpPr>
+          <p:cNvPr id="29" name="TextBox 28"/>
+          <p:cNvSpPr txBox="1"/>
+          <p:nvPr/>
+        </p:nvSpPr>
+        <p:spPr>
+          <a:xfrm>
+            <a:off x="3487788" y="4001432"/>
+            <a:ext cx="731202" cy="369332"/>
+          </a:xfrm>
+          <a:prstGeom prst="rect">
+            <a:avLst/>
+          </a:prstGeom>
+          <a:noFill/>
+        </p:spPr>
+        <p:txBody>
+          <a:bodyPr wrap="none" rtlCol="0">
+            <a:spAutoFit/>
+          </a:bodyPr>
+          <a:lstStyle/>
+          <a:p>
+            <a:r>
+              <a:rPr lang="en-US" dirty="0" smtClean="0"/>
+              <a:t>notify</a:t>
+            </a:r>
+            <a:endParaRPr lang="en-US" dirty="0"/>
+          </a:p>
+        </p:txBody>
+      </p:sp>
       <p:pic>
         <p:nvPicPr>
-          <p:cNvPr id="11" name="Picture 10"/>
+          <p:cNvPr id="6" name="Picture 5"/>
           <p:cNvPicPr>
             <a:picLocks noChangeAspect="1"/>
           </p:cNvPicPr>
@@ -13522,275 +13759,15 @@
         </p:blipFill>
         <p:spPr>
           <a:xfrm>
-            <a:off x="5772005" y="740017"/>
-            <a:ext cx="2351280" cy="1763460"/>
+            <a:off x="5772005" y="314706"/>
+            <a:ext cx="1815267" cy="1967749"/>
           </a:xfrm>
           <a:prstGeom prst="rect">
             <a:avLst/>
           </a:prstGeom>
+          <a:effectLst/>
         </p:spPr>
       </p:pic>
-      <p:cxnSp>
-        <p:nvCxnSpPr>
-          <p:cNvPr id="12" name="Straight Arrow Connector 11"/>
-          <p:cNvCxnSpPr>
-            <a:stCxn id="11" idx="1"/>
-            <a:endCxn id="3" idx="3"/>
-          </p:cNvCxnSpPr>
-          <p:nvPr/>
-        </p:nvCxnSpPr>
-        <p:spPr>
-          <a:xfrm flipH="1">
-            <a:off x="3945105" y="1621747"/>
-            <a:ext cx="1826900" cy="1216840"/>
-          </a:xfrm>
-          <a:prstGeom prst="straightConnector1">
-            <a:avLst/>
-          </a:prstGeom>
-          <a:ln>
-            <a:tailEnd type="arrow"/>
-          </a:ln>
-        </p:spPr>
-        <p:style>
-          <a:lnRef idx="2">
-            <a:schemeClr val="dk1"/>
-          </a:lnRef>
-          <a:fillRef idx="0">
-            <a:schemeClr val="dk1"/>
-          </a:fillRef>
-          <a:effectRef idx="1">
-            <a:schemeClr val="dk1"/>
-          </a:effectRef>
-          <a:fontRef idx="minor">
-            <a:schemeClr val="tx1"/>
-          </a:fontRef>
-        </p:style>
-      </p:cxnSp>
-      <p:sp>
-        <p:nvSpPr>
-          <p:cNvPr id="17" name="TextBox 16"/>
-          <p:cNvSpPr txBox="1"/>
-          <p:nvPr/>
-        </p:nvSpPr>
-        <p:spPr>
-          <a:xfrm>
-            <a:off x="3945105" y="1298581"/>
-            <a:ext cx="1819510" cy="646331"/>
-          </a:xfrm>
-          <a:prstGeom prst="rect">
-            <a:avLst/>
-          </a:prstGeom>
-          <a:noFill/>
-        </p:spPr>
-        <p:txBody>
-          <a:bodyPr wrap="square" rtlCol="0">
-            <a:spAutoFit/>
-          </a:bodyPr>
-          <a:lstStyle/>
-          <a:p>
-            <a:r>
-              <a:rPr lang="en-US" dirty="0" smtClean="0"/>
-              <a:t>Events: update, click, input </a:t>
-            </a:r>
-            <a:endParaRPr lang="en-US" dirty="0"/>
-          </a:p>
-        </p:txBody>
-      </p:sp>
-      <p:cxnSp>
-        <p:nvCxnSpPr>
-          <p:cNvPr id="19" name="Curved Connector 18"/>
-          <p:cNvCxnSpPr>
-            <a:stCxn id="3" idx="1"/>
-            <a:endCxn id="3" idx="0"/>
-          </p:cNvCxnSpPr>
-          <p:nvPr/>
-        </p:nvCxnSpPr>
-        <p:spPr>
-          <a:xfrm rot="10800000" flipH="1">
-            <a:off x="2075442" y="2503477"/>
-            <a:ext cx="934831" cy="335110"/>
-          </a:xfrm>
-          <a:prstGeom prst="curvedConnector4">
-            <a:avLst>
-              <a:gd name="adj1" fmla="val -60932"/>
-              <a:gd name="adj2" fmla="val 269970"/>
-            </a:avLst>
-          </a:prstGeom>
-          <a:ln>
-            <a:tailEnd type="arrow"/>
-          </a:ln>
-        </p:spPr>
-        <p:style>
-          <a:lnRef idx="2">
-            <a:schemeClr val="dk1"/>
-          </a:lnRef>
-          <a:fillRef idx="0">
-            <a:schemeClr val="dk1"/>
-          </a:fillRef>
-          <a:effectRef idx="1">
-            <a:schemeClr val="dk1"/>
-          </a:effectRef>
-          <a:fontRef idx="minor">
-            <a:schemeClr val="tx1"/>
-          </a:fontRef>
-        </p:style>
-      </p:cxnSp>
-      <p:sp>
-        <p:nvSpPr>
-          <p:cNvPr id="22" name="TextBox 21"/>
-          <p:cNvSpPr txBox="1"/>
-          <p:nvPr/>
-        </p:nvSpPr>
-        <p:spPr>
-          <a:xfrm>
-            <a:off x="1032016" y="1621747"/>
-            <a:ext cx="817877" cy="369332"/>
-          </a:xfrm>
-          <a:prstGeom prst="rect">
-            <a:avLst/>
-          </a:prstGeom>
-          <a:noFill/>
-        </p:spPr>
-        <p:txBody>
-          <a:bodyPr wrap="none" rtlCol="0">
-            <a:spAutoFit/>
-          </a:bodyPr>
-          <a:lstStyle/>
-          <a:p>
-            <a:r>
-              <a:rPr lang="en-US" dirty="0" smtClean="0"/>
-              <a:t>render</a:t>
-            </a:r>
-            <a:endParaRPr lang="en-US" dirty="0"/>
-          </a:p>
-        </p:txBody>
-      </p:sp>
-      <p:cxnSp>
-        <p:nvCxnSpPr>
-          <p:cNvPr id="23" name="Straight Arrow Connector 22"/>
-          <p:cNvCxnSpPr/>
-          <p:nvPr/>
-        </p:nvCxnSpPr>
-        <p:spPr>
-          <a:xfrm>
-            <a:off x="2631918" y="3203231"/>
-            <a:ext cx="0" cy="1216840"/>
-          </a:xfrm>
-          <a:prstGeom prst="straightConnector1">
-            <a:avLst/>
-          </a:prstGeom>
-          <a:ln>
-            <a:tailEnd type="arrow"/>
-          </a:ln>
-        </p:spPr>
-        <p:style>
-          <a:lnRef idx="2">
-            <a:schemeClr val="dk1"/>
-          </a:lnRef>
-          <a:fillRef idx="0">
-            <a:schemeClr val="dk1"/>
-          </a:fillRef>
-          <a:effectRef idx="1">
-            <a:schemeClr val="dk1"/>
-          </a:effectRef>
-          <a:fontRef idx="minor">
-            <a:schemeClr val="tx1"/>
-          </a:fontRef>
-        </p:style>
-      </p:cxnSp>
-      <p:cxnSp>
-        <p:nvCxnSpPr>
-          <p:cNvPr id="26" name="Straight Arrow Connector 25"/>
-          <p:cNvCxnSpPr/>
-          <p:nvPr/>
-        </p:nvCxnSpPr>
-        <p:spPr>
-          <a:xfrm flipV="1">
-            <a:off x="3462525" y="3173697"/>
-            <a:ext cx="0" cy="1246374"/>
-          </a:xfrm>
-          <a:prstGeom prst="straightConnector1">
-            <a:avLst/>
-          </a:prstGeom>
-          <a:ln>
-            <a:tailEnd type="arrow"/>
-          </a:ln>
-        </p:spPr>
-        <p:style>
-          <a:lnRef idx="2">
-            <a:schemeClr val="dk1"/>
-          </a:lnRef>
-          <a:fillRef idx="0">
-            <a:schemeClr val="dk1"/>
-          </a:fillRef>
-          <a:effectRef idx="1">
-            <a:schemeClr val="dk1"/>
-          </a:effectRef>
-          <a:fontRef idx="minor">
-            <a:schemeClr val="tx1"/>
-          </a:fontRef>
-        </p:style>
-      </p:cxnSp>
-      <p:sp>
-        <p:nvSpPr>
-          <p:cNvPr id="28" name="TextBox 27"/>
-          <p:cNvSpPr txBox="1"/>
-          <p:nvPr/>
-        </p:nvSpPr>
-        <p:spPr>
-          <a:xfrm>
-            <a:off x="1649823" y="3262768"/>
-            <a:ext cx="851240" cy="369332"/>
-          </a:xfrm>
-          <a:prstGeom prst="rect">
-            <a:avLst/>
-          </a:prstGeom>
-          <a:noFill/>
-        </p:spPr>
-        <p:txBody>
-          <a:bodyPr wrap="none" rtlCol="0">
-            <a:spAutoFit/>
-          </a:bodyPr>
-          <a:lstStyle/>
-          <a:p>
-            <a:r>
-              <a:rPr lang="en-US" dirty="0" smtClean="0"/>
-              <a:t>update</a:t>
-            </a:r>
-            <a:endParaRPr lang="en-US" dirty="0"/>
-          </a:p>
-        </p:txBody>
-      </p:sp>
-      <p:sp>
-        <p:nvSpPr>
-          <p:cNvPr id="29" name="TextBox 28"/>
-          <p:cNvSpPr txBox="1"/>
-          <p:nvPr/>
-        </p:nvSpPr>
-        <p:spPr>
-          <a:xfrm>
-            <a:off x="3487788" y="4001432"/>
-            <a:ext cx="731202" cy="369332"/>
-          </a:xfrm>
-          <a:prstGeom prst="rect">
-            <a:avLst/>
-          </a:prstGeom>
-          <a:noFill/>
-        </p:spPr>
-        <p:txBody>
-          <a:bodyPr wrap="none" rtlCol="0">
-            <a:spAutoFit/>
-          </a:bodyPr>
-          <a:lstStyle/>
-          <a:p>
-            <a:r>
-              <a:rPr lang="en-US" dirty="0" smtClean="0"/>
-              <a:t>notify</a:t>
-            </a:r>
-            <a:endParaRPr lang="en-US" dirty="0"/>
-          </a:p>
-        </p:txBody>
-      </p:sp>
     </p:spTree>
     <p:extLst>
       <p:ext uri="{BB962C8B-B14F-4D97-AF65-F5344CB8AC3E}">
@@ -19852,21 +19829,8 @@
           <a:p>
             <a:r>
               <a:rPr lang="en-US" sz="1600" dirty="0" smtClean="0"/>
-              <a:t>POST ‘</a:t>
-            </a:r>
-            <a:r>
-              <a:rPr lang="en-US" sz="1600" dirty="0" smtClean="0"/>
-              <a:t>/</a:t>
-            </a:r>
-            <a:r>
-              <a:rPr lang="en-US" sz="1600" dirty="0" smtClean="0"/>
-              <a:t>new</a:t>
-            </a:r>
-            <a:r>
-              <a:rPr lang="en-US" sz="1600" dirty="0" smtClean="0"/>
-              <a:t>’</a:t>
-            </a:r>
-            <a:endParaRPr lang="en-US" sz="1600" dirty="0" smtClean="0"/>
+              <a:t>POST ‘/new’</a:t>
+            </a:r>
           </a:p>
         </p:txBody>
       </p:sp>
@@ -21005,13 +20969,8 @@
           <a:p>
             <a:r>
               <a:rPr lang="en-US" sz="1600" dirty="0" smtClean="0"/>
-              <a:t>POST ‘</a:t>
-            </a:r>
-            <a:r>
-              <a:rPr lang="en-US" sz="1600" dirty="0" smtClean="0"/>
-              <a:t>/new’</a:t>
-            </a:r>
-            <a:endParaRPr lang="en-US" sz="1600" dirty="0" smtClean="0"/>
+              <a:t>POST ‘/new’</a:t>
+            </a:r>
           </a:p>
         </p:txBody>
       </p:sp>
@@ -22359,13 +22318,8 @@
           <a:p>
             <a:r>
               <a:rPr lang="en-US" sz="1600" dirty="0" smtClean="0"/>
-              <a:t>POST ‘</a:t>
-            </a:r>
-            <a:r>
-              <a:rPr lang="en-US" sz="1600" dirty="0" smtClean="0"/>
-              <a:t>/new’</a:t>
-            </a:r>
-            <a:endParaRPr lang="en-US" sz="1600" dirty="0" smtClean="0"/>
+              <a:t>POST ‘/new’</a:t>
+            </a:r>
           </a:p>
         </p:txBody>
       </p:sp>

--- a/docs/diagrams.pptx
+++ b/docs/diagrams.pptx
@@ -219,7 +219,7 @@
           <a:p>
             <a:fld id="{506A5DBC-B4BE-8745-8D4D-314A9AE71DAF}" type="datetimeFigureOut">
               <a:rPr lang="en-US" smtClean="0"/>
-              <a:t>3/23/12</a:t>
+              <a:t>3/29/12</a:t>
             </a:fld>
             <a:endParaRPr lang="en-US"/>
           </a:p>
@@ -752,7 +752,7 @@
           <a:p>
             <a:fld id="{C8A96B5A-AEDD-3F4A-8AFF-D59A389E47DC}" type="datetimeFigureOut">
               <a:rPr lang="en-US" smtClean="0"/>
-              <a:t>3/23/12</a:t>
+              <a:t>3/29/12</a:t>
             </a:fld>
             <a:endParaRPr lang="en-US"/>
           </a:p>
@@ -922,7 +922,7 @@
           <a:p>
             <a:fld id="{C8A96B5A-AEDD-3F4A-8AFF-D59A389E47DC}" type="datetimeFigureOut">
               <a:rPr lang="en-US" smtClean="0"/>
-              <a:t>3/23/12</a:t>
+              <a:t>3/29/12</a:t>
             </a:fld>
             <a:endParaRPr lang="en-US"/>
           </a:p>
@@ -1102,7 +1102,7 @@
           <a:p>
             <a:fld id="{C8A96B5A-AEDD-3F4A-8AFF-D59A389E47DC}" type="datetimeFigureOut">
               <a:rPr lang="en-US" smtClean="0"/>
-              <a:t>3/23/12</a:t>
+              <a:t>3/29/12</a:t>
             </a:fld>
             <a:endParaRPr lang="en-US"/>
           </a:p>
@@ -1272,7 +1272,7 @@
           <a:p>
             <a:fld id="{C8A96B5A-AEDD-3F4A-8AFF-D59A389E47DC}" type="datetimeFigureOut">
               <a:rPr lang="en-US" smtClean="0"/>
-              <a:t>3/23/12</a:t>
+              <a:t>3/29/12</a:t>
             </a:fld>
             <a:endParaRPr lang="en-US"/>
           </a:p>
@@ -1518,7 +1518,7 @@
           <a:p>
             <a:fld id="{C8A96B5A-AEDD-3F4A-8AFF-D59A389E47DC}" type="datetimeFigureOut">
               <a:rPr lang="en-US" smtClean="0"/>
-              <a:t>3/23/12</a:t>
+              <a:t>3/29/12</a:t>
             </a:fld>
             <a:endParaRPr lang="en-US"/>
           </a:p>
@@ -1806,7 +1806,7 @@
           <a:p>
             <a:fld id="{C8A96B5A-AEDD-3F4A-8AFF-D59A389E47DC}" type="datetimeFigureOut">
               <a:rPr lang="en-US" smtClean="0"/>
-              <a:t>3/23/12</a:t>
+              <a:t>3/29/12</a:t>
             </a:fld>
             <a:endParaRPr lang="en-US"/>
           </a:p>
@@ -2228,7 +2228,7 @@
           <a:p>
             <a:fld id="{C8A96B5A-AEDD-3F4A-8AFF-D59A389E47DC}" type="datetimeFigureOut">
               <a:rPr lang="en-US" smtClean="0"/>
-              <a:t>3/23/12</a:t>
+              <a:t>3/29/12</a:t>
             </a:fld>
             <a:endParaRPr lang="en-US"/>
           </a:p>
@@ -2346,7 +2346,7 @@
           <a:p>
             <a:fld id="{C8A96B5A-AEDD-3F4A-8AFF-D59A389E47DC}" type="datetimeFigureOut">
               <a:rPr lang="en-US" smtClean="0"/>
-              <a:t>3/23/12</a:t>
+              <a:t>3/29/12</a:t>
             </a:fld>
             <a:endParaRPr lang="en-US"/>
           </a:p>
@@ -2441,7 +2441,7 @@
           <a:p>
             <a:fld id="{C8A96B5A-AEDD-3F4A-8AFF-D59A389E47DC}" type="datetimeFigureOut">
               <a:rPr lang="en-US" smtClean="0"/>
-              <a:t>3/23/12</a:t>
+              <a:t>3/29/12</a:t>
             </a:fld>
             <a:endParaRPr lang="en-US"/>
           </a:p>
@@ -2718,7 +2718,7 @@
           <a:p>
             <a:fld id="{C8A96B5A-AEDD-3F4A-8AFF-D59A389E47DC}" type="datetimeFigureOut">
               <a:rPr lang="en-US" smtClean="0"/>
-              <a:t>3/23/12</a:t>
+              <a:t>3/29/12</a:t>
             </a:fld>
             <a:endParaRPr lang="en-US"/>
           </a:p>
@@ -2971,7 +2971,7 @@
           <a:p>
             <a:fld id="{C8A96B5A-AEDD-3F4A-8AFF-D59A389E47DC}" type="datetimeFigureOut">
               <a:rPr lang="en-US" smtClean="0"/>
-              <a:t>3/23/12</a:t>
+              <a:t>3/29/12</a:t>
             </a:fld>
             <a:endParaRPr lang="en-US"/>
           </a:p>
@@ -3184,7 +3184,7 @@
           <a:p>
             <a:fld id="{C8A96B5A-AEDD-3F4A-8AFF-D59A389E47DC}" type="datetimeFigureOut">
               <a:rPr lang="en-US" smtClean="0"/>
-              <a:t>3/23/12</a:t>
+              <a:t>3/29/12</a:t>
             </a:fld>
             <a:endParaRPr lang="en-US"/>
           </a:p>

--- a/docs/diagrams.pptx
+++ b/docs/diagrams.pptx
@@ -5,7 +5,7 @@
     <p:sldMasterId id="2147483648" r:id="rId1"/>
   </p:sldMasterIdLst>
   <p:notesMasterIdLst>
-    <p:notesMasterId r:id="rId30"/>
+    <p:notesMasterId r:id="rId31"/>
   </p:notesMasterIdLst>
   <p:sldIdLst>
     <p:sldId id="256" r:id="rId2"/>
@@ -36,6 +36,7 @@
     <p:sldId id="269" r:id="rId27"/>
     <p:sldId id="270" r:id="rId28"/>
     <p:sldId id="271" r:id="rId29"/>
+    <p:sldId id="284" r:id="rId30"/>
   </p:sldIdLst>
   <p:sldSz cx="9144000" cy="6858000" type="screen4x3"/>
   <p:notesSz cx="6858000" cy="9144000"/>
@@ -17559,6 +17560,5580 @@
     <p:extLst>
       <p:ext uri="{BB962C8B-B14F-4D97-AF65-F5344CB8AC3E}">
         <p14:creationId xmlns:p14="http://schemas.microsoft.com/office/powerpoint/2010/main" val="3444498268"/>
+      </p:ext>
+    </p:extLst>
+  </p:cSld>
+  <p:clrMapOvr>
+    <a:masterClrMapping/>
+  </p:clrMapOvr>
+</p:sld>
+</file>
+
+<file path=ppt/slides/slide29.xml><?xml version="1.0" encoding="utf-8"?>
+<p:sld xmlns:a="http://schemas.openxmlformats.org/drawingml/2006/main" xmlns:r="http://schemas.openxmlformats.org/officeDocument/2006/relationships" xmlns:p="http://schemas.openxmlformats.org/presentationml/2006/main">
+  <p:cSld>
+    <p:spTree>
+      <p:nvGrpSpPr>
+        <p:cNvPr id="1" name=""/>
+        <p:cNvGrpSpPr/>
+        <p:nvPr/>
+      </p:nvGrpSpPr>
+      <p:grpSpPr>
+        <a:xfrm>
+          <a:off x="0" y="0"/>
+          <a:ext cx="0" cy="0"/>
+          <a:chOff x="0" y="0"/>
+          <a:chExt cx="0" cy="0"/>
+        </a:xfrm>
+      </p:grpSpPr>
+      <p:graphicFrame>
+        <p:nvGraphicFramePr>
+          <p:cNvPr id="7" name="Table 6"/>
+          <p:cNvGraphicFramePr>
+            <a:graphicFrameLocks noGrp="1"/>
+          </p:cNvGraphicFramePr>
+          <p:nvPr>
+            <p:extLst>
+              <p:ext uri="{D42A27DB-BD31-4B8C-83A1-F6EECF244321}">
+                <p14:modId xmlns:p14="http://schemas.microsoft.com/office/powerpoint/2010/main" val="1003126347"/>
+              </p:ext>
+            </p:extLst>
+          </p:nvPr>
+        </p:nvGraphicFramePr>
+        <p:xfrm>
+          <a:off x="457200" y="2143239"/>
+          <a:ext cx="8229599" cy="3439885"/>
+        </p:xfrm>
+        <a:graphic>
+          <a:graphicData uri="http://schemas.openxmlformats.org/drawingml/2006/table">
+            <a:tbl>
+              <a:tblPr/>
+              <a:tblGrid>
+                <a:gridCol w="2264229"/>
+                <a:gridCol w="903514"/>
+                <a:gridCol w="1088571"/>
+                <a:gridCol w="827314"/>
+                <a:gridCol w="859971"/>
+                <a:gridCol w="402771"/>
+                <a:gridCol w="957943"/>
+                <a:gridCol w="925286"/>
+              </a:tblGrid>
+              <a:tr h="446314">
+                <a:tc>
+                  <a:txBody>
+                    <a:bodyPr/>
+                    <a:lstStyle/>
+                    <a:p>
+                      <a:pPr algn="l" fontAlgn="b"/>
+                      <a:r>
+                        <a:rPr lang="en-US" sz="1000" b="0" i="0" u="none" strike="noStrike">
+                          <a:solidFill>
+                            <a:srgbClr val="000000"/>
+                          </a:solidFill>
+                          <a:effectLst/>
+                          <a:latin typeface="Calibri"/>
+                        </a:rPr>
+                        <a:t> </a:t>
+                      </a:r>
+                    </a:p>
+                  </a:txBody>
+                  <a:tcPr marL="10886" marR="10886" marT="10886" marB="0" anchor="b">
+                    <a:lnL w="6350" cap="flat" cmpd="sng" algn="ctr">
+                      <a:solidFill>
+                        <a:srgbClr val="000000"/>
+                      </a:solidFill>
+                      <a:prstDash val="solid"/>
+                      <a:round/>
+                      <a:headEnd type="none" w="med" len="med"/>
+                      <a:tailEnd type="none" w="med" len="med"/>
+                    </a:lnL>
+                    <a:lnR w="6350" cap="flat" cmpd="sng" algn="ctr">
+                      <a:solidFill>
+                        <a:srgbClr val="000000"/>
+                      </a:solidFill>
+                      <a:prstDash val="solid"/>
+                      <a:round/>
+                      <a:headEnd type="none" w="med" len="med"/>
+                      <a:tailEnd type="none" w="med" len="med"/>
+                    </a:lnR>
+                    <a:lnT w="6350" cap="flat" cmpd="sng" algn="ctr">
+                      <a:solidFill>
+                        <a:srgbClr val="000000"/>
+                      </a:solidFill>
+                      <a:prstDash val="solid"/>
+                      <a:round/>
+                      <a:headEnd type="none" w="med" len="med"/>
+                      <a:tailEnd type="none" w="med" len="med"/>
+                    </a:lnT>
+                    <a:lnB w="12700" cap="flat" cmpd="sng" algn="ctr">
+                      <a:solidFill>
+                        <a:srgbClr val="000000"/>
+                      </a:solidFill>
+                      <a:prstDash val="solid"/>
+                      <a:round/>
+                      <a:headEnd type="none" w="med" len="med"/>
+                      <a:tailEnd type="none" w="med" len="med"/>
+                    </a:lnB>
+                  </a:tcPr>
+                </a:tc>
+                <a:tc>
+                  <a:txBody>
+                    <a:bodyPr/>
+                    <a:lstStyle/>
+                    <a:p>
+                      <a:pPr algn="ctr" fontAlgn="t"/>
+                      <a:r>
+                        <a:rPr lang="en-US" sz="1400" b="1" i="0" u="none" strike="noStrike">
+                          <a:solidFill>
+                            <a:srgbClr val="16365C"/>
+                          </a:solidFill>
+                          <a:effectLst/>
+                          <a:latin typeface="Calibri"/>
+                        </a:rPr>
+                        <a:t>Firefox Android 11</a:t>
+                      </a:r>
+                    </a:p>
+                  </a:txBody>
+                  <a:tcPr marL="10886" marR="10886" marT="10886" marB="0">
+                    <a:lnL w="6350" cap="flat" cmpd="sng" algn="ctr">
+                      <a:solidFill>
+                        <a:srgbClr val="000000"/>
+                      </a:solidFill>
+                      <a:prstDash val="solid"/>
+                      <a:round/>
+                      <a:headEnd type="none" w="med" len="med"/>
+                      <a:tailEnd type="none" w="med" len="med"/>
+                    </a:lnL>
+                    <a:lnR w="6350" cap="flat" cmpd="sng" algn="ctr">
+                      <a:solidFill>
+                        <a:srgbClr val="000000"/>
+                      </a:solidFill>
+                      <a:prstDash val="solid"/>
+                      <a:round/>
+                      <a:headEnd type="none" w="med" len="med"/>
+                      <a:tailEnd type="none" w="med" len="med"/>
+                    </a:lnR>
+                    <a:lnT w="6350" cap="flat" cmpd="sng" algn="ctr">
+                      <a:solidFill>
+                        <a:srgbClr val="000000"/>
+                      </a:solidFill>
+                      <a:prstDash val="solid"/>
+                      <a:round/>
+                      <a:headEnd type="none" w="med" len="med"/>
+                      <a:tailEnd type="none" w="med" len="med"/>
+                    </a:lnT>
+                    <a:lnB w="12700" cap="flat" cmpd="sng" algn="ctr">
+                      <a:solidFill>
+                        <a:srgbClr val="000000"/>
+                      </a:solidFill>
+                      <a:prstDash val="solid"/>
+                      <a:round/>
+                      <a:headEnd type="none" w="med" len="med"/>
+                      <a:tailEnd type="none" w="med" len="med"/>
+                    </a:lnB>
+                    <a:solidFill>
+                      <a:srgbClr val="C5D9F1"/>
+                    </a:solidFill>
+                  </a:tcPr>
+                </a:tc>
+                <a:tc>
+                  <a:txBody>
+                    <a:bodyPr/>
+                    <a:lstStyle/>
+                    <a:p>
+                      <a:pPr algn="ctr" fontAlgn="t"/>
+                      <a:r>
+                        <a:rPr lang="en-US" sz="1400" b="1" i="0" u="none" strike="noStrike">
+                          <a:solidFill>
+                            <a:srgbClr val="16365C"/>
+                          </a:solidFill>
+                          <a:effectLst/>
+                          <a:latin typeface="Calibri"/>
+                        </a:rPr>
+                        <a:t>Opera Mobile 11.50</a:t>
+                      </a:r>
+                    </a:p>
+                  </a:txBody>
+                  <a:tcPr marL="10886" marR="10886" marT="10886" marB="0">
+                    <a:lnL w="6350" cap="flat" cmpd="sng" algn="ctr">
+                      <a:solidFill>
+                        <a:srgbClr val="000000"/>
+                      </a:solidFill>
+                      <a:prstDash val="solid"/>
+                      <a:round/>
+                      <a:headEnd type="none" w="med" len="med"/>
+                      <a:tailEnd type="none" w="med" len="med"/>
+                    </a:lnL>
+                    <a:lnR w="6350" cap="flat" cmpd="sng" algn="ctr">
+                      <a:solidFill>
+                        <a:srgbClr val="000000"/>
+                      </a:solidFill>
+                      <a:prstDash val="solid"/>
+                      <a:round/>
+                      <a:headEnd type="none" w="med" len="med"/>
+                      <a:tailEnd type="none" w="med" len="med"/>
+                    </a:lnR>
+                    <a:lnT w="6350" cap="flat" cmpd="sng" algn="ctr">
+                      <a:solidFill>
+                        <a:srgbClr val="000000"/>
+                      </a:solidFill>
+                      <a:prstDash val="solid"/>
+                      <a:round/>
+                      <a:headEnd type="none" w="med" len="med"/>
+                      <a:tailEnd type="none" w="med" len="med"/>
+                    </a:lnT>
+                    <a:lnB w="12700" cap="flat" cmpd="sng" algn="ctr">
+                      <a:solidFill>
+                        <a:srgbClr val="000000"/>
+                      </a:solidFill>
+                      <a:prstDash val="solid"/>
+                      <a:round/>
+                      <a:headEnd type="none" w="med" len="med"/>
+                      <a:tailEnd type="none" w="med" len="med"/>
+                    </a:lnB>
+                    <a:solidFill>
+                      <a:srgbClr val="C5D9F1"/>
+                    </a:solidFill>
+                  </a:tcPr>
+                </a:tc>
+                <a:tc>
+                  <a:txBody>
+                    <a:bodyPr/>
+                    <a:lstStyle/>
+                    <a:p>
+                      <a:pPr algn="ctr" fontAlgn="t"/>
+                      <a:r>
+                        <a:rPr lang="en-US" sz="1400" b="1" i="0" u="none" strike="noStrike">
+                          <a:solidFill>
+                            <a:srgbClr val="16365C"/>
+                          </a:solidFill>
+                          <a:effectLst/>
+                          <a:latin typeface="Calibri"/>
+                        </a:rPr>
+                        <a:t>Android 4</a:t>
+                      </a:r>
+                    </a:p>
+                  </a:txBody>
+                  <a:tcPr marL="10886" marR="10886" marT="10886" marB="0">
+                    <a:lnL w="6350" cap="flat" cmpd="sng" algn="ctr">
+                      <a:solidFill>
+                        <a:srgbClr val="000000"/>
+                      </a:solidFill>
+                      <a:prstDash val="solid"/>
+                      <a:round/>
+                      <a:headEnd type="none" w="med" len="med"/>
+                      <a:tailEnd type="none" w="med" len="med"/>
+                    </a:lnL>
+                    <a:lnR w="6350" cap="flat" cmpd="sng" algn="ctr">
+                      <a:solidFill>
+                        <a:srgbClr val="000000"/>
+                      </a:solidFill>
+                      <a:prstDash val="solid"/>
+                      <a:round/>
+                      <a:headEnd type="none" w="med" len="med"/>
+                      <a:tailEnd type="none" w="med" len="med"/>
+                    </a:lnR>
+                    <a:lnT w="6350" cap="flat" cmpd="sng" algn="ctr">
+                      <a:solidFill>
+                        <a:srgbClr val="000000"/>
+                      </a:solidFill>
+                      <a:prstDash val="solid"/>
+                      <a:round/>
+                      <a:headEnd type="none" w="med" len="med"/>
+                      <a:tailEnd type="none" w="med" len="med"/>
+                    </a:lnT>
+                    <a:lnB w="12700" cap="flat" cmpd="sng" algn="ctr">
+                      <a:solidFill>
+                        <a:srgbClr val="000000"/>
+                      </a:solidFill>
+                      <a:prstDash val="solid"/>
+                      <a:round/>
+                      <a:headEnd type="none" w="med" len="med"/>
+                      <a:tailEnd type="none" w="med" len="med"/>
+                    </a:lnB>
+                    <a:solidFill>
+                      <a:srgbClr val="C5D9F1"/>
+                    </a:solidFill>
+                  </a:tcPr>
+                </a:tc>
+                <a:tc>
+                  <a:txBody>
+                    <a:bodyPr/>
+                    <a:lstStyle/>
+                    <a:p>
+                      <a:pPr algn="ctr" fontAlgn="t"/>
+                      <a:r>
+                        <a:rPr lang="en-US" sz="1400" b="1" i="0" u="none" strike="noStrike">
+                          <a:solidFill>
+                            <a:srgbClr val="16365C"/>
+                          </a:solidFill>
+                          <a:effectLst/>
+                          <a:latin typeface="Calibri"/>
+                        </a:rPr>
+                        <a:t>iOS 5</a:t>
+                      </a:r>
+                    </a:p>
+                  </a:txBody>
+                  <a:tcPr marL="10886" marR="10886" marT="10886" marB="0">
+                    <a:lnL w="6350" cap="flat" cmpd="sng" algn="ctr">
+                      <a:solidFill>
+                        <a:srgbClr val="000000"/>
+                      </a:solidFill>
+                      <a:prstDash val="solid"/>
+                      <a:round/>
+                      <a:headEnd type="none" w="med" len="med"/>
+                      <a:tailEnd type="none" w="med" len="med"/>
+                    </a:lnL>
+                    <a:lnR w="6350" cap="flat" cmpd="sng" algn="ctr">
+                      <a:solidFill>
+                        <a:srgbClr val="000000"/>
+                      </a:solidFill>
+                      <a:prstDash val="solid"/>
+                      <a:round/>
+                      <a:headEnd type="none" w="med" len="med"/>
+                      <a:tailEnd type="none" w="med" len="med"/>
+                    </a:lnR>
+                    <a:lnT w="6350" cap="flat" cmpd="sng" algn="ctr">
+                      <a:solidFill>
+                        <a:srgbClr val="000000"/>
+                      </a:solidFill>
+                      <a:prstDash val="solid"/>
+                      <a:round/>
+                      <a:headEnd type="none" w="med" len="med"/>
+                      <a:tailEnd type="none" w="med" len="med"/>
+                    </a:lnT>
+                    <a:lnB w="12700" cap="flat" cmpd="sng" algn="ctr">
+                      <a:solidFill>
+                        <a:srgbClr val="000000"/>
+                      </a:solidFill>
+                      <a:prstDash val="solid"/>
+                      <a:round/>
+                      <a:headEnd type="none" w="med" len="med"/>
+                      <a:tailEnd type="none" w="med" len="med"/>
+                    </a:lnB>
+                    <a:solidFill>
+                      <a:srgbClr val="C5D9F1"/>
+                    </a:solidFill>
+                  </a:tcPr>
+                </a:tc>
+                <a:tc>
+                  <a:txBody>
+                    <a:bodyPr/>
+                    <a:lstStyle/>
+                    <a:p>
+                      <a:pPr algn="ctr" fontAlgn="t"/>
+                      <a:r>
+                        <a:rPr lang="en-US" sz="1400" b="1" i="0" u="none" strike="noStrike">
+                          <a:solidFill>
+                            <a:srgbClr val="16365C"/>
+                          </a:solidFill>
+                          <a:effectLst/>
+                          <a:latin typeface="Calibri"/>
+                        </a:rPr>
+                        <a:t>N9</a:t>
+                      </a:r>
+                    </a:p>
+                  </a:txBody>
+                  <a:tcPr marL="10886" marR="10886" marT="10886" marB="0">
+                    <a:lnL w="6350" cap="flat" cmpd="sng" algn="ctr">
+                      <a:solidFill>
+                        <a:srgbClr val="000000"/>
+                      </a:solidFill>
+                      <a:prstDash val="solid"/>
+                      <a:round/>
+                      <a:headEnd type="none" w="med" len="med"/>
+                      <a:tailEnd type="none" w="med" len="med"/>
+                    </a:lnL>
+                    <a:lnR w="6350" cap="flat" cmpd="sng" algn="ctr">
+                      <a:solidFill>
+                        <a:srgbClr val="000000"/>
+                      </a:solidFill>
+                      <a:prstDash val="solid"/>
+                      <a:round/>
+                      <a:headEnd type="none" w="med" len="med"/>
+                      <a:tailEnd type="none" w="med" len="med"/>
+                    </a:lnR>
+                    <a:lnT w="6350" cap="flat" cmpd="sng" algn="ctr">
+                      <a:solidFill>
+                        <a:srgbClr val="000000"/>
+                      </a:solidFill>
+                      <a:prstDash val="solid"/>
+                      <a:round/>
+                      <a:headEnd type="none" w="med" len="med"/>
+                      <a:tailEnd type="none" w="med" len="med"/>
+                    </a:lnT>
+                    <a:lnB w="12700" cap="flat" cmpd="sng" algn="ctr">
+                      <a:solidFill>
+                        <a:srgbClr val="000000"/>
+                      </a:solidFill>
+                      <a:prstDash val="solid"/>
+                      <a:round/>
+                      <a:headEnd type="none" w="med" len="med"/>
+                      <a:tailEnd type="none" w="med" len="med"/>
+                    </a:lnB>
+                    <a:solidFill>
+                      <a:srgbClr val="C5D9F1"/>
+                    </a:solidFill>
+                  </a:tcPr>
+                </a:tc>
+                <a:tc>
+                  <a:txBody>
+                    <a:bodyPr/>
+                    <a:lstStyle/>
+                    <a:p>
+                      <a:pPr algn="ctr" fontAlgn="t"/>
+                      <a:r>
+                        <a:rPr lang="en-US" sz="1400" b="1" i="0" u="none" strike="noStrike">
+                          <a:solidFill>
+                            <a:srgbClr val="16365C"/>
+                          </a:solidFill>
+                          <a:effectLst/>
+                          <a:latin typeface="Calibri"/>
+                        </a:rPr>
+                        <a:t>Chrome 17</a:t>
+                      </a:r>
+                    </a:p>
+                  </a:txBody>
+                  <a:tcPr marL="10886" marR="10886" marT="10886" marB="0">
+                    <a:lnL w="6350" cap="flat" cmpd="sng" algn="ctr">
+                      <a:solidFill>
+                        <a:srgbClr val="000000"/>
+                      </a:solidFill>
+                      <a:prstDash val="solid"/>
+                      <a:round/>
+                      <a:headEnd type="none" w="med" len="med"/>
+                      <a:tailEnd type="none" w="med" len="med"/>
+                    </a:lnL>
+                    <a:lnR w="6350" cap="flat" cmpd="sng" algn="ctr">
+                      <a:solidFill>
+                        <a:srgbClr val="000000"/>
+                      </a:solidFill>
+                      <a:prstDash val="solid"/>
+                      <a:round/>
+                      <a:headEnd type="none" w="med" len="med"/>
+                      <a:tailEnd type="none" w="med" len="med"/>
+                    </a:lnR>
+                    <a:lnT w="6350" cap="flat" cmpd="sng" algn="ctr">
+                      <a:solidFill>
+                        <a:srgbClr val="000000"/>
+                      </a:solidFill>
+                      <a:prstDash val="solid"/>
+                      <a:round/>
+                      <a:headEnd type="none" w="med" len="med"/>
+                      <a:tailEnd type="none" w="med" len="med"/>
+                    </a:lnT>
+                    <a:lnB w="12700" cap="flat" cmpd="sng" algn="ctr">
+                      <a:solidFill>
+                        <a:srgbClr val="000000"/>
+                      </a:solidFill>
+                      <a:prstDash val="solid"/>
+                      <a:round/>
+                      <a:headEnd type="none" w="med" len="med"/>
+                      <a:tailEnd type="none" w="med" len="med"/>
+                    </a:lnB>
+                    <a:solidFill>
+                      <a:srgbClr val="C5D9F1"/>
+                    </a:solidFill>
+                  </a:tcPr>
+                </a:tc>
+                <a:tc>
+                  <a:txBody>
+                    <a:bodyPr/>
+                    <a:lstStyle/>
+                    <a:p>
+                      <a:pPr algn="ctr" fontAlgn="t"/>
+                      <a:r>
+                        <a:rPr lang="en-US" sz="1400" b="1" i="0" u="none" strike="noStrike">
+                          <a:solidFill>
+                            <a:srgbClr val="16365C"/>
+                          </a:solidFill>
+                          <a:effectLst/>
+                          <a:latin typeface="Calibri"/>
+                        </a:rPr>
+                        <a:t>Firefox 11</a:t>
+                      </a:r>
+                    </a:p>
+                  </a:txBody>
+                  <a:tcPr marL="10886" marR="10886" marT="10886" marB="0">
+                    <a:lnL w="6350" cap="flat" cmpd="sng" algn="ctr">
+                      <a:solidFill>
+                        <a:srgbClr val="000000"/>
+                      </a:solidFill>
+                      <a:prstDash val="solid"/>
+                      <a:round/>
+                      <a:headEnd type="none" w="med" len="med"/>
+                      <a:tailEnd type="none" w="med" len="med"/>
+                    </a:lnL>
+                    <a:lnR w="6350" cap="flat" cmpd="sng" algn="ctr">
+                      <a:solidFill>
+                        <a:srgbClr val="000000"/>
+                      </a:solidFill>
+                      <a:prstDash val="solid"/>
+                      <a:round/>
+                      <a:headEnd type="none" w="med" len="med"/>
+                      <a:tailEnd type="none" w="med" len="med"/>
+                    </a:lnR>
+                    <a:lnT w="6350" cap="flat" cmpd="sng" algn="ctr">
+                      <a:solidFill>
+                        <a:srgbClr val="000000"/>
+                      </a:solidFill>
+                      <a:prstDash val="solid"/>
+                      <a:round/>
+                      <a:headEnd type="none" w="med" len="med"/>
+                      <a:tailEnd type="none" w="med" len="med"/>
+                    </a:lnT>
+                    <a:lnB w="12700" cap="flat" cmpd="sng" algn="ctr">
+                      <a:solidFill>
+                        <a:srgbClr val="000000"/>
+                      </a:solidFill>
+                      <a:prstDash val="solid"/>
+                      <a:round/>
+                      <a:headEnd type="none" w="med" len="med"/>
+                      <a:tailEnd type="none" w="med" len="med"/>
+                    </a:lnB>
+                    <a:solidFill>
+                      <a:srgbClr val="C5D9F1"/>
+                    </a:solidFill>
+                  </a:tcPr>
+                </a:tc>
+              </a:tr>
+              <a:tr h="250371">
+                <a:tc>
+                  <a:txBody>
+                    <a:bodyPr/>
+                    <a:lstStyle/>
+                    <a:p>
+                      <a:pPr algn="l" fontAlgn="b"/>
+                      <a:r>
+                        <a:rPr lang="en-US" sz="1500" b="1" i="0" u="none" strike="noStrike">
+                          <a:solidFill>
+                            <a:srgbClr val="000000"/>
+                          </a:solidFill>
+                          <a:effectLst/>
+                          <a:latin typeface="Calibri"/>
+                        </a:rPr>
+                        <a:t>XHR 2</a:t>
+                      </a:r>
+                    </a:p>
+                  </a:txBody>
+                  <a:tcPr marL="10886" marR="10886" marT="10886" marB="0" anchor="b">
+                    <a:lnL w="6350" cap="flat" cmpd="sng" algn="ctr">
+                      <a:solidFill>
+                        <a:srgbClr val="000000"/>
+                      </a:solidFill>
+                      <a:prstDash val="solid"/>
+                      <a:round/>
+                      <a:headEnd type="none" w="med" len="med"/>
+                      <a:tailEnd type="none" w="med" len="med"/>
+                    </a:lnL>
+                    <a:lnR w="6350" cap="flat" cmpd="sng" algn="ctr">
+                      <a:solidFill>
+                        <a:srgbClr val="000000"/>
+                      </a:solidFill>
+                      <a:prstDash val="solid"/>
+                      <a:round/>
+                      <a:headEnd type="none" w="med" len="med"/>
+                      <a:tailEnd type="none" w="med" len="med"/>
+                    </a:lnR>
+                    <a:lnT w="12700" cap="flat" cmpd="sng" algn="ctr">
+                      <a:solidFill>
+                        <a:srgbClr val="000000"/>
+                      </a:solidFill>
+                      <a:prstDash val="solid"/>
+                      <a:round/>
+                      <a:headEnd type="none" w="med" len="med"/>
+                      <a:tailEnd type="none" w="med" len="med"/>
+                    </a:lnT>
+                    <a:lnB>
+                      <a:noFill/>
+                    </a:lnB>
+                    <a:solidFill>
+                      <a:srgbClr val="DAEEF3"/>
+                    </a:solidFill>
+                  </a:tcPr>
+                </a:tc>
+                <a:tc>
+                  <a:txBody>
+                    <a:bodyPr/>
+                    <a:lstStyle/>
+                    <a:p>
+                      <a:pPr algn="l" fontAlgn="b"/>
+                      <a:r>
+                        <a:rPr lang="en-US" sz="1000" b="0" i="0" u="none" strike="noStrike">
+                          <a:solidFill>
+                            <a:srgbClr val="000000"/>
+                          </a:solidFill>
+                          <a:effectLst/>
+                          <a:latin typeface="Calibri"/>
+                        </a:rPr>
+                        <a:t> </a:t>
+                      </a:r>
+                    </a:p>
+                  </a:txBody>
+                  <a:tcPr marL="10886" marR="10886" marT="10886" marB="0" anchor="b">
+                    <a:lnL w="6350" cap="flat" cmpd="sng" algn="ctr">
+                      <a:solidFill>
+                        <a:srgbClr val="000000"/>
+                      </a:solidFill>
+                      <a:prstDash val="solid"/>
+                      <a:round/>
+                      <a:headEnd type="none" w="med" len="med"/>
+                      <a:tailEnd type="none" w="med" len="med"/>
+                    </a:lnL>
+                    <a:lnR w="6350" cap="flat" cmpd="sng" algn="ctr">
+                      <a:solidFill>
+                        <a:srgbClr val="000000"/>
+                      </a:solidFill>
+                      <a:prstDash val="solid"/>
+                      <a:round/>
+                      <a:headEnd type="none" w="med" len="med"/>
+                      <a:tailEnd type="none" w="med" len="med"/>
+                    </a:lnR>
+                    <a:lnT w="12700" cap="flat" cmpd="sng" algn="ctr">
+                      <a:solidFill>
+                        <a:srgbClr val="000000"/>
+                      </a:solidFill>
+                      <a:prstDash val="solid"/>
+                      <a:round/>
+                      <a:headEnd type="none" w="med" len="med"/>
+                      <a:tailEnd type="none" w="med" len="med"/>
+                    </a:lnT>
+                    <a:lnB>
+                      <a:noFill/>
+                    </a:lnB>
+                    <a:solidFill>
+                      <a:srgbClr val="DAEEF3"/>
+                    </a:solidFill>
+                  </a:tcPr>
+                </a:tc>
+                <a:tc>
+                  <a:txBody>
+                    <a:bodyPr/>
+                    <a:lstStyle/>
+                    <a:p>
+                      <a:pPr algn="l" fontAlgn="b"/>
+                      <a:r>
+                        <a:rPr lang="en-US" sz="1000" b="0" i="0" u="none" strike="noStrike">
+                          <a:solidFill>
+                            <a:srgbClr val="000000"/>
+                          </a:solidFill>
+                          <a:effectLst/>
+                          <a:latin typeface="Calibri"/>
+                        </a:rPr>
+                        <a:t> </a:t>
+                      </a:r>
+                    </a:p>
+                  </a:txBody>
+                  <a:tcPr marL="10886" marR="10886" marT="10886" marB="0" anchor="b">
+                    <a:lnL w="6350" cap="flat" cmpd="sng" algn="ctr">
+                      <a:solidFill>
+                        <a:srgbClr val="000000"/>
+                      </a:solidFill>
+                      <a:prstDash val="solid"/>
+                      <a:round/>
+                      <a:headEnd type="none" w="med" len="med"/>
+                      <a:tailEnd type="none" w="med" len="med"/>
+                    </a:lnL>
+                    <a:lnR w="6350" cap="flat" cmpd="sng" algn="ctr">
+                      <a:solidFill>
+                        <a:srgbClr val="000000"/>
+                      </a:solidFill>
+                      <a:prstDash val="solid"/>
+                      <a:round/>
+                      <a:headEnd type="none" w="med" len="med"/>
+                      <a:tailEnd type="none" w="med" len="med"/>
+                    </a:lnR>
+                    <a:lnT w="12700" cap="flat" cmpd="sng" algn="ctr">
+                      <a:solidFill>
+                        <a:srgbClr val="000000"/>
+                      </a:solidFill>
+                      <a:prstDash val="solid"/>
+                      <a:round/>
+                      <a:headEnd type="none" w="med" len="med"/>
+                      <a:tailEnd type="none" w="med" len="med"/>
+                    </a:lnT>
+                    <a:lnB>
+                      <a:noFill/>
+                    </a:lnB>
+                    <a:solidFill>
+                      <a:srgbClr val="DAEEF3"/>
+                    </a:solidFill>
+                  </a:tcPr>
+                </a:tc>
+                <a:tc>
+                  <a:txBody>
+                    <a:bodyPr/>
+                    <a:lstStyle/>
+                    <a:p>
+                      <a:pPr algn="l" fontAlgn="b"/>
+                      <a:r>
+                        <a:rPr lang="en-US" sz="1000" b="0" i="0" u="none" strike="noStrike">
+                          <a:solidFill>
+                            <a:srgbClr val="000000"/>
+                          </a:solidFill>
+                          <a:effectLst/>
+                          <a:latin typeface="Calibri"/>
+                        </a:rPr>
+                        <a:t> </a:t>
+                      </a:r>
+                    </a:p>
+                  </a:txBody>
+                  <a:tcPr marL="10886" marR="10886" marT="10886" marB="0" anchor="b">
+                    <a:lnL w="6350" cap="flat" cmpd="sng" algn="ctr">
+                      <a:solidFill>
+                        <a:srgbClr val="000000"/>
+                      </a:solidFill>
+                      <a:prstDash val="solid"/>
+                      <a:round/>
+                      <a:headEnd type="none" w="med" len="med"/>
+                      <a:tailEnd type="none" w="med" len="med"/>
+                    </a:lnL>
+                    <a:lnR w="6350" cap="flat" cmpd="sng" algn="ctr">
+                      <a:solidFill>
+                        <a:srgbClr val="000000"/>
+                      </a:solidFill>
+                      <a:prstDash val="solid"/>
+                      <a:round/>
+                      <a:headEnd type="none" w="med" len="med"/>
+                      <a:tailEnd type="none" w="med" len="med"/>
+                    </a:lnR>
+                    <a:lnT w="12700" cap="flat" cmpd="sng" algn="ctr">
+                      <a:solidFill>
+                        <a:srgbClr val="000000"/>
+                      </a:solidFill>
+                      <a:prstDash val="solid"/>
+                      <a:round/>
+                      <a:headEnd type="none" w="med" len="med"/>
+                      <a:tailEnd type="none" w="med" len="med"/>
+                    </a:lnT>
+                    <a:lnB>
+                      <a:noFill/>
+                    </a:lnB>
+                    <a:solidFill>
+                      <a:srgbClr val="DAEEF3"/>
+                    </a:solidFill>
+                  </a:tcPr>
+                </a:tc>
+                <a:tc>
+                  <a:txBody>
+                    <a:bodyPr/>
+                    <a:lstStyle/>
+                    <a:p>
+                      <a:pPr algn="l" fontAlgn="b"/>
+                      <a:r>
+                        <a:rPr lang="en-US" sz="1000" b="0" i="0" u="none" strike="noStrike">
+                          <a:solidFill>
+                            <a:srgbClr val="000000"/>
+                          </a:solidFill>
+                          <a:effectLst/>
+                          <a:latin typeface="Calibri"/>
+                        </a:rPr>
+                        <a:t> </a:t>
+                      </a:r>
+                    </a:p>
+                  </a:txBody>
+                  <a:tcPr marL="10886" marR="10886" marT="10886" marB="0" anchor="b">
+                    <a:lnL w="6350" cap="flat" cmpd="sng" algn="ctr">
+                      <a:solidFill>
+                        <a:srgbClr val="000000"/>
+                      </a:solidFill>
+                      <a:prstDash val="solid"/>
+                      <a:round/>
+                      <a:headEnd type="none" w="med" len="med"/>
+                      <a:tailEnd type="none" w="med" len="med"/>
+                    </a:lnL>
+                    <a:lnR w="6350" cap="flat" cmpd="sng" algn="ctr">
+                      <a:solidFill>
+                        <a:srgbClr val="000000"/>
+                      </a:solidFill>
+                      <a:prstDash val="solid"/>
+                      <a:round/>
+                      <a:headEnd type="none" w="med" len="med"/>
+                      <a:tailEnd type="none" w="med" len="med"/>
+                    </a:lnR>
+                    <a:lnT w="12700" cap="flat" cmpd="sng" algn="ctr">
+                      <a:solidFill>
+                        <a:srgbClr val="000000"/>
+                      </a:solidFill>
+                      <a:prstDash val="solid"/>
+                      <a:round/>
+                      <a:headEnd type="none" w="med" len="med"/>
+                      <a:tailEnd type="none" w="med" len="med"/>
+                    </a:lnT>
+                    <a:lnB>
+                      <a:noFill/>
+                    </a:lnB>
+                    <a:solidFill>
+                      <a:srgbClr val="DAEEF3"/>
+                    </a:solidFill>
+                  </a:tcPr>
+                </a:tc>
+                <a:tc>
+                  <a:txBody>
+                    <a:bodyPr/>
+                    <a:lstStyle/>
+                    <a:p>
+                      <a:pPr algn="l" fontAlgn="b"/>
+                      <a:r>
+                        <a:rPr lang="en-US" sz="1000" b="0" i="0" u="none" strike="noStrike">
+                          <a:solidFill>
+                            <a:srgbClr val="000000"/>
+                          </a:solidFill>
+                          <a:effectLst/>
+                          <a:latin typeface="Calibri"/>
+                        </a:rPr>
+                        <a:t> </a:t>
+                      </a:r>
+                    </a:p>
+                  </a:txBody>
+                  <a:tcPr marL="10886" marR="10886" marT="10886" marB="0" anchor="b">
+                    <a:lnL w="6350" cap="flat" cmpd="sng" algn="ctr">
+                      <a:solidFill>
+                        <a:srgbClr val="000000"/>
+                      </a:solidFill>
+                      <a:prstDash val="solid"/>
+                      <a:round/>
+                      <a:headEnd type="none" w="med" len="med"/>
+                      <a:tailEnd type="none" w="med" len="med"/>
+                    </a:lnL>
+                    <a:lnR w="6350" cap="flat" cmpd="sng" algn="ctr">
+                      <a:solidFill>
+                        <a:srgbClr val="000000"/>
+                      </a:solidFill>
+                      <a:prstDash val="solid"/>
+                      <a:round/>
+                      <a:headEnd type="none" w="med" len="med"/>
+                      <a:tailEnd type="none" w="med" len="med"/>
+                    </a:lnR>
+                    <a:lnT w="12700" cap="flat" cmpd="sng" algn="ctr">
+                      <a:solidFill>
+                        <a:srgbClr val="000000"/>
+                      </a:solidFill>
+                      <a:prstDash val="solid"/>
+                      <a:round/>
+                      <a:headEnd type="none" w="med" len="med"/>
+                      <a:tailEnd type="none" w="med" len="med"/>
+                    </a:lnT>
+                    <a:lnB>
+                      <a:noFill/>
+                    </a:lnB>
+                    <a:solidFill>
+                      <a:srgbClr val="DAEEF3"/>
+                    </a:solidFill>
+                  </a:tcPr>
+                </a:tc>
+                <a:tc>
+                  <a:txBody>
+                    <a:bodyPr/>
+                    <a:lstStyle/>
+                    <a:p>
+                      <a:pPr algn="l" fontAlgn="b"/>
+                      <a:r>
+                        <a:rPr lang="en-US" sz="1000" b="0" i="0" u="none" strike="noStrike">
+                          <a:solidFill>
+                            <a:srgbClr val="000000"/>
+                          </a:solidFill>
+                          <a:effectLst/>
+                          <a:latin typeface="Calibri"/>
+                        </a:rPr>
+                        <a:t> </a:t>
+                      </a:r>
+                    </a:p>
+                  </a:txBody>
+                  <a:tcPr marL="10886" marR="10886" marT="10886" marB="0" anchor="b">
+                    <a:lnL w="6350" cap="flat" cmpd="sng" algn="ctr">
+                      <a:solidFill>
+                        <a:srgbClr val="000000"/>
+                      </a:solidFill>
+                      <a:prstDash val="solid"/>
+                      <a:round/>
+                      <a:headEnd type="none" w="med" len="med"/>
+                      <a:tailEnd type="none" w="med" len="med"/>
+                    </a:lnL>
+                    <a:lnR w="6350" cap="flat" cmpd="sng" algn="ctr">
+                      <a:solidFill>
+                        <a:srgbClr val="000000"/>
+                      </a:solidFill>
+                      <a:prstDash val="solid"/>
+                      <a:round/>
+                      <a:headEnd type="none" w="med" len="med"/>
+                      <a:tailEnd type="none" w="med" len="med"/>
+                    </a:lnR>
+                    <a:lnT w="12700" cap="flat" cmpd="sng" algn="ctr">
+                      <a:solidFill>
+                        <a:srgbClr val="000000"/>
+                      </a:solidFill>
+                      <a:prstDash val="solid"/>
+                      <a:round/>
+                      <a:headEnd type="none" w="med" len="med"/>
+                      <a:tailEnd type="none" w="med" len="med"/>
+                    </a:lnT>
+                    <a:lnB>
+                      <a:noFill/>
+                    </a:lnB>
+                    <a:solidFill>
+                      <a:srgbClr val="DAEEF3"/>
+                    </a:solidFill>
+                  </a:tcPr>
+                </a:tc>
+                <a:tc>
+                  <a:txBody>
+                    <a:bodyPr/>
+                    <a:lstStyle/>
+                    <a:p>
+                      <a:pPr algn="l" fontAlgn="b"/>
+                      <a:r>
+                        <a:rPr lang="en-US" sz="1000" b="0" i="0" u="none" strike="noStrike">
+                          <a:solidFill>
+                            <a:srgbClr val="000000"/>
+                          </a:solidFill>
+                          <a:effectLst/>
+                          <a:latin typeface="Calibri"/>
+                        </a:rPr>
+                        <a:t> </a:t>
+                      </a:r>
+                    </a:p>
+                  </a:txBody>
+                  <a:tcPr marL="10886" marR="10886" marT="10886" marB="0" anchor="b">
+                    <a:lnL w="6350" cap="flat" cmpd="sng" algn="ctr">
+                      <a:solidFill>
+                        <a:srgbClr val="000000"/>
+                      </a:solidFill>
+                      <a:prstDash val="solid"/>
+                      <a:round/>
+                      <a:headEnd type="none" w="med" len="med"/>
+                      <a:tailEnd type="none" w="med" len="med"/>
+                    </a:lnL>
+                    <a:lnR w="6350" cap="flat" cmpd="sng" algn="ctr">
+                      <a:solidFill>
+                        <a:srgbClr val="000000"/>
+                      </a:solidFill>
+                      <a:prstDash val="solid"/>
+                      <a:round/>
+                      <a:headEnd type="none" w="med" len="med"/>
+                      <a:tailEnd type="none" w="med" len="med"/>
+                    </a:lnR>
+                    <a:lnT w="12700" cap="flat" cmpd="sng" algn="ctr">
+                      <a:solidFill>
+                        <a:srgbClr val="000000"/>
+                      </a:solidFill>
+                      <a:prstDash val="solid"/>
+                      <a:round/>
+                      <a:headEnd type="none" w="med" len="med"/>
+                      <a:tailEnd type="none" w="med" len="med"/>
+                    </a:lnT>
+                    <a:lnB>
+                      <a:noFill/>
+                    </a:lnB>
+                    <a:solidFill>
+                      <a:srgbClr val="DAEEF3"/>
+                    </a:solidFill>
+                  </a:tcPr>
+                </a:tc>
+              </a:tr>
+              <a:tr h="219891">
+                <a:tc>
+                  <a:txBody>
+                    <a:bodyPr/>
+                    <a:lstStyle/>
+                    <a:p>
+                      <a:pPr algn="l" fontAlgn="b"/>
+                      <a:r>
+                        <a:rPr lang="en-US" sz="1400" b="0" i="0" u="none" strike="noStrike">
+                          <a:solidFill>
+                            <a:srgbClr val="808080"/>
+                          </a:solidFill>
+                          <a:effectLst/>
+                          <a:latin typeface="Calibri"/>
+                        </a:rPr>
+                        <a:t>Upload Files</a:t>
+                      </a:r>
+                    </a:p>
+                  </a:txBody>
+                  <a:tcPr marL="130629" marR="10886" marT="10886" marB="0" anchor="b">
+                    <a:lnL w="6350" cap="flat" cmpd="sng" algn="ctr">
+                      <a:solidFill>
+                        <a:srgbClr val="000000"/>
+                      </a:solidFill>
+                      <a:prstDash val="solid"/>
+                      <a:round/>
+                      <a:headEnd type="none" w="med" len="med"/>
+                      <a:tailEnd type="none" w="med" len="med"/>
+                    </a:lnL>
+                    <a:lnR w="6350" cap="flat" cmpd="sng" algn="ctr">
+                      <a:solidFill>
+                        <a:srgbClr val="000000"/>
+                      </a:solidFill>
+                      <a:prstDash val="solid"/>
+                      <a:round/>
+                      <a:headEnd type="none" w="med" len="med"/>
+                      <a:tailEnd type="none" w="med" len="med"/>
+                    </a:lnR>
+                    <a:lnT>
+                      <a:noFill/>
+                    </a:lnT>
+                    <a:lnB>
+                      <a:noFill/>
+                    </a:lnB>
+                    <a:solidFill>
+                      <a:srgbClr val="DAEEF3"/>
+                    </a:solidFill>
+                  </a:tcPr>
+                </a:tc>
+                <a:tc>
+                  <a:txBody>
+                    <a:bodyPr/>
+                    <a:lstStyle/>
+                    <a:p>
+                      <a:pPr algn="ctr" fontAlgn="b"/>
+                      <a:r>
+                        <a:rPr lang="en-US" sz="1000" b="0" i="0" u="none" strike="noStrike">
+                          <a:solidFill>
+                            <a:srgbClr val="008000"/>
+                          </a:solidFill>
+                          <a:effectLst/>
+                          <a:latin typeface="Calibri"/>
+                        </a:rPr>
+                        <a:t>Yes</a:t>
+                      </a:r>
+                    </a:p>
+                  </a:txBody>
+                  <a:tcPr marL="10886" marR="10886" marT="10886" marB="0" anchor="b">
+                    <a:lnL w="6350" cap="flat" cmpd="sng" algn="ctr">
+                      <a:solidFill>
+                        <a:srgbClr val="000000"/>
+                      </a:solidFill>
+                      <a:prstDash val="solid"/>
+                      <a:round/>
+                      <a:headEnd type="none" w="med" len="med"/>
+                      <a:tailEnd type="none" w="med" len="med"/>
+                    </a:lnL>
+                    <a:lnR w="6350" cap="flat" cmpd="sng" algn="ctr">
+                      <a:solidFill>
+                        <a:srgbClr val="000000"/>
+                      </a:solidFill>
+                      <a:prstDash val="solid"/>
+                      <a:round/>
+                      <a:headEnd type="none" w="med" len="med"/>
+                      <a:tailEnd type="none" w="med" len="med"/>
+                    </a:lnR>
+                    <a:lnT>
+                      <a:noFill/>
+                    </a:lnT>
+                    <a:lnB>
+                      <a:noFill/>
+                    </a:lnB>
+                    <a:solidFill>
+                      <a:srgbClr val="DAEEF3"/>
+                    </a:solidFill>
+                  </a:tcPr>
+                </a:tc>
+                <a:tc>
+                  <a:txBody>
+                    <a:bodyPr/>
+                    <a:lstStyle/>
+                    <a:p>
+                      <a:pPr algn="ctr" fontAlgn="b"/>
+                      <a:r>
+                        <a:rPr lang="en-US" sz="1000" b="0" i="0" u="none" strike="noStrike">
+                          <a:solidFill>
+                            <a:srgbClr val="FF0000"/>
+                          </a:solidFill>
+                          <a:effectLst/>
+                          <a:latin typeface="Calibri"/>
+                        </a:rPr>
+                        <a:t>No</a:t>
+                      </a:r>
+                    </a:p>
+                  </a:txBody>
+                  <a:tcPr marL="10886" marR="10886" marT="10886" marB="0" anchor="b">
+                    <a:lnL w="6350" cap="flat" cmpd="sng" algn="ctr">
+                      <a:solidFill>
+                        <a:srgbClr val="000000"/>
+                      </a:solidFill>
+                      <a:prstDash val="solid"/>
+                      <a:round/>
+                      <a:headEnd type="none" w="med" len="med"/>
+                      <a:tailEnd type="none" w="med" len="med"/>
+                    </a:lnL>
+                    <a:lnR w="6350" cap="flat" cmpd="sng" algn="ctr">
+                      <a:solidFill>
+                        <a:srgbClr val="000000"/>
+                      </a:solidFill>
+                      <a:prstDash val="solid"/>
+                      <a:round/>
+                      <a:headEnd type="none" w="med" len="med"/>
+                      <a:tailEnd type="none" w="med" len="med"/>
+                    </a:lnR>
+                    <a:lnT>
+                      <a:noFill/>
+                    </a:lnT>
+                    <a:lnB>
+                      <a:noFill/>
+                    </a:lnB>
+                    <a:solidFill>
+                      <a:srgbClr val="DAEEF3"/>
+                    </a:solidFill>
+                  </a:tcPr>
+                </a:tc>
+                <a:tc>
+                  <a:txBody>
+                    <a:bodyPr/>
+                    <a:lstStyle/>
+                    <a:p>
+                      <a:pPr algn="ctr" fontAlgn="b"/>
+                      <a:r>
+                        <a:rPr lang="en-US" sz="1000" b="0" i="0" u="none" strike="noStrike">
+                          <a:solidFill>
+                            <a:srgbClr val="008000"/>
+                          </a:solidFill>
+                          <a:effectLst/>
+                          <a:latin typeface="Calibri"/>
+                        </a:rPr>
+                        <a:t>Yes</a:t>
+                      </a:r>
+                    </a:p>
+                  </a:txBody>
+                  <a:tcPr marL="10886" marR="10886" marT="10886" marB="0" anchor="b">
+                    <a:lnL w="6350" cap="flat" cmpd="sng" algn="ctr">
+                      <a:solidFill>
+                        <a:srgbClr val="000000"/>
+                      </a:solidFill>
+                      <a:prstDash val="solid"/>
+                      <a:round/>
+                      <a:headEnd type="none" w="med" len="med"/>
+                      <a:tailEnd type="none" w="med" len="med"/>
+                    </a:lnL>
+                    <a:lnR w="6350" cap="flat" cmpd="sng" algn="ctr">
+                      <a:solidFill>
+                        <a:srgbClr val="000000"/>
+                      </a:solidFill>
+                      <a:prstDash val="solid"/>
+                      <a:round/>
+                      <a:headEnd type="none" w="med" len="med"/>
+                      <a:tailEnd type="none" w="med" len="med"/>
+                    </a:lnR>
+                    <a:lnT>
+                      <a:noFill/>
+                    </a:lnT>
+                    <a:lnB>
+                      <a:noFill/>
+                    </a:lnB>
+                    <a:solidFill>
+                      <a:srgbClr val="DAEEF3"/>
+                    </a:solidFill>
+                  </a:tcPr>
+                </a:tc>
+                <a:tc>
+                  <a:txBody>
+                    <a:bodyPr/>
+                    <a:lstStyle/>
+                    <a:p>
+                      <a:pPr algn="ctr" fontAlgn="b"/>
+                      <a:r>
+                        <a:rPr lang="en-US" sz="1000" b="0" i="0" u="none" strike="noStrike">
+                          <a:solidFill>
+                            <a:srgbClr val="FF0000"/>
+                          </a:solidFill>
+                          <a:effectLst/>
+                          <a:latin typeface="Calibri"/>
+                        </a:rPr>
+                        <a:t>No</a:t>
+                      </a:r>
+                    </a:p>
+                  </a:txBody>
+                  <a:tcPr marL="10886" marR="10886" marT="10886" marB="0" anchor="b">
+                    <a:lnL w="6350" cap="flat" cmpd="sng" algn="ctr">
+                      <a:solidFill>
+                        <a:srgbClr val="000000"/>
+                      </a:solidFill>
+                      <a:prstDash val="solid"/>
+                      <a:round/>
+                      <a:headEnd type="none" w="med" len="med"/>
+                      <a:tailEnd type="none" w="med" len="med"/>
+                    </a:lnL>
+                    <a:lnR w="6350" cap="flat" cmpd="sng" algn="ctr">
+                      <a:solidFill>
+                        <a:srgbClr val="000000"/>
+                      </a:solidFill>
+                      <a:prstDash val="solid"/>
+                      <a:round/>
+                      <a:headEnd type="none" w="med" len="med"/>
+                      <a:tailEnd type="none" w="med" len="med"/>
+                    </a:lnR>
+                    <a:lnT>
+                      <a:noFill/>
+                    </a:lnT>
+                    <a:lnB>
+                      <a:noFill/>
+                    </a:lnB>
+                    <a:solidFill>
+                      <a:srgbClr val="DAEEF3"/>
+                    </a:solidFill>
+                  </a:tcPr>
+                </a:tc>
+                <a:tc>
+                  <a:txBody>
+                    <a:bodyPr/>
+                    <a:lstStyle/>
+                    <a:p>
+                      <a:pPr algn="ctr" fontAlgn="b"/>
+                      <a:r>
+                        <a:rPr lang="en-US" sz="1000" b="0" i="0" u="none" strike="noStrike">
+                          <a:solidFill>
+                            <a:srgbClr val="008000"/>
+                          </a:solidFill>
+                          <a:effectLst/>
+                          <a:latin typeface="Calibri"/>
+                        </a:rPr>
+                        <a:t>Yes</a:t>
+                      </a:r>
+                    </a:p>
+                  </a:txBody>
+                  <a:tcPr marL="10886" marR="10886" marT="10886" marB="0" anchor="b">
+                    <a:lnL w="6350" cap="flat" cmpd="sng" algn="ctr">
+                      <a:solidFill>
+                        <a:srgbClr val="000000"/>
+                      </a:solidFill>
+                      <a:prstDash val="solid"/>
+                      <a:round/>
+                      <a:headEnd type="none" w="med" len="med"/>
+                      <a:tailEnd type="none" w="med" len="med"/>
+                    </a:lnL>
+                    <a:lnR w="6350" cap="flat" cmpd="sng" algn="ctr">
+                      <a:solidFill>
+                        <a:srgbClr val="000000"/>
+                      </a:solidFill>
+                      <a:prstDash val="solid"/>
+                      <a:round/>
+                      <a:headEnd type="none" w="med" len="med"/>
+                      <a:tailEnd type="none" w="med" len="med"/>
+                    </a:lnR>
+                    <a:lnT>
+                      <a:noFill/>
+                    </a:lnT>
+                    <a:lnB>
+                      <a:noFill/>
+                    </a:lnB>
+                    <a:solidFill>
+                      <a:srgbClr val="DAEEF3"/>
+                    </a:solidFill>
+                  </a:tcPr>
+                </a:tc>
+                <a:tc>
+                  <a:txBody>
+                    <a:bodyPr/>
+                    <a:lstStyle/>
+                    <a:p>
+                      <a:pPr algn="ctr" fontAlgn="b"/>
+                      <a:r>
+                        <a:rPr lang="en-US" sz="1000" b="0" i="0" u="none" strike="noStrike">
+                          <a:solidFill>
+                            <a:srgbClr val="008000"/>
+                          </a:solidFill>
+                          <a:effectLst/>
+                          <a:latin typeface="Calibri"/>
+                        </a:rPr>
+                        <a:t>Yes</a:t>
+                      </a:r>
+                    </a:p>
+                  </a:txBody>
+                  <a:tcPr marL="10886" marR="10886" marT="10886" marB="0" anchor="b">
+                    <a:lnL w="6350" cap="flat" cmpd="sng" algn="ctr">
+                      <a:solidFill>
+                        <a:srgbClr val="000000"/>
+                      </a:solidFill>
+                      <a:prstDash val="solid"/>
+                      <a:round/>
+                      <a:headEnd type="none" w="med" len="med"/>
+                      <a:tailEnd type="none" w="med" len="med"/>
+                    </a:lnL>
+                    <a:lnR w="6350" cap="flat" cmpd="sng" algn="ctr">
+                      <a:solidFill>
+                        <a:srgbClr val="000000"/>
+                      </a:solidFill>
+                      <a:prstDash val="solid"/>
+                      <a:round/>
+                      <a:headEnd type="none" w="med" len="med"/>
+                      <a:tailEnd type="none" w="med" len="med"/>
+                    </a:lnR>
+                    <a:lnT>
+                      <a:noFill/>
+                    </a:lnT>
+                    <a:lnB>
+                      <a:noFill/>
+                    </a:lnB>
+                    <a:solidFill>
+                      <a:srgbClr val="DAEEF3"/>
+                    </a:solidFill>
+                  </a:tcPr>
+                </a:tc>
+                <a:tc>
+                  <a:txBody>
+                    <a:bodyPr/>
+                    <a:lstStyle/>
+                    <a:p>
+                      <a:pPr algn="ctr" fontAlgn="b"/>
+                      <a:r>
+                        <a:rPr lang="en-US" sz="1000" b="0" i="0" u="none" strike="noStrike">
+                          <a:solidFill>
+                            <a:srgbClr val="008000"/>
+                          </a:solidFill>
+                          <a:effectLst/>
+                          <a:latin typeface="Calibri"/>
+                        </a:rPr>
+                        <a:t>Yes</a:t>
+                      </a:r>
+                    </a:p>
+                  </a:txBody>
+                  <a:tcPr marL="10886" marR="10886" marT="10886" marB="0" anchor="b">
+                    <a:lnL w="6350" cap="flat" cmpd="sng" algn="ctr">
+                      <a:solidFill>
+                        <a:srgbClr val="000000"/>
+                      </a:solidFill>
+                      <a:prstDash val="solid"/>
+                      <a:round/>
+                      <a:headEnd type="none" w="med" len="med"/>
+                      <a:tailEnd type="none" w="med" len="med"/>
+                    </a:lnL>
+                    <a:lnR w="6350" cap="flat" cmpd="sng" algn="ctr">
+                      <a:solidFill>
+                        <a:srgbClr val="000000"/>
+                      </a:solidFill>
+                      <a:prstDash val="solid"/>
+                      <a:round/>
+                      <a:headEnd type="none" w="med" len="med"/>
+                      <a:tailEnd type="none" w="med" len="med"/>
+                    </a:lnR>
+                    <a:lnT>
+                      <a:noFill/>
+                    </a:lnT>
+                    <a:lnB>
+                      <a:noFill/>
+                    </a:lnB>
+                    <a:solidFill>
+                      <a:srgbClr val="DAEEF3"/>
+                    </a:solidFill>
+                  </a:tcPr>
+                </a:tc>
+              </a:tr>
+              <a:tr h="219891">
+                <a:tc>
+                  <a:txBody>
+                    <a:bodyPr/>
+                    <a:lstStyle/>
+                    <a:p>
+                      <a:pPr algn="l" fontAlgn="b"/>
+                      <a:r>
+                        <a:rPr lang="en-US" sz="1400" b="0" i="0" u="none" strike="noStrike">
+                          <a:solidFill>
+                            <a:srgbClr val="808080"/>
+                          </a:solidFill>
+                          <a:effectLst/>
+                          <a:latin typeface="Calibri"/>
+                        </a:rPr>
+                        <a:t>Text response type</a:t>
+                      </a:r>
+                    </a:p>
+                  </a:txBody>
+                  <a:tcPr marL="130629" marR="10886" marT="10886" marB="0" anchor="b">
+                    <a:lnL w="6350" cap="flat" cmpd="sng" algn="ctr">
+                      <a:solidFill>
+                        <a:srgbClr val="000000"/>
+                      </a:solidFill>
+                      <a:prstDash val="solid"/>
+                      <a:round/>
+                      <a:headEnd type="none" w="med" len="med"/>
+                      <a:tailEnd type="none" w="med" len="med"/>
+                    </a:lnL>
+                    <a:lnR w="6350" cap="flat" cmpd="sng" algn="ctr">
+                      <a:solidFill>
+                        <a:srgbClr val="000000"/>
+                      </a:solidFill>
+                      <a:prstDash val="solid"/>
+                      <a:round/>
+                      <a:headEnd type="none" w="med" len="med"/>
+                      <a:tailEnd type="none" w="med" len="med"/>
+                    </a:lnR>
+                    <a:lnT>
+                      <a:noFill/>
+                    </a:lnT>
+                    <a:lnB>
+                      <a:noFill/>
+                    </a:lnB>
+                    <a:solidFill>
+                      <a:srgbClr val="DAEEF3"/>
+                    </a:solidFill>
+                  </a:tcPr>
+                </a:tc>
+                <a:tc>
+                  <a:txBody>
+                    <a:bodyPr/>
+                    <a:lstStyle/>
+                    <a:p>
+                      <a:pPr algn="ctr" fontAlgn="b"/>
+                      <a:r>
+                        <a:rPr lang="en-US" sz="1000" b="0" i="0" u="none" strike="noStrike">
+                          <a:solidFill>
+                            <a:srgbClr val="008000"/>
+                          </a:solidFill>
+                          <a:effectLst/>
+                          <a:latin typeface="Calibri"/>
+                        </a:rPr>
+                        <a:t>Yes</a:t>
+                      </a:r>
+                    </a:p>
+                  </a:txBody>
+                  <a:tcPr marL="10886" marR="10886" marT="10886" marB="0" anchor="b">
+                    <a:lnL w="6350" cap="flat" cmpd="sng" algn="ctr">
+                      <a:solidFill>
+                        <a:srgbClr val="000000"/>
+                      </a:solidFill>
+                      <a:prstDash val="solid"/>
+                      <a:round/>
+                      <a:headEnd type="none" w="med" len="med"/>
+                      <a:tailEnd type="none" w="med" len="med"/>
+                    </a:lnL>
+                    <a:lnR w="6350" cap="flat" cmpd="sng" algn="ctr">
+                      <a:solidFill>
+                        <a:srgbClr val="000000"/>
+                      </a:solidFill>
+                      <a:prstDash val="solid"/>
+                      <a:round/>
+                      <a:headEnd type="none" w="med" len="med"/>
+                      <a:tailEnd type="none" w="med" len="med"/>
+                    </a:lnR>
+                    <a:lnT>
+                      <a:noFill/>
+                    </a:lnT>
+                    <a:lnB>
+                      <a:noFill/>
+                    </a:lnB>
+                    <a:solidFill>
+                      <a:srgbClr val="DAEEF3"/>
+                    </a:solidFill>
+                  </a:tcPr>
+                </a:tc>
+                <a:tc>
+                  <a:txBody>
+                    <a:bodyPr/>
+                    <a:lstStyle/>
+                    <a:p>
+                      <a:pPr algn="ctr" fontAlgn="b"/>
+                      <a:r>
+                        <a:rPr lang="en-US" sz="1000" b="0" i="0" u="none" strike="noStrike">
+                          <a:solidFill>
+                            <a:srgbClr val="FF0000"/>
+                          </a:solidFill>
+                          <a:effectLst/>
+                          <a:latin typeface="Calibri"/>
+                        </a:rPr>
+                        <a:t>No</a:t>
+                      </a:r>
+                    </a:p>
+                  </a:txBody>
+                  <a:tcPr marL="10886" marR="10886" marT="10886" marB="0" anchor="b">
+                    <a:lnL w="6350" cap="flat" cmpd="sng" algn="ctr">
+                      <a:solidFill>
+                        <a:srgbClr val="000000"/>
+                      </a:solidFill>
+                      <a:prstDash val="solid"/>
+                      <a:round/>
+                      <a:headEnd type="none" w="med" len="med"/>
+                      <a:tailEnd type="none" w="med" len="med"/>
+                    </a:lnL>
+                    <a:lnR w="6350" cap="flat" cmpd="sng" algn="ctr">
+                      <a:solidFill>
+                        <a:srgbClr val="000000"/>
+                      </a:solidFill>
+                      <a:prstDash val="solid"/>
+                      <a:round/>
+                      <a:headEnd type="none" w="med" len="med"/>
+                      <a:tailEnd type="none" w="med" len="med"/>
+                    </a:lnR>
+                    <a:lnT>
+                      <a:noFill/>
+                    </a:lnT>
+                    <a:lnB>
+                      <a:noFill/>
+                    </a:lnB>
+                    <a:solidFill>
+                      <a:srgbClr val="DAEEF3"/>
+                    </a:solidFill>
+                  </a:tcPr>
+                </a:tc>
+                <a:tc>
+                  <a:txBody>
+                    <a:bodyPr/>
+                    <a:lstStyle/>
+                    <a:p>
+                      <a:pPr algn="ctr" fontAlgn="b"/>
+                      <a:r>
+                        <a:rPr lang="en-US" sz="1000" b="0" i="0" u="none" strike="noStrike">
+                          <a:solidFill>
+                            <a:srgbClr val="008000"/>
+                          </a:solidFill>
+                          <a:effectLst/>
+                          <a:latin typeface="Calibri"/>
+                        </a:rPr>
+                        <a:t>Yes</a:t>
+                      </a:r>
+                    </a:p>
+                  </a:txBody>
+                  <a:tcPr marL="10886" marR="10886" marT="10886" marB="0" anchor="b">
+                    <a:lnL w="6350" cap="flat" cmpd="sng" algn="ctr">
+                      <a:solidFill>
+                        <a:srgbClr val="000000"/>
+                      </a:solidFill>
+                      <a:prstDash val="solid"/>
+                      <a:round/>
+                      <a:headEnd type="none" w="med" len="med"/>
+                      <a:tailEnd type="none" w="med" len="med"/>
+                    </a:lnL>
+                    <a:lnR w="6350" cap="flat" cmpd="sng" algn="ctr">
+                      <a:solidFill>
+                        <a:srgbClr val="000000"/>
+                      </a:solidFill>
+                      <a:prstDash val="solid"/>
+                      <a:round/>
+                      <a:headEnd type="none" w="med" len="med"/>
+                      <a:tailEnd type="none" w="med" len="med"/>
+                    </a:lnR>
+                    <a:lnT>
+                      <a:noFill/>
+                    </a:lnT>
+                    <a:lnB>
+                      <a:noFill/>
+                    </a:lnB>
+                    <a:solidFill>
+                      <a:srgbClr val="DAEEF3"/>
+                    </a:solidFill>
+                  </a:tcPr>
+                </a:tc>
+                <a:tc>
+                  <a:txBody>
+                    <a:bodyPr/>
+                    <a:lstStyle/>
+                    <a:p>
+                      <a:pPr algn="ctr" fontAlgn="b"/>
+                      <a:r>
+                        <a:rPr lang="en-US" sz="1000" b="0" i="0" u="none" strike="noStrike">
+                          <a:solidFill>
+                            <a:srgbClr val="008000"/>
+                          </a:solidFill>
+                          <a:effectLst/>
+                          <a:latin typeface="Calibri"/>
+                        </a:rPr>
+                        <a:t>Yes</a:t>
+                      </a:r>
+                    </a:p>
+                  </a:txBody>
+                  <a:tcPr marL="10886" marR="10886" marT="10886" marB="0" anchor="b">
+                    <a:lnL w="6350" cap="flat" cmpd="sng" algn="ctr">
+                      <a:solidFill>
+                        <a:srgbClr val="000000"/>
+                      </a:solidFill>
+                      <a:prstDash val="solid"/>
+                      <a:round/>
+                      <a:headEnd type="none" w="med" len="med"/>
+                      <a:tailEnd type="none" w="med" len="med"/>
+                    </a:lnL>
+                    <a:lnR w="6350" cap="flat" cmpd="sng" algn="ctr">
+                      <a:solidFill>
+                        <a:srgbClr val="000000"/>
+                      </a:solidFill>
+                      <a:prstDash val="solid"/>
+                      <a:round/>
+                      <a:headEnd type="none" w="med" len="med"/>
+                      <a:tailEnd type="none" w="med" len="med"/>
+                    </a:lnR>
+                    <a:lnT>
+                      <a:noFill/>
+                    </a:lnT>
+                    <a:lnB>
+                      <a:noFill/>
+                    </a:lnB>
+                    <a:solidFill>
+                      <a:srgbClr val="DAEEF3"/>
+                    </a:solidFill>
+                  </a:tcPr>
+                </a:tc>
+                <a:tc>
+                  <a:txBody>
+                    <a:bodyPr/>
+                    <a:lstStyle/>
+                    <a:p>
+                      <a:pPr algn="ctr" fontAlgn="b"/>
+                      <a:r>
+                        <a:rPr lang="en-US" sz="1000" b="0" i="0" u="none" strike="noStrike">
+                          <a:solidFill>
+                            <a:srgbClr val="FF0000"/>
+                          </a:solidFill>
+                          <a:effectLst/>
+                          <a:latin typeface="Calibri"/>
+                        </a:rPr>
+                        <a:t>No</a:t>
+                      </a:r>
+                    </a:p>
+                  </a:txBody>
+                  <a:tcPr marL="10886" marR="10886" marT="10886" marB="0" anchor="b">
+                    <a:lnL w="6350" cap="flat" cmpd="sng" algn="ctr">
+                      <a:solidFill>
+                        <a:srgbClr val="000000"/>
+                      </a:solidFill>
+                      <a:prstDash val="solid"/>
+                      <a:round/>
+                      <a:headEnd type="none" w="med" len="med"/>
+                      <a:tailEnd type="none" w="med" len="med"/>
+                    </a:lnL>
+                    <a:lnR w="6350" cap="flat" cmpd="sng" algn="ctr">
+                      <a:solidFill>
+                        <a:srgbClr val="000000"/>
+                      </a:solidFill>
+                      <a:prstDash val="solid"/>
+                      <a:round/>
+                      <a:headEnd type="none" w="med" len="med"/>
+                      <a:tailEnd type="none" w="med" len="med"/>
+                    </a:lnR>
+                    <a:lnT>
+                      <a:noFill/>
+                    </a:lnT>
+                    <a:lnB>
+                      <a:noFill/>
+                    </a:lnB>
+                    <a:solidFill>
+                      <a:srgbClr val="DAEEF3"/>
+                    </a:solidFill>
+                  </a:tcPr>
+                </a:tc>
+                <a:tc>
+                  <a:txBody>
+                    <a:bodyPr/>
+                    <a:lstStyle/>
+                    <a:p>
+                      <a:pPr algn="ctr" fontAlgn="b"/>
+                      <a:r>
+                        <a:rPr lang="en-US" sz="1000" b="0" i="0" u="none" strike="noStrike">
+                          <a:solidFill>
+                            <a:srgbClr val="008000"/>
+                          </a:solidFill>
+                          <a:effectLst/>
+                          <a:latin typeface="Calibri"/>
+                        </a:rPr>
+                        <a:t>Yes</a:t>
+                      </a:r>
+                    </a:p>
+                  </a:txBody>
+                  <a:tcPr marL="10886" marR="10886" marT="10886" marB="0" anchor="b">
+                    <a:lnL w="6350" cap="flat" cmpd="sng" algn="ctr">
+                      <a:solidFill>
+                        <a:srgbClr val="000000"/>
+                      </a:solidFill>
+                      <a:prstDash val="solid"/>
+                      <a:round/>
+                      <a:headEnd type="none" w="med" len="med"/>
+                      <a:tailEnd type="none" w="med" len="med"/>
+                    </a:lnL>
+                    <a:lnR w="6350" cap="flat" cmpd="sng" algn="ctr">
+                      <a:solidFill>
+                        <a:srgbClr val="000000"/>
+                      </a:solidFill>
+                      <a:prstDash val="solid"/>
+                      <a:round/>
+                      <a:headEnd type="none" w="med" len="med"/>
+                      <a:tailEnd type="none" w="med" len="med"/>
+                    </a:lnR>
+                    <a:lnT>
+                      <a:noFill/>
+                    </a:lnT>
+                    <a:lnB>
+                      <a:noFill/>
+                    </a:lnB>
+                    <a:solidFill>
+                      <a:srgbClr val="DAEEF3"/>
+                    </a:solidFill>
+                  </a:tcPr>
+                </a:tc>
+                <a:tc>
+                  <a:txBody>
+                    <a:bodyPr/>
+                    <a:lstStyle/>
+                    <a:p>
+                      <a:pPr algn="ctr" fontAlgn="b"/>
+                      <a:r>
+                        <a:rPr lang="en-US" sz="1000" b="0" i="0" u="none" strike="noStrike">
+                          <a:solidFill>
+                            <a:srgbClr val="008000"/>
+                          </a:solidFill>
+                          <a:effectLst/>
+                          <a:latin typeface="Calibri"/>
+                        </a:rPr>
+                        <a:t>Yes</a:t>
+                      </a:r>
+                    </a:p>
+                  </a:txBody>
+                  <a:tcPr marL="10886" marR="10886" marT="10886" marB="0" anchor="b">
+                    <a:lnL w="6350" cap="flat" cmpd="sng" algn="ctr">
+                      <a:solidFill>
+                        <a:srgbClr val="000000"/>
+                      </a:solidFill>
+                      <a:prstDash val="solid"/>
+                      <a:round/>
+                      <a:headEnd type="none" w="med" len="med"/>
+                      <a:tailEnd type="none" w="med" len="med"/>
+                    </a:lnL>
+                    <a:lnR w="6350" cap="flat" cmpd="sng" algn="ctr">
+                      <a:solidFill>
+                        <a:srgbClr val="000000"/>
+                      </a:solidFill>
+                      <a:prstDash val="solid"/>
+                      <a:round/>
+                      <a:headEnd type="none" w="med" len="med"/>
+                      <a:tailEnd type="none" w="med" len="med"/>
+                    </a:lnR>
+                    <a:lnT>
+                      <a:noFill/>
+                    </a:lnT>
+                    <a:lnB>
+                      <a:noFill/>
+                    </a:lnB>
+                    <a:solidFill>
+                      <a:srgbClr val="DAEEF3"/>
+                    </a:solidFill>
+                  </a:tcPr>
+                </a:tc>
+              </a:tr>
+              <a:tr h="219891">
+                <a:tc>
+                  <a:txBody>
+                    <a:bodyPr/>
+                    <a:lstStyle/>
+                    <a:p>
+                      <a:pPr algn="l" fontAlgn="b"/>
+                      <a:r>
+                        <a:rPr lang="en-US" sz="1400" b="0" i="0" u="none" strike="noStrike">
+                          <a:solidFill>
+                            <a:srgbClr val="808080"/>
+                          </a:solidFill>
+                          <a:effectLst/>
+                          <a:latin typeface="Calibri"/>
+                        </a:rPr>
+                        <a:t>Document response type</a:t>
+                      </a:r>
+                    </a:p>
+                  </a:txBody>
+                  <a:tcPr marL="130629" marR="10886" marT="10886" marB="0" anchor="b">
+                    <a:lnL w="6350" cap="flat" cmpd="sng" algn="ctr">
+                      <a:solidFill>
+                        <a:srgbClr val="000000"/>
+                      </a:solidFill>
+                      <a:prstDash val="solid"/>
+                      <a:round/>
+                      <a:headEnd type="none" w="med" len="med"/>
+                      <a:tailEnd type="none" w="med" len="med"/>
+                    </a:lnL>
+                    <a:lnR w="6350" cap="flat" cmpd="sng" algn="ctr">
+                      <a:solidFill>
+                        <a:srgbClr val="000000"/>
+                      </a:solidFill>
+                      <a:prstDash val="solid"/>
+                      <a:round/>
+                      <a:headEnd type="none" w="med" len="med"/>
+                      <a:tailEnd type="none" w="med" len="med"/>
+                    </a:lnR>
+                    <a:lnT>
+                      <a:noFill/>
+                    </a:lnT>
+                    <a:lnB>
+                      <a:noFill/>
+                    </a:lnB>
+                    <a:solidFill>
+                      <a:srgbClr val="DAEEF3"/>
+                    </a:solidFill>
+                  </a:tcPr>
+                </a:tc>
+                <a:tc>
+                  <a:txBody>
+                    <a:bodyPr/>
+                    <a:lstStyle/>
+                    <a:p>
+                      <a:pPr algn="ctr" fontAlgn="b"/>
+                      <a:r>
+                        <a:rPr lang="en-US" sz="1000" b="0" i="0" u="none" strike="noStrike">
+                          <a:solidFill>
+                            <a:srgbClr val="FF0000"/>
+                          </a:solidFill>
+                          <a:effectLst/>
+                          <a:latin typeface="Calibri"/>
+                        </a:rPr>
+                        <a:t>No</a:t>
+                      </a:r>
+                    </a:p>
+                  </a:txBody>
+                  <a:tcPr marL="10886" marR="10886" marT="10886" marB="0" anchor="b">
+                    <a:lnL w="6350" cap="flat" cmpd="sng" algn="ctr">
+                      <a:solidFill>
+                        <a:srgbClr val="000000"/>
+                      </a:solidFill>
+                      <a:prstDash val="solid"/>
+                      <a:round/>
+                      <a:headEnd type="none" w="med" len="med"/>
+                      <a:tailEnd type="none" w="med" len="med"/>
+                    </a:lnL>
+                    <a:lnR w="6350" cap="flat" cmpd="sng" algn="ctr">
+                      <a:solidFill>
+                        <a:srgbClr val="000000"/>
+                      </a:solidFill>
+                      <a:prstDash val="solid"/>
+                      <a:round/>
+                      <a:headEnd type="none" w="med" len="med"/>
+                      <a:tailEnd type="none" w="med" len="med"/>
+                    </a:lnR>
+                    <a:lnT>
+                      <a:noFill/>
+                    </a:lnT>
+                    <a:lnB>
+                      <a:noFill/>
+                    </a:lnB>
+                    <a:solidFill>
+                      <a:srgbClr val="DAEEF3"/>
+                    </a:solidFill>
+                  </a:tcPr>
+                </a:tc>
+                <a:tc>
+                  <a:txBody>
+                    <a:bodyPr/>
+                    <a:lstStyle/>
+                    <a:p>
+                      <a:pPr algn="ctr" fontAlgn="b"/>
+                      <a:r>
+                        <a:rPr lang="en-US" sz="1000" b="0" i="0" u="none" strike="noStrike">
+                          <a:solidFill>
+                            <a:srgbClr val="FF0000"/>
+                          </a:solidFill>
+                          <a:effectLst/>
+                          <a:latin typeface="Calibri"/>
+                        </a:rPr>
+                        <a:t>No</a:t>
+                      </a:r>
+                    </a:p>
+                  </a:txBody>
+                  <a:tcPr marL="10886" marR="10886" marT="10886" marB="0" anchor="b">
+                    <a:lnL w="6350" cap="flat" cmpd="sng" algn="ctr">
+                      <a:solidFill>
+                        <a:srgbClr val="000000"/>
+                      </a:solidFill>
+                      <a:prstDash val="solid"/>
+                      <a:round/>
+                      <a:headEnd type="none" w="med" len="med"/>
+                      <a:tailEnd type="none" w="med" len="med"/>
+                    </a:lnL>
+                    <a:lnR w="6350" cap="flat" cmpd="sng" algn="ctr">
+                      <a:solidFill>
+                        <a:srgbClr val="000000"/>
+                      </a:solidFill>
+                      <a:prstDash val="solid"/>
+                      <a:round/>
+                      <a:headEnd type="none" w="med" len="med"/>
+                      <a:tailEnd type="none" w="med" len="med"/>
+                    </a:lnR>
+                    <a:lnT>
+                      <a:noFill/>
+                    </a:lnT>
+                    <a:lnB>
+                      <a:noFill/>
+                    </a:lnB>
+                    <a:solidFill>
+                      <a:srgbClr val="DAEEF3"/>
+                    </a:solidFill>
+                  </a:tcPr>
+                </a:tc>
+                <a:tc>
+                  <a:txBody>
+                    <a:bodyPr/>
+                    <a:lstStyle/>
+                    <a:p>
+                      <a:pPr algn="ctr" fontAlgn="b"/>
+                      <a:r>
+                        <a:rPr lang="en-US" sz="1000" b="0" i="0" u="none" strike="noStrike">
+                          <a:solidFill>
+                            <a:srgbClr val="FF0000"/>
+                          </a:solidFill>
+                          <a:effectLst/>
+                          <a:latin typeface="Calibri"/>
+                        </a:rPr>
+                        <a:t>No</a:t>
+                      </a:r>
+                    </a:p>
+                  </a:txBody>
+                  <a:tcPr marL="10886" marR="10886" marT="10886" marB="0" anchor="b">
+                    <a:lnL w="6350" cap="flat" cmpd="sng" algn="ctr">
+                      <a:solidFill>
+                        <a:srgbClr val="000000"/>
+                      </a:solidFill>
+                      <a:prstDash val="solid"/>
+                      <a:round/>
+                      <a:headEnd type="none" w="med" len="med"/>
+                      <a:tailEnd type="none" w="med" len="med"/>
+                    </a:lnL>
+                    <a:lnR w="6350" cap="flat" cmpd="sng" algn="ctr">
+                      <a:solidFill>
+                        <a:srgbClr val="000000"/>
+                      </a:solidFill>
+                      <a:prstDash val="solid"/>
+                      <a:round/>
+                      <a:headEnd type="none" w="med" len="med"/>
+                      <a:tailEnd type="none" w="med" len="med"/>
+                    </a:lnR>
+                    <a:lnT>
+                      <a:noFill/>
+                    </a:lnT>
+                    <a:lnB>
+                      <a:noFill/>
+                    </a:lnB>
+                    <a:solidFill>
+                      <a:srgbClr val="DAEEF3"/>
+                    </a:solidFill>
+                  </a:tcPr>
+                </a:tc>
+                <a:tc>
+                  <a:txBody>
+                    <a:bodyPr/>
+                    <a:lstStyle/>
+                    <a:p>
+                      <a:pPr algn="ctr" fontAlgn="b"/>
+                      <a:r>
+                        <a:rPr lang="en-US" sz="1000" b="0" i="0" u="none" strike="noStrike">
+                          <a:solidFill>
+                            <a:srgbClr val="FF0000"/>
+                          </a:solidFill>
+                          <a:effectLst/>
+                          <a:latin typeface="Calibri"/>
+                        </a:rPr>
+                        <a:t>No</a:t>
+                      </a:r>
+                    </a:p>
+                  </a:txBody>
+                  <a:tcPr marL="10886" marR="10886" marT="10886" marB="0" anchor="b">
+                    <a:lnL w="6350" cap="flat" cmpd="sng" algn="ctr">
+                      <a:solidFill>
+                        <a:srgbClr val="000000"/>
+                      </a:solidFill>
+                      <a:prstDash val="solid"/>
+                      <a:round/>
+                      <a:headEnd type="none" w="med" len="med"/>
+                      <a:tailEnd type="none" w="med" len="med"/>
+                    </a:lnL>
+                    <a:lnR w="6350" cap="flat" cmpd="sng" algn="ctr">
+                      <a:solidFill>
+                        <a:srgbClr val="000000"/>
+                      </a:solidFill>
+                      <a:prstDash val="solid"/>
+                      <a:round/>
+                      <a:headEnd type="none" w="med" len="med"/>
+                      <a:tailEnd type="none" w="med" len="med"/>
+                    </a:lnR>
+                    <a:lnT>
+                      <a:noFill/>
+                    </a:lnT>
+                    <a:lnB>
+                      <a:noFill/>
+                    </a:lnB>
+                    <a:solidFill>
+                      <a:srgbClr val="DAEEF3"/>
+                    </a:solidFill>
+                  </a:tcPr>
+                </a:tc>
+                <a:tc>
+                  <a:txBody>
+                    <a:bodyPr/>
+                    <a:lstStyle/>
+                    <a:p>
+                      <a:pPr algn="ctr" fontAlgn="b"/>
+                      <a:r>
+                        <a:rPr lang="en-US" sz="1000" b="0" i="0" u="none" strike="noStrike">
+                          <a:solidFill>
+                            <a:srgbClr val="FF0000"/>
+                          </a:solidFill>
+                          <a:effectLst/>
+                          <a:latin typeface="Calibri"/>
+                        </a:rPr>
+                        <a:t>No</a:t>
+                      </a:r>
+                    </a:p>
+                  </a:txBody>
+                  <a:tcPr marL="10886" marR="10886" marT="10886" marB="0" anchor="b">
+                    <a:lnL w="6350" cap="flat" cmpd="sng" algn="ctr">
+                      <a:solidFill>
+                        <a:srgbClr val="000000"/>
+                      </a:solidFill>
+                      <a:prstDash val="solid"/>
+                      <a:round/>
+                      <a:headEnd type="none" w="med" len="med"/>
+                      <a:tailEnd type="none" w="med" len="med"/>
+                    </a:lnL>
+                    <a:lnR w="6350" cap="flat" cmpd="sng" algn="ctr">
+                      <a:solidFill>
+                        <a:srgbClr val="000000"/>
+                      </a:solidFill>
+                      <a:prstDash val="solid"/>
+                      <a:round/>
+                      <a:headEnd type="none" w="med" len="med"/>
+                      <a:tailEnd type="none" w="med" len="med"/>
+                    </a:lnR>
+                    <a:lnT>
+                      <a:noFill/>
+                    </a:lnT>
+                    <a:lnB>
+                      <a:noFill/>
+                    </a:lnB>
+                    <a:solidFill>
+                      <a:srgbClr val="DAEEF3"/>
+                    </a:solidFill>
+                  </a:tcPr>
+                </a:tc>
+                <a:tc>
+                  <a:txBody>
+                    <a:bodyPr/>
+                    <a:lstStyle/>
+                    <a:p>
+                      <a:pPr algn="ctr" fontAlgn="b"/>
+                      <a:r>
+                        <a:rPr lang="en-US" sz="1000" b="0" i="0" u="none" strike="noStrike">
+                          <a:solidFill>
+                            <a:srgbClr val="FF0000"/>
+                          </a:solidFill>
+                          <a:effectLst/>
+                          <a:latin typeface="Calibri"/>
+                        </a:rPr>
+                        <a:t>No</a:t>
+                      </a:r>
+                    </a:p>
+                  </a:txBody>
+                  <a:tcPr marL="10886" marR="10886" marT="10886" marB="0" anchor="b">
+                    <a:lnL w="6350" cap="flat" cmpd="sng" algn="ctr">
+                      <a:solidFill>
+                        <a:srgbClr val="000000"/>
+                      </a:solidFill>
+                      <a:prstDash val="solid"/>
+                      <a:round/>
+                      <a:headEnd type="none" w="med" len="med"/>
+                      <a:tailEnd type="none" w="med" len="med"/>
+                    </a:lnL>
+                    <a:lnR w="6350" cap="flat" cmpd="sng" algn="ctr">
+                      <a:solidFill>
+                        <a:srgbClr val="000000"/>
+                      </a:solidFill>
+                      <a:prstDash val="solid"/>
+                      <a:round/>
+                      <a:headEnd type="none" w="med" len="med"/>
+                      <a:tailEnd type="none" w="med" len="med"/>
+                    </a:lnR>
+                    <a:lnT>
+                      <a:noFill/>
+                    </a:lnT>
+                    <a:lnB>
+                      <a:noFill/>
+                    </a:lnB>
+                    <a:solidFill>
+                      <a:srgbClr val="DAEEF3"/>
+                    </a:solidFill>
+                  </a:tcPr>
+                </a:tc>
+                <a:tc>
+                  <a:txBody>
+                    <a:bodyPr/>
+                    <a:lstStyle/>
+                    <a:p>
+                      <a:pPr algn="ctr" fontAlgn="b"/>
+                      <a:r>
+                        <a:rPr lang="en-US" sz="1000" b="0" i="0" u="none" strike="noStrike">
+                          <a:solidFill>
+                            <a:srgbClr val="FF0000"/>
+                          </a:solidFill>
+                          <a:effectLst/>
+                          <a:latin typeface="Calibri"/>
+                        </a:rPr>
+                        <a:t>No</a:t>
+                      </a:r>
+                    </a:p>
+                  </a:txBody>
+                  <a:tcPr marL="10886" marR="10886" marT="10886" marB="0" anchor="b">
+                    <a:lnL w="6350" cap="flat" cmpd="sng" algn="ctr">
+                      <a:solidFill>
+                        <a:srgbClr val="000000"/>
+                      </a:solidFill>
+                      <a:prstDash val="solid"/>
+                      <a:round/>
+                      <a:headEnd type="none" w="med" len="med"/>
+                      <a:tailEnd type="none" w="med" len="med"/>
+                    </a:lnL>
+                    <a:lnR w="6350" cap="flat" cmpd="sng" algn="ctr">
+                      <a:solidFill>
+                        <a:srgbClr val="000000"/>
+                      </a:solidFill>
+                      <a:prstDash val="solid"/>
+                      <a:round/>
+                      <a:headEnd type="none" w="med" len="med"/>
+                      <a:tailEnd type="none" w="med" len="med"/>
+                    </a:lnR>
+                    <a:lnT>
+                      <a:noFill/>
+                    </a:lnT>
+                    <a:lnB>
+                      <a:noFill/>
+                    </a:lnB>
+                    <a:solidFill>
+                      <a:srgbClr val="DAEEF3"/>
+                    </a:solidFill>
+                  </a:tcPr>
+                </a:tc>
+              </a:tr>
+              <a:tr h="219891">
+                <a:tc>
+                  <a:txBody>
+                    <a:bodyPr/>
+                    <a:lstStyle/>
+                    <a:p>
+                      <a:pPr algn="l" fontAlgn="b"/>
+                      <a:r>
+                        <a:rPr lang="en-US" sz="1400" b="0" i="0" u="none" strike="noStrike">
+                          <a:solidFill>
+                            <a:srgbClr val="808080"/>
+                          </a:solidFill>
+                          <a:effectLst/>
+                          <a:latin typeface="Calibri"/>
+                        </a:rPr>
+                        <a:t>Array buffer response type</a:t>
+                      </a:r>
+                    </a:p>
+                  </a:txBody>
+                  <a:tcPr marL="130629" marR="10886" marT="10886" marB="0" anchor="b">
+                    <a:lnL w="6350" cap="flat" cmpd="sng" algn="ctr">
+                      <a:solidFill>
+                        <a:srgbClr val="000000"/>
+                      </a:solidFill>
+                      <a:prstDash val="solid"/>
+                      <a:round/>
+                      <a:headEnd type="none" w="med" len="med"/>
+                      <a:tailEnd type="none" w="med" len="med"/>
+                    </a:lnL>
+                    <a:lnR w="6350" cap="flat" cmpd="sng" algn="ctr">
+                      <a:solidFill>
+                        <a:srgbClr val="000000"/>
+                      </a:solidFill>
+                      <a:prstDash val="solid"/>
+                      <a:round/>
+                      <a:headEnd type="none" w="med" len="med"/>
+                      <a:tailEnd type="none" w="med" len="med"/>
+                    </a:lnR>
+                    <a:lnT>
+                      <a:noFill/>
+                    </a:lnT>
+                    <a:lnB>
+                      <a:noFill/>
+                    </a:lnB>
+                    <a:solidFill>
+                      <a:srgbClr val="DAEEF3"/>
+                    </a:solidFill>
+                  </a:tcPr>
+                </a:tc>
+                <a:tc>
+                  <a:txBody>
+                    <a:bodyPr/>
+                    <a:lstStyle/>
+                    <a:p>
+                      <a:pPr algn="ctr" fontAlgn="b"/>
+                      <a:r>
+                        <a:rPr lang="en-US" sz="1000" b="0" i="0" u="none" strike="noStrike">
+                          <a:solidFill>
+                            <a:srgbClr val="008000"/>
+                          </a:solidFill>
+                          <a:effectLst/>
+                          <a:latin typeface="Calibri"/>
+                        </a:rPr>
+                        <a:t>Yes</a:t>
+                      </a:r>
+                    </a:p>
+                  </a:txBody>
+                  <a:tcPr marL="10886" marR="10886" marT="10886" marB="0" anchor="b">
+                    <a:lnL w="6350" cap="flat" cmpd="sng" algn="ctr">
+                      <a:solidFill>
+                        <a:srgbClr val="000000"/>
+                      </a:solidFill>
+                      <a:prstDash val="solid"/>
+                      <a:round/>
+                      <a:headEnd type="none" w="med" len="med"/>
+                      <a:tailEnd type="none" w="med" len="med"/>
+                    </a:lnL>
+                    <a:lnR w="6350" cap="flat" cmpd="sng" algn="ctr">
+                      <a:solidFill>
+                        <a:srgbClr val="000000"/>
+                      </a:solidFill>
+                      <a:prstDash val="solid"/>
+                      <a:round/>
+                      <a:headEnd type="none" w="med" len="med"/>
+                      <a:tailEnd type="none" w="med" len="med"/>
+                    </a:lnR>
+                    <a:lnT>
+                      <a:noFill/>
+                    </a:lnT>
+                    <a:lnB>
+                      <a:noFill/>
+                    </a:lnB>
+                    <a:solidFill>
+                      <a:srgbClr val="DAEEF3"/>
+                    </a:solidFill>
+                  </a:tcPr>
+                </a:tc>
+                <a:tc>
+                  <a:txBody>
+                    <a:bodyPr/>
+                    <a:lstStyle/>
+                    <a:p>
+                      <a:pPr algn="ctr" fontAlgn="b"/>
+                      <a:r>
+                        <a:rPr lang="en-US" sz="1000" b="0" i="0" u="none" strike="noStrike">
+                          <a:solidFill>
+                            <a:srgbClr val="FF0000"/>
+                          </a:solidFill>
+                          <a:effectLst/>
+                          <a:latin typeface="Calibri"/>
+                        </a:rPr>
+                        <a:t>No</a:t>
+                      </a:r>
+                    </a:p>
+                  </a:txBody>
+                  <a:tcPr marL="10886" marR="10886" marT="10886" marB="0" anchor="b">
+                    <a:lnL w="6350" cap="flat" cmpd="sng" algn="ctr">
+                      <a:solidFill>
+                        <a:srgbClr val="000000"/>
+                      </a:solidFill>
+                      <a:prstDash val="solid"/>
+                      <a:round/>
+                      <a:headEnd type="none" w="med" len="med"/>
+                      <a:tailEnd type="none" w="med" len="med"/>
+                    </a:lnL>
+                    <a:lnR w="6350" cap="flat" cmpd="sng" algn="ctr">
+                      <a:solidFill>
+                        <a:srgbClr val="000000"/>
+                      </a:solidFill>
+                      <a:prstDash val="solid"/>
+                      <a:round/>
+                      <a:headEnd type="none" w="med" len="med"/>
+                      <a:tailEnd type="none" w="med" len="med"/>
+                    </a:lnR>
+                    <a:lnT>
+                      <a:noFill/>
+                    </a:lnT>
+                    <a:lnB>
+                      <a:noFill/>
+                    </a:lnB>
+                    <a:solidFill>
+                      <a:srgbClr val="DAEEF3"/>
+                    </a:solidFill>
+                  </a:tcPr>
+                </a:tc>
+                <a:tc>
+                  <a:txBody>
+                    <a:bodyPr/>
+                    <a:lstStyle/>
+                    <a:p>
+                      <a:pPr algn="ctr" fontAlgn="b"/>
+                      <a:r>
+                        <a:rPr lang="en-US" sz="1000" b="0" i="0" u="none" strike="noStrike">
+                          <a:solidFill>
+                            <a:srgbClr val="008000"/>
+                          </a:solidFill>
+                          <a:effectLst/>
+                          <a:latin typeface="Calibri"/>
+                        </a:rPr>
+                        <a:t>Yes</a:t>
+                      </a:r>
+                    </a:p>
+                  </a:txBody>
+                  <a:tcPr marL="10886" marR="10886" marT="10886" marB="0" anchor="b">
+                    <a:lnL w="6350" cap="flat" cmpd="sng" algn="ctr">
+                      <a:solidFill>
+                        <a:srgbClr val="000000"/>
+                      </a:solidFill>
+                      <a:prstDash val="solid"/>
+                      <a:round/>
+                      <a:headEnd type="none" w="med" len="med"/>
+                      <a:tailEnd type="none" w="med" len="med"/>
+                    </a:lnL>
+                    <a:lnR w="6350" cap="flat" cmpd="sng" algn="ctr">
+                      <a:solidFill>
+                        <a:srgbClr val="000000"/>
+                      </a:solidFill>
+                      <a:prstDash val="solid"/>
+                      <a:round/>
+                      <a:headEnd type="none" w="med" len="med"/>
+                      <a:tailEnd type="none" w="med" len="med"/>
+                    </a:lnR>
+                    <a:lnT>
+                      <a:noFill/>
+                    </a:lnT>
+                    <a:lnB>
+                      <a:noFill/>
+                    </a:lnB>
+                    <a:solidFill>
+                      <a:srgbClr val="DAEEF3"/>
+                    </a:solidFill>
+                  </a:tcPr>
+                </a:tc>
+                <a:tc>
+                  <a:txBody>
+                    <a:bodyPr/>
+                    <a:lstStyle/>
+                    <a:p>
+                      <a:pPr algn="ctr" fontAlgn="b"/>
+                      <a:r>
+                        <a:rPr lang="en-US" sz="1000" b="0" i="0" u="none" strike="noStrike">
+                          <a:solidFill>
+                            <a:srgbClr val="008000"/>
+                          </a:solidFill>
+                          <a:effectLst/>
+                          <a:latin typeface="Calibri"/>
+                        </a:rPr>
+                        <a:t>Yes</a:t>
+                      </a:r>
+                    </a:p>
+                  </a:txBody>
+                  <a:tcPr marL="10886" marR="10886" marT="10886" marB="0" anchor="b">
+                    <a:lnL w="6350" cap="flat" cmpd="sng" algn="ctr">
+                      <a:solidFill>
+                        <a:srgbClr val="000000"/>
+                      </a:solidFill>
+                      <a:prstDash val="solid"/>
+                      <a:round/>
+                      <a:headEnd type="none" w="med" len="med"/>
+                      <a:tailEnd type="none" w="med" len="med"/>
+                    </a:lnL>
+                    <a:lnR w="6350" cap="flat" cmpd="sng" algn="ctr">
+                      <a:solidFill>
+                        <a:srgbClr val="000000"/>
+                      </a:solidFill>
+                      <a:prstDash val="solid"/>
+                      <a:round/>
+                      <a:headEnd type="none" w="med" len="med"/>
+                      <a:tailEnd type="none" w="med" len="med"/>
+                    </a:lnR>
+                    <a:lnT>
+                      <a:noFill/>
+                    </a:lnT>
+                    <a:lnB>
+                      <a:noFill/>
+                    </a:lnB>
+                    <a:solidFill>
+                      <a:srgbClr val="DAEEF3"/>
+                    </a:solidFill>
+                  </a:tcPr>
+                </a:tc>
+                <a:tc>
+                  <a:txBody>
+                    <a:bodyPr/>
+                    <a:lstStyle/>
+                    <a:p>
+                      <a:pPr algn="ctr" fontAlgn="b"/>
+                      <a:r>
+                        <a:rPr lang="en-US" sz="1000" b="0" i="0" u="none" strike="noStrike">
+                          <a:solidFill>
+                            <a:srgbClr val="FF0000"/>
+                          </a:solidFill>
+                          <a:effectLst/>
+                          <a:latin typeface="Calibri"/>
+                        </a:rPr>
+                        <a:t>No</a:t>
+                      </a:r>
+                    </a:p>
+                  </a:txBody>
+                  <a:tcPr marL="10886" marR="10886" marT="10886" marB="0" anchor="b">
+                    <a:lnL w="6350" cap="flat" cmpd="sng" algn="ctr">
+                      <a:solidFill>
+                        <a:srgbClr val="000000"/>
+                      </a:solidFill>
+                      <a:prstDash val="solid"/>
+                      <a:round/>
+                      <a:headEnd type="none" w="med" len="med"/>
+                      <a:tailEnd type="none" w="med" len="med"/>
+                    </a:lnL>
+                    <a:lnR w="6350" cap="flat" cmpd="sng" algn="ctr">
+                      <a:solidFill>
+                        <a:srgbClr val="000000"/>
+                      </a:solidFill>
+                      <a:prstDash val="solid"/>
+                      <a:round/>
+                      <a:headEnd type="none" w="med" len="med"/>
+                      <a:tailEnd type="none" w="med" len="med"/>
+                    </a:lnR>
+                    <a:lnT>
+                      <a:noFill/>
+                    </a:lnT>
+                    <a:lnB>
+                      <a:noFill/>
+                    </a:lnB>
+                    <a:solidFill>
+                      <a:srgbClr val="DAEEF3"/>
+                    </a:solidFill>
+                  </a:tcPr>
+                </a:tc>
+                <a:tc>
+                  <a:txBody>
+                    <a:bodyPr/>
+                    <a:lstStyle/>
+                    <a:p>
+                      <a:pPr algn="ctr" fontAlgn="b"/>
+                      <a:r>
+                        <a:rPr lang="en-US" sz="1000" b="0" i="0" u="none" strike="noStrike">
+                          <a:solidFill>
+                            <a:srgbClr val="008000"/>
+                          </a:solidFill>
+                          <a:effectLst/>
+                          <a:latin typeface="Calibri"/>
+                        </a:rPr>
+                        <a:t>Yes</a:t>
+                      </a:r>
+                    </a:p>
+                  </a:txBody>
+                  <a:tcPr marL="10886" marR="10886" marT="10886" marB="0" anchor="b">
+                    <a:lnL w="6350" cap="flat" cmpd="sng" algn="ctr">
+                      <a:solidFill>
+                        <a:srgbClr val="000000"/>
+                      </a:solidFill>
+                      <a:prstDash val="solid"/>
+                      <a:round/>
+                      <a:headEnd type="none" w="med" len="med"/>
+                      <a:tailEnd type="none" w="med" len="med"/>
+                    </a:lnL>
+                    <a:lnR w="6350" cap="flat" cmpd="sng" algn="ctr">
+                      <a:solidFill>
+                        <a:srgbClr val="000000"/>
+                      </a:solidFill>
+                      <a:prstDash val="solid"/>
+                      <a:round/>
+                      <a:headEnd type="none" w="med" len="med"/>
+                      <a:tailEnd type="none" w="med" len="med"/>
+                    </a:lnR>
+                    <a:lnT>
+                      <a:noFill/>
+                    </a:lnT>
+                    <a:lnB>
+                      <a:noFill/>
+                    </a:lnB>
+                    <a:solidFill>
+                      <a:srgbClr val="DAEEF3"/>
+                    </a:solidFill>
+                  </a:tcPr>
+                </a:tc>
+                <a:tc>
+                  <a:txBody>
+                    <a:bodyPr/>
+                    <a:lstStyle/>
+                    <a:p>
+                      <a:pPr algn="ctr" fontAlgn="b"/>
+                      <a:r>
+                        <a:rPr lang="en-US" sz="1000" b="0" i="0" u="none" strike="noStrike">
+                          <a:solidFill>
+                            <a:srgbClr val="008000"/>
+                          </a:solidFill>
+                          <a:effectLst/>
+                          <a:latin typeface="Calibri"/>
+                        </a:rPr>
+                        <a:t>Yes</a:t>
+                      </a:r>
+                    </a:p>
+                  </a:txBody>
+                  <a:tcPr marL="10886" marR="10886" marT="10886" marB="0" anchor="b">
+                    <a:lnL w="6350" cap="flat" cmpd="sng" algn="ctr">
+                      <a:solidFill>
+                        <a:srgbClr val="000000"/>
+                      </a:solidFill>
+                      <a:prstDash val="solid"/>
+                      <a:round/>
+                      <a:headEnd type="none" w="med" len="med"/>
+                      <a:tailEnd type="none" w="med" len="med"/>
+                    </a:lnL>
+                    <a:lnR w="6350" cap="flat" cmpd="sng" algn="ctr">
+                      <a:solidFill>
+                        <a:srgbClr val="000000"/>
+                      </a:solidFill>
+                      <a:prstDash val="solid"/>
+                      <a:round/>
+                      <a:headEnd type="none" w="med" len="med"/>
+                      <a:tailEnd type="none" w="med" len="med"/>
+                    </a:lnR>
+                    <a:lnT>
+                      <a:noFill/>
+                    </a:lnT>
+                    <a:lnB>
+                      <a:noFill/>
+                    </a:lnB>
+                    <a:solidFill>
+                      <a:srgbClr val="DAEEF3"/>
+                    </a:solidFill>
+                  </a:tcPr>
+                </a:tc>
+              </a:tr>
+              <a:tr h="219891">
+                <a:tc>
+                  <a:txBody>
+                    <a:bodyPr/>
+                    <a:lstStyle/>
+                    <a:p>
+                      <a:pPr algn="l" fontAlgn="b"/>
+                      <a:r>
+                        <a:rPr lang="en-US" sz="1400" b="0" i="0" u="none" strike="noStrike">
+                          <a:solidFill>
+                            <a:srgbClr val="808080"/>
+                          </a:solidFill>
+                          <a:effectLst/>
+                          <a:latin typeface="Calibri"/>
+                        </a:rPr>
+                        <a:t>Blob response type</a:t>
+                      </a:r>
+                    </a:p>
+                  </a:txBody>
+                  <a:tcPr marL="130629" marR="10886" marT="10886" marB="0" anchor="b">
+                    <a:lnL w="6350" cap="flat" cmpd="sng" algn="ctr">
+                      <a:solidFill>
+                        <a:srgbClr val="000000"/>
+                      </a:solidFill>
+                      <a:prstDash val="solid"/>
+                      <a:round/>
+                      <a:headEnd type="none" w="med" len="med"/>
+                      <a:tailEnd type="none" w="med" len="med"/>
+                    </a:lnL>
+                    <a:lnR w="6350" cap="flat" cmpd="sng" algn="ctr">
+                      <a:solidFill>
+                        <a:srgbClr val="000000"/>
+                      </a:solidFill>
+                      <a:prstDash val="solid"/>
+                      <a:round/>
+                      <a:headEnd type="none" w="med" len="med"/>
+                      <a:tailEnd type="none" w="med" len="med"/>
+                    </a:lnR>
+                    <a:lnT>
+                      <a:noFill/>
+                    </a:lnT>
+                    <a:lnB w="6350" cap="flat" cmpd="sng" algn="ctr">
+                      <a:solidFill>
+                        <a:srgbClr val="000000"/>
+                      </a:solidFill>
+                      <a:prstDash val="solid"/>
+                      <a:round/>
+                      <a:headEnd type="none" w="med" len="med"/>
+                      <a:tailEnd type="none" w="med" len="med"/>
+                    </a:lnB>
+                    <a:solidFill>
+                      <a:srgbClr val="DAEEF3"/>
+                    </a:solidFill>
+                  </a:tcPr>
+                </a:tc>
+                <a:tc>
+                  <a:txBody>
+                    <a:bodyPr/>
+                    <a:lstStyle/>
+                    <a:p>
+                      <a:pPr algn="ctr" fontAlgn="b"/>
+                      <a:r>
+                        <a:rPr lang="en-US" sz="1000" b="0" i="0" u="none" strike="noStrike">
+                          <a:solidFill>
+                            <a:srgbClr val="008000"/>
+                          </a:solidFill>
+                          <a:effectLst/>
+                          <a:latin typeface="Calibri"/>
+                        </a:rPr>
+                        <a:t>Yes</a:t>
+                      </a:r>
+                    </a:p>
+                  </a:txBody>
+                  <a:tcPr marL="10886" marR="10886" marT="10886" marB="0" anchor="b">
+                    <a:lnL w="6350" cap="flat" cmpd="sng" algn="ctr">
+                      <a:solidFill>
+                        <a:srgbClr val="000000"/>
+                      </a:solidFill>
+                      <a:prstDash val="solid"/>
+                      <a:round/>
+                      <a:headEnd type="none" w="med" len="med"/>
+                      <a:tailEnd type="none" w="med" len="med"/>
+                    </a:lnL>
+                    <a:lnR w="6350" cap="flat" cmpd="sng" algn="ctr">
+                      <a:solidFill>
+                        <a:srgbClr val="000000"/>
+                      </a:solidFill>
+                      <a:prstDash val="solid"/>
+                      <a:round/>
+                      <a:headEnd type="none" w="med" len="med"/>
+                      <a:tailEnd type="none" w="med" len="med"/>
+                    </a:lnR>
+                    <a:lnT>
+                      <a:noFill/>
+                    </a:lnT>
+                    <a:lnB w="6350" cap="flat" cmpd="sng" algn="ctr">
+                      <a:solidFill>
+                        <a:srgbClr val="000000"/>
+                      </a:solidFill>
+                      <a:prstDash val="solid"/>
+                      <a:round/>
+                      <a:headEnd type="none" w="med" len="med"/>
+                      <a:tailEnd type="none" w="med" len="med"/>
+                    </a:lnB>
+                    <a:solidFill>
+                      <a:srgbClr val="DAEEF3"/>
+                    </a:solidFill>
+                  </a:tcPr>
+                </a:tc>
+                <a:tc>
+                  <a:txBody>
+                    <a:bodyPr/>
+                    <a:lstStyle/>
+                    <a:p>
+                      <a:pPr algn="ctr" fontAlgn="b"/>
+                      <a:r>
+                        <a:rPr lang="en-US" sz="1000" b="0" i="0" u="none" strike="noStrike">
+                          <a:solidFill>
+                            <a:srgbClr val="FF0000"/>
+                          </a:solidFill>
+                          <a:effectLst/>
+                          <a:latin typeface="Calibri"/>
+                        </a:rPr>
+                        <a:t>No</a:t>
+                      </a:r>
+                    </a:p>
+                  </a:txBody>
+                  <a:tcPr marL="10886" marR="10886" marT="10886" marB="0" anchor="b">
+                    <a:lnL w="6350" cap="flat" cmpd="sng" algn="ctr">
+                      <a:solidFill>
+                        <a:srgbClr val="000000"/>
+                      </a:solidFill>
+                      <a:prstDash val="solid"/>
+                      <a:round/>
+                      <a:headEnd type="none" w="med" len="med"/>
+                      <a:tailEnd type="none" w="med" len="med"/>
+                    </a:lnL>
+                    <a:lnR w="6350" cap="flat" cmpd="sng" algn="ctr">
+                      <a:solidFill>
+                        <a:srgbClr val="000000"/>
+                      </a:solidFill>
+                      <a:prstDash val="solid"/>
+                      <a:round/>
+                      <a:headEnd type="none" w="med" len="med"/>
+                      <a:tailEnd type="none" w="med" len="med"/>
+                    </a:lnR>
+                    <a:lnT>
+                      <a:noFill/>
+                    </a:lnT>
+                    <a:lnB w="6350" cap="flat" cmpd="sng" algn="ctr">
+                      <a:solidFill>
+                        <a:srgbClr val="000000"/>
+                      </a:solidFill>
+                      <a:prstDash val="solid"/>
+                      <a:round/>
+                      <a:headEnd type="none" w="med" len="med"/>
+                      <a:tailEnd type="none" w="med" len="med"/>
+                    </a:lnB>
+                    <a:solidFill>
+                      <a:srgbClr val="DAEEF3"/>
+                    </a:solidFill>
+                  </a:tcPr>
+                </a:tc>
+                <a:tc>
+                  <a:txBody>
+                    <a:bodyPr/>
+                    <a:lstStyle/>
+                    <a:p>
+                      <a:pPr algn="ctr" fontAlgn="b"/>
+                      <a:r>
+                        <a:rPr lang="en-US" sz="1000" b="0" i="0" u="none" strike="noStrike">
+                          <a:solidFill>
+                            <a:srgbClr val="FF0000"/>
+                          </a:solidFill>
+                          <a:effectLst/>
+                          <a:latin typeface="Calibri"/>
+                        </a:rPr>
+                        <a:t>No</a:t>
+                      </a:r>
+                    </a:p>
+                  </a:txBody>
+                  <a:tcPr marL="10886" marR="10886" marT="10886" marB="0" anchor="b">
+                    <a:lnL w="6350" cap="flat" cmpd="sng" algn="ctr">
+                      <a:solidFill>
+                        <a:srgbClr val="000000"/>
+                      </a:solidFill>
+                      <a:prstDash val="solid"/>
+                      <a:round/>
+                      <a:headEnd type="none" w="med" len="med"/>
+                      <a:tailEnd type="none" w="med" len="med"/>
+                    </a:lnL>
+                    <a:lnR w="6350" cap="flat" cmpd="sng" algn="ctr">
+                      <a:solidFill>
+                        <a:srgbClr val="000000"/>
+                      </a:solidFill>
+                      <a:prstDash val="solid"/>
+                      <a:round/>
+                      <a:headEnd type="none" w="med" len="med"/>
+                      <a:tailEnd type="none" w="med" len="med"/>
+                    </a:lnR>
+                    <a:lnT>
+                      <a:noFill/>
+                    </a:lnT>
+                    <a:lnB w="6350" cap="flat" cmpd="sng" algn="ctr">
+                      <a:solidFill>
+                        <a:srgbClr val="000000"/>
+                      </a:solidFill>
+                      <a:prstDash val="solid"/>
+                      <a:round/>
+                      <a:headEnd type="none" w="med" len="med"/>
+                      <a:tailEnd type="none" w="med" len="med"/>
+                    </a:lnB>
+                    <a:solidFill>
+                      <a:srgbClr val="DAEEF3"/>
+                    </a:solidFill>
+                  </a:tcPr>
+                </a:tc>
+                <a:tc>
+                  <a:txBody>
+                    <a:bodyPr/>
+                    <a:lstStyle/>
+                    <a:p>
+                      <a:pPr algn="ctr" fontAlgn="b"/>
+                      <a:r>
+                        <a:rPr lang="en-US" sz="1000" b="0" i="0" u="none" strike="noStrike">
+                          <a:solidFill>
+                            <a:srgbClr val="FF0000"/>
+                          </a:solidFill>
+                          <a:effectLst/>
+                          <a:latin typeface="Calibri"/>
+                        </a:rPr>
+                        <a:t>No</a:t>
+                      </a:r>
+                    </a:p>
+                  </a:txBody>
+                  <a:tcPr marL="10886" marR="10886" marT="10886" marB="0" anchor="b">
+                    <a:lnL w="6350" cap="flat" cmpd="sng" algn="ctr">
+                      <a:solidFill>
+                        <a:srgbClr val="000000"/>
+                      </a:solidFill>
+                      <a:prstDash val="solid"/>
+                      <a:round/>
+                      <a:headEnd type="none" w="med" len="med"/>
+                      <a:tailEnd type="none" w="med" len="med"/>
+                    </a:lnL>
+                    <a:lnR w="6350" cap="flat" cmpd="sng" algn="ctr">
+                      <a:solidFill>
+                        <a:srgbClr val="000000"/>
+                      </a:solidFill>
+                      <a:prstDash val="solid"/>
+                      <a:round/>
+                      <a:headEnd type="none" w="med" len="med"/>
+                      <a:tailEnd type="none" w="med" len="med"/>
+                    </a:lnR>
+                    <a:lnT>
+                      <a:noFill/>
+                    </a:lnT>
+                    <a:lnB w="6350" cap="flat" cmpd="sng" algn="ctr">
+                      <a:solidFill>
+                        <a:srgbClr val="000000"/>
+                      </a:solidFill>
+                      <a:prstDash val="solid"/>
+                      <a:round/>
+                      <a:headEnd type="none" w="med" len="med"/>
+                      <a:tailEnd type="none" w="med" len="med"/>
+                    </a:lnB>
+                    <a:solidFill>
+                      <a:srgbClr val="DAEEF3"/>
+                    </a:solidFill>
+                  </a:tcPr>
+                </a:tc>
+                <a:tc>
+                  <a:txBody>
+                    <a:bodyPr/>
+                    <a:lstStyle/>
+                    <a:p>
+                      <a:pPr algn="ctr" fontAlgn="b"/>
+                      <a:r>
+                        <a:rPr lang="en-US" sz="1000" b="0" i="0" u="none" strike="noStrike">
+                          <a:solidFill>
+                            <a:srgbClr val="FF0000"/>
+                          </a:solidFill>
+                          <a:effectLst/>
+                          <a:latin typeface="Calibri"/>
+                        </a:rPr>
+                        <a:t>No</a:t>
+                      </a:r>
+                    </a:p>
+                  </a:txBody>
+                  <a:tcPr marL="10886" marR="10886" marT="10886" marB="0" anchor="b">
+                    <a:lnL w="6350" cap="flat" cmpd="sng" algn="ctr">
+                      <a:solidFill>
+                        <a:srgbClr val="000000"/>
+                      </a:solidFill>
+                      <a:prstDash val="solid"/>
+                      <a:round/>
+                      <a:headEnd type="none" w="med" len="med"/>
+                      <a:tailEnd type="none" w="med" len="med"/>
+                    </a:lnL>
+                    <a:lnR w="6350" cap="flat" cmpd="sng" algn="ctr">
+                      <a:solidFill>
+                        <a:srgbClr val="000000"/>
+                      </a:solidFill>
+                      <a:prstDash val="solid"/>
+                      <a:round/>
+                      <a:headEnd type="none" w="med" len="med"/>
+                      <a:tailEnd type="none" w="med" len="med"/>
+                    </a:lnR>
+                    <a:lnT>
+                      <a:noFill/>
+                    </a:lnT>
+                    <a:lnB w="6350" cap="flat" cmpd="sng" algn="ctr">
+                      <a:solidFill>
+                        <a:srgbClr val="000000"/>
+                      </a:solidFill>
+                      <a:prstDash val="solid"/>
+                      <a:round/>
+                      <a:headEnd type="none" w="med" len="med"/>
+                      <a:tailEnd type="none" w="med" len="med"/>
+                    </a:lnB>
+                    <a:solidFill>
+                      <a:srgbClr val="DAEEF3"/>
+                    </a:solidFill>
+                  </a:tcPr>
+                </a:tc>
+                <a:tc>
+                  <a:txBody>
+                    <a:bodyPr/>
+                    <a:lstStyle/>
+                    <a:p>
+                      <a:pPr algn="ctr" fontAlgn="b"/>
+                      <a:r>
+                        <a:rPr lang="en-US" sz="1000" b="0" i="0" u="none" strike="noStrike">
+                          <a:solidFill>
+                            <a:srgbClr val="FF0000"/>
+                          </a:solidFill>
+                          <a:effectLst/>
+                          <a:latin typeface="Calibri"/>
+                        </a:rPr>
+                        <a:t>No</a:t>
+                      </a:r>
+                    </a:p>
+                  </a:txBody>
+                  <a:tcPr marL="10886" marR="10886" marT="10886" marB="0" anchor="b">
+                    <a:lnL w="6350" cap="flat" cmpd="sng" algn="ctr">
+                      <a:solidFill>
+                        <a:srgbClr val="000000"/>
+                      </a:solidFill>
+                      <a:prstDash val="solid"/>
+                      <a:round/>
+                      <a:headEnd type="none" w="med" len="med"/>
+                      <a:tailEnd type="none" w="med" len="med"/>
+                    </a:lnL>
+                    <a:lnR w="6350" cap="flat" cmpd="sng" algn="ctr">
+                      <a:solidFill>
+                        <a:srgbClr val="000000"/>
+                      </a:solidFill>
+                      <a:prstDash val="solid"/>
+                      <a:round/>
+                      <a:headEnd type="none" w="med" len="med"/>
+                      <a:tailEnd type="none" w="med" len="med"/>
+                    </a:lnR>
+                    <a:lnT>
+                      <a:noFill/>
+                    </a:lnT>
+                    <a:lnB w="6350" cap="flat" cmpd="sng" algn="ctr">
+                      <a:solidFill>
+                        <a:srgbClr val="000000"/>
+                      </a:solidFill>
+                      <a:prstDash val="solid"/>
+                      <a:round/>
+                      <a:headEnd type="none" w="med" len="med"/>
+                      <a:tailEnd type="none" w="med" len="med"/>
+                    </a:lnB>
+                    <a:solidFill>
+                      <a:srgbClr val="DAEEF3"/>
+                    </a:solidFill>
+                  </a:tcPr>
+                </a:tc>
+                <a:tc>
+                  <a:txBody>
+                    <a:bodyPr/>
+                    <a:lstStyle/>
+                    <a:p>
+                      <a:pPr algn="ctr" fontAlgn="b"/>
+                      <a:r>
+                        <a:rPr lang="en-US" sz="1000" b="0" i="0" u="none" strike="noStrike">
+                          <a:solidFill>
+                            <a:srgbClr val="008000"/>
+                          </a:solidFill>
+                          <a:effectLst/>
+                          <a:latin typeface="Calibri"/>
+                        </a:rPr>
+                        <a:t>Yes</a:t>
+                      </a:r>
+                    </a:p>
+                  </a:txBody>
+                  <a:tcPr marL="10886" marR="10886" marT="10886" marB="0" anchor="b">
+                    <a:lnL w="6350" cap="flat" cmpd="sng" algn="ctr">
+                      <a:solidFill>
+                        <a:srgbClr val="000000"/>
+                      </a:solidFill>
+                      <a:prstDash val="solid"/>
+                      <a:round/>
+                      <a:headEnd type="none" w="med" len="med"/>
+                      <a:tailEnd type="none" w="med" len="med"/>
+                    </a:lnL>
+                    <a:lnR w="6350" cap="flat" cmpd="sng" algn="ctr">
+                      <a:solidFill>
+                        <a:srgbClr val="000000"/>
+                      </a:solidFill>
+                      <a:prstDash val="solid"/>
+                      <a:round/>
+                      <a:headEnd type="none" w="med" len="med"/>
+                      <a:tailEnd type="none" w="med" len="med"/>
+                    </a:lnR>
+                    <a:lnT>
+                      <a:noFill/>
+                    </a:lnT>
+                    <a:lnB w="6350" cap="flat" cmpd="sng" algn="ctr">
+                      <a:solidFill>
+                        <a:srgbClr val="000000"/>
+                      </a:solidFill>
+                      <a:prstDash val="solid"/>
+                      <a:round/>
+                      <a:headEnd type="none" w="med" len="med"/>
+                      <a:tailEnd type="none" w="med" len="med"/>
+                    </a:lnB>
+                    <a:solidFill>
+                      <a:srgbClr val="DAEEF3"/>
+                    </a:solidFill>
+                  </a:tcPr>
+                </a:tc>
+              </a:tr>
+              <a:tr h="250371">
+                <a:tc>
+                  <a:txBody>
+                    <a:bodyPr/>
+                    <a:lstStyle/>
+                    <a:p>
+                      <a:pPr algn="l" fontAlgn="b"/>
+                      <a:r>
+                        <a:rPr lang="en-US" sz="1500" b="1" i="0" u="none" strike="noStrike">
+                          <a:solidFill>
+                            <a:srgbClr val="000000"/>
+                          </a:solidFill>
+                          <a:effectLst/>
+                          <a:latin typeface="Calibri"/>
+                        </a:rPr>
+                        <a:t>Files API</a:t>
+                      </a:r>
+                    </a:p>
+                  </a:txBody>
+                  <a:tcPr marL="10886" marR="10886" marT="10886" marB="0" anchor="b">
+                    <a:lnL w="6350" cap="flat" cmpd="sng" algn="ctr">
+                      <a:solidFill>
+                        <a:srgbClr val="000000"/>
+                      </a:solidFill>
+                      <a:prstDash val="solid"/>
+                      <a:round/>
+                      <a:headEnd type="none" w="med" len="med"/>
+                      <a:tailEnd type="none" w="med" len="med"/>
+                    </a:lnL>
+                    <a:lnR w="6350" cap="flat" cmpd="sng" algn="ctr">
+                      <a:solidFill>
+                        <a:srgbClr val="000000"/>
+                      </a:solidFill>
+                      <a:prstDash val="solid"/>
+                      <a:round/>
+                      <a:headEnd type="none" w="med" len="med"/>
+                      <a:tailEnd type="none" w="med" len="med"/>
+                    </a:lnR>
+                    <a:lnT w="6350" cap="flat" cmpd="sng" algn="ctr">
+                      <a:solidFill>
+                        <a:srgbClr val="000000"/>
+                      </a:solidFill>
+                      <a:prstDash val="solid"/>
+                      <a:round/>
+                      <a:headEnd type="none" w="med" len="med"/>
+                      <a:tailEnd type="none" w="med" len="med"/>
+                    </a:lnT>
+                    <a:lnB>
+                      <a:noFill/>
+                    </a:lnB>
+                    <a:solidFill>
+                      <a:srgbClr val="EBF1DE"/>
+                    </a:solidFill>
+                  </a:tcPr>
+                </a:tc>
+                <a:tc>
+                  <a:txBody>
+                    <a:bodyPr/>
+                    <a:lstStyle/>
+                    <a:p>
+                      <a:pPr algn="ctr" fontAlgn="b"/>
+                      <a:r>
+                        <a:rPr lang="en-US" sz="1000" b="0" i="0" u="none" strike="noStrike">
+                          <a:solidFill>
+                            <a:srgbClr val="000000"/>
+                          </a:solidFill>
+                          <a:effectLst/>
+                          <a:latin typeface="Calibri"/>
+                        </a:rPr>
+                        <a:t> </a:t>
+                      </a:r>
+                    </a:p>
+                  </a:txBody>
+                  <a:tcPr marL="10886" marR="10886" marT="10886" marB="0" anchor="b">
+                    <a:lnL w="6350" cap="flat" cmpd="sng" algn="ctr">
+                      <a:solidFill>
+                        <a:srgbClr val="000000"/>
+                      </a:solidFill>
+                      <a:prstDash val="solid"/>
+                      <a:round/>
+                      <a:headEnd type="none" w="med" len="med"/>
+                      <a:tailEnd type="none" w="med" len="med"/>
+                    </a:lnL>
+                    <a:lnR w="6350" cap="flat" cmpd="sng" algn="ctr">
+                      <a:solidFill>
+                        <a:srgbClr val="000000"/>
+                      </a:solidFill>
+                      <a:prstDash val="solid"/>
+                      <a:round/>
+                      <a:headEnd type="none" w="med" len="med"/>
+                      <a:tailEnd type="none" w="med" len="med"/>
+                    </a:lnR>
+                    <a:lnT w="6350" cap="flat" cmpd="sng" algn="ctr">
+                      <a:solidFill>
+                        <a:srgbClr val="000000"/>
+                      </a:solidFill>
+                      <a:prstDash val="solid"/>
+                      <a:round/>
+                      <a:headEnd type="none" w="med" len="med"/>
+                      <a:tailEnd type="none" w="med" len="med"/>
+                    </a:lnT>
+                    <a:lnB>
+                      <a:noFill/>
+                    </a:lnB>
+                    <a:solidFill>
+                      <a:srgbClr val="EBF1DE"/>
+                    </a:solidFill>
+                  </a:tcPr>
+                </a:tc>
+                <a:tc>
+                  <a:txBody>
+                    <a:bodyPr/>
+                    <a:lstStyle/>
+                    <a:p>
+                      <a:pPr algn="ctr" fontAlgn="b"/>
+                      <a:r>
+                        <a:rPr lang="en-US" sz="1000" b="0" i="0" u="none" strike="noStrike">
+                          <a:solidFill>
+                            <a:srgbClr val="000000"/>
+                          </a:solidFill>
+                          <a:effectLst/>
+                          <a:latin typeface="Calibri"/>
+                        </a:rPr>
+                        <a:t> </a:t>
+                      </a:r>
+                    </a:p>
+                  </a:txBody>
+                  <a:tcPr marL="10886" marR="10886" marT="10886" marB="0" anchor="b">
+                    <a:lnL w="6350" cap="flat" cmpd="sng" algn="ctr">
+                      <a:solidFill>
+                        <a:srgbClr val="000000"/>
+                      </a:solidFill>
+                      <a:prstDash val="solid"/>
+                      <a:round/>
+                      <a:headEnd type="none" w="med" len="med"/>
+                      <a:tailEnd type="none" w="med" len="med"/>
+                    </a:lnL>
+                    <a:lnR w="6350" cap="flat" cmpd="sng" algn="ctr">
+                      <a:solidFill>
+                        <a:srgbClr val="000000"/>
+                      </a:solidFill>
+                      <a:prstDash val="solid"/>
+                      <a:round/>
+                      <a:headEnd type="none" w="med" len="med"/>
+                      <a:tailEnd type="none" w="med" len="med"/>
+                    </a:lnR>
+                    <a:lnT w="6350" cap="flat" cmpd="sng" algn="ctr">
+                      <a:solidFill>
+                        <a:srgbClr val="000000"/>
+                      </a:solidFill>
+                      <a:prstDash val="solid"/>
+                      <a:round/>
+                      <a:headEnd type="none" w="med" len="med"/>
+                      <a:tailEnd type="none" w="med" len="med"/>
+                    </a:lnT>
+                    <a:lnB>
+                      <a:noFill/>
+                    </a:lnB>
+                    <a:solidFill>
+                      <a:srgbClr val="EBF1DE"/>
+                    </a:solidFill>
+                  </a:tcPr>
+                </a:tc>
+                <a:tc>
+                  <a:txBody>
+                    <a:bodyPr/>
+                    <a:lstStyle/>
+                    <a:p>
+                      <a:pPr algn="ctr" fontAlgn="b"/>
+                      <a:r>
+                        <a:rPr lang="en-US" sz="1000" b="0" i="0" u="none" strike="noStrike">
+                          <a:solidFill>
+                            <a:srgbClr val="000000"/>
+                          </a:solidFill>
+                          <a:effectLst/>
+                          <a:latin typeface="Calibri"/>
+                        </a:rPr>
+                        <a:t> </a:t>
+                      </a:r>
+                    </a:p>
+                  </a:txBody>
+                  <a:tcPr marL="10886" marR="10886" marT="10886" marB="0" anchor="b">
+                    <a:lnL w="6350" cap="flat" cmpd="sng" algn="ctr">
+                      <a:solidFill>
+                        <a:srgbClr val="000000"/>
+                      </a:solidFill>
+                      <a:prstDash val="solid"/>
+                      <a:round/>
+                      <a:headEnd type="none" w="med" len="med"/>
+                      <a:tailEnd type="none" w="med" len="med"/>
+                    </a:lnL>
+                    <a:lnR w="6350" cap="flat" cmpd="sng" algn="ctr">
+                      <a:solidFill>
+                        <a:srgbClr val="000000"/>
+                      </a:solidFill>
+                      <a:prstDash val="solid"/>
+                      <a:round/>
+                      <a:headEnd type="none" w="med" len="med"/>
+                      <a:tailEnd type="none" w="med" len="med"/>
+                    </a:lnR>
+                    <a:lnT w="6350" cap="flat" cmpd="sng" algn="ctr">
+                      <a:solidFill>
+                        <a:srgbClr val="000000"/>
+                      </a:solidFill>
+                      <a:prstDash val="solid"/>
+                      <a:round/>
+                      <a:headEnd type="none" w="med" len="med"/>
+                      <a:tailEnd type="none" w="med" len="med"/>
+                    </a:lnT>
+                    <a:lnB>
+                      <a:noFill/>
+                    </a:lnB>
+                    <a:solidFill>
+                      <a:srgbClr val="EBF1DE"/>
+                    </a:solidFill>
+                  </a:tcPr>
+                </a:tc>
+                <a:tc>
+                  <a:txBody>
+                    <a:bodyPr/>
+                    <a:lstStyle/>
+                    <a:p>
+                      <a:pPr algn="ctr" fontAlgn="b"/>
+                      <a:r>
+                        <a:rPr lang="en-US" sz="1000" b="0" i="0" u="none" strike="noStrike">
+                          <a:solidFill>
+                            <a:srgbClr val="000000"/>
+                          </a:solidFill>
+                          <a:effectLst/>
+                          <a:latin typeface="Calibri"/>
+                        </a:rPr>
+                        <a:t> </a:t>
+                      </a:r>
+                    </a:p>
+                  </a:txBody>
+                  <a:tcPr marL="10886" marR="10886" marT="10886" marB="0" anchor="b">
+                    <a:lnL w="6350" cap="flat" cmpd="sng" algn="ctr">
+                      <a:solidFill>
+                        <a:srgbClr val="000000"/>
+                      </a:solidFill>
+                      <a:prstDash val="solid"/>
+                      <a:round/>
+                      <a:headEnd type="none" w="med" len="med"/>
+                      <a:tailEnd type="none" w="med" len="med"/>
+                    </a:lnL>
+                    <a:lnR w="6350" cap="flat" cmpd="sng" algn="ctr">
+                      <a:solidFill>
+                        <a:srgbClr val="000000"/>
+                      </a:solidFill>
+                      <a:prstDash val="solid"/>
+                      <a:round/>
+                      <a:headEnd type="none" w="med" len="med"/>
+                      <a:tailEnd type="none" w="med" len="med"/>
+                    </a:lnR>
+                    <a:lnT w="6350" cap="flat" cmpd="sng" algn="ctr">
+                      <a:solidFill>
+                        <a:srgbClr val="000000"/>
+                      </a:solidFill>
+                      <a:prstDash val="solid"/>
+                      <a:round/>
+                      <a:headEnd type="none" w="med" len="med"/>
+                      <a:tailEnd type="none" w="med" len="med"/>
+                    </a:lnT>
+                    <a:lnB>
+                      <a:noFill/>
+                    </a:lnB>
+                    <a:solidFill>
+                      <a:srgbClr val="EBF1DE"/>
+                    </a:solidFill>
+                  </a:tcPr>
+                </a:tc>
+                <a:tc>
+                  <a:txBody>
+                    <a:bodyPr/>
+                    <a:lstStyle/>
+                    <a:p>
+                      <a:pPr algn="ctr" fontAlgn="b"/>
+                      <a:r>
+                        <a:rPr lang="en-US" sz="1000" b="0" i="0" u="none" strike="noStrike">
+                          <a:solidFill>
+                            <a:srgbClr val="000000"/>
+                          </a:solidFill>
+                          <a:effectLst/>
+                          <a:latin typeface="Calibri"/>
+                        </a:rPr>
+                        <a:t> </a:t>
+                      </a:r>
+                    </a:p>
+                  </a:txBody>
+                  <a:tcPr marL="10886" marR="10886" marT="10886" marB="0" anchor="b">
+                    <a:lnL w="6350" cap="flat" cmpd="sng" algn="ctr">
+                      <a:solidFill>
+                        <a:srgbClr val="000000"/>
+                      </a:solidFill>
+                      <a:prstDash val="solid"/>
+                      <a:round/>
+                      <a:headEnd type="none" w="med" len="med"/>
+                      <a:tailEnd type="none" w="med" len="med"/>
+                    </a:lnL>
+                    <a:lnR w="6350" cap="flat" cmpd="sng" algn="ctr">
+                      <a:solidFill>
+                        <a:srgbClr val="000000"/>
+                      </a:solidFill>
+                      <a:prstDash val="solid"/>
+                      <a:round/>
+                      <a:headEnd type="none" w="med" len="med"/>
+                      <a:tailEnd type="none" w="med" len="med"/>
+                    </a:lnR>
+                    <a:lnT w="6350" cap="flat" cmpd="sng" algn="ctr">
+                      <a:solidFill>
+                        <a:srgbClr val="000000"/>
+                      </a:solidFill>
+                      <a:prstDash val="solid"/>
+                      <a:round/>
+                      <a:headEnd type="none" w="med" len="med"/>
+                      <a:tailEnd type="none" w="med" len="med"/>
+                    </a:lnT>
+                    <a:lnB>
+                      <a:noFill/>
+                    </a:lnB>
+                    <a:solidFill>
+                      <a:srgbClr val="EBF1DE"/>
+                    </a:solidFill>
+                  </a:tcPr>
+                </a:tc>
+                <a:tc>
+                  <a:txBody>
+                    <a:bodyPr/>
+                    <a:lstStyle/>
+                    <a:p>
+                      <a:pPr algn="ctr" fontAlgn="b"/>
+                      <a:r>
+                        <a:rPr lang="en-US" sz="1000" b="0" i="0" u="none" strike="noStrike">
+                          <a:solidFill>
+                            <a:srgbClr val="000000"/>
+                          </a:solidFill>
+                          <a:effectLst/>
+                          <a:latin typeface="Calibri"/>
+                        </a:rPr>
+                        <a:t> </a:t>
+                      </a:r>
+                    </a:p>
+                  </a:txBody>
+                  <a:tcPr marL="10886" marR="10886" marT="10886" marB="0" anchor="b">
+                    <a:lnL w="6350" cap="flat" cmpd="sng" algn="ctr">
+                      <a:solidFill>
+                        <a:srgbClr val="000000"/>
+                      </a:solidFill>
+                      <a:prstDash val="solid"/>
+                      <a:round/>
+                      <a:headEnd type="none" w="med" len="med"/>
+                      <a:tailEnd type="none" w="med" len="med"/>
+                    </a:lnL>
+                    <a:lnR w="6350" cap="flat" cmpd="sng" algn="ctr">
+                      <a:solidFill>
+                        <a:srgbClr val="000000"/>
+                      </a:solidFill>
+                      <a:prstDash val="solid"/>
+                      <a:round/>
+                      <a:headEnd type="none" w="med" len="med"/>
+                      <a:tailEnd type="none" w="med" len="med"/>
+                    </a:lnR>
+                    <a:lnT w="6350" cap="flat" cmpd="sng" algn="ctr">
+                      <a:solidFill>
+                        <a:srgbClr val="000000"/>
+                      </a:solidFill>
+                      <a:prstDash val="solid"/>
+                      <a:round/>
+                      <a:headEnd type="none" w="med" len="med"/>
+                      <a:tailEnd type="none" w="med" len="med"/>
+                    </a:lnT>
+                    <a:lnB>
+                      <a:noFill/>
+                    </a:lnB>
+                    <a:solidFill>
+                      <a:srgbClr val="EBF1DE"/>
+                    </a:solidFill>
+                  </a:tcPr>
+                </a:tc>
+                <a:tc>
+                  <a:txBody>
+                    <a:bodyPr/>
+                    <a:lstStyle/>
+                    <a:p>
+                      <a:pPr algn="ctr" fontAlgn="b"/>
+                      <a:r>
+                        <a:rPr lang="en-US" sz="1000" b="0" i="0" u="none" strike="noStrike">
+                          <a:solidFill>
+                            <a:srgbClr val="000000"/>
+                          </a:solidFill>
+                          <a:effectLst/>
+                          <a:latin typeface="Calibri"/>
+                        </a:rPr>
+                        <a:t> </a:t>
+                      </a:r>
+                    </a:p>
+                  </a:txBody>
+                  <a:tcPr marL="10886" marR="10886" marT="10886" marB="0" anchor="b">
+                    <a:lnL w="6350" cap="flat" cmpd="sng" algn="ctr">
+                      <a:solidFill>
+                        <a:srgbClr val="000000"/>
+                      </a:solidFill>
+                      <a:prstDash val="solid"/>
+                      <a:round/>
+                      <a:headEnd type="none" w="med" len="med"/>
+                      <a:tailEnd type="none" w="med" len="med"/>
+                    </a:lnL>
+                    <a:lnR w="6350" cap="flat" cmpd="sng" algn="ctr">
+                      <a:solidFill>
+                        <a:srgbClr val="000000"/>
+                      </a:solidFill>
+                      <a:prstDash val="solid"/>
+                      <a:round/>
+                      <a:headEnd type="none" w="med" len="med"/>
+                      <a:tailEnd type="none" w="med" len="med"/>
+                    </a:lnR>
+                    <a:lnT w="6350" cap="flat" cmpd="sng" algn="ctr">
+                      <a:solidFill>
+                        <a:srgbClr val="000000"/>
+                      </a:solidFill>
+                      <a:prstDash val="solid"/>
+                      <a:round/>
+                      <a:headEnd type="none" w="med" len="med"/>
+                      <a:tailEnd type="none" w="med" len="med"/>
+                    </a:lnT>
+                    <a:lnB>
+                      <a:noFill/>
+                    </a:lnB>
+                    <a:solidFill>
+                      <a:srgbClr val="EBF1DE"/>
+                    </a:solidFill>
+                  </a:tcPr>
+                </a:tc>
+              </a:tr>
+              <a:tr h="219891">
+                <a:tc>
+                  <a:txBody>
+                    <a:bodyPr/>
+                    <a:lstStyle/>
+                    <a:p>
+                      <a:pPr algn="l" fontAlgn="b"/>
+                      <a:r>
+                        <a:rPr lang="en-US" sz="1400" b="0" i="0" u="none" strike="noStrike">
+                          <a:solidFill>
+                            <a:srgbClr val="808080"/>
+                          </a:solidFill>
+                          <a:effectLst/>
+                          <a:latin typeface="Calibri"/>
+                        </a:rPr>
+                        <a:t>FileReader API</a:t>
+                      </a:r>
+                    </a:p>
+                  </a:txBody>
+                  <a:tcPr marL="130629" marR="10886" marT="10886" marB="0" anchor="b">
+                    <a:lnL w="6350" cap="flat" cmpd="sng" algn="ctr">
+                      <a:solidFill>
+                        <a:srgbClr val="000000"/>
+                      </a:solidFill>
+                      <a:prstDash val="solid"/>
+                      <a:round/>
+                      <a:headEnd type="none" w="med" len="med"/>
+                      <a:tailEnd type="none" w="med" len="med"/>
+                    </a:lnL>
+                    <a:lnR w="6350" cap="flat" cmpd="sng" algn="ctr">
+                      <a:solidFill>
+                        <a:srgbClr val="000000"/>
+                      </a:solidFill>
+                      <a:prstDash val="solid"/>
+                      <a:round/>
+                      <a:headEnd type="none" w="med" len="med"/>
+                      <a:tailEnd type="none" w="med" len="med"/>
+                    </a:lnR>
+                    <a:lnT>
+                      <a:noFill/>
+                    </a:lnT>
+                    <a:lnB>
+                      <a:noFill/>
+                    </a:lnB>
+                    <a:solidFill>
+                      <a:srgbClr val="EBF1DE"/>
+                    </a:solidFill>
+                  </a:tcPr>
+                </a:tc>
+                <a:tc>
+                  <a:txBody>
+                    <a:bodyPr/>
+                    <a:lstStyle/>
+                    <a:p>
+                      <a:pPr algn="ctr" fontAlgn="b"/>
+                      <a:r>
+                        <a:rPr lang="en-US" sz="1000" b="0" i="0" u="none" strike="noStrike">
+                          <a:solidFill>
+                            <a:srgbClr val="008000"/>
+                          </a:solidFill>
+                          <a:effectLst/>
+                          <a:latin typeface="Calibri"/>
+                        </a:rPr>
+                        <a:t>Yes</a:t>
+                      </a:r>
+                    </a:p>
+                  </a:txBody>
+                  <a:tcPr marL="10886" marR="10886" marT="10886" marB="0" anchor="b">
+                    <a:lnL w="6350" cap="flat" cmpd="sng" algn="ctr">
+                      <a:solidFill>
+                        <a:srgbClr val="000000"/>
+                      </a:solidFill>
+                      <a:prstDash val="solid"/>
+                      <a:round/>
+                      <a:headEnd type="none" w="med" len="med"/>
+                      <a:tailEnd type="none" w="med" len="med"/>
+                    </a:lnL>
+                    <a:lnR w="6350" cap="flat" cmpd="sng" algn="ctr">
+                      <a:solidFill>
+                        <a:srgbClr val="000000"/>
+                      </a:solidFill>
+                      <a:prstDash val="solid"/>
+                      <a:round/>
+                      <a:headEnd type="none" w="med" len="med"/>
+                      <a:tailEnd type="none" w="med" len="med"/>
+                    </a:lnR>
+                    <a:lnT>
+                      <a:noFill/>
+                    </a:lnT>
+                    <a:lnB>
+                      <a:noFill/>
+                    </a:lnB>
+                    <a:solidFill>
+                      <a:srgbClr val="EBF1DE"/>
+                    </a:solidFill>
+                  </a:tcPr>
+                </a:tc>
+                <a:tc>
+                  <a:txBody>
+                    <a:bodyPr/>
+                    <a:lstStyle/>
+                    <a:p>
+                      <a:pPr algn="ctr" fontAlgn="b"/>
+                      <a:r>
+                        <a:rPr lang="en-US" sz="1000" b="0" i="0" u="none" strike="noStrike">
+                          <a:solidFill>
+                            <a:srgbClr val="008000"/>
+                          </a:solidFill>
+                          <a:effectLst/>
+                          <a:latin typeface="Calibri"/>
+                        </a:rPr>
+                        <a:t>Partial</a:t>
+                      </a:r>
+                    </a:p>
+                  </a:txBody>
+                  <a:tcPr marL="10886" marR="10886" marT="10886" marB="0" anchor="b">
+                    <a:lnL w="6350" cap="flat" cmpd="sng" algn="ctr">
+                      <a:solidFill>
+                        <a:srgbClr val="000000"/>
+                      </a:solidFill>
+                      <a:prstDash val="solid"/>
+                      <a:round/>
+                      <a:headEnd type="none" w="med" len="med"/>
+                      <a:tailEnd type="none" w="med" len="med"/>
+                    </a:lnL>
+                    <a:lnR w="6350" cap="flat" cmpd="sng" algn="ctr">
+                      <a:solidFill>
+                        <a:srgbClr val="000000"/>
+                      </a:solidFill>
+                      <a:prstDash val="solid"/>
+                      <a:round/>
+                      <a:headEnd type="none" w="med" len="med"/>
+                      <a:tailEnd type="none" w="med" len="med"/>
+                    </a:lnR>
+                    <a:lnT>
+                      <a:noFill/>
+                    </a:lnT>
+                    <a:lnB>
+                      <a:noFill/>
+                    </a:lnB>
+                    <a:solidFill>
+                      <a:srgbClr val="EBF1DE"/>
+                    </a:solidFill>
+                  </a:tcPr>
+                </a:tc>
+                <a:tc>
+                  <a:txBody>
+                    <a:bodyPr/>
+                    <a:lstStyle/>
+                    <a:p>
+                      <a:pPr algn="ctr" fontAlgn="b"/>
+                      <a:r>
+                        <a:rPr lang="en-US" sz="1000" b="0" i="0" u="none" strike="noStrike">
+                          <a:solidFill>
+                            <a:srgbClr val="008000"/>
+                          </a:solidFill>
+                          <a:effectLst/>
+                          <a:latin typeface="Calibri"/>
+                        </a:rPr>
+                        <a:t>Yes</a:t>
+                      </a:r>
+                    </a:p>
+                  </a:txBody>
+                  <a:tcPr marL="10886" marR="10886" marT="10886" marB="0" anchor="b">
+                    <a:lnL w="6350" cap="flat" cmpd="sng" algn="ctr">
+                      <a:solidFill>
+                        <a:srgbClr val="000000"/>
+                      </a:solidFill>
+                      <a:prstDash val="solid"/>
+                      <a:round/>
+                      <a:headEnd type="none" w="med" len="med"/>
+                      <a:tailEnd type="none" w="med" len="med"/>
+                    </a:lnL>
+                    <a:lnR w="6350" cap="flat" cmpd="sng" algn="ctr">
+                      <a:solidFill>
+                        <a:srgbClr val="000000"/>
+                      </a:solidFill>
+                      <a:prstDash val="solid"/>
+                      <a:round/>
+                      <a:headEnd type="none" w="med" len="med"/>
+                      <a:tailEnd type="none" w="med" len="med"/>
+                    </a:lnR>
+                    <a:lnT>
+                      <a:noFill/>
+                    </a:lnT>
+                    <a:lnB>
+                      <a:noFill/>
+                    </a:lnB>
+                    <a:solidFill>
+                      <a:srgbClr val="EBF1DE"/>
+                    </a:solidFill>
+                  </a:tcPr>
+                </a:tc>
+                <a:tc>
+                  <a:txBody>
+                    <a:bodyPr/>
+                    <a:lstStyle/>
+                    <a:p>
+                      <a:pPr algn="ctr" fontAlgn="b"/>
+                      <a:r>
+                        <a:rPr lang="en-US" sz="1000" b="0" i="0" u="none" strike="noStrike">
+                          <a:solidFill>
+                            <a:srgbClr val="FF0000"/>
+                          </a:solidFill>
+                          <a:effectLst/>
+                          <a:latin typeface="Calibri"/>
+                        </a:rPr>
+                        <a:t>No</a:t>
+                      </a:r>
+                    </a:p>
+                  </a:txBody>
+                  <a:tcPr marL="10886" marR="10886" marT="10886" marB="0" anchor="b">
+                    <a:lnL w="6350" cap="flat" cmpd="sng" algn="ctr">
+                      <a:solidFill>
+                        <a:srgbClr val="000000"/>
+                      </a:solidFill>
+                      <a:prstDash val="solid"/>
+                      <a:round/>
+                      <a:headEnd type="none" w="med" len="med"/>
+                      <a:tailEnd type="none" w="med" len="med"/>
+                    </a:lnL>
+                    <a:lnR w="6350" cap="flat" cmpd="sng" algn="ctr">
+                      <a:solidFill>
+                        <a:srgbClr val="000000"/>
+                      </a:solidFill>
+                      <a:prstDash val="solid"/>
+                      <a:round/>
+                      <a:headEnd type="none" w="med" len="med"/>
+                      <a:tailEnd type="none" w="med" len="med"/>
+                    </a:lnR>
+                    <a:lnT>
+                      <a:noFill/>
+                    </a:lnT>
+                    <a:lnB>
+                      <a:noFill/>
+                    </a:lnB>
+                    <a:solidFill>
+                      <a:srgbClr val="EBF1DE"/>
+                    </a:solidFill>
+                  </a:tcPr>
+                </a:tc>
+                <a:tc>
+                  <a:txBody>
+                    <a:bodyPr/>
+                    <a:lstStyle/>
+                    <a:p>
+                      <a:pPr algn="ctr" fontAlgn="b"/>
+                      <a:r>
+                        <a:rPr lang="en-US" sz="1000" b="0" i="0" u="none" strike="noStrike">
+                          <a:solidFill>
+                            <a:srgbClr val="FF0000"/>
+                          </a:solidFill>
+                          <a:effectLst/>
+                          <a:latin typeface="Calibri"/>
+                        </a:rPr>
+                        <a:t>No</a:t>
+                      </a:r>
+                    </a:p>
+                  </a:txBody>
+                  <a:tcPr marL="10886" marR="10886" marT="10886" marB="0" anchor="b">
+                    <a:lnL w="6350" cap="flat" cmpd="sng" algn="ctr">
+                      <a:solidFill>
+                        <a:srgbClr val="000000"/>
+                      </a:solidFill>
+                      <a:prstDash val="solid"/>
+                      <a:round/>
+                      <a:headEnd type="none" w="med" len="med"/>
+                      <a:tailEnd type="none" w="med" len="med"/>
+                    </a:lnL>
+                    <a:lnR w="6350" cap="flat" cmpd="sng" algn="ctr">
+                      <a:solidFill>
+                        <a:srgbClr val="000000"/>
+                      </a:solidFill>
+                      <a:prstDash val="solid"/>
+                      <a:round/>
+                      <a:headEnd type="none" w="med" len="med"/>
+                      <a:tailEnd type="none" w="med" len="med"/>
+                    </a:lnR>
+                    <a:lnT>
+                      <a:noFill/>
+                    </a:lnT>
+                    <a:lnB>
+                      <a:noFill/>
+                    </a:lnB>
+                    <a:solidFill>
+                      <a:srgbClr val="EBF1DE"/>
+                    </a:solidFill>
+                  </a:tcPr>
+                </a:tc>
+                <a:tc>
+                  <a:txBody>
+                    <a:bodyPr/>
+                    <a:lstStyle/>
+                    <a:p>
+                      <a:pPr algn="ctr" fontAlgn="b"/>
+                      <a:r>
+                        <a:rPr lang="en-US" sz="1000" b="0" i="0" u="none" strike="noStrike">
+                          <a:solidFill>
+                            <a:srgbClr val="008000"/>
+                          </a:solidFill>
+                          <a:effectLst/>
+                          <a:latin typeface="Calibri"/>
+                        </a:rPr>
+                        <a:t>Yes</a:t>
+                      </a:r>
+                    </a:p>
+                  </a:txBody>
+                  <a:tcPr marL="10886" marR="10886" marT="10886" marB="0" anchor="b">
+                    <a:lnL w="6350" cap="flat" cmpd="sng" algn="ctr">
+                      <a:solidFill>
+                        <a:srgbClr val="000000"/>
+                      </a:solidFill>
+                      <a:prstDash val="solid"/>
+                      <a:round/>
+                      <a:headEnd type="none" w="med" len="med"/>
+                      <a:tailEnd type="none" w="med" len="med"/>
+                    </a:lnL>
+                    <a:lnR w="6350" cap="flat" cmpd="sng" algn="ctr">
+                      <a:solidFill>
+                        <a:srgbClr val="000000"/>
+                      </a:solidFill>
+                      <a:prstDash val="solid"/>
+                      <a:round/>
+                      <a:headEnd type="none" w="med" len="med"/>
+                      <a:tailEnd type="none" w="med" len="med"/>
+                    </a:lnR>
+                    <a:lnT>
+                      <a:noFill/>
+                    </a:lnT>
+                    <a:lnB>
+                      <a:noFill/>
+                    </a:lnB>
+                    <a:solidFill>
+                      <a:srgbClr val="EBF1DE"/>
+                    </a:solidFill>
+                  </a:tcPr>
+                </a:tc>
+                <a:tc>
+                  <a:txBody>
+                    <a:bodyPr/>
+                    <a:lstStyle/>
+                    <a:p>
+                      <a:pPr algn="ctr" fontAlgn="b"/>
+                      <a:r>
+                        <a:rPr lang="en-US" sz="1000" b="0" i="0" u="none" strike="noStrike">
+                          <a:solidFill>
+                            <a:srgbClr val="008000"/>
+                          </a:solidFill>
+                          <a:effectLst/>
+                          <a:latin typeface="Calibri"/>
+                        </a:rPr>
+                        <a:t>Yes</a:t>
+                      </a:r>
+                    </a:p>
+                  </a:txBody>
+                  <a:tcPr marL="10886" marR="10886" marT="10886" marB="0" anchor="b">
+                    <a:lnL w="6350" cap="flat" cmpd="sng" algn="ctr">
+                      <a:solidFill>
+                        <a:srgbClr val="000000"/>
+                      </a:solidFill>
+                      <a:prstDash val="solid"/>
+                      <a:round/>
+                      <a:headEnd type="none" w="med" len="med"/>
+                      <a:tailEnd type="none" w="med" len="med"/>
+                    </a:lnL>
+                    <a:lnR w="6350" cap="flat" cmpd="sng" algn="ctr">
+                      <a:solidFill>
+                        <a:srgbClr val="000000"/>
+                      </a:solidFill>
+                      <a:prstDash val="solid"/>
+                      <a:round/>
+                      <a:headEnd type="none" w="med" len="med"/>
+                      <a:tailEnd type="none" w="med" len="med"/>
+                    </a:lnR>
+                    <a:lnT>
+                      <a:noFill/>
+                    </a:lnT>
+                    <a:lnB>
+                      <a:noFill/>
+                    </a:lnB>
+                    <a:solidFill>
+                      <a:srgbClr val="EBF1DE"/>
+                    </a:solidFill>
+                  </a:tcPr>
+                </a:tc>
+              </a:tr>
+              <a:tr h="219891">
+                <a:tc>
+                  <a:txBody>
+                    <a:bodyPr/>
+                    <a:lstStyle/>
+                    <a:p>
+                      <a:pPr algn="l" fontAlgn="b"/>
+                      <a:r>
+                        <a:rPr lang="en-US" sz="1400" b="0" i="0" u="none" strike="noStrike">
+                          <a:solidFill>
+                            <a:srgbClr val="808080"/>
+                          </a:solidFill>
+                          <a:effectLst/>
+                          <a:latin typeface="Calibri"/>
+                        </a:rPr>
+                        <a:t>FileSystem API</a:t>
+                      </a:r>
+                    </a:p>
+                  </a:txBody>
+                  <a:tcPr marL="130629" marR="10886" marT="10886" marB="0" anchor="b">
+                    <a:lnL w="6350" cap="flat" cmpd="sng" algn="ctr">
+                      <a:solidFill>
+                        <a:srgbClr val="000000"/>
+                      </a:solidFill>
+                      <a:prstDash val="solid"/>
+                      <a:round/>
+                      <a:headEnd type="none" w="med" len="med"/>
+                      <a:tailEnd type="none" w="med" len="med"/>
+                    </a:lnL>
+                    <a:lnR w="6350" cap="flat" cmpd="sng" algn="ctr">
+                      <a:solidFill>
+                        <a:srgbClr val="000000"/>
+                      </a:solidFill>
+                      <a:prstDash val="solid"/>
+                      <a:round/>
+                      <a:headEnd type="none" w="med" len="med"/>
+                      <a:tailEnd type="none" w="med" len="med"/>
+                    </a:lnR>
+                    <a:lnT>
+                      <a:noFill/>
+                    </a:lnT>
+                    <a:lnB w="6350" cap="flat" cmpd="sng" algn="ctr">
+                      <a:solidFill>
+                        <a:srgbClr val="000000"/>
+                      </a:solidFill>
+                      <a:prstDash val="solid"/>
+                      <a:round/>
+                      <a:headEnd type="none" w="med" len="med"/>
+                      <a:tailEnd type="none" w="med" len="med"/>
+                    </a:lnB>
+                    <a:solidFill>
+                      <a:srgbClr val="EBF1DE"/>
+                    </a:solidFill>
+                  </a:tcPr>
+                </a:tc>
+                <a:tc>
+                  <a:txBody>
+                    <a:bodyPr/>
+                    <a:lstStyle/>
+                    <a:p>
+                      <a:pPr algn="ctr" fontAlgn="b"/>
+                      <a:r>
+                        <a:rPr lang="en-US" sz="1000" b="0" i="0" u="none" strike="noStrike">
+                          <a:solidFill>
+                            <a:srgbClr val="FF0000"/>
+                          </a:solidFill>
+                          <a:effectLst/>
+                          <a:latin typeface="Calibri"/>
+                        </a:rPr>
+                        <a:t>No</a:t>
+                      </a:r>
+                    </a:p>
+                  </a:txBody>
+                  <a:tcPr marL="10886" marR="10886" marT="10886" marB="0" anchor="b">
+                    <a:lnL w="6350" cap="flat" cmpd="sng" algn="ctr">
+                      <a:solidFill>
+                        <a:srgbClr val="000000"/>
+                      </a:solidFill>
+                      <a:prstDash val="solid"/>
+                      <a:round/>
+                      <a:headEnd type="none" w="med" len="med"/>
+                      <a:tailEnd type="none" w="med" len="med"/>
+                    </a:lnL>
+                    <a:lnR w="6350" cap="flat" cmpd="sng" algn="ctr">
+                      <a:solidFill>
+                        <a:srgbClr val="000000"/>
+                      </a:solidFill>
+                      <a:prstDash val="solid"/>
+                      <a:round/>
+                      <a:headEnd type="none" w="med" len="med"/>
+                      <a:tailEnd type="none" w="med" len="med"/>
+                    </a:lnR>
+                    <a:lnT>
+                      <a:noFill/>
+                    </a:lnT>
+                    <a:lnB w="6350" cap="flat" cmpd="sng" algn="ctr">
+                      <a:solidFill>
+                        <a:srgbClr val="000000"/>
+                      </a:solidFill>
+                      <a:prstDash val="solid"/>
+                      <a:round/>
+                      <a:headEnd type="none" w="med" len="med"/>
+                      <a:tailEnd type="none" w="med" len="med"/>
+                    </a:lnB>
+                    <a:solidFill>
+                      <a:srgbClr val="EBF1DE"/>
+                    </a:solidFill>
+                  </a:tcPr>
+                </a:tc>
+                <a:tc>
+                  <a:txBody>
+                    <a:bodyPr/>
+                    <a:lstStyle/>
+                    <a:p>
+                      <a:pPr algn="ctr" fontAlgn="b"/>
+                      <a:r>
+                        <a:rPr lang="en-US" sz="1000" b="0" i="0" u="none" strike="noStrike">
+                          <a:solidFill>
+                            <a:srgbClr val="FF0000"/>
+                          </a:solidFill>
+                          <a:effectLst/>
+                          <a:latin typeface="Calibri"/>
+                        </a:rPr>
+                        <a:t>No</a:t>
+                      </a:r>
+                    </a:p>
+                  </a:txBody>
+                  <a:tcPr marL="10886" marR="10886" marT="10886" marB="0" anchor="b">
+                    <a:lnL w="6350" cap="flat" cmpd="sng" algn="ctr">
+                      <a:solidFill>
+                        <a:srgbClr val="000000"/>
+                      </a:solidFill>
+                      <a:prstDash val="solid"/>
+                      <a:round/>
+                      <a:headEnd type="none" w="med" len="med"/>
+                      <a:tailEnd type="none" w="med" len="med"/>
+                    </a:lnL>
+                    <a:lnR w="6350" cap="flat" cmpd="sng" algn="ctr">
+                      <a:solidFill>
+                        <a:srgbClr val="000000"/>
+                      </a:solidFill>
+                      <a:prstDash val="solid"/>
+                      <a:round/>
+                      <a:headEnd type="none" w="med" len="med"/>
+                      <a:tailEnd type="none" w="med" len="med"/>
+                    </a:lnR>
+                    <a:lnT>
+                      <a:noFill/>
+                    </a:lnT>
+                    <a:lnB w="6350" cap="flat" cmpd="sng" algn="ctr">
+                      <a:solidFill>
+                        <a:srgbClr val="000000"/>
+                      </a:solidFill>
+                      <a:prstDash val="solid"/>
+                      <a:round/>
+                      <a:headEnd type="none" w="med" len="med"/>
+                      <a:tailEnd type="none" w="med" len="med"/>
+                    </a:lnB>
+                    <a:solidFill>
+                      <a:srgbClr val="EBF1DE"/>
+                    </a:solidFill>
+                  </a:tcPr>
+                </a:tc>
+                <a:tc>
+                  <a:txBody>
+                    <a:bodyPr/>
+                    <a:lstStyle/>
+                    <a:p>
+                      <a:pPr algn="ctr" fontAlgn="b"/>
+                      <a:r>
+                        <a:rPr lang="en-US" sz="1000" b="0" i="0" u="none" strike="noStrike">
+                          <a:solidFill>
+                            <a:srgbClr val="FF0000"/>
+                          </a:solidFill>
+                          <a:effectLst/>
+                          <a:latin typeface="Calibri"/>
+                        </a:rPr>
+                        <a:t>No</a:t>
+                      </a:r>
+                    </a:p>
+                  </a:txBody>
+                  <a:tcPr marL="10886" marR="10886" marT="10886" marB="0" anchor="b">
+                    <a:lnL w="6350" cap="flat" cmpd="sng" algn="ctr">
+                      <a:solidFill>
+                        <a:srgbClr val="000000"/>
+                      </a:solidFill>
+                      <a:prstDash val="solid"/>
+                      <a:round/>
+                      <a:headEnd type="none" w="med" len="med"/>
+                      <a:tailEnd type="none" w="med" len="med"/>
+                    </a:lnL>
+                    <a:lnR w="6350" cap="flat" cmpd="sng" algn="ctr">
+                      <a:solidFill>
+                        <a:srgbClr val="000000"/>
+                      </a:solidFill>
+                      <a:prstDash val="solid"/>
+                      <a:round/>
+                      <a:headEnd type="none" w="med" len="med"/>
+                      <a:tailEnd type="none" w="med" len="med"/>
+                    </a:lnR>
+                    <a:lnT>
+                      <a:noFill/>
+                    </a:lnT>
+                    <a:lnB w="6350" cap="flat" cmpd="sng" algn="ctr">
+                      <a:solidFill>
+                        <a:srgbClr val="000000"/>
+                      </a:solidFill>
+                      <a:prstDash val="solid"/>
+                      <a:round/>
+                      <a:headEnd type="none" w="med" len="med"/>
+                      <a:tailEnd type="none" w="med" len="med"/>
+                    </a:lnB>
+                    <a:solidFill>
+                      <a:srgbClr val="EBF1DE"/>
+                    </a:solidFill>
+                  </a:tcPr>
+                </a:tc>
+                <a:tc>
+                  <a:txBody>
+                    <a:bodyPr/>
+                    <a:lstStyle/>
+                    <a:p>
+                      <a:pPr algn="ctr" fontAlgn="b"/>
+                      <a:r>
+                        <a:rPr lang="en-US" sz="1000" b="0" i="0" u="none" strike="noStrike">
+                          <a:solidFill>
+                            <a:srgbClr val="FF0000"/>
+                          </a:solidFill>
+                          <a:effectLst/>
+                          <a:latin typeface="Calibri"/>
+                        </a:rPr>
+                        <a:t>No</a:t>
+                      </a:r>
+                    </a:p>
+                  </a:txBody>
+                  <a:tcPr marL="10886" marR="10886" marT="10886" marB="0" anchor="b">
+                    <a:lnL w="6350" cap="flat" cmpd="sng" algn="ctr">
+                      <a:solidFill>
+                        <a:srgbClr val="000000"/>
+                      </a:solidFill>
+                      <a:prstDash val="solid"/>
+                      <a:round/>
+                      <a:headEnd type="none" w="med" len="med"/>
+                      <a:tailEnd type="none" w="med" len="med"/>
+                    </a:lnL>
+                    <a:lnR w="6350" cap="flat" cmpd="sng" algn="ctr">
+                      <a:solidFill>
+                        <a:srgbClr val="000000"/>
+                      </a:solidFill>
+                      <a:prstDash val="solid"/>
+                      <a:round/>
+                      <a:headEnd type="none" w="med" len="med"/>
+                      <a:tailEnd type="none" w="med" len="med"/>
+                    </a:lnR>
+                    <a:lnT>
+                      <a:noFill/>
+                    </a:lnT>
+                    <a:lnB w="6350" cap="flat" cmpd="sng" algn="ctr">
+                      <a:solidFill>
+                        <a:srgbClr val="000000"/>
+                      </a:solidFill>
+                      <a:prstDash val="solid"/>
+                      <a:round/>
+                      <a:headEnd type="none" w="med" len="med"/>
+                      <a:tailEnd type="none" w="med" len="med"/>
+                    </a:lnB>
+                    <a:solidFill>
+                      <a:srgbClr val="EBF1DE"/>
+                    </a:solidFill>
+                  </a:tcPr>
+                </a:tc>
+                <a:tc>
+                  <a:txBody>
+                    <a:bodyPr/>
+                    <a:lstStyle/>
+                    <a:p>
+                      <a:pPr algn="ctr" fontAlgn="b"/>
+                      <a:r>
+                        <a:rPr lang="en-US" sz="1000" b="0" i="0" u="none" strike="noStrike">
+                          <a:solidFill>
+                            <a:srgbClr val="FF0000"/>
+                          </a:solidFill>
+                          <a:effectLst/>
+                          <a:latin typeface="Calibri"/>
+                        </a:rPr>
+                        <a:t>No</a:t>
+                      </a:r>
+                    </a:p>
+                  </a:txBody>
+                  <a:tcPr marL="10886" marR="10886" marT="10886" marB="0" anchor="b">
+                    <a:lnL w="6350" cap="flat" cmpd="sng" algn="ctr">
+                      <a:solidFill>
+                        <a:srgbClr val="000000"/>
+                      </a:solidFill>
+                      <a:prstDash val="solid"/>
+                      <a:round/>
+                      <a:headEnd type="none" w="med" len="med"/>
+                      <a:tailEnd type="none" w="med" len="med"/>
+                    </a:lnL>
+                    <a:lnR w="6350" cap="flat" cmpd="sng" algn="ctr">
+                      <a:solidFill>
+                        <a:srgbClr val="000000"/>
+                      </a:solidFill>
+                      <a:prstDash val="solid"/>
+                      <a:round/>
+                      <a:headEnd type="none" w="med" len="med"/>
+                      <a:tailEnd type="none" w="med" len="med"/>
+                    </a:lnR>
+                    <a:lnT>
+                      <a:noFill/>
+                    </a:lnT>
+                    <a:lnB w="6350" cap="flat" cmpd="sng" algn="ctr">
+                      <a:solidFill>
+                        <a:srgbClr val="000000"/>
+                      </a:solidFill>
+                      <a:prstDash val="solid"/>
+                      <a:round/>
+                      <a:headEnd type="none" w="med" len="med"/>
+                      <a:tailEnd type="none" w="med" len="med"/>
+                    </a:lnB>
+                    <a:solidFill>
+                      <a:srgbClr val="EBF1DE"/>
+                    </a:solidFill>
+                  </a:tcPr>
+                </a:tc>
+                <a:tc>
+                  <a:txBody>
+                    <a:bodyPr/>
+                    <a:lstStyle/>
+                    <a:p>
+                      <a:pPr algn="ctr" fontAlgn="b"/>
+                      <a:r>
+                        <a:rPr lang="en-US" sz="1000" b="0" i="0" u="none" strike="noStrike">
+                          <a:solidFill>
+                            <a:srgbClr val="008000"/>
+                          </a:solidFill>
+                          <a:effectLst/>
+                          <a:latin typeface="Calibri"/>
+                        </a:rPr>
+                        <a:t>Yes</a:t>
+                      </a:r>
+                    </a:p>
+                  </a:txBody>
+                  <a:tcPr marL="10886" marR="10886" marT="10886" marB="0" anchor="b">
+                    <a:lnL w="6350" cap="flat" cmpd="sng" algn="ctr">
+                      <a:solidFill>
+                        <a:srgbClr val="000000"/>
+                      </a:solidFill>
+                      <a:prstDash val="solid"/>
+                      <a:round/>
+                      <a:headEnd type="none" w="med" len="med"/>
+                      <a:tailEnd type="none" w="med" len="med"/>
+                    </a:lnL>
+                    <a:lnR w="6350" cap="flat" cmpd="sng" algn="ctr">
+                      <a:solidFill>
+                        <a:srgbClr val="000000"/>
+                      </a:solidFill>
+                      <a:prstDash val="solid"/>
+                      <a:round/>
+                      <a:headEnd type="none" w="med" len="med"/>
+                      <a:tailEnd type="none" w="med" len="med"/>
+                    </a:lnR>
+                    <a:lnT>
+                      <a:noFill/>
+                    </a:lnT>
+                    <a:lnB w="6350" cap="flat" cmpd="sng" algn="ctr">
+                      <a:solidFill>
+                        <a:srgbClr val="000000"/>
+                      </a:solidFill>
+                      <a:prstDash val="solid"/>
+                      <a:round/>
+                      <a:headEnd type="none" w="med" len="med"/>
+                      <a:tailEnd type="none" w="med" len="med"/>
+                    </a:lnB>
+                    <a:solidFill>
+                      <a:srgbClr val="EBF1DE"/>
+                    </a:solidFill>
+                  </a:tcPr>
+                </a:tc>
+                <a:tc>
+                  <a:txBody>
+                    <a:bodyPr/>
+                    <a:lstStyle/>
+                    <a:p>
+                      <a:pPr algn="ctr" fontAlgn="b"/>
+                      <a:r>
+                        <a:rPr lang="en-US" sz="1000" b="0" i="0" u="none" strike="noStrike">
+                          <a:solidFill>
+                            <a:srgbClr val="FF0000"/>
+                          </a:solidFill>
+                          <a:effectLst/>
+                          <a:latin typeface="Calibri"/>
+                        </a:rPr>
+                        <a:t>No</a:t>
+                      </a:r>
+                    </a:p>
+                  </a:txBody>
+                  <a:tcPr marL="10886" marR="10886" marT="10886" marB="0" anchor="b">
+                    <a:lnL w="6350" cap="flat" cmpd="sng" algn="ctr">
+                      <a:solidFill>
+                        <a:srgbClr val="000000"/>
+                      </a:solidFill>
+                      <a:prstDash val="solid"/>
+                      <a:round/>
+                      <a:headEnd type="none" w="med" len="med"/>
+                      <a:tailEnd type="none" w="med" len="med"/>
+                    </a:lnL>
+                    <a:lnR w="6350" cap="flat" cmpd="sng" algn="ctr">
+                      <a:solidFill>
+                        <a:srgbClr val="000000"/>
+                      </a:solidFill>
+                      <a:prstDash val="solid"/>
+                      <a:round/>
+                      <a:headEnd type="none" w="med" len="med"/>
+                      <a:tailEnd type="none" w="med" len="med"/>
+                    </a:lnR>
+                    <a:lnT>
+                      <a:noFill/>
+                    </a:lnT>
+                    <a:lnB w="6350" cap="flat" cmpd="sng" algn="ctr">
+                      <a:solidFill>
+                        <a:srgbClr val="000000"/>
+                      </a:solidFill>
+                      <a:prstDash val="solid"/>
+                      <a:round/>
+                      <a:headEnd type="none" w="med" len="med"/>
+                      <a:tailEnd type="none" w="med" len="med"/>
+                    </a:lnB>
+                    <a:solidFill>
+                      <a:srgbClr val="EBF1DE"/>
+                    </a:solidFill>
+                  </a:tcPr>
+                </a:tc>
+              </a:tr>
+              <a:tr h="250371">
+                <a:tc>
+                  <a:txBody>
+                    <a:bodyPr/>
+                    <a:lstStyle/>
+                    <a:p>
+                      <a:pPr algn="l" fontAlgn="b"/>
+                      <a:r>
+                        <a:rPr lang="en-US" sz="1500" b="1" i="0" u="none" strike="noStrike">
+                          <a:solidFill>
+                            <a:srgbClr val="000000"/>
+                          </a:solidFill>
+                          <a:effectLst/>
+                          <a:latin typeface="Calibri"/>
+                        </a:rPr>
+                        <a:t>WebGL</a:t>
+                      </a:r>
+                    </a:p>
+                  </a:txBody>
+                  <a:tcPr marL="10886" marR="10886" marT="10886" marB="0" anchor="b">
+                    <a:lnL w="6350" cap="flat" cmpd="sng" algn="ctr">
+                      <a:solidFill>
+                        <a:srgbClr val="000000"/>
+                      </a:solidFill>
+                      <a:prstDash val="solid"/>
+                      <a:round/>
+                      <a:headEnd type="none" w="med" len="med"/>
+                      <a:tailEnd type="none" w="med" len="med"/>
+                    </a:lnL>
+                    <a:lnR w="6350" cap="flat" cmpd="sng" algn="ctr">
+                      <a:solidFill>
+                        <a:srgbClr val="000000"/>
+                      </a:solidFill>
+                      <a:prstDash val="solid"/>
+                      <a:round/>
+                      <a:headEnd type="none" w="med" len="med"/>
+                      <a:tailEnd type="none" w="med" len="med"/>
+                    </a:lnR>
+                    <a:lnT w="6350" cap="flat" cmpd="sng" algn="ctr">
+                      <a:solidFill>
+                        <a:srgbClr val="000000"/>
+                      </a:solidFill>
+                      <a:prstDash val="solid"/>
+                      <a:round/>
+                      <a:headEnd type="none" w="med" len="med"/>
+                      <a:tailEnd type="none" w="med" len="med"/>
+                    </a:lnT>
+                    <a:lnB>
+                      <a:noFill/>
+                    </a:lnB>
+                    <a:solidFill>
+                      <a:srgbClr val="F2DCDB"/>
+                    </a:solidFill>
+                  </a:tcPr>
+                </a:tc>
+                <a:tc>
+                  <a:txBody>
+                    <a:bodyPr/>
+                    <a:lstStyle/>
+                    <a:p>
+                      <a:pPr algn="ctr" fontAlgn="b"/>
+                      <a:r>
+                        <a:rPr lang="en-US" sz="1000" b="0" i="0" u="none" strike="noStrike">
+                          <a:solidFill>
+                            <a:srgbClr val="000000"/>
+                          </a:solidFill>
+                          <a:effectLst/>
+                          <a:latin typeface="Calibri"/>
+                        </a:rPr>
+                        <a:t> </a:t>
+                      </a:r>
+                    </a:p>
+                  </a:txBody>
+                  <a:tcPr marL="10886" marR="10886" marT="10886" marB="0" anchor="b">
+                    <a:lnL w="6350" cap="flat" cmpd="sng" algn="ctr">
+                      <a:solidFill>
+                        <a:srgbClr val="000000"/>
+                      </a:solidFill>
+                      <a:prstDash val="solid"/>
+                      <a:round/>
+                      <a:headEnd type="none" w="med" len="med"/>
+                      <a:tailEnd type="none" w="med" len="med"/>
+                    </a:lnL>
+                    <a:lnR w="6350" cap="flat" cmpd="sng" algn="ctr">
+                      <a:solidFill>
+                        <a:srgbClr val="000000"/>
+                      </a:solidFill>
+                      <a:prstDash val="solid"/>
+                      <a:round/>
+                      <a:headEnd type="none" w="med" len="med"/>
+                      <a:tailEnd type="none" w="med" len="med"/>
+                    </a:lnR>
+                    <a:lnT w="6350" cap="flat" cmpd="sng" algn="ctr">
+                      <a:solidFill>
+                        <a:srgbClr val="000000"/>
+                      </a:solidFill>
+                      <a:prstDash val="solid"/>
+                      <a:round/>
+                      <a:headEnd type="none" w="med" len="med"/>
+                      <a:tailEnd type="none" w="med" len="med"/>
+                    </a:lnT>
+                    <a:lnB>
+                      <a:noFill/>
+                    </a:lnB>
+                    <a:solidFill>
+                      <a:srgbClr val="F2DCDB"/>
+                    </a:solidFill>
+                  </a:tcPr>
+                </a:tc>
+                <a:tc>
+                  <a:txBody>
+                    <a:bodyPr/>
+                    <a:lstStyle/>
+                    <a:p>
+                      <a:pPr algn="ctr" fontAlgn="b"/>
+                      <a:r>
+                        <a:rPr lang="en-US" sz="1000" b="0" i="0" u="none" strike="noStrike">
+                          <a:solidFill>
+                            <a:srgbClr val="000000"/>
+                          </a:solidFill>
+                          <a:effectLst/>
+                          <a:latin typeface="Calibri"/>
+                        </a:rPr>
+                        <a:t> </a:t>
+                      </a:r>
+                    </a:p>
+                  </a:txBody>
+                  <a:tcPr marL="10886" marR="10886" marT="10886" marB="0" anchor="b">
+                    <a:lnL w="6350" cap="flat" cmpd="sng" algn="ctr">
+                      <a:solidFill>
+                        <a:srgbClr val="000000"/>
+                      </a:solidFill>
+                      <a:prstDash val="solid"/>
+                      <a:round/>
+                      <a:headEnd type="none" w="med" len="med"/>
+                      <a:tailEnd type="none" w="med" len="med"/>
+                    </a:lnL>
+                    <a:lnR w="6350" cap="flat" cmpd="sng" algn="ctr">
+                      <a:solidFill>
+                        <a:srgbClr val="000000"/>
+                      </a:solidFill>
+                      <a:prstDash val="solid"/>
+                      <a:round/>
+                      <a:headEnd type="none" w="med" len="med"/>
+                      <a:tailEnd type="none" w="med" len="med"/>
+                    </a:lnR>
+                    <a:lnT w="6350" cap="flat" cmpd="sng" algn="ctr">
+                      <a:solidFill>
+                        <a:srgbClr val="000000"/>
+                      </a:solidFill>
+                      <a:prstDash val="solid"/>
+                      <a:round/>
+                      <a:headEnd type="none" w="med" len="med"/>
+                      <a:tailEnd type="none" w="med" len="med"/>
+                    </a:lnT>
+                    <a:lnB>
+                      <a:noFill/>
+                    </a:lnB>
+                    <a:solidFill>
+                      <a:srgbClr val="F2DCDB"/>
+                    </a:solidFill>
+                  </a:tcPr>
+                </a:tc>
+                <a:tc>
+                  <a:txBody>
+                    <a:bodyPr/>
+                    <a:lstStyle/>
+                    <a:p>
+                      <a:pPr algn="ctr" fontAlgn="b"/>
+                      <a:r>
+                        <a:rPr lang="en-US" sz="1000" b="0" i="0" u="none" strike="noStrike">
+                          <a:solidFill>
+                            <a:srgbClr val="000000"/>
+                          </a:solidFill>
+                          <a:effectLst/>
+                          <a:latin typeface="Calibri"/>
+                        </a:rPr>
+                        <a:t> </a:t>
+                      </a:r>
+                    </a:p>
+                  </a:txBody>
+                  <a:tcPr marL="10886" marR="10886" marT="10886" marB="0" anchor="b">
+                    <a:lnL w="6350" cap="flat" cmpd="sng" algn="ctr">
+                      <a:solidFill>
+                        <a:srgbClr val="000000"/>
+                      </a:solidFill>
+                      <a:prstDash val="solid"/>
+                      <a:round/>
+                      <a:headEnd type="none" w="med" len="med"/>
+                      <a:tailEnd type="none" w="med" len="med"/>
+                    </a:lnL>
+                    <a:lnR w="6350" cap="flat" cmpd="sng" algn="ctr">
+                      <a:solidFill>
+                        <a:srgbClr val="000000"/>
+                      </a:solidFill>
+                      <a:prstDash val="solid"/>
+                      <a:round/>
+                      <a:headEnd type="none" w="med" len="med"/>
+                      <a:tailEnd type="none" w="med" len="med"/>
+                    </a:lnR>
+                    <a:lnT w="6350" cap="flat" cmpd="sng" algn="ctr">
+                      <a:solidFill>
+                        <a:srgbClr val="000000"/>
+                      </a:solidFill>
+                      <a:prstDash val="solid"/>
+                      <a:round/>
+                      <a:headEnd type="none" w="med" len="med"/>
+                      <a:tailEnd type="none" w="med" len="med"/>
+                    </a:lnT>
+                    <a:lnB>
+                      <a:noFill/>
+                    </a:lnB>
+                    <a:solidFill>
+                      <a:srgbClr val="F2DCDB"/>
+                    </a:solidFill>
+                  </a:tcPr>
+                </a:tc>
+                <a:tc>
+                  <a:txBody>
+                    <a:bodyPr/>
+                    <a:lstStyle/>
+                    <a:p>
+                      <a:pPr algn="ctr" fontAlgn="b"/>
+                      <a:r>
+                        <a:rPr lang="en-US" sz="1000" b="0" i="0" u="none" strike="noStrike">
+                          <a:solidFill>
+                            <a:srgbClr val="000000"/>
+                          </a:solidFill>
+                          <a:effectLst/>
+                          <a:latin typeface="Calibri"/>
+                        </a:rPr>
+                        <a:t> </a:t>
+                      </a:r>
+                    </a:p>
+                  </a:txBody>
+                  <a:tcPr marL="10886" marR="10886" marT="10886" marB="0" anchor="b">
+                    <a:lnL w="6350" cap="flat" cmpd="sng" algn="ctr">
+                      <a:solidFill>
+                        <a:srgbClr val="000000"/>
+                      </a:solidFill>
+                      <a:prstDash val="solid"/>
+                      <a:round/>
+                      <a:headEnd type="none" w="med" len="med"/>
+                      <a:tailEnd type="none" w="med" len="med"/>
+                    </a:lnL>
+                    <a:lnR w="6350" cap="flat" cmpd="sng" algn="ctr">
+                      <a:solidFill>
+                        <a:srgbClr val="000000"/>
+                      </a:solidFill>
+                      <a:prstDash val="solid"/>
+                      <a:round/>
+                      <a:headEnd type="none" w="med" len="med"/>
+                      <a:tailEnd type="none" w="med" len="med"/>
+                    </a:lnR>
+                    <a:lnT w="6350" cap="flat" cmpd="sng" algn="ctr">
+                      <a:solidFill>
+                        <a:srgbClr val="000000"/>
+                      </a:solidFill>
+                      <a:prstDash val="solid"/>
+                      <a:round/>
+                      <a:headEnd type="none" w="med" len="med"/>
+                      <a:tailEnd type="none" w="med" len="med"/>
+                    </a:lnT>
+                    <a:lnB>
+                      <a:noFill/>
+                    </a:lnB>
+                    <a:solidFill>
+                      <a:srgbClr val="F2DCDB"/>
+                    </a:solidFill>
+                  </a:tcPr>
+                </a:tc>
+                <a:tc>
+                  <a:txBody>
+                    <a:bodyPr/>
+                    <a:lstStyle/>
+                    <a:p>
+                      <a:pPr algn="ctr" fontAlgn="b"/>
+                      <a:r>
+                        <a:rPr lang="en-US" sz="1000" b="0" i="0" u="none" strike="noStrike">
+                          <a:solidFill>
+                            <a:srgbClr val="000000"/>
+                          </a:solidFill>
+                          <a:effectLst/>
+                          <a:latin typeface="Calibri"/>
+                        </a:rPr>
+                        <a:t> </a:t>
+                      </a:r>
+                    </a:p>
+                  </a:txBody>
+                  <a:tcPr marL="10886" marR="10886" marT="10886" marB="0" anchor="b">
+                    <a:lnL w="6350" cap="flat" cmpd="sng" algn="ctr">
+                      <a:solidFill>
+                        <a:srgbClr val="000000"/>
+                      </a:solidFill>
+                      <a:prstDash val="solid"/>
+                      <a:round/>
+                      <a:headEnd type="none" w="med" len="med"/>
+                      <a:tailEnd type="none" w="med" len="med"/>
+                    </a:lnL>
+                    <a:lnR w="6350" cap="flat" cmpd="sng" algn="ctr">
+                      <a:solidFill>
+                        <a:srgbClr val="000000"/>
+                      </a:solidFill>
+                      <a:prstDash val="solid"/>
+                      <a:round/>
+                      <a:headEnd type="none" w="med" len="med"/>
+                      <a:tailEnd type="none" w="med" len="med"/>
+                    </a:lnR>
+                    <a:lnT w="6350" cap="flat" cmpd="sng" algn="ctr">
+                      <a:solidFill>
+                        <a:srgbClr val="000000"/>
+                      </a:solidFill>
+                      <a:prstDash val="solid"/>
+                      <a:round/>
+                      <a:headEnd type="none" w="med" len="med"/>
+                      <a:tailEnd type="none" w="med" len="med"/>
+                    </a:lnT>
+                    <a:lnB>
+                      <a:noFill/>
+                    </a:lnB>
+                    <a:solidFill>
+                      <a:srgbClr val="F2DCDB"/>
+                    </a:solidFill>
+                  </a:tcPr>
+                </a:tc>
+                <a:tc>
+                  <a:txBody>
+                    <a:bodyPr/>
+                    <a:lstStyle/>
+                    <a:p>
+                      <a:pPr algn="ctr" fontAlgn="b"/>
+                      <a:r>
+                        <a:rPr lang="en-US" sz="1000" b="0" i="0" u="none" strike="noStrike">
+                          <a:solidFill>
+                            <a:srgbClr val="000000"/>
+                          </a:solidFill>
+                          <a:effectLst/>
+                          <a:latin typeface="Calibri"/>
+                        </a:rPr>
+                        <a:t> </a:t>
+                      </a:r>
+                    </a:p>
+                  </a:txBody>
+                  <a:tcPr marL="10886" marR="10886" marT="10886" marB="0" anchor="b">
+                    <a:lnL w="6350" cap="flat" cmpd="sng" algn="ctr">
+                      <a:solidFill>
+                        <a:srgbClr val="000000"/>
+                      </a:solidFill>
+                      <a:prstDash val="solid"/>
+                      <a:round/>
+                      <a:headEnd type="none" w="med" len="med"/>
+                      <a:tailEnd type="none" w="med" len="med"/>
+                    </a:lnL>
+                    <a:lnR w="6350" cap="flat" cmpd="sng" algn="ctr">
+                      <a:solidFill>
+                        <a:srgbClr val="000000"/>
+                      </a:solidFill>
+                      <a:prstDash val="solid"/>
+                      <a:round/>
+                      <a:headEnd type="none" w="med" len="med"/>
+                      <a:tailEnd type="none" w="med" len="med"/>
+                    </a:lnR>
+                    <a:lnT w="6350" cap="flat" cmpd="sng" algn="ctr">
+                      <a:solidFill>
+                        <a:srgbClr val="000000"/>
+                      </a:solidFill>
+                      <a:prstDash val="solid"/>
+                      <a:round/>
+                      <a:headEnd type="none" w="med" len="med"/>
+                      <a:tailEnd type="none" w="med" len="med"/>
+                    </a:lnT>
+                    <a:lnB>
+                      <a:noFill/>
+                    </a:lnB>
+                    <a:solidFill>
+                      <a:srgbClr val="F2DCDB"/>
+                    </a:solidFill>
+                  </a:tcPr>
+                </a:tc>
+                <a:tc>
+                  <a:txBody>
+                    <a:bodyPr/>
+                    <a:lstStyle/>
+                    <a:p>
+                      <a:pPr algn="ctr" fontAlgn="b"/>
+                      <a:r>
+                        <a:rPr lang="en-US" sz="1000" b="0" i="0" u="none" strike="noStrike">
+                          <a:solidFill>
+                            <a:srgbClr val="000000"/>
+                          </a:solidFill>
+                          <a:effectLst/>
+                          <a:latin typeface="Calibri"/>
+                        </a:rPr>
+                        <a:t> </a:t>
+                      </a:r>
+                    </a:p>
+                  </a:txBody>
+                  <a:tcPr marL="10886" marR="10886" marT="10886" marB="0" anchor="b">
+                    <a:lnL w="6350" cap="flat" cmpd="sng" algn="ctr">
+                      <a:solidFill>
+                        <a:srgbClr val="000000"/>
+                      </a:solidFill>
+                      <a:prstDash val="solid"/>
+                      <a:round/>
+                      <a:headEnd type="none" w="med" len="med"/>
+                      <a:tailEnd type="none" w="med" len="med"/>
+                    </a:lnL>
+                    <a:lnR w="6350" cap="flat" cmpd="sng" algn="ctr">
+                      <a:solidFill>
+                        <a:srgbClr val="000000"/>
+                      </a:solidFill>
+                      <a:prstDash val="solid"/>
+                      <a:round/>
+                      <a:headEnd type="none" w="med" len="med"/>
+                      <a:tailEnd type="none" w="med" len="med"/>
+                    </a:lnR>
+                    <a:lnT w="6350" cap="flat" cmpd="sng" algn="ctr">
+                      <a:solidFill>
+                        <a:srgbClr val="000000"/>
+                      </a:solidFill>
+                      <a:prstDash val="solid"/>
+                      <a:round/>
+                      <a:headEnd type="none" w="med" len="med"/>
+                      <a:tailEnd type="none" w="med" len="med"/>
+                    </a:lnT>
+                    <a:lnB>
+                      <a:noFill/>
+                    </a:lnB>
+                    <a:solidFill>
+                      <a:srgbClr val="F2DCDB"/>
+                    </a:solidFill>
+                  </a:tcPr>
+                </a:tc>
+              </a:tr>
+              <a:tr h="337457">
+                <a:tc>
+                  <a:txBody>
+                    <a:bodyPr/>
+                    <a:lstStyle/>
+                    <a:p>
+                      <a:pPr algn="l" fontAlgn="b"/>
+                      <a:r>
+                        <a:rPr lang="en-US" sz="1400" b="0" i="0" u="none" strike="noStrike">
+                          <a:solidFill>
+                            <a:srgbClr val="808080"/>
+                          </a:solidFill>
+                          <a:effectLst/>
+                          <a:latin typeface="Calibri"/>
+                        </a:rPr>
+                        <a:t>Native binary data</a:t>
+                      </a:r>
+                    </a:p>
+                  </a:txBody>
+                  <a:tcPr marL="130629" marR="10886" marT="10886" marB="0" anchor="b">
+                    <a:lnL w="6350" cap="flat" cmpd="sng" algn="ctr">
+                      <a:solidFill>
+                        <a:srgbClr val="000000"/>
+                      </a:solidFill>
+                      <a:prstDash val="solid"/>
+                      <a:round/>
+                      <a:headEnd type="none" w="med" len="med"/>
+                      <a:tailEnd type="none" w="med" len="med"/>
+                    </a:lnL>
+                    <a:lnR w="6350" cap="flat" cmpd="sng" algn="ctr">
+                      <a:solidFill>
+                        <a:srgbClr val="000000"/>
+                      </a:solidFill>
+                      <a:prstDash val="solid"/>
+                      <a:round/>
+                      <a:headEnd type="none" w="med" len="med"/>
+                      <a:tailEnd type="none" w="med" len="med"/>
+                    </a:lnR>
+                    <a:lnT>
+                      <a:noFill/>
+                    </a:lnT>
+                    <a:lnB w="6350" cap="flat" cmpd="sng" algn="ctr">
+                      <a:solidFill>
+                        <a:srgbClr val="000000"/>
+                      </a:solidFill>
+                      <a:prstDash val="solid"/>
+                      <a:round/>
+                      <a:headEnd type="none" w="med" len="med"/>
+                      <a:tailEnd type="none" w="med" len="med"/>
+                    </a:lnB>
+                    <a:solidFill>
+                      <a:srgbClr val="F2DCDB"/>
+                    </a:solidFill>
+                  </a:tcPr>
+                </a:tc>
+                <a:tc>
+                  <a:txBody>
+                    <a:bodyPr/>
+                    <a:lstStyle/>
+                    <a:p>
+                      <a:pPr algn="ctr" fontAlgn="b"/>
+                      <a:r>
+                        <a:rPr lang="en-US" sz="1000" b="0" i="0" u="none" strike="noStrike" dirty="0">
+                          <a:solidFill>
+                            <a:srgbClr val="008000"/>
+                          </a:solidFill>
+                          <a:effectLst/>
+                          <a:latin typeface="Calibri"/>
+                        </a:rPr>
+                        <a:t>Partial (all but </a:t>
+                      </a:r>
+                      <a:r>
+                        <a:rPr lang="en-US" sz="1000" b="0" i="0" u="none" strike="noStrike" dirty="0" err="1">
+                          <a:solidFill>
+                            <a:srgbClr val="008000"/>
+                          </a:solidFill>
+                          <a:effectLst/>
+                          <a:latin typeface="Calibri"/>
+                        </a:rPr>
+                        <a:t>DataView</a:t>
+                      </a:r>
+                      <a:r>
+                        <a:rPr lang="en-US" sz="1000" b="0" i="0" u="none" strike="noStrike" dirty="0">
+                          <a:solidFill>
+                            <a:srgbClr val="008000"/>
+                          </a:solidFill>
+                          <a:effectLst/>
+                          <a:latin typeface="Calibri"/>
+                        </a:rPr>
+                        <a:t>)</a:t>
+                      </a:r>
+                    </a:p>
+                  </a:txBody>
+                  <a:tcPr marL="10886" marR="10886" marT="10886" marB="0" anchor="b">
+                    <a:lnL w="6350" cap="flat" cmpd="sng" algn="ctr">
+                      <a:solidFill>
+                        <a:srgbClr val="000000"/>
+                      </a:solidFill>
+                      <a:prstDash val="solid"/>
+                      <a:round/>
+                      <a:headEnd type="none" w="med" len="med"/>
+                      <a:tailEnd type="none" w="med" len="med"/>
+                    </a:lnL>
+                    <a:lnR w="6350" cap="flat" cmpd="sng" algn="ctr">
+                      <a:solidFill>
+                        <a:srgbClr val="000000"/>
+                      </a:solidFill>
+                      <a:prstDash val="solid"/>
+                      <a:round/>
+                      <a:headEnd type="none" w="med" len="med"/>
+                      <a:tailEnd type="none" w="med" len="med"/>
+                    </a:lnR>
+                    <a:lnT>
+                      <a:noFill/>
+                    </a:lnT>
+                    <a:lnB w="6350" cap="flat" cmpd="sng" algn="ctr">
+                      <a:solidFill>
+                        <a:srgbClr val="000000"/>
+                      </a:solidFill>
+                      <a:prstDash val="solid"/>
+                      <a:round/>
+                      <a:headEnd type="none" w="med" len="med"/>
+                      <a:tailEnd type="none" w="med" len="med"/>
+                    </a:lnB>
+                    <a:solidFill>
+                      <a:srgbClr val="F2DCDB"/>
+                    </a:solidFill>
+                  </a:tcPr>
+                </a:tc>
+                <a:tc>
+                  <a:txBody>
+                    <a:bodyPr/>
+                    <a:lstStyle/>
+                    <a:p>
+                      <a:pPr algn="ctr" fontAlgn="b"/>
+                      <a:r>
+                        <a:rPr lang="en-US" sz="1000" b="0" i="0" u="none" strike="noStrike">
+                          <a:solidFill>
+                            <a:srgbClr val="FF0000"/>
+                          </a:solidFill>
+                          <a:effectLst/>
+                          <a:latin typeface="Calibri"/>
+                        </a:rPr>
+                        <a:t>No</a:t>
+                      </a:r>
+                    </a:p>
+                  </a:txBody>
+                  <a:tcPr marL="10886" marR="10886" marT="10886" marB="0" anchor="b">
+                    <a:lnL w="6350" cap="flat" cmpd="sng" algn="ctr">
+                      <a:solidFill>
+                        <a:srgbClr val="000000"/>
+                      </a:solidFill>
+                      <a:prstDash val="solid"/>
+                      <a:round/>
+                      <a:headEnd type="none" w="med" len="med"/>
+                      <a:tailEnd type="none" w="med" len="med"/>
+                    </a:lnL>
+                    <a:lnR w="6350" cap="flat" cmpd="sng" algn="ctr">
+                      <a:solidFill>
+                        <a:srgbClr val="000000"/>
+                      </a:solidFill>
+                      <a:prstDash val="solid"/>
+                      <a:round/>
+                      <a:headEnd type="none" w="med" len="med"/>
+                      <a:tailEnd type="none" w="med" len="med"/>
+                    </a:lnR>
+                    <a:lnT>
+                      <a:noFill/>
+                    </a:lnT>
+                    <a:lnB w="6350" cap="flat" cmpd="sng" algn="ctr">
+                      <a:solidFill>
+                        <a:srgbClr val="000000"/>
+                      </a:solidFill>
+                      <a:prstDash val="solid"/>
+                      <a:round/>
+                      <a:headEnd type="none" w="med" len="med"/>
+                      <a:tailEnd type="none" w="med" len="med"/>
+                    </a:lnB>
+                    <a:solidFill>
+                      <a:srgbClr val="F2DCDB"/>
+                    </a:solidFill>
+                  </a:tcPr>
+                </a:tc>
+                <a:tc>
+                  <a:txBody>
+                    <a:bodyPr/>
+                    <a:lstStyle/>
+                    <a:p>
+                      <a:pPr algn="ctr" fontAlgn="b"/>
+                      <a:r>
+                        <a:rPr lang="en-US" sz="1000" b="0" i="0" u="none" strike="noStrike">
+                          <a:solidFill>
+                            <a:srgbClr val="008000"/>
+                          </a:solidFill>
+                          <a:effectLst/>
+                          <a:latin typeface="Calibri"/>
+                        </a:rPr>
+                        <a:t>Partial all but Float64Array)</a:t>
+                      </a:r>
+                    </a:p>
+                  </a:txBody>
+                  <a:tcPr marL="10886" marR="10886" marT="10886" marB="0" anchor="b">
+                    <a:lnL w="6350" cap="flat" cmpd="sng" algn="ctr">
+                      <a:solidFill>
+                        <a:srgbClr val="000000"/>
+                      </a:solidFill>
+                      <a:prstDash val="solid"/>
+                      <a:round/>
+                      <a:headEnd type="none" w="med" len="med"/>
+                      <a:tailEnd type="none" w="med" len="med"/>
+                    </a:lnL>
+                    <a:lnR w="6350" cap="flat" cmpd="sng" algn="ctr">
+                      <a:solidFill>
+                        <a:srgbClr val="000000"/>
+                      </a:solidFill>
+                      <a:prstDash val="solid"/>
+                      <a:round/>
+                      <a:headEnd type="none" w="med" len="med"/>
+                      <a:tailEnd type="none" w="med" len="med"/>
+                    </a:lnR>
+                    <a:lnT>
+                      <a:noFill/>
+                    </a:lnT>
+                    <a:lnB w="6350" cap="flat" cmpd="sng" algn="ctr">
+                      <a:solidFill>
+                        <a:srgbClr val="000000"/>
+                      </a:solidFill>
+                      <a:prstDash val="solid"/>
+                      <a:round/>
+                      <a:headEnd type="none" w="med" len="med"/>
+                      <a:tailEnd type="none" w="med" len="med"/>
+                    </a:lnB>
+                    <a:solidFill>
+                      <a:srgbClr val="F2DCDB"/>
+                    </a:solidFill>
+                  </a:tcPr>
+                </a:tc>
+                <a:tc>
+                  <a:txBody>
+                    <a:bodyPr/>
+                    <a:lstStyle/>
+                    <a:p>
+                      <a:pPr algn="ctr" fontAlgn="b"/>
+                      <a:r>
+                        <a:rPr lang="en-US" sz="1000" b="0" i="0" u="none" strike="noStrike">
+                          <a:solidFill>
+                            <a:srgbClr val="008000"/>
+                          </a:solidFill>
+                          <a:effectLst/>
+                          <a:latin typeface="Calibri"/>
+                        </a:rPr>
+                        <a:t>Partial all but Float64Array)</a:t>
+                      </a:r>
+                    </a:p>
+                  </a:txBody>
+                  <a:tcPr marL="10886" marR="10886" marT="10886" marB="0" anchor="b">
+                    <a:lnL w="6350" cap="flat" cmpd="sng" algn="ctr">
+                      <a:solidFill>
+                        <a:srgbClr val="000000"/>
+                      </a:solidFill>
+                      <a:prstDash val="solid"/>
+                      <a:round/>
+                      <a:headEnd type="none" w="med" len="med"/>
+                      <a:tailEnd type="none" w="med" len="med"/>
+                    </a:lnL>
+                    <a:lnR w="6350" cap="flat" cmpd="sng" algn="ctr">
+                      <a:solidFill>
+                        <a:srgbClr val="000000"/>
+                      </a:solidFill>
+                      <a:prstDash val="solid"/>
+                      <a:round/>
+                      <a:headEnd type="none" w="med" len="med"/>
+                      <a:tailEnd type="none" w="med" len="med"/>
+                    </a:lnR>
+                    <a:lnT>
+                      <a:noFill/>
+                    </a:lnT>
+                    <a:lnB w="6350" cap="flat" cmpd="sng" algn="ctr">
+                      <a:solidFill>
+                        <a:srgbClr val="000000"/>
+                      </a:solidFill>
+                      <a:prstDash val="solid"/>
+                      <a:round/>
+                      <a:headEnd type="none" w="med" len="med"/>
+                      <a:tailEnd type="none" w="med" len="med"/>
+                    </a:lnB>
+                    <a:solidFill>
+                      <a:srgbClr val="F2DCDB"/>
+                    </a:solidFill>
+                  </a:tcPr>
+                </a:tc>
+                <a:tc>
+                  <a:txBody>
+                    <a:bodyPr/>
+                    <a:lstStyle/>
+                    <a:p>
+                      <a:pPr algn="ctr" fontAlgn="b"/>
+                      <a:r>
+                        <a:rPr lang="en-US" sz="1000" b="0" i="0" u="none" strike="noStrike">
+                          <a:solidFill>
+                            <a:srgbClr val="FF0000"/>
+                          </a:solidFill>
+                          <a:effectLst/>
+                          <a:latin typeface="Calibri"/>
+                        </a:rPr>
+                        <a:t>No</a:t>
+                      </a:r>
+                    </a:p>
+                  </a:txBody>
+                  <a:tcPr marL="10886" marR="10886" marT="10886" marB="0" anchor="b">
+                    <a:lnL w="6350" cap="flat" cmpd="sng" algn="ctr">
+                      <a:solidFill>
+                        <a:srgbClr val="000000"/>
+                      </a:solidFill>
+                      <a:prstDash val="solid"/>
+                      <a:round/>
+                      <a:headEnd type="none" w="med" len="med"/>
+                      <a:tailEnd type="none" w="med" len="med"/>
+                    </a:lnL>
+                    <a:lnR w="6350" cap="flat" cmpd="sng" algn="ctr">
+                      <a:solidFill>
+                        <a:srgbClr val="000000"/>
+                      </a:solidFill>
+                      <a:prstDash val="solid"/>
+                      <a:round/>
+                      <a:headEnd type="none" w="med" len="med"/>
+                      <a:tailEnd type="none" w="med" len="med"/>
+                    </a:lnR>
+                    <a:lnT>
+                      <a:noFill/>
+                    </a:lnT>
+                    <a:lnB w="6350" cap="flat" cmpd="sng" algn="ctr">
+                      <a:solidFill>
+                        <a:srgbClr val="000000"/>
+                      </a:solidFill>
+                      <a:prstDash val="solid"/>
+                      <a:round/>
+                      <a:headEnd type="none" w="med" len="med"/>
+                      <a:tailEnd type="none" w="med" len="med"/>
+                    </a:lnB>
+                    <a:solidFill>
+                      <a:srgbClr val="F2DCDB"/>
+                    </a:solidFill>
+                  </a:tcPr>
+                </a:tc>
+                <a:tc>
+                  <a:txBody>
+                    <a:bodyPr/>
+                    <a:lstStyle/>
+                    <a:p>
+                      <a:pPr algn="ctr" fontAlgn="b"/>
+                      <a:r>
+                        <a:rPr lang="en-US" sz="1000" b="0" i="0" u="none" strike="noStrike">
+                          <a:solidFill>
+                            <a:srgbClr val="008000"/>
+                          </a:solidFill>
+                          <a:effectLst/>
+                          <a:latin typeface="Calibri"/>
+                        </a:rPr>
+                        <a:t>Yes</a:t>
+                      </a:r>
+                    </a:p>
+                  </a:txBody>
+                  <a:tcPr marL="10886" marR="10886" marT="10886" marB="0" anchor="b">
+                    <a:lnL w="6350" cap="flat" cmpd="sng" algn="ctr">
+                      <a:solidFill>
+                        <a:srgbClr val="000000"/>
+                      </a:solidFill>
+                      <a:prstDash val="solid"/>
+                      <a:round/>
+                      <a:headEnd type="none" w="med" len="med"/>
+                      <a:tailEnd type="none" w="med" len="med"/>
+                    </a:lnL>
+                    <a:lnR w="6350" cap="flat" cmpd="sng" algn="ctr">
+                      <a:solidFill>
+                        <a:srgbClr val="000000"/>
+                      </a:solidFill>
+                      <a:prstDash val="solid"/>
+                      <a:round/>
+                      <a:headEnd type="none" w="med" len="med"/>
+                      <a:tailEnd type="none" w="med" len="med"/>
+                    </a:lnR>
+                    <a:lnT>
+                      <a:noFill/>
+                    </a:lnT>
+                    <a:lnB w="6350" cap="flat" cmpd="sng" algn="ctr">
+                      <a:solidFill>
+                        <a:srgbClr val="000000"/>
+                      </a:solidFill>
+                      <a:prstDash val="solid"/>
+                      <a:round/>
+                      <a:headEnd type="none" w="med" len="med"/>
+                      <a:tailEnd type="none" w="med" len="med"/>
+                    </a:lnB>
+                    <a:solidFill>
+                      <a:srgbClr val="F2DCDB"/>
+                    </a:solidFill>
+                  </a:tcPr>
+                </a:tc>
+                <a:tc>
+                  <a:txBody>
+                    <a:bodyPr/>
+                    <a:lstStyle/>
+                    <a:p>
+                      <a:pPr algn="ctr" fontAlgn="b"/>
+                      <a:r>
+                        <a:rPr lang="en-US" sz="1000" b="0" i="0" u="none" strike="noStrike">
+                          <a:solidFill>
+                            <a:srgbClr val="008000"/>
+                          </a:solidFill>
+                          <a:effectLst/>
+                          <a:latin typeface="Calibri"/>
+                        </a:rPr>
+                        <a:t>Partial (all but DataView)</a:t>
+                      </a:r>
+                    </a:p>
+                  </a:txBody>
+                  <a:tcPr marL="10886" marR="10886" marT="10886" marB="0" anchor="b">
+                    <a:lnL w="6350" cap="flat" cmpd="sng" algn="ctr">
+                      <a:solidFill>
+                        <a:srgbClr val="000000"/>
+                      </a:solidFill>
+                      <a:prstDash val="solid"/>
+                      <a:round/>
+                      <a:headEnd type="none" w="med" len="med"/>
+                      <a:tailEnd type="none" w="med" len="med"/>
+                    </a:lnL>
+                    <a:lnR w="6350" cap="flat" cmpd="sng" algn="ctr">
+                      <a:solidFill>
+                        <a:srgbClr val="000000"/>
+                      </a:solidFill>
+                      <a:prstDash val="solid"/>
+                      <a:round/>
+                      <a:headEnd type="none" w="med" len="med"/>
+                      <a:tailEnd type="none" w="med" len="med"/>
+                    </a:lnR>
+                    <a:lnT>
+                      <a:noFill/>
+                    </a:lnT>
+                    <a:lnB w="6350" cap="flat" cmpd="sng" algn="ctr">
+                      <a:solidFill>
+                        <a:srgbClr val="000000"/>
+                      </a:solidFill>
+                      <a:prstDash val="solid"/>
+                      <a:round/>
+                      <a:headEnd type="none" w="med" len="med"/>
+                      <a:tailEnd type="none" w="med" len="med"/>
+                    </a:lnB>
+                    <a:solidFill>
+                      <a:srgbClr val="F2DCDB"/>
+                    </a:solidFill>
+                  </a:tcPr>
+                </a:tc>
+              </a:tr>
+              <a:tr h="167640">
+                <a:tc>
+                  <a:txBody>
+                    <a:bodyPr/>
+                    <a:lstStyle/>
+                    <a:p>
+                      <a:pPr algn="l" fontAlgn="b"/>
+                      <a:endParaRPr lang="en-US" sz="1000" b="0" i="0" u="none" strike="noStrike">
+                        <a:solidFill>
+                          <a:srgbClr val="000000"/>
+                        </a:solidFill>
+                        <a:effectLst/>
+                        <a:latin typeface="Calibri"/>
+                      </a:endParaRPr>
+                    </a:p>
+                  </a:txBody>
+                  <a:tcPr marL="10886" marR="10886" marT="10886" marB="0" anchor="b">
+                    <a:lnL>
+                      <a:noFill/>
+                    </a:lnL>
+                    <a:lnR>
+                      <a:noFill/>
+                    </a:lnR>
+                    <a:lnT w="6350" cap="flat" cmpd="sng" algn="ctr">
+                      <a:solidFill>
+                        <a:srgbClr val="000000"/>
+                      </a:solidFill>
+                      <a:prstDash val="solid"/>
+                      <a:round/>
+                      <a:headEnd type="none" w="med" len="med"/>
+                      <a:tailEnd type="none" w="med" len="med"/>
+                    </a:lnT>
+                    <a:lnB>
+                      <a:noFill/>
+                    </a:lnB>
+                  </a:tcPr>
+                </a:tc>
+                <a:tc>
+                  <a:txBody>
+                    <a:bodyPr/>
+                    <a:lstStyle/>
+                    <a:p>
+                      <a:pPr algn="l" fontAlgn="b"/>
+                      <a:endParaRPr lang="en-US" sz="1000" b="0" i="0" u="none" strike="noStrike">
+                        <a:solidFill>
+                          <a:srgbClr val="000000"/>
+                        </a:solidFill>
+                        <a:effectLst/>
+                        <a:latin typeface="Calibri"/>
+                      </a:endParaRPr>
+                    </a:p>
+                  </a:txBody>
+                  <a:tcPr marL="10886" marR="10886" marT="10886" marB="0" anchor="b">
+                    <a:lnL>
+                      <a:noFill/>
+                    </a:lnL>
+                    <a:lnR>
+                      <a:noFill/>
+                    </a:lnR>
+                    <a:lnT w="6350" cap="flat" cmpd="sng" algn="ctr">
+                      <a:solidFill>
+                        <a:srgbClr val="000000"/>
+                      </a:solidFill>
+                      <a:prstDash val="solid"/>
+                      <a:round/>
+                      <a:headEnd type="none" w="med" len="med"/>
+                      <a:tailEnd type="none" w="med" len="med"/>
+                    </a:lnT>
+                    <a:lnB>
+                      <a:noFill/>
+                    </a:lnB>
+                  </a:tcPr>
+                </a:tc>
+                <a:tc>
+                  <a:txBody>
+                    <a:bodyPr/>
+                    <a:lstStyle/>
+                    <a:p>
+                      <a:pPr algn="l" fontAlgn="b"/>
+                      <a:endParaRPr lang="en-US" sz="1000" b="0" i="0" u="none" strike="noStrike">
+                        <a:solidFill>
+                          <a:srgbClr val="000000"/>
+                        </a:solidFill>
+                        <a:effectLst/>
+                        <a:latin typeface="Calibri"/>
+                      </a:endParaRPr>
+                    </a:p>
+                  </a:txBody>
+                  <a:tcPr marL="10886" marR="10886" marT="10886" marB="0" anchor="b">
+                    <a:lnL>
+                      <a:noFill/>
+                    </a:lnL>
+                    <a:lnR>
+                      <a:noFill/>
+                    </a:lnR>
+                    <a:lnT w="6350" cap="flat" cmpd="sng" algn="ctr">
+                      <a:solidFill>
+                        <a:srgbClr val="000000"/>
+                      </a:solidFill>
+                      <a:prstDash val="solid"/>
+                      <a:round/>
+                      <a:headEnd type="none" w="med" len="med"/>
+                      <a:tailEnd type="none" w="med" len="med"/>
+                    </a:lnT>
+                    <a:lnB>
+                      <a:noFill/>
+                    </a:lnB>
+                  </a:tcPr>
+                </a:tc>
+                <a:tc>
+                  <a:txBody>
+                    <a:bodyPr/>
+                    <a:lstStyle/>
+                    <a:p>
+                      <a:pPr algn="l" fontAlgn="b"/>
+                      <a:endParaRPr lang="en-US" sz="1000" b="0" i="0" u="none" strike="noStrike">
+                        <a:solidFill>
+                          <a:srgbClr val="000000"/>
+                        </a:solidFill>
+                        <a:effectLst/>
+                        <a:latin typeface="Calibri"/>
+                      </a:endParaRPr>
+                    </a:p>
+                  </a:txBody>
+                  <a:tcPr marL="10886" marR="10886" marT="10886" marB="0" anchor="b">
+                    <a:lnL>
+                      <a:noFill/>
+                    </a:lnL>
+                    <a:lnR>
+                      <a:noFill/>
+                    </a:lnR>
+                    <a:lnT w="6350" cap="flat" cmpd="sng" algn="ctr">
+                      <a:solidFill>
+                        <a:srgbClr val="000000"/>
+                      </a:solidFill>
+                      <a:prstDash val="solid"/>
+                      <a:round/>
+                      <a:headEnd type="none" w="med" len="med"/>
+                      <a:tailEnd type="none" w="med" len="med"/>
+                    </a:lnT>
+                    <a:lnB>
+                      <a:noFill/>
+                    </a:lnB>
+                  </a:tcPr>
+                </a:tc>
+                <a:tc>
+                  <a:txBody>
+                    <a:bodyPr/>
+                    <a:lstStyle/>
+                    <a:p>
+                      <a:pPr algn="l" fontAlgn="b"/>
+                      <a:endParaRPr lang="en-US" sz="1000" b="0" i="0" u="none" strike="noStrike">
+                        <a:solidFill>
+                          <a:srgbClr val="000000"/>
+                        </a:solidFill>
+                        <a:effectLst/>
+                        <a:latin typeface="Calibri"/>
+                      </a:endParaRPr>
+                    </a:p>
+                  </a:txBody>
+                  <a:tcPr marL="10886" marR="10886" marT="10886" marB="0" anchor="b">
+                    <a:lnL>
+                      <a:noFill/>
+                    </a:lnL>
+                    <a:lnR>
+                      <a:noFill/>
+                    </a:lnR>
+                    <a:lnT w="6350" cap="flat" cmpd="sng" algn="ctr">
+                      <a:solidFill>
+                        <a:srgbClr val="000000"/>
+                      </a:solidFill>
+                      <a:prstDash val="solid"/>
+                      <a:round/>
+                      <a:headEnd type="none" w="med" len="med"/>
+                      <a:tailEnd type="none" w="med" len="med"/>
+                    </a:lnT>
+                    <a:lnB>
+                      <a:noFill/>
+                    </a:lnB>
+                  </a:tcPr>
+                </a:tc>
+                <a:tc>
+                  <a:txBody>
+                    <a:bodyPr/>
+                    <a:lstStyle/>
+                    <a:p>
+                      <a:pPr algn="l" fontAlgn="b"/>
+                      <a:endParaRPr lang="en-US" sz="1000" b="0" i="0" u="none" strike="noStrike">
+                        <a:solidFill>
+                          <a:srgbClr val="000000"/>
+                        </a:solidFill>
+                        <a:effectLst/>
+                        <a:latin typeface="Calibri"/>
+                      </a:endParaRPr>
+                    </a:p>
+                  </a:txBody>
+                  <a:tcPr marL="10886" marR="10886" marT="10886" marB="0" anchor="b">
+                    <a:lnL>
+                      <a:noFill/>
+                    </a:lnL>
+                    <a:lnR>
+                      <a:noFill/>
+                    </a:lnR>
+                    <a:lnT w="6350" cap="flat" cmpd="sng" algn="ctr">
+                      <a:solidFill>
+                        <a:srgbClr val="000000"/>
+                      </a:solidFill>
+                      <a:prstDash val="solid"/>
+                      <a:round/>
+                      <a:headEnd type="none" w="med" len="med"/>
+                      <a:tailEnd type="none" w="med" len="med"/>
+                    </a:lnT>
+                    <a:lnB>
+                      <a:noFill/>
+                    </a:lnB>
+                  </a:tcPr>
+                </a:tc>
+                <a:tc>
+                  <a:txBody>
+                    <a:bodyPr/>
+                    <a:lstStyle/>
+                    <a:p>
+                      <a:pPr algn="l" fontAlgn="b"/>
+                      <a:endParaRPr lang="en-US" sz="1000" b="0" i="0" u="none" strike="noStrike">
+                        <a:solidFill>
+                          <a:srgbClr val="000000"/>
+                        </a:solidFill>
+                        <a:effectLst/>
+                        <a:latin typeface="Calibri"/>
+                      </a:endParaRPr>
+                    </a:p>
+                  </a:txBody>
+                  <a:tcPr marL="10886" marR="10886" marT="10886" marB="0" anchor="b">
+                    <a:lnL>
+                      <a:noFill/>
+                    </a:lnL>
+                    <a:lnR>
+                      <a:noFill/>
+                    </a:lnR>
+                    <a:lnT w="6350" cap="flat" cmpd="sng" algn="ctr">
+                      <a:solidFill>
+                        <a:srgbClr val="000000"/>
+                      </a:solidFill>
+                      <a:prstDash val="solid"/>
+                      <a:round/>
+                      <a:headEnd type="none" w="med" len="med"/>
+                      <a:tailEnd type="none" w="med" len="med"/>
+                    </a:lnT>
+                    <a:lnB>
+                      <a:noFill/>
+                    </a:lnB>
+                  </a:tcPr>
+                </a:tc>
+                <a:tc>
+                  <a:txBody>
+                    <a:bodyPr/>
+                    <a:lstStyle/>
+                    <a:p>
+                      <a:pPr algn="l" fontAlgn="b"/>
+                      <a:endParaRPr lang="en-US" sz="1000" b="0" i="0" u="none" strike="noStrike">
+                        <a:solidFill>
+                          <a:srgbClr val="000000"/>
+                        </a:solidFill>
+                        <a:effectLst/>
+                        <a:latin typeface="Calibri"/>
+                      </a:endParaRPr>
+                    </a:p>
+                  </a:txBody>
+                  <a:tcPr marL="10886" marR="10886" marT="10886" marB="0" anchor="b">
+                    <a:lnL>
+                      <a:noFill/>
+                    </a:lnL>
+                    <a:lnR>
+                      <a:noFill/>
+                    </a:lnR>
+                    <a:lnT w="6350" cap="flat" cmpd="sng" algn="ctr">
+                      <a:solidFill>
+                        <a:srgbClr val="000000"/>
+                      </a:solidFill>
+                      <a:prstDash val="solid"/>
+                      <a:round/>
+                      <a:headEnd type="none" w="med" len="med"/>
+                      <a:tailEnd type="none" w="med" len="med"/>
+                    </a:lnT>
+                    <a:lnB>
+                      <a:noFill/>
+                    </a:lnB>
+                  </a:tcPr>
+                </a:tc>
+              </a:tr>
+              <a:tr h="167640">
+                <a:tc gridSpan="4">
+                  <a:txBody>
+                    <a:bodyPr/>
+                    <a:lstStyle/>
+                    <a:p>
+                      <a:pPr algn="l" fontAlgn="b"/>
+                      <a:r>
+                        <a:rPr lang="en-US" sz="1000" b="0" i="0" u="none" strike="noStrike">
+                          <a:solidFill>
+                            <a:srgbClr val="000000"/>
+                          </a:solidFill>
+                          <a:effectLst/>
+                          <a:latin typeface="Calibri"/>
+                        </a:rPr>
+                        <a:t>Opera doesn't support createObjectURL, revokeObjectURL, BlobBuilder, readAsArrayBuffer</a:t>
+                      </a:r>
+                    </a:p>
+                  </a:txBody>
+                  <a:tcPr marL="10886" marR="10886" marT="10886" marB="0" anchor="b">
+                    <a:lnL>
+                      <a:noFill/>
+                    </a:lnL>
+                    <a:lnR>
+                      <a:noFill/>
+                    </a:lnR>
+                    <a:lnT>
+                      <a:noFill/>
+                    </a:lnT>
+                    <a:lnB>
+                      <a:noFill/>
+                    </a:lnB>
+                  </a:tcPr>
+                </a:tc>
+                <a:tc hMerge="1">
+                  <a:txBody>
+                    <a:bodyPr/>
+                    <a:lstStyle/>
+                    <a:p>
+                      <a:endParaRPr lang="en-US"/>
+                    </a:p>
+                  </a:txBody>
+                  <a:tcPr/>
+                </a:tc>
+                <a:tc hMerge="1">
+                  <a:txBody>
+                    <a:bodyPr/>
+                    <a:lstStyle/>
+                    <a:p>
+                      <a:endParaRPr lang="en-US"/>
+                    </a:p>
+                  </a:txBody>
+                  <a:tcPr/>
+                </a:tc>
+                <a:tc hMerge="1">
+                  <a:txBody>
+                    <a:bodyPr/>
+                    <a:lstStyle/>
+                    <a:p>
+                      <a:endParaRPr lang="en-US"/>
+                    </a:p>
+                  </a:txBody>
+                  <a:tcPr/>
+                </a:tc>
+                <a:tc>
+                  <a:txBody>
+                    <a:bodyPr/>
+                    <a:lstStyle/>
+                    <a:p>
+                      <a:pPr algn="l" fontAlgn="b"/>
+                      <a:endParaRPr lang="en-US" sz="1000" b="0" i="0" u="none" strike="noStrike">
+                        <a:solidFill>
+                          <a:srgbClr val="000000"/>
+                        </a:solidFill>
+                        <a:effectLst/>
+                        <a:latin typeface="Calibri"/>
+                      </a:endParaRPr>
+                    </a:p>
+                  </a:txBody>
+                  <a:tcPr marL="10886" marR="10886" marT="10886" marB="0" anchor="b">
+                    <a:lnL>
+                      <a:noFill/>
+                    </a:lnL>
+                    <a:lnR>
+                      <a:noFill/>
+                    </a:lnR>
+                    <a:lnT>
+                      <a:noFill/>
+                    </a:lnT>
+                    <a:lnB>
+                      <a:noFill/>
+                    </a:lnB>
+                  </a:tcPr>
+                </a:tc>
+                <a:tc>
+                  <a:txBody>
+                    <a:bodyPr/>
+                    <a:lstStyle/>
+                    <a:p>
+                      <a:pPr algn="l" fontAlgn="b"/>
+                      <a:endParaRPr lang="en-US" sz="1000" b="0" i="0" u="none" strike="noStrike">
+                        <a:solidFill>
+                          <a:srgbClr val="000000"/>
+                        </a:solidFill>
+                        <a:effectLst/>
+                        <a:latin typeface="Calibri"/>
+                      </a:endParaRPr>
+                    </a:p>
+                  </a:txBody>
+                  <a:tcPr marL="10886" marR="10886" marT="10886" marB="0" anchor="b">
+                    <a:lnL>
+                      <a:noFill/>
+                    </a:lnL>
+                    <a:lnR>
+                      <a:noFill/>
+                    </a:lnR>
+                    <a:lnT>
+                      <a:noFill/>
+                    </a:lnT>
+                    <a:lnB>
+                      <a:noFill/>
+                    </a:lnB>
+                  </a:tcPr>
+                </a:tc>
+                <a:tc>
+                  <a:txBody>
+                    <a:bodyPr/>
+                    <a:lstStyle/>
+                    <a:p>
+                      <a:pPr algn="l" fontAlgn="b"/>
+                      <a:endParaRPr lang="en-US" sz="1000" b="0" i="0" u="none" strike="noStrike">
+                        <a:solidFill>
+                          <a:srgbClr val="000000"/>
+                        </a:solidFill>
+                        <a:effectLst/>
+                        <a:latin typeface="Calibri"/>
+                      </a:endParaRPr>
+                    </a:p>
+                  </a:txBody>
+                  <a:tcPr marL="10886" marR="10886" marT="10886" marB="0" anchor="b">
+                    <a:lnL>
+                      <a:noFill/>
+                    </a:lnL>
+                    <a:lnR>
+                      <a:noFill/>
+                    </a:lnR>
+                    <a:lnT>
+                      <a:noFill/>
+                    </a:lnT>
+                    <a:lnB>
+                      <a:noFill/>
+                    </a:lnB>
+                  </a:tcPr>
+                </a:tc>
+                <a:tc>
+                  <a:txBody>
+                    <a:bodyPr/>
+                    <a:lstStyle/>
+                    <a:p>
+                      <a:pPr algn="l" fontAlgn="b"/>
+                      <a:endParaRPr lang="en-US" sz="1000" b="0" i="0" u="none" strike="noStrike" dirty="0">
+                        <a:solidFill>
+                          <a:srgbClr val="000000"/>
+                        </a:solidFill>
+                        <a:effectLst/>
+                        <a:latin typeface="Calibri"/>
+                      </a:endParaRPr>
+                    </a:p>
+                  </a:txBody>
+                  <a:tcPr marL="10886" marR="10886" marT="10886" marB="0" anchor="b">
+                    <a:lnL>
+                      <a:noFill/>
+                    </a:lnL>
+                    <a:lnR>
+                      <a:noFill/>
+                    </a:lnR>
+                    <a:lnT>
+                      <a:noFill/>
+                    </a:lnT>
+                    <a:lnB>
+                      <a:noFill/>
+                    </a:lnB>
+                  </a:tcPr>
+                </a:tc>
+              </a:tr>
+            </a:tbl>
+          </a:graphicData>
+        </a:graphic>
+      </p:graphicFrame>
+    </p:spTree>
+    <p:extLst>
+      <p:ext uri="{BB962C8B-B14F-4D97-AF65-F5344CB8AC3E}">
+        <p14:creationId xmlns:p14="http://schemas.microsoft.com/office/powerpoint/2010/main" val="3168693815"/>
       </p:ext>
     </p:extLst>
   </p:cSld>

--- a/docs/diagrams.pptx
+++ b/docs/diagrams.pptx
@@ -5,7 +5,7 @@
     <p:sldMasterId id="2147483648" r:id="rId1"/>
   </p:sldMasterIdLst>
   <p:notesMasterIdLst>
-    <p:notesMasterId r:id="rId32"/>
+    <p:notesMasterId r:id="rId33"/>
   </p:notesMasterIdLst>
   <p:sldIdLst>
     <p:sldId id="256" r:id="rId2"/>
@@ -38,6 +38,7 @@
     <p:sldId id="270" r:id="rId29"/>
     <p:sldId id="271" r:id="rId30"/>
     <p:sldId id="284" r:id="rId31"/>
+    <p:sldId id="286" r:id="rId32"/>
   </p:sldIdLst>
   <p:sldSz cx="9144000" cy="6858000" type="screen4x3"/>
   <p:notesSz cx="6858000" cy="9144000"/>
@@ -221,7 +222,7 @@
           <a:p>
             <a:fld id="{506A5DBC-B4BE-8745-8D4D-314A9AE71DAF}" type="datetimeFigureOut">
               <a:rPr lang="en-US" smtClean="0"/>
-              <a:t>6/19/12</a:t>
+              <a:t>11/19/12</a:t>
             </a:fld>
             <a:endParaRPr lang="en-US"/>
           </a:p>
@@ -754,7 +755,7 @@
           <a:p>
             <a:fld id="{C8A96B5A-AEDD-3F4A-8AFF-D59A389E47DC}" type="datetimeFigureOut">
               <a:rPr lang="en-US" smtClean="0"/>
-              <a:t>6/19/12</a:t>
+              <a:t>11/19/12</a:t>
             </a:fld>
             <a:endParaRPr lang="en-US"/>
           </a:p>
@@ -924,7 +925,7 @@
           <a:p>
             <a:fld id="{C8A96B5A-AEDD-3F4A-8AFF-D59A389E47DC}" type="datetimeFigureOut">
               <a:rPr lang="en-US" smtClean="0"/>
-              <a:t>6/19/12</a:t>
+              <a:t>11/19/12</a:t>
             </a:fld>
             <a:endParaRPr lang="en-US"/>
           </a:p>
@@ -1104,7 +1105,7 @@
           <a:p>
             <a:fld id="{C8A96B5A-AEDD-3F4A-8AFF-D59A389E47DC}" type="datetimeFigureOut">
               <a:rPr lang="en-US" smtClean="0"/>
-              <a:t>6/19/12</a:t>
+              <a:t>11/19/12</a:t>
             </a:fld>
             <a:endParaRPr lang="en-US"/>
           </a:p>
@@ -1274,7 +1275,7 @@
           <a:p>
             <a:fld id="{C8A96B5A-AEDD-3F4A-8AFF-D59A389E47DC}" type="datetimeFigureOut">
               <a:rPr lang="en-US" smtClean="0"/>
-              <a:t>6/19/12</a:t>
+              <a:t>11/19/12</a:t>
             </a:fld>
             <a:endParaRPr lang="en-US"/>
           </a:p>
@@ -1520,7 +1521,7 @@
           <a:p>
             <a:fld id="{C8A96B5A-AEDD-3F4A-8AFF-D59A389E47DC}" type="datetimeFigureOut">
               <a:rPr lang="en-US" smtClean="0"/>
-              <a:t>6/19/12</a:t>
+              <a:t>11/19/12</a:t>
             </a:fld>
             <a:endParaRPr lang="en-US"/>
           </a:p>
@@ -1808,7 +1809,7 @@
           <a:p>
             <a:fld id="{C8A96B5A-AEDD-3F4A-8AFF-D59A389E47DC}" type="datetimeFigureOut">
               <a:rPr lang="en-US" smtClean="0"/>
-              <a:t>6/19/12</a:t>
+              <a:t>11/19/12</a:t>
             </a:fld>
             <a:endParaRPr lang="en-US"/>
           </a:p>
@@ -2230,7 +2231,7 @@
           <a:p>
             <a:fld id="{C8A96B5A-AEDD-3F4A-8AFF-D59A389E47DC}" type="datetimeFigureOut">
               <a:rPr lang="en-US" smtClean="0"/>
-              <a:t>6/19/12</a:t>
+              <a:t>11/19/12</a:t>
             </a:fld>
             <a:endParaRPr lang="en-US"/>
           </a:p>
@@ -2348,7 +2349,7 @@
           <a:p>
             <a:fld id="{C8A96B5A-AEDD-3F4A-8AFF-D59A389E47DC}" type="datetimeFigureOut">
               <a:rPr lang="en-US" smtClean="0"/>
-              <a:t>6/19/12</a:t>
+              <a:t>11/19/12</a:t>
             </a:fld>
             <a:endParaRPr lang="en-US"/>
           </a:p>
@@ -2443,7 +2444,7 @@
           <a:p>
             <a:fld id="{C8A96B5A-AEDD-3F4A-8AFF-D59A389E47DC}" type="datetimeFigureOut">
               <a:rPr lang="en-US" smtClean="0"/>
-              <a:t>6/19/12</a:t>
+              <a:t>11/19/12</a:t>
             </a:fld>
             <a:endParaRPr lang="en-US"/>
           </a:p>
@@ -2720,7 +2721,7 @@
           <a:p>
             <a:fld id="{C8A96B5A-AEDD-3F4A-8AFF-D59A389E47DC}" type="datetimeFigureOut">
               <a:rPr lang="en-US" smtClean="0"/>
-              <a:t>6/19/12</a:t>
+              <a:t>11/19/12</a:t>
             </a:fld>
             <a:endParaRPr lang="en-US"/>
           </a:p>
@@ -2973,7 +2974,7 @@
           <a:p>
             <a:fld id="{C8A96B5A-AEDD-3F4A-8AFF-D59A389E47DC}" type="datetimeFigureOut">
               <a:rPr lang="en-US" smtClean="0"/>
-              <a:t>6/19/12</a:t>
+              <a:t>11/19/12</a:t>
             </a:fld>
             <a:endParaRPr lang="en-US"/>
           </a:p>
@@ -3186,7 +3187,7 @@
           <a:p>
             <a:fld id="{C8A96B5A-AEDD-3F4A-8AFF-D59A389E47DC}" type="datetimeFigureOut">
               <a:rPr lang="en-US" smtClean="0"/>
-              <a:t>6/19/12</a:t>
+              <a:t>11/19/12</a:t>
             </a:fld>
             <a:endParaRPr lang="en-US"/>
           </a:p>
@@ -26174,6 +26175,953 @@
 </p:sld>
 </file>
 
+<file path=ppt/slides/slide31.xml><?xml version="1.0" encoding="utf-8"?>
+<p:sld xmlns:a="http://schemas.openxmlformats.org/drawingml/2006/main" xmlns:r="http://schemas.openxmlformats.org/officeDocument/2006/relationships" xmlns:p="http://schemas.openxmlformats.org/presentationml/2006/main">
+  <p:cSld>
+    <p:spTree>
+      <p:nvGrpSpPr>
+        <p:cNvPr id="1" name=""/>
+        <p:cNvGrpSpPr/>
+        <p:nvPr/>
+      </p:nvGrpSpPr>
+      <p:grpSpPr>
+        <a:xfrm>
+          <a:off x="0" y="0"/>
+          <a:ext cx="0" cy="0"/>
+          <a:chOff x="0" y="0"/>
+          <a:chExt cx="0" cy="0"/>
+        </a:xfrm>
+      </p:grpSpPr>
+      <p:graphicFrame>
+        <p:nvGraphicFramePr>
+          <p:cNvPr id="2" name="Table 1"/>
+          <p:cNvGraphicFramePr>
+            <a:graphicFrameLocks noGrp="1"/>
+          </p:cNvGraphicFramePr>
+          <p:nvPr>
+            <p:extLst>
+              <p:ext uri="{D42A27DB-BD31-4B8C-83A1-F6EECF244321}">
+                <p14:modId xmlns:p14="http://schemas.microsoft.com/office/powerpoint/2010/main" val="1803309308"/>
+              </p:ext>
+            </p:extLst>
+          </p:nvPr>
+        </p:nvGraphicFramePr>
+        <p:xfrm>
+          <a:off x="448233" y="2681941"/>
+          <a:ext cx="8426826" cy="3784600"/>
+        </p:xfrm>
+        <a:graphic>
+          <a:graphicData uri="http://schemas.openxmlformats.org/drawingml/2006/table">
+            <a:tbl>
+              <a:tblPr firstRow="1" bandRow="1">
+                <a:tableStyleId>{5C22544A-7EE6-4342-B048-85BDC9FD1C3A}</a:tableStyleId>
+              </a:tblPr>
+              <a:tblGrid>
+                <a:gridCol w="1728639"/>
+                <a:gridCol w="1230041"/>
+                <a:gridCol w="1230041"/>
+                <a:gridCol w="1159483"/>
+                <a:gridCol w="1026207"/>
+                <a:gridCol w="1132827"/>
+                <a:gridCol w="919588"/>
+              </a:tblGrid>
+              <a:tr h="370840">
+                <a:tc>
+                  <a:txBody>
+                    <a:bodyPr/>
+                    <a:lstStyle/>
+                    <a:p>
+                      <a:endParaRPr lang="en-US" dirty="0"/>
+                    </a:p>
+                  </a:txBody>
+                  <a:tcPr/>
+                </a:tc>
+                <a:tc>
+                  <a:txBody>
+                    <a:bodyPr/>
+                    <a:lstStyle/>
+                    <a:p>
+                      <a:endParaRPr lang="en-US" dirty="0"/>
+                    </a:p>
+                  </a:txBody>
+                  <a:tcPr/>
+                </a:tc>
+                <a:tc>
+                  <a:txBody>
+                    <a:bodyPr/>
+                    <a:lstStyle/>
+                    <a:p>
+                      <a:r>
+                        <a:rPr lang="en-US" dirty="0" smtClean="0"/>
+                        <a:t>Apple iPhone</a:t>
+                      </a:r>
+                      <a:r>
+                        <a:rPr lang="en-US" baseline="0" dirty="0" smtClean="0"/>
+                        <a:t> 5</a:t>
+                      </a:r>
+                      <a:endParaRPr lang="en-US" dirty="0"/>
+                    </a:p>
+                  </a:txBody>
+                  <a:tcPr/>
+                </a:tc>
+                <a:tc>
+                  <a:txBody>
+                    <a:bodyPr/>
+                    <a:lstStyle/>
+                    <a:p>
+                      <a:r>
+                        <a:rPr lang="en-US" dirty="0" smtClean="0"/>
+                        <a:t>Motorola RAZR M</a:t>
+                      </a:r>
+                      <a:endParaRPr lang="en-US" dirty="0"/>
+                    </a:p>
+                  </a:txBody>
+                  <a:tcPr/>
+                </a:tc>
+                <a:tc>
+                  <a:txBody>
+                    <a:bodyPr/>
+                    <a:lstStyle/>
+                    <a:p>
+                      <a:r>
+                        <a:rPr lang="en-US" dirty="0" smtClean="0"/>
+                        <a:t>Nokia </a:t>
+                      </a:r>
+                      <a:r>
+                        <a:rPr lang="en-US" dirty="0" err="1" smtClean="0"/>
+                        <a:t>Lumia</a:t>
+                      </a:r>
+                      <a:r>
+                        <a:rPr lang="en-US" baseline="0" dirty="0" smtClean="0"/>
+                        <a:t> 920</a:t>
+                      </a:r>
+                      <a:endParaRPr lang="en-US" dirty="0"/>
+                    </a:p>
+                  </a:txBody>
+                  <a:tcPr/>
+                </a:tc>
+                <a:tc>
+                  <a:txBody>
+                    <a:bodyPr/>
+                    <a:lstStyle/>
+                    <a:p>
+                      <a:r>
+                        <a:rPr lang="en-US" dirty="0" smtClean="0"/>
+                        <a:t>HTC One X</a:t>
+                      </a:r>
+                      <a:endParaRPr lang="en-US" dirty="0"/>
+                    </a:p>
+                  </a:txBody>
+                  <a:tcPr/>
+                </a:tc>
+                <a:tc>
+                  <a:txBody>
+                    <a:bodyPr/>
+                    <a:lstStyle/>
+                    <a:p>
+                      <a:r>
+                        <a:rPr lang="en-US" dirty="0" smtClean="0"/>
+                        <a:t>Samsung Galaxy Note</a:t>
+                      </a:r>
+                      <a:endParaRPr lang="en-US" dirty="0"/>
+                    </a:p>
+                  </a:txBody>
+                  <a:tcPr/>
+                </a:tc>
+              </a:tr>
+              <a:tr h="370840">
+                <a:tc>
+                  <a:txBody>
+                    <a:bodyPr/>
+                    <a:lstStyle/>
+                    <a:p>
+                      <a:r>
+                        <a:rPr lang="en-US" dirty="0" smtClean="0"/>
+                        <a:t>Size</a:t>
+                      </a:r>
+                      <a:endParaRPr lang="en-US" dirty="0"/>
+                    </a:p>
+                  </a:txBody>
+                  <a:tcPr/>
+                </a:tc>
+                <a:tc>
+                  <a:txBody>
+                    <a:bodyPr/>
+                    <a:lstStyle/>
+                    <a:p>
+                      <a:r>
+                        <a:rPr lang="en-US" dirty="0" smtClean="0"/>
+                        <a:t>4.0”</a:t>
+                      </a:r>
+                      <a:endParaRPr lang="en-US" dirty="0"/>
+                    </a:p>
+                  </a:txBody>
+                  <a:tcPr/>
+                </a:tc>
+                <a:tc>
+                  <a:txBody>
+                    <a:bodyPr/>
+                    <a:lstStyle/>
+                    <a:p>
+                      <a:r>
+                        <a:rPr lang="en-US" dirty="0" smtClean="0"/>
+                        <a:t>4.0”</a:t>
+                      </a:r>
+                      <a:endParaRPr lang="en-US" dirty="0"/>
+                    </a:p>
+                  </a:txBody>
+                  <a:tcPr/>
+                </a:tc>
+                <a:tc>
+                  <a:txBody>
+                    <a:bodyPr/>
+                    <a:lstStyle/>
+                    <a:p>
+                      <a:r>
+                        <a:rPr lang="en-US" dirty="0" smtClean="0"/>
+                        <a:t>4.3”</a:t>
+                      </a:r>
+                      <a:endParaRPr lang="en-US" dirty="0"/>
+                    </a:p>
+                  </a:txBody>
+                  <a:tcPr/>
+                </a:tc>
+                <a:tc>
+                  <a:txBody>
+                    <a:bodyPr/>
+                    <a:lstStyle/>
+                    <a:p>
+                      <a:r>
+                        <a:rPr lang="en-US" dirty="0" smtClean="0"/>
+                        <a:t>4.5”</a:t>
+                      </a:r>
+                      <a:endParaRPr lang="en-US" dirty="0"/>
+                    </a:p>
+                  </a:txBody>
+                  <a:tcPr/>
+                </a:tc>
+                <a:tc>
+                  <a:txBody>
+                    <a:bodyPr/>
+                    <a:lstStyle/>
+                    <a:p>
+                      <a:r>
+                        <a:rPr lang="en-US" dirty="0" smtClean="0"/>
+                        <a:t>4.7”</a:t>
+                      </a:r>
+                      <a:endParaRPr lang="en-US" dirty="0"/>
+                    </a:p>
+                  </a:txBody>
+                  <a:tcPr/>
+                </a:tc>
+                <a:tc>
+                  <a:txBody>
+                    <a:bodyPr/>
+                    <a:lstStyle/>
+                    <a:p>
+                      <a:r>
+                        <a:rPr lang="en-US" dirty="0" smtClean="0"/>
+                        <a:t>5.5”</a:t>
+                      </a:r>
+                      <a:endParaRPr lang="en-US" dirty="0"/>
+                    </a:p>
+                  </a:txBody>
+                  <a:tcPr/>
+                </a:tc>
+              </a:tr>
+              <a:tr h="370840">
+                <a:tc>
+                  <a:txBody>
+                    <a:bodyPr/>
+                    <a:lstStyle/>
+                    <a:p>
+                      <a:r>
+                        <a:rPr lang="en-US" dirty="0" smtClean="0"/>
+                        <a:t>Width</a:t>
+                      </a:r>
+                      <a:endParaRPr lang="en-US" dirty="0"/>
+                    </a:p>
+                  </a:txBody>
+                  <a:tcPr/>
+                </a:tc>
+                <a:tc>
+                  <a:txBody>
+                    <a:bodyPr/>
+                    <a:lstStyle/>
+                    <a:p>
+                      <a:endParaRPr lang="en-US" dirty="0"/>
+                    </a:p>
+                  </a:txBody>
+                  <a:tcPr/>
+                </a:tc>
+                <a:tc>
+                  <a:txBody>
+                    <a:bodyPr/>
+                    <a:lstStyle/>
+                    <a:p>
+                      <a:r>
+                        <a:rPr lang="en-US" dirty="0" smtClean="0"/>
+                        <a:t>640</a:t>
+                      </a:r>
+                      <a:endParaRPr lang="en-US" dirty="0"/>
+                    </a:p>
+                  </a:txBody>
+                  <a:tcPr/>
+                </a:tc>
+                <a:tc>
+                  <a:txBody>
+                    <a:bodyPr/>
+                    <a:lstStyle/>
+                    <a:p>
+                      <a:r>
+                        <a:rPr lang="en-US" dirty="0" smtClean="0"/>
+                        <a:t>540</a:t>
+                      </a:r>
+                      <a:endParaRPr lang="en-US" dirty="0"/>
+                    </a:p>
+                  </a:txBody>
+                  <a:tcPr/>
+                </a:tc>
+                <a:tc>
+                  <a:txBody>
+                    <a:bodyPr/>
+                    <a:lstStyle/>
+                    <a:p>
+                      <a:r>
+                        <a:rPr lang="en-US" dirty="0" smtClean="0"/>
+                        <a:t>768</a:t>
+                      </a:r>
+                      <a:endParaRPr lang="en-US" dirty="0"/>
+                    </a:p>
+                  </a:txBody>
+                  <a:tcPr/>
+                </a:tc>
+                <a:tc>
+                  <a:txBody>
+                    <a:bodyPr/>
+                    <a:lstStyle/>
+                    <a:p>
+                      <a:r>
+                        <a:rPr lang="en-US" dirty="0" smtClean="0"/>
+                        <a:t>720</a:t>
+                      </a:r>
+                      <a:endParaRPr lang="en-US" dirty="0"/>
+                    </a:p>
+                  </a:txBody>
+                  <a:tcPr/>
+                </a:tc>
+                <a:tc>
+                  <a:txBody>
+                    <a:bodyPr/>
+                    <a:lstStyle/>
+                    <a:p>
+                      <a:r>
+                        <a:rPr lang="en-US" dirty="0" smtClean="0"/>
+                        <a:t>720</a:t>
+                      </a:r>
+                      <a:endParaRPr lang="en-US" dirty="0"/>
+                    </a:p>
+                  </a:txBody>
+                  <a:tcPr/>
+                </a:tc>
+              </a:tr>
+              <a:tr h="370840">
+                <a:tc>
+                  <a:txBody>
+                    <a:bodyPr/>
+                    <a:lstStyle/>
+                    <a:p>
+                      <a:r>
+                        <a:rPr lang="en-US" dirty="0" smtClean="0"/>
+                        <a:t>Height</a:t>
+                      </a:r>
+                      <a:endParaRPr lang="en-US" dirty="0"/>
+                    </a:p>
+                  </a:txBody>
+                  <a:tcPr/>
+                </a:tc>
+                <a:tc>
+                  <a:txBody>
+                    <a:bodyPr/>
+                    <a:lstStyle/>
+                    <a:p>
+                      <a:endParaRPr lang="en-US"/>
+                    </a:p>
+                  </a:txBody>
+                  <a:tcPr/>
+                </a:tc>
+                <a:tc>
+                  <a:txBody>
+                    <a:bodyPr/>
+                    <a:lstStyle/>
+                    <a:p>
+                      <a:r>
+                        <a:rPr lang="en-US" dirty="0" smtClean="0"/>
+                        <a:t>1136</a:t>
+                      </a:r>
+                      <a:endParaRPr lang="en-US" dirty="0"/>
+                    </a:p>
+                  </a:txBody>
+                  <a:tcPr/>
+                </a:tc>
+                <a:tc>
+                  <a:txBody>
+                    <a:bodyPr/>
+                    <a:lstStyle/>
+                    <a:p>
+                      <a:r>
+                        <a:rPr lang="en-US" dirty="0" smtClean="0"/>
+                        <a:t>960</a:t>
+                      </a:r>
+                      <a:endParaRPr lang="en-US" dirty="0"/>
+                    </a:p>
+                  </a:txBody>
+                  <a:tcPr/>
+                </a:tc>
+                <a:tc>
+                  <a:txBody>
+                    <a:bodyPr/>
+                    <a:lstStyle/>
+                    <a:p>
+                      <a:r>
+                        <a:rPr lang="en-US" dirty="0" smtClean="0"/>
+                        <a:t>1280</a:t>
+                      </a:r>
+                      <a:endParaRPr lang="en-US" dirty="0"/>
+                    </a:p>
+                  </a:txBody>
+                  <a:tcPr/>
+                </a:tc>
+                <a:tc>
+                  <a:txBody>
+                    <a:bodyPr/>
+                    <a:lstStyle/>
+                    <a:p>
+                      <a:r>
+                        <a:rPr lang="en-US" dirty="0" smtClean="0"/>
+                        <a:t>1280</a:t>
+                      </a:r>
+                      <a:endParaRPr lang="en-US" dirty="0"/>
+                    </a:p>
+                  </a:txBody>
+                  <a:tcPr/>
+                </a:tc>
+                <a:tc>
+                  <a:txBody>
+                    <a:bodyPr/>
+                    <a:lstStyle/>
+                    <a:p>
+                      <a:r>
+                        <a:rPr lang="en-US" dirty="0" smtClean="0"/>
+                        <a:t>1280</a:t>
+                      </a:r>
+                      <a:endParaRPr lang="en-US" dirty="0"/>
+                    </a:p>
+                  </a:txBody>
+                  <a:tcPr/>
+                </a:tc>
+              </a:tr>
+              <a:tr h="370840">
+                <a:tc>
+                  <a:txBody>
+                    <a:bodyPr/>
+                    <a:lstStyle/>
+                    <a:p>
+                      <a:r>
+                        <a:rPr lang="en-US" dirty="0" smtClean="0"/>
+                        <a:t>PPI</a:t>
+                      </a:r>
+                      <a:endParaRPr lang="en-US" dirty="0"/>
+                    </a:p>
+                  </a:txBody>
+                  <a:tcPr/>
+                </a:tc>
+                <a:tc>
+                  <a:txBody>
+                    <a:bodyPr/>
+                    <a:lstStyle/>
+                    <a:p>
+                      <a:endParaRPr lang="en-US"/>
+                    </a:p>
+                  </a:txBody>
+                  <a:tcPr/>
+                </a:tc>
+                <a:tc>
+                  <a:txBody>
+                    <a:bodyPr/>
+                    <a:lstStyle/>
+                    <a:p>
+                      <a:r>
+                        <a:rPr lang="en-US" dirty="0" smtClean="0"/>
+                        <a:t>326</a:t>
+                      </a:r>
+                      <a:endParaRPr lang="en-US" dirty="0"/>
+                    </a:p>
+                  </a:txBody>
+                  <a:tcPr/>
+                </a:tc>
+                <a:tc>
+                  <a:txBody>
+                    <a:bodyPr/>
+                    <a:lstStyle/>
+                    <a:p>
+                      <a:r>
+                        <a:rPr lang="en-US" dirty="0" smtClean="0"/>
+                        <a:t>256</a:t>
+                      </a:r>
+                      <a:endParaRPr lang="en-US" dirty="0"/>
+                    </a:p>
+                  </a:txBody>
+                  <a:tcPr/>
+                </a:tc>
+                <a:tc>
+                  <a:txBody>
+                    <a:bodyPr/>
+                    <a:lstStyle/>
+                    <a:p>
+                      <a:r>
+                        <a:rPr lang="en-US" dirty="0" smtClean="0"/>
+                        <a:t>332</a:t>
+                      </a:r>
+                      <a:endParaRPr lang="en-US" dirty="0"/>
+                    </a:p>
+                  </a:txBody>
+                  <a:tcPr/>
+                </a:tc>
+                <a:tc>
+                  <a:txBody>
+                    <a:bodyPr/>
+                    <a:lstStyle/>
+                    <a:p>
+                      <a:r>
+                        <a:rPr lang="en-US" dirty="0" smtClean="0"/>
+                        <a:t>312</a:t>
+                      </a:r>
+                      <a:endParaRPr lang="en-US" dirty="0"/>
+                    </a:p>
+                  </a:txBody>
+                  <a:tcPr/>
+                </a:tc>
+                <a:tc>
+                  <a:txBody>
+                    <a:bodyPr/>
+                    <a:lstStyle/>
+                    <a:p>
+                      <a:r>
+                        <a:rPr lang="en-US" dirty="0" smtClean="0"/>
+                        <a:t>267</a:t>
+                      </a:r>
+                      <a:endParaRPr lang="en-US" dirty="0"/>
+                    </a:p>
+                  </a:txBody>
+                  <a:tcPr/>
+                </a:tc>
+              </a:tr>
+              <a:tr h="370840">
+                <a:tc>
+                  <a:txBody>
+                    <a:bodyPr/>
+                    <a:lstStyle/>
+                    <a:p>
+                      <a:r>
+                        <a:rPr lang="en-US" dirty="0" smtClean="0"/>
+                        <a:t>Device-width</a:t>
+                      </a:r>
+                      <a:endParaRPr lang="en-US" dirty="0"/>
+                    </a:p>
+                  </a:txBody>
+                  <a:tcPr/>
+                </a:tc>
+                <a:tc>
+                  <a:txBody>
+                    <a:bodyPr/>
+                    <a:lstStyle/>
+                    <a:p>
+                      <a:endParaRPr lang="en-US"/>
+                    </a:p>
+                  </a:txBody>
+                  <a:tcPr/>
+                </a:tc>
+                <a:tc>
+                  <a:txBody>
+                    <a:bodyPr/>
+                    <a:lstStyle/>
+                    <a:p>
+                      <a:r>
+                        <a:rPr lang="en-US" dirty="0" smtClean="0"/>
+                        <a:t>320</a:t>
+                      </a:r>
+                      <a:endParaRPr lang="en-US" dirty="0"/>
+                    </a:p>
+                  </a:txBody>
+                  <a:tcPr/>
+                </a:tc>
+                <a:tc>
+                  <a:txBody>
+                    <a:bodyPr/>
+                    <a:lstStyle/>
+                    <a:p>
+                      <a:r>
+                        <a:rPr lang="en-US" dirty="0" smtClean="0"/>
+                        <a:t>360</a:t>
+                      </a:r>
+                      <a:endParaRPr lang="en-US" dirty="0"/>
+                    </a:p>
+                  </a:txBody>
+                  <a:tcPr/>
+                </a:tc>
+                <a:tc>
+                  <a:txBody>
+                    <a:bodyPr/>
+                    <a:lstStyle/>
+                    <a:p>
+                      <a:endParaRPr lang="en-US" dirty="0"/>
+                    </a:p>
+                  </a:txBody>
+                  <a:tcPr/>
+                </a:tc>
+                <a:tc>
+                  <a:txBody>
+                    <a:bodyPr/>
+                    <a:lstStyle/>
+                    <a:p>
+                      <a:r>
+                        <a:rPr lang="en-US" dirty="0" smtClean="0"/>
+                        <a:t>360</a:t>
+                      </a:r>
+                      <a:endParaRPr lang="en-US" dirty="0"/>
+                    </a:p>
+                  </a:txBody>
+                  <a:tcPr/>
+                </a:tc>
+                <a:tc>
+                  <a:txBody>
+                    <a:bodyPr/>
+                    <a:lstStyle/>
+                    <a:p>
+                      <a:endParaRPr lang="en-US" dirty="0"/>
+                    </a:p>
+                  </a:txBody>
+                  <a:tcPr/>
+                </a:tc>
+              </a:tr>
+              <a:tr h="370840">
+                <a:tc>
+                  <a:txBody>
+                    <a:bodyPr/>
+                    <a:lstStyle/>
+                    <a:p>
+                      <a:r>
+                        <a:rPr lang="en-US" dirty="0" smtClean="0"/>
+                        <a:t>Device-height</a:t>
+                      </a:r>
+                      <a:endParaRPr lang="en-US" dirty="0"/>
+                    </a:p>
+                  </a:txBody>
+                  <a:tcPr/>
+                </a:tc>
+                <a:tc>
+                  <a:txBody>
+                    <a:bodyPr/>
+                    <a:lstStyle/>
+                    <a:p>
+                      <a:endParaRPr lang="en-US" dirty="0"/>
+                    </a:p>
+                  </a:txBody>
+                  <a:tcPr/>
+                </a:tc>
+                <a:tc>
+                  <a:txBody>
+                    <a:bodyPr/>
+                    <a:lstStyle/>
+                    <a:p>
+                      <a:r>
+                        <a:rPr lang="en-US" dirty="0" smtClean="0"/>
+                        <a:t>568</a:t>
+                      </a:r>
+                      <a:endParaRPr lang="en-US" dirty="0"/>
+                    </a:p>
+                  </a:txBody>
+                  <a:tcPr/>
+                </a:tc>
+                <a:tc>
+                  <a:txBody>
+                    <a:bodyPr/>
+                    <a:lstStyle/>
+                    <a:p>
+                      <a:r>
+                        <a:rPr lang="en-US" dirty="0" smtClean="0"/>
+                        <a:t>563</a:t>
+                      </a:r>
+                      <a:endParaRPr lang="en-US" dirty="0"/>
+                    </a:p>
+                  </a:txBody>
+                  <a:tcPr/>
+                </a:tc>
+                <a:tc>
+                  <a:txBody>
+                    <a:bodyPr/>
+                    <a:lstStyle/>
+                    <a:p>
+                      <a:endParaRPr lang="en-US"/>
+                    </a:p>
+                  </a:txBody>
+                  <a:tcPr/>
+                </a:tc>
+                <a:tc>
+                  <a:txBody>
+                    <a:bodyPr/>
+                    <a:lstStyle/>
+                    <a:p>
+                      <a:r>
+                        <a:rPr lang="en-US" dirty="0" smtClean="0"/>
+                        <a:t>640</a:t>
+                      </a:r>
+                      <a:endParaRPr lang="en-US" dirty="0"/>
+                    </a:p>
+                  </a:txBody>
+                  <a:tcPr/>
+                </a:tc>
+                <a:tc>
+                  <a:txBody>
+                    <a:bodyPr/>
+                    <a:lstStyle/>
+                    <a:p>
+                      <a:endParaRPr lang="en-US" dirty="0"/>
+                    </a:p>
+                  </a:txBody>
+                  <a:tcPr/>
+                </a:tc>
+              </a:tr>
+              <a:tr h="370840">
+                <a:tc>
+                  <a:txBody>
+                    <a:bodyPr/>
+                    <a:lstStyle/>
+                    <a:p>
+                      <a:r>
+                        <a:rPr lang="en-US" dirty="0" smtClean="0"/>
+                        <a:t>Pixel-ratio</a:t>
+                      </a:r>
+                      <a:endParaRPr lang="en-US" dirty="0"/>
+                    </a:p>
+                  </a:txBody>
+                  <a:tcPr/>
+                </a:tc>
+                <a:tc>
+                  <a:txBody>
+                    <a:bodyPr/>
+                    <a:lstStyle/>
+                    <a:p>
+                      <a:endParaRPr lang="en-US" dirty="0"/>
+                    </a:p>
+                  </a:txBody>
+                  <a:tcPr/>
+                </a:tc>
+                <a:tc>
+                  <a:txBody>
+                    <a:bodyPr/>
+                    <a:lstStyle/>
+                    <a:p>
+                      <a:r>
+                        <a:rPr lang="en-US" dirty="0" smtClean="0"/>
+                        <a:t>2</a:t>
+                      </a:r>
+                      <a:endParaRPr lang="en-US" dirty="0"/>
+                    </a:p>
+                  </a:txBody>
+                  <a:tcPr/>
+                </a:tc>
+                <a:tc>
+                  <a:txBody>
+                    <a:bodyPr/>
+                    <a:lstStyle/>
+                    <a:p>
+                      <a:r>
+                        <a:rPr lang="en-US" dirty="0" smtClean="0"/>
+                        <a:t>1.5</a:t>
+                      </a:r>
+                      <a:endParaRPr lang="en-US" dirty="0"/>
+                    </a:p>
+                  </a:txBody>
+                  <a:tcPr/>
+                </a:tc>
+                <a:tc>
+                  <a:txBody>
+                    <a:bodyPr/>
+                    <a:lstStyle/>
+                    <a:p>
+                      <a:endParaRPr lang="en-US"/>
+                    </a:p>
+                  </a:txBody>
+                  <a:tcPr/>
+                </a:tc>
+                <a:tc>
+                  <a:txBody>
+                    <a:bodyPr/>
+                    <a:lstStyle/>
+                    <a:p>
+                      <a:r>
+                        <a:rPr lang="en-US" dirty="0" smtClean="0"/>
+                        <a:t>2</a:t>
+                      </a:r>
+                      <a:endParaRPr lang="en-US" dirty="0"/>
+                    </a:p>
+                  </a:txBody>
+                  <a:tcPr/>
+                </a:tc>
+                <a:tc>
+                  <a:txBody>
+                    <a:bodyPr/>
+                    <a:lstStyle/>
+                    <a:p>
+                      <a:r>
+                        <a:rPr lang="en-US" dirty="0" smtClean="0"/>
+                        <a:t>2</a:t>
+                      </a:r>
+                      <a:endParaRPr lang="en-US" dirty="0"/>
+                    </a:p>
+                  </a:txBody>
+                  <a:tcPr/>
+                </a:tc>
+              </a:tr>
+            </a:tbl>
+          </a:graphicData>
+        </a:graphic>
+      </p:graphicFrame>
+      <p:pic>
+        <p:nvPicPr>
+          <p:cNvPr id="4" name="Picture 3"/>
+          <p:cNvPicPr>
+            <a:picLocks noChangeAspect="1"/>
+          </p:cNvPicPr>
+          <p:nvPr/>
+        </p:nvPicPr>
+        <p:blipFill>
+          <a:blip r:embed="rId2"/>
+          <a:stretch>
+            <a:fillRect/>
+          </a:stretch>
+        </p:blipFill>
+        <p:spPr>
+          <a:xfrm>
+            <a:off x="3354294" y="1030941"/>
+            <a:ext cx="1125322" cy="1489634"/>
+          </a:xfrm>
+          <a:prstGeom prst="rect">
+            <a:avLst/>
+          </a:prstGeom>
+        </p:spPr>
+      </p:pic>
+      <p:pic>
+        <p:nvPicPr>
+          <p:cNvPr id="5" name="Picture 4"/>
+          <p:cNvPicPr>
+            <a:picLocks noChangeAspect="1"/>
+          </p:cNvPicPr>
+          <p:nvPr/>
+        </p:nvPicPr>
+        <p:blipFill>
+          <a:blip r:embed="rId3"/>
+          <a:stretch>
+            <a:fillRect/>
+          </a:stretch>
+        </p:blipFill>
+        <p:spPr>
+          <a:xfrm>
+            <a:off x="5552889" y="832501"/>
+            <a:ext cx="1275230" cy="1688074"/>
+          </a:xfrm>
+          <a:prstGeom prst="rect">
+            <a:avLst/>
+          </a:prstGeom>
+        </p:spPr>
+      </p:pic>
+      <p:pic>
+        <p:nvPicPr>
+          <p:cNvPr id="6" name="Picture 5"/>
+          <p:cNvPicPr>
+            <a:picLocks noChangeAspect="1"/>
+          </p:cNvPicPr>
+          <p:nvPr/>
+        </p:nvPicPr>
+        <p:blipFill>
+          <a:blip r:embed="rId4"/>
+          <a:stretch>
+            <a:fillRect/>
+          </a:stretch>
+        </p:blipFill>
+        <p:spPr>
+          <a:xfrm>
+            <a:off x="4616824" y="928685"/>
+            <a:ext cx="1202569" cy="1591890"/>
+          </a:xfrm>
+          <a:prstGeom prst="rect">
+            <a:avLst/>
+          </a:prstGeom>
+        </p:spPr>
+      </p:pic>
+      <p:pic>
+        <p:nvPicPr>
+          <p:cNvPr id="7" name="Picture 6"/>
+          <p:cNvPicPr>
+            <a:picLocks noChangeAspect="1"/>
+          </p:cNvPicPr>
+          <p:nvPr/>
+        </p:nvPicPr>
+        <p:blipFill>
+          <a:blip r:embed="rId5"/>
+          <a:stretch>
+            <a:fillRect/>
+          </a:stretch>
+        </p:blipFill>
+        <p:spPr>
+          <a:xfrm>
+            <a:off x="6656294" y="702235"/>
+            <a:ext cx="1381927" cy="1829314"/>
+          </a:xfrm>
+          <a:prstGeom prst="rect">
+            <a:avLst/>
+          </a:prstGeom>
+        </p:spPr>
+      </p:pic>
+      <p:pic>
+        <p:nvPicPr>
+          <p:cNvPr id="8" name="Picture 7"/>
+          <p:cNvPicPr>
+            <a:picLocks noChangeAspect="1"/>
+          </p:cNvPicPr>
+          <p:nvPr/>
+        </p:nvPicPr>
+        <p:blipFill>
+          <a:blip r:embed="rId6"/>
+          <a:stretch>
+            <a:fillRect/>
+          </a:stretch>
+        </p:blipFill>
+        <p:spPr>
+          <a:xfrm>
+            <a:off x="7791823" y="358587"/>
+            <a:ext cx="1641530" cy="2172961"/>
+          </a:xfrm>
+          <a:prstGeom prst="rect">
+            <a:avLst/>
+          </a:prstGeom>
+        </p:spPr>
+      </p:pic>
+    </p:spTree>
+    <p:extLst>
+      <p:ext uri="{BB962C8B-B14F-4D97-AF65-F5344CB8AC3E}">
+        <p14:creationId xmlns:p14="http://schemas.microsoft.com/office/powerpoint/2010/main" val="1045879435"/>
+      </p:ext>
+    </p:extLst>
+  </p:cSld>
+  <p:clrMapOvr>
+    <a:masterClrMapping/>
+  </p:clrMapOvr>
+</p:sld>
+</file>
+
 <file path=ppt/slides/slide4.xml><?xml version="1.0" encoding="utf-8"?>
 <p:sld xmlns:a="http://schemas.openxmlformats.org/drawingml/2006/main" xmlns:r="http://schemas.openxmlformats.org/officeDocument/2006/relationships" xmlns:p="http://schemas.openxmlformats.org/presentationml/2006/main">
   <p:cSld>

--- a/docs/diagrams.pptx
+++ b/docs/diagrams.pptx
@@ -5,7 +5,7 @@
     <p:sldMasterId id="2147483648" r:id="rId1"/>
   </p:sldMasterIdLst>
   <p:notesMasterIdLst>
-    <p:notesMasterId r:id="rId33"/>
+    <p:notesMasterId r:id="rId34"/>
   </p:notesMasterIdLst>
   <p:sldIdLst>
     <p:sldId id="256" r:id="rId2"/>
@@ -39,6 +39,7 @@
     <p:sldId id="271" r:id="rId30"/>
     <p:sldId id="284" r:id="rId31"/>
     <p:sldId id="286" r:id="rId32"/>
+    <p:sldId id="287" r:id="rId33"/>
   </p:sldIdLst>
   <p:sldSz cx="9144000" cy="6858000" type="screen4x3"/>
   <p:notesSz cx="6858000" cy="9144000"/>
@@ -222,7 +223,7 @@
           <a:p>
             <a:fld id="{506A5DBC-B4BE-8745-8D4D-314A9AE71DAF}" type="datetimeFigureOut">
               <a:rPr lang="en-US" smtClean="0"/>
-              <a:t>11/19/12</a:t>
+              <a:t>11/20/12</a:t>
             </a:fld>
             <a:endParaRPr lang="en-US"/>
           </a:p>
@@ -755,7 +756,7 @@
           <a:p>
             <a:fld id="{C8A96B5A-AEDD-3F4A-8AFF-D59A389E47DC}" type="datetimeFigureOut">
               <a:rPr lang="en-US" smtClean="0"/>
-              <a:t>11/19/12</a:t>
+              <a:t>11/20/12</a:t>
             </a:fld>
             <a:endParaRPr lang="en-US"/>
           </a:p>
@@ -925,7 +926,7 @@
           <a:p>
             <a:fld id="{C8A96B5A-AEDD-3F4A-8AFF-D59A389E47DC}" type="datetimeFigureOut">
               <a:rPr lang="en-US" smtClean="0"/>
-              <a:t>11/19/12</a:t>
+              <a:t>11/20/12</a:t>
             </a:fld>
             <a:endParaRPr lang="en-US"/>
           </a:p>
@@ -1105,7 +1106,7 @@
           <a:p>
             <a:fld id="{C8A96B5A-AEDD-3F4A-8AFF-D59A389E47DC}" type="datetimeFigureOut">
               <a:rPr lang="en-US" smtClean="0"/>
-              <a:t>11/19/12</a:t>
+              <a:t>11/20/12</a:t>
             </a:fld>
             <a:endParaRPr lang="en-US"/>
           </a:p>
@@ -1275,7 +1276,7 @@
           <a:p>
             <a:fld id="{C8A96B5A-AEDD-3F4A-8AFF-D59A389E47DC}" type="datetimeFigureOut">
               <a:rPr lang="en-US" smtClean="0"/>
-              <a:t>11/19/12</a:t>
+              <a:t>11/20/12</a:t>
             </a:fld>
             <a:endParaRPr lang="en-US"/>
           </a:p>
@@ -1521,7 +1522,7 @@
           <a:p>
             <a:fld id="{C8A96B5A-AEDD-3F4A-8AFF-D59A389E47DC}" type="datetimeFigureOut">
               <a:rPr lang="en-US" smtClean="0"/>
-              <a:t>11/19/12</a:t>
+              <a:t>11/20/12</a:t>
             </a:fld>
             <a:endParaRPr lang="en-US"/>
           </a:p>
@@ -1809,7 +1810,7 @@
           <a:p>
             <a:fld id="{C8A96B5A-AEDD-3F4A-8AFF-D59A389E47DC}" type="datetimeFigureOut">
               <a:rPr lang="en-US" smtClean="0"/>
-              <a:t>11/19/12</a:t>
+              <a:t>11/20/12</a:t>
             </a:fld>
             <a:endParaRPr lang="en-US"/>
           </a:p>
@@ -2231,7 +2232,7 @@
           <a:p>
             <a:fld id="{C8A96B5A-AEDD-3F4A-8AFF-D59A389E47DC}" type="datetimeFigureOut">
               <a:rPr lang="en-US" smtClean="0"/>
-              <a:t>11/19/12</a:t>
+              <a:t>11/20/12</a:t>
             </a:fld>
             <a:endParaRPr lang="en-US"/>
           </a:p>
@@ -2349,7 +2350,7 @@
           <a:p>
             <a:fld id="{C8A96B5A-AEDD-3F4A-8AFF-D59A389E47DC}" type="datetimeFigureOut">
               <a:rPr lang="en-US" smtClean="0"/>
-              <a:t>11/19/12</a:t>
+              <a:t>11/20/12</a:t>
             </a:fld>
             <a:endParaRPr lang="en-US"/>
           </a:p>
@@ -2444,7 +2445,7 @@
           <a:p>
             <a:fld id="{C8A96B5A-AEDD-3F4A-8AFF-D59A389E47DC}" type="datetimeFigureOut">
               <a:rPr lang="en-US" smtClean="0"/>
-              <a:t>11/19/12</a:t>
+              <a:t>11/20/12</a:t>
             </a:fld>
             <a:endParaRPr lang="en-US"/>
           </a:p>
@@ -2721,7 +2722,7 @@
           <a:p>
             <a:fld id="{C8A96B5A-AEDD-3F4A-8AFF-D59A389E47DC}" type="datetimeFigureOut">
               <a:rPr lang="en-US" smtClean="0"/>
-              <a:t>11/19/12</a:t>
+              <a:t>11/20/12</a:t>
             </a:fld>
             <a:endParaRPr lang="en-US"/>
           </a:p>
@@ -2974,7 +2975,7 @@
           <a:p>
             <a:fld id="{C8A96B5A-AEDD-3F4A-8AFF-D59A389E47DC}" type="datetimeFigureOut">
               <a:rPr lang="en-US" smtClean="0"/>
-              <a:t>11/19/12</a:t>
+              <a:t>11/20/12</a:t>
             </a:fld>
             <a:endParaRPr lang="en-US"/>
           </a:p>
@@ -3187,7 +3188,7 @@
           <a:p>
             <a:fld id="{C8A96B5A-AEDD-3F4A-8AFF-D59A389E47DC}" type="datetimeFigureOut">
               <a:rPr lang="en-US" smtClean="0"/>
-              <a:t>11/19/12</a:t>
+              <a:t>11/20/12</a:t>
             </a:fld>
             <a:endParaRPr lang="en-US"/>
           </a:p>
@@ -27122,6 +27123,105 @@
 </p:sld>
 </file>
 
+<file path=ppt/slides/slide32.xml><?xml version="1.0" encoding="utf-8"?>
+<p:sld xmlns:a="http://schemas.openxmlformats.org/drawingml/2006/main" xmlns:r="http://schemas.openxmlformats.org/officeDocument/2006/relationships" xmlns:p="http://schemas.openxmlformats.org/presentationml/2006/main">
+  <p:cSld>
+    <p:spTree>
+      <p:nvGrpSpPr>
+        <p:cNvPr id="1" name=""/>
+        <p:cNvGrpSpPr/>
+        <p:nvPr/>
+      </p:nvGrpSpPr>
+      <p:grpSpPr>
+        <a:xfrm>
+          <a:off x="0" y="0"/>
+          <a:ext cx="0" cy="0"/>
+          <a:chOff x="0" y="0"/>
+          <a:chExt cx="0" cy="0"/>
+        </a:xfrm>
+      </p:grpSpPr>
+      <p:pic>
+        <p:nvPicPr>
+          <p:cNvPr id="2" name="Picture 1"/>
+          <p:cNvPicPr>
+            <a:picLocks noChangeAspect="1"/>
+          </p:cNvPicPr>
+          <p:nvPr/>
+        </p:nvPicPr>
+        <p:blipFill>
+          <a:blip r:embed="rId2"/>
+          <a:stretch>
+            <a:fillRect/>
+          </a:stretch>
+        </p:blipFill>
+        <p:spPr>
+          <a:xfrm>
+            <a:off x="2120900" y="215900"/>
+            <a:ext cx="4902200" cy="6426200"/>
+          </a:xfrm>
+          <a:prstGeom prst="rect">
+            <a:avLst/>
+          </a:prstGeom>
+        </p:spPr>
+      </p:pic>
+      <p:sp>
+        <p:nvSpPr>
+          <p:cNvPr id="3" name="Rectangle 2"/>
+          <p:cNvSpPr/>
+          <p:nvPr/>
+        </p:nvSpPr>
+        <p:spPr>
+          <a:xfrm>
+            <a:off x="2027307" y="3570995"/>
+            <a:ext cx="699072" cy="1118485"/>
+          </a:xfrm>
+          <a:prstGeom prst="rect">
+            <a:avLst/>
+          </a:prstGeom>
+          <a:solidFill>
+            <a:schemeClr val="bg1"/>
+          </a:solidFill>
+          <a:ln>
+            <a:noFill/>
+          </a:ln>
+          <a:effectLst/>
+        </p:spPr>
+        <p:style>
+          <a:lnRef idx="1">
+            <a:schemeClr val="accent1"/>
+          </a:lnRef>
+          <a:fillRef idx="3">
+            <a:schemeClr val="accent1"/>
+          </a:fillRef>
+          <a:effectRef idx="2">
+            <a:schemeClr val="accent1"/>
+          </a:effectRef>
+          <a:fontRef idx="minor">
+            <a:schemeClr val="lt1"/>
+          </a:fontRef>
+        </p:style>
+        <p:txBody>
+          <a:bodyPr rtlCol="0" anchor="ctr"/>
+          <a:lstStyle/>
+          <a:p>
+            <a:pPr algn="ctr"/>
+            <a:endParaRPr lang="en-US"/>
+          </a:p>
+        </p:txBody>
+      </p:sp>
+    </p:spTree>
+    <p:extLst>
+      <p:ext uri="{BB962C8B-B14F-4D97-AF65-F5344CB8AC3E}">
+        <p14:creationId xmlns:p14="http://schemas.microsoft.com/office/powerpoint/2010/main" val="3693495386"/>
+      </p:ext>
+    </p:extLst>
+  </p:cSld>
+  <p:clrMapOvr>
+    <a:masterClrMapping/>
+  </p:clrMapOvr>
+</p:sld>
+</file>
+
 <file path=ppt/slides/slide4.xml><?xml version="1.0" encoding="utf-8"?>
 <p:sld xmlns:a="http://schemas.openxmlformats.org/drawingml/2006/main" xmlns:r="http://schemas.openxmlformats.org/officeDocument/2006/relationships" xmlns:p="http://schemas.openxmlformats.org/presentationml/2006/main">
   <p:cSld>
